--- a/Cikls ar skaitītāju programmēšanas valodā Python.pptx
+++ b/Cikls ar skaitītāju programmēšanas valodā Python.pptx
@@ -15,17 +15,28 @@
     <p:sldId id="263" r:id="rId13"/>
     <p:sldId id="264" r:id="rId14"/>
     <p:sldId id="265" r:id="rId15"/>
+    <p:sldId id="266" r:id="rId16"/>
+    <p:sldId id="267" r:id="rId17"/>
+    <p:sldId id="268" r:id="rId18"/>
+    <p:sldId id="269" r:id="rId19"/>
+    <p:sldId id="270" r:id="rId20"/>
+    <p:sldId id="271" r:id="rId21"/>
+    <p:sldId id="272" r:id="rId22"/>
   </p:sldIdLst>
   <p:sldSz cx="18288000" cy="10287000"/>
   <p:notesSz cx="6858000" cy="9144000"/>
   <p:embeddedFontLst>
     <p:embeddedFont>
       <p:font typeface="Bold Ink" charset="1" panose="00000500000000000000"/>
-      <p:regular r:id="rId16"/>
+      <p:regular r:id="rId23"/>
     </p:embeddedFont>
     <p:embeddedFont>
       <p:font typeface="Akzidenz-Grotesk" charset="1" panose="02000503030000020003"/>
-      <p:regular r:id="rId17"/>
+      <p:regular r:id="rId24"/>
+    </p:embeddedFont>
+    <p:embeddedFont>
+      <p:font typeface="Open Sans" charset="1" panose="020B0606030504020204"/>
+      <p:regular r:id="rId25"/>
     </p:embeddedFont>
   </p:embeddedFontLst>
   <p:defaultTextStyle>
@@ -3803,6 +3814,961 @@
 </file>
 
 <file path=ppt/slides/slide10.xml><?xml version="1.0" encoding="utf-8"?>
+<p:sld xmlns:p="http://schemas.openxmlformats.org/presentationml/2006/main" xmlns:a="http://schemas.openxmlformats.org/drawingml/2006/main" xmlns:r="http://schemas.openxmlformats.org/officeDocument/2006/relationships">
+  <p:cSld>
+    <p:bg>
+      <p:bgPr>
+        <a:solidFill>
+          <a:srgbClr val="DEDEDE"/>
+        </a:solidFill>
+      </p:bgPr>
+    </p:bg>
+    <p:spTree>
+      <p:nvGrpSpPr>
+        <p:cNvPr id="1" name=""/>
+        <p:cNvGrpSpPr/>
+        <p:nvPr/>
+      </p:nvGrpSpPr>
+      <p:grpSpPr>
+        <a:xfrm>
+          <a:off x="0" y="0"/>
+          <a:ext cx="0" cy="0"/>
+          <a:chOff x="0" y="0"/>
+          <a:chExt cx="0" cy="0"/>
+        </a:xfrm>
+      </p:grpSpPr>
+      <p:grpSp>
+        <p:nvGrpSpPr>
+          <p:cNvPr name="Group 2" id="2"/>
+          <p:cNvGrpSpPr/>
+          <p:nvPr/>
+        </p:nvGrpSpPr>
+        <p:grpSpPr>
+          <a:xfrm rot="-2562626">
+            <a:off x="-4763849" y="7784323"/>
+            <a:ext cx="8132490" cy="4066245"/>
+            <a:chOff x="0" y="0"/>
+            <a:chExt cx="812800" cy="406400"/>
+          </a:xfrm>
+        </p:grpSpPr>
+        <p:sp>
+          <p:nvSpPr>
+            <p:cNvPr name="Freeform 3" id="3"/>
+            <p:cNvSpPr/>
+            <p:nvPr/>
+          </p:nvSpPr>
+          <p:spPr>
+            <a:xfrm flipH="false" flipV="false" rot="0">
+              <a:off x="0" y="0"/>
+              <a:ext cx="812800" cy="406400"/>
+            </a:xfrm>
+            <a:custGeom>
+              <a:avLst/>
+              <a:gdLst/>
+              <a:ahLst/>
+              <a:cxnLst/>
+              <a:rect r="r" b="b" t="t" l="l"/>
+              <a:pathLst>
+                <a:path h="406400" w="812800">
+                  <a:moveTo>
+                    <a:pt x="609600" y="0"/>
+                  </a:moveTo>
+                  <a:cubicBezTo>
+                    <a:pt x="721824" y="0"/>
+                    <a:pt x="812800" y="90976"/>
+                    <a:pt x="812800" y="203200"/>
+                  </a:cubicBezTo>
+                  <a:cubicBezTo>
+                    <a:pt x="812800" y="315424"/>
+                    <a:pt x="721824" y="406400"/>
+                    <a:pt x="609600" y="406400"/>
+                  </a:cubicBezTo>
+                  <a:lnTo>
+                    <a:pt x="203200" y="406400"/>
+                  </a:lnTo>
+                  <a:cubicBezTo>
+                    <a:pt x="90976" y="406400"/>
+                    <a:pt x="0" y="315424"/>
+                    <a:pt x="0" y="203200"/>
+                  </a:cubicBezTo>
+                  <a:cubicBezTo>
+                    <a:pt x="0" y="90976"/>
+                    <a:pt x="90976" y="0"/>
+                    <a:pt x="203200" y="0"/>
+                  </a:cubicBezTo>
+                  <a:close/>
+                </a:path>
+              </a:pathLst>
+            </a:custGeom>
+            <a:solidFill>
+              <a:srgbClr val="545454"/>
+            </a:solidFill>
+          </p:spPr>
+        </p:sp>
+        <p:sp>
+          <p:nvSpPr>
+            <p:cNvPr name="TextBox 4" id="4"/>
+            <p:cNvSpPr txBox="true"/>
+            <p:nvPr/>
+          </p:nvSpPr>
+          <p:spPr>
+            <a:xfrm>
+              <a:off x="0" y="-38100"/>
+              <a:ext cx="812800" cy="444500"/>
+            </a:xfrm>
+            <a:prstGeom prst="rect">
+              <a:avLst/>
+            </a:prstGeom>
+          </p:spPr>
+          <p:txBody>
+            <a:bodyPr anchor="ctr" rtlCol="false" tIns="50800" lIns="50800" bIns="50800" rIns="50800"/>
+            <a:lstStyle/>
+            <a:p>
+              <a:pPr algn="ctr">
+                <a:lnSpc>
+                  <a:spcPts val="2659"/>
+                </a:lnSpc>
+                <a:spcBef>
+                  <a:spcPct val="0"/>
+                </a:spcBef>
+              </a:pPr>
+            </a:p>
+          </p:txBody>
+        </p:sp>
+      </p:grpSp>
+      <p:grpSp>
+        <p:nvGrpSpPr>
+          <p:cNvPr name="Group 5" id="5"/>
+          <p:cNvGrpSpPr/>
+          <p:nvPr/>
+        </p:nvGrpSpPr>
+        <p:grpSpPr>
+          <a:xfrm rot="-2562626">
+            <a:off x="-1091559" y="10289015"/>
+            <a:ext cx="4019797" cy="2009899"/>
+            <a:chOff x="0" y="0"/>
+            <a:chExt cx="812800" cy="406400"/>
+          </a:xfrm>
+        </p:grpSpPr>
+        <p:sp>
+          <p:nvSpPr>
+            <p:cNvPr name="Freeform 6" id="6"/>
+            <p:cNvSpPr/>
+            <p:nvPr/>
+          </p:nvSpPr>
+          <p:spPr>
+            <a:xfrm flipH="false" flipV="false" rot="0">
+              <a:off x="0" y="0"/>
+              <a:ext cx="812800" cy="406400"/>
+            </a:xfrm>
+            <a:custGeom>
+              <a:avLst/>
+              <a:gdLst/>
+              <a:ahLst/>
+              <a:cxnLst/>
+              <a:rect r="r" b="b" t="t" l="l"/>
+              <a:pathLst>
+                <a:path h="406400" w="812800">
+                  <a:moveTo>
+                    <a:pt x="609600" y="0"/>
+                  </a:moveTo>
+                  <a:cubicBezTo>
+                    <a:pt x="721824" y="0"/>
+                    <a:pt x="812800" y="90976"/>
+                    <a:pt x="812800" y="203200"/>
+                  </a:cubicBezTo>
+                  <a:cubicBezTo>
+                    <a:pt x="812800" y="315424"/>
+                    <a:pt x="721824" y="406400"/>
+                    <a:pt x="609600" y="406400"/>
+                  </a:cubicBezTo>
+                  <a:lnTo>
+                    <a:pt x="203200" y="406400"/>
+                  </a:lnTo>
+                  <a:cubicBezTo>
+                    <a:pt x="90976" y="406400"/>
+                    <a:pt x="0" y="315424"/>
+                    <a:pt x="0" y="203200"/>
+                  </a:cubicBezTo>
+                  <a:cubicBezTo>
+                    <a:pt x="0" y="90976"/>
+                    <a:pt x="90976" y="0"/>
+                    <a:pt x="203200" y="0"/>
+                  </a:cubicBezTo>
+                  <a:close/>
+                </a:path>
+              </a:pathLst>
+            </a:custGeom>
+            <a:solidFill>
+              <a:srgbClr val="737373"/>
+            </a:solidFill>
+          </p:spPr>
+        </p:sp>
+        <p:sp>
+          <p:nvSpPr>
+            <p:cNvPr name="TextBox 7" id="7"/>
+            <p:cNvSpPr txBox="true"/>
+            <p:nvPr/>
+          </p:nvSpPr>
+          <p:spPr>
+            <a:xfrm>
+              <a:off x="0" y="-38100"/>
+              <a:ext cx="812800" cy="444500"/>
+            </a:xfrm>
+            <a:prstGeom prst="rect">
+              <a:avLst/>
+            </a:prstGeom>
+          </p:spPr>
+          <p:txBody>
+            <a:bodyPr anchor="ctr" rtlCol="false" tIns="50800" lIns="50800" bIns="50800" rIns="50800"/>
+            <a:lstStyle/>
+            <a:p>
+              <a:pPr algn="ctr">
+                <a:lnSpc>
+                  <a:spcPts val="2659"/>
+                </a:lnSpc>
+                <a:spcBef>
+                  <a:spcPct val="0"/>
+                </a:spcBef>
+              </a:pPr>
+            </a:p>
+          </p:txBody>
+        </p:sp>
+      </p:grpSp>
+      <p:grpSp>
+        <p:nvGrpSpPr>
+          <p:cNvPr name="Group 8" id="8"/>
+          <p:cNvGrpSpPr/>
+          <p:nvPr/>
+        </p:nvGrpSpPr>
+        <p:grpSpPr>
+          <a:xfrm rot="-2562626">
+            <a:off x="15760647" y="-1537845"/>
+            <a:ext cx="8664509" cy="4332254"/>
+            <a:chOff x="0" y="0"/>
+            <a:chExt cx="812800" cy="406400"/>
+          </a:xfrm>
+        </p:grpSpPr>
+        <p:sp>
+          <p:nvSpPr>
+            <p:cNvPr name="Freeform 9" id="9"/>
+            <p:cNvSpPr/>
+            <p:nvPr/>
+          </p:nvSpPr>
+          <p:spPr>
+            <a:xfrm flipH="false" flipV="false" rot="0">
+              <a:off x="0" y="0"/>
+              <a:ext cx="812800" cy="406400"/>
+            </a:xfrm>
+            <a:custGeom>
+              <a:avLst/>
+              <a:gdLst/>
+              <a:ahLst/>
+              <a:cxnLst/>
+              <a:rect r="r" b="b" t="t" l="l"/>
+              <a:pathLst>
+                <a:path h="406400" w="812800">
+                  <a:moveTo>
+                    <a:pt x="609600" y="0"/>
+                  </a:moveTo>
+                  <a:cubicBezTo>
+                    <a:pt x="721824" y="0"/>
+                    <a:pt x="812800" y="90976"/>
+                    <a:pt x="812800" y="203200"/>
+                  </a:cubicBezTo>
+                  <a:cubicBezTo>
+                    <a:pt x="812800" y="315424"/>
+                    <a:pt x="721824" y="406400"/>
+                    <a:pt x="609600" y="406400"/>
+                  </a:cubicBezTo>
+                  <a:lnTo>
+                    <a:pt x="203200" y="406400"/>
+                  </a:lnTo>
+                  <a:cubicBezTo>
+                    <a:pt x="90976" y="406400"/>
+                    <a:pt x="0" y="315424"/>
+                    <a:pt x="0" y="203200"/>
+                  </a:cubicBezTo>
+                  <a:cubicBezTo>
+                    <a:pt x="0" y="90976"/>
+                    <a:pt x="90976" y="0"/>
+                    <a:pt x="203200" y="0"/>
+                  </a:cubicBezTo>
+                  <a:close/>
+                </a:path>
+              </a:pathLst>
+            </a:custGeom>
+            <a:solidFill>
+              <a:srgbClr val="545454"/>
+            </a:solidFill>
+          </p:spPr>
+        </p:sp>
+        <p:sp>
+          <p:nvSpPr>
+            <p:cNvPr name="TextBox 10" id="10"/>
+            <p:cNvSpPr txBox="true"/>
+            <p:nvPr/>
+          </p:nvSpPr>
+          <p:spPr>
+            <a:xfrm>
+              <a:off x="0" y="-38100"/>
+              <a:ext cx="812800" cy="444500"/>
+            </a:xfrm>
+            <a:prstGeom prst="rect">
+              <a:avLst/>
+            </a:prstGeom>
+          </p:spPr>
+          <p:txBody>
+            <a:bodyPr anchor="ctr" rtlCol="false" tIns="50800" lIns="50800" bIns="50800" rIns="50800"/>
+            <a:lstStyle/>
+            <a:p>
+              <a:pPr algn="ctr">
+                <a:lnSpc>
+                  <a:spcPts val="2659"/>
+                </a:lnSpc>
+                <a:spcBef>
+                  <a:spcPct val="0"/>
+                </a:spcBef>
+              </a:pPr>
+            </a:p>
+          </p:txBody>
+        </p:sp>
+      </p:grpSp>
+      <p:grpSp>
+        <p:nvGrpSpPr>
+          <p:cNvPr name="Group 11" id="11"/>
+          <p:cNvGrpSpPr/>
+          <p:nvPr/>
+        </p:nvGrpSpPr>
+        <p:grpSpPr>
+          <a:xfrm rot="-2562626">
+            <a:off x="16327816" y="-2285619"/>
+            <a:ext cx="4282768" cy="2141384"/>
+            <a:chOff x="0" y="0"/>
+            <a:chExt cx="812800" cy="406400"/>
+          </a:xfrm>
+        </p:grpSpPr>
+        <p:sp>
+          <p:nvSpPr>
+            <p:cNvPr name="Freeform 12" id="12"/>
+            <p:cNvSpPr/>
+            <p:nvPr/>
+          </p:nvSpPr>
+          <p:spPr>
+            <a:xfrm flipH="false" flipV="false" rot="0">
+              <a:off x="0" y="0"/>
+              <a:ext cx="812800" cy="406400"/>
+            </a:xfrm>
+            <a:custGeom>
+              <a:avLst/>
+              <a:gdLst/>
+              <a:ahLst/>
+              <a:cxnLst/>
+              <a:rect r="r" b="b" t="t" l="l"/>
+              <a:pathLst>
+                <a:path h="406400" w="812800">
+                  <a:moveTo>
+                    <a:pt x="609600" y="0"/>
+                  </a:moveTo>
+                  <a:cubicBezTo>
+                    <a:pt x="721824" y="0"/>
+                    <a:pt x="812800" y="90976"/>
+                    <a:pt x="812800" y="203200"/>
+                  </a:cubicBezTo>
+                  <a:cubicBezTo>
+                    <a:pt x="812800" y="315424"/>
+                    <a:pt x="721824" y="406400"/>
+                    <a:pt x="609600" y="406400"/>
+                  </a:cubicBezTo>
+                  <a:lnTo>
+                    <a:pt x="203200" y="406400"/>
+                  </a:lnTo>
+                  <a:cubicBezTo>
+                    <a:pt x="90976" y="406400"/>
+                    <a:pt x="0" y="315424"/>
+                    <a:pt x="0" y="203200"/>
+                  </a:cubicBezTo>
+                  <a:cubicBezTo>
+                    <a:pt x="0" y="90976"/>
+                    <a:pt x="90976" y="0"/>
+                    <a:pt x="203200" y="0"/>
+                  </a:cubicBezTo>
+                  <a:close/>
+                </a:path>
+              </a:pathLst>
+            </a:custGeom>
+            <a:solidFill>
+              <a:srgbClr val="737373"/>
+            </a:solidFill>
+          </p:spPr>
+        </p:sp>
+        <p:sp>
+          <p:nvSpPr>
+            <p:cNvPr name="TextBox 13" id="13"/>
+            <p:cNvSpPr txBox="true"/>
+            <p:nvPr/>
+          </p:nvSpPr>
+          <p:spPr>
+            <a:xfrm>
+              <a:off x="0" y="-38100"/>
+              <a:ext cx="812800" cy="444500"/>
+            </a:xfrm>
+            <a:prstGeom prst="rect">
+              <a:avLst/>
+            </a:prstGeom>
+          </p:spPr>
+          <p:txBody>
+            <a:bodyPr anchor="ctr" rtlCol="false" tIns="50800" lIns="50800" bIns="50800" rIns="50800"/>
+            <a:lstStyle/>
+            <a:p>
+              <a:pPr algn="ctr">
+                <a:lnSpc>
+                  <a:spcPts val="2659"/>
+                </a:lnSpc>
+                <a:spcBef>
+                  <a:spcPct val="0"/>
+                </a:spcBef>
+              </a:pPr>
+            </a:p>
+          </p:txBody>
+        </p:sp>
+      </p:grpSp>
+      <p:grpSp>
+        <p:nvGrpSpPr>
+          <p:cNvPr name="Group 14" id="14"/>
+          <p:cNvGrpSpPr/>
+          <p:nvPr/>
+        </p:nvGrpSpPr>
+        <p:grpSpPr>
+          <a:xfrm rot="-2562626">
+            <a:off x="13101516" y="9777072"/>
+            <a:ext cx="3710089" cy="1855044"/>
+            <a:chOff x="0" y="0"/>
+            <a:chExt cx="812800" cy="406400"/>
+          </a:xfrm>
+        </p:grpSpPr>
+        <p:sp>
+          <p:nvSpPr>
+            <p:cNvPr name="Freeform 15" id="15"/>
+            <p:cNvSpPr/>
+            <p:nvPr/>
+          </p:nvSpPr>
+          <p:spPr>
+            <a:xfrm flipH="false" flipV="false" rot="0">
+              <a:off x="0" y="0"/>
+              <a:ext cx="812800" cy="406400"/>
+            </a:xfrm>
+            <a:custGeom>
+              <a:avLst/>
+              <a:gdLst/>
+              <a:ahLst/>
+              <a:cxnLst/>
+              <a:rect r="r" b="b" t="t" l="l"/>
+              <a:pathLst>
+                <a:path h="406400" w="812800">
+                  <a:moveTo>
+                    <a:pt x="609600" y="0"/>
+                  </a:moveTo>
+                  <a:cubicBezTo>
+                    <a:pt x="721824" y="0"/>
+                    <a:pt x="812800" y="90976"/>
+                    <a:pt x="812800" y="203200"/>
+                  </a:cubicBezTo>
+                  <a:cubicBezTo>
+                    <a:pt x="812800" y="315424"/>
+                    <a:pt x="721824" y="406400"/>
+                    <a:pt x="609600" y="406400"/>
+                  </a:cubicBezTo>
+                  <a:lnTo>
+                    <a:pt x="203200" y="406400"/>
+                  </a:lnTo>
+                  <a:cubicBezTo>
+                    <a:pt x="90976" y="406400"/>
+                    <a:pt x="0" y="315424"/>
+                    <a:pt x="0" y="203200"/>
+                  </a:cubicBezTo>
+                  <a:cubicBezTo>
+                    <a:pt x="0" y="90976"/>
+                    <a:pt x="90976" y="0"/>
+                    <a:pt x="203200" y="0"/>
+                  </a:cubicBezTo>
+                  <a:close/>
+                </a:path>
+              </a:pathLst>
+            </a:custGeom>
+            <a:solidFill>
+              <a:srgbClr val="000000">
+                <a:alpha val="0"/>
+              </a:srgbClr>
+            </a:solidFill>
+            <a:ln w="57150" cap="sq">
+              <a:solidFill>
+                <a:srgbClr val="545454"/>
+              </a:solidFill>
+              <a:prstDash val="solid"/>
+              <a:miter/>
+            </a:ln>
+          </p:spPr>
+        </p:sp>
+        <p:sp>
+          <p:nvSpPr>
+            <p:cNvPr name="TextBox 16" id="16"/>
+            <p:cNvSpPr txBox="true"/>
+            <p:nvPr/>
+          </p:nvSpPr>
+          <p:spPr>
+            <a:xfrm>
+              <a:off x="0" y="-38100"/>
+              <a:ext cx="812800" cy="444500"/>
+            </a:xfrm>
+            <a:prstGeom prst="rect">
+              <a:avLst/>
+            </a:prstGeom>
+          </p:spPr>
+          <p:txBody>
+            <a:bodyPr anchor="ctr" rtlCol="false" tIns="50800" lIns="50800" bIns="50800" rIns="50800"/>
+            <a:lstStyle/>
+            <a:p>
+              <a:pPr algn="ctr">
+                <a:lnSpc>
+                  <a:spcPts val="2659"/>
+                </a:lnSpc>
+                <a:spcBef>
+                  <a:spcPct val="0"/>
+                </a:spcBef>
+              </a:pPr>
+            </a:p>
+          </p:txBody>
+        </p:sp>
+      </p:grpSp>
+      <p:grpSp>
+        <p:nvGrpSpPr>
+          <p:cNvPr name="Group 17" id="17"/>
+          <p:cNvGrpSpPr/>
+          <p:nvPr/>
+        </p:nvGrpSpPr>
+        <p:grpSpPr>
+          <a:xfrm rot="-2562626">
+            <a:off x="1610027" y="-1189519"/>
+            <a:ext cx="3726595" cy="1863298"/>
+            <a:chOff x="0" y="0"/>
+            <a:chExt cx="812800" cy="406400"/>
+          </a:xfrm>
+        </p:grpSpPr>
+        <p:sp>
+          <p:nvSpPr>
+            <p:cNvPr name="Freeform 18" id="18"/>
+            <p:cNvSpPr/>
+            <p:nvPr/>
+          </p:nvSpPr>
+          <p:spPr>
+            <a:xfrm flipH="false" flipV="false" rot="0">
+              <a:off x="0" y="0"/>
+              <a:ext cx="812800" cy="406400"/>
+            </a:xfrm>
+            <a:custGeom>
+              <a:avLst/>
+              <a:gdLst/>
+              <a:ahLst/>
+              <a:cxnLst/>
+              <a:rect r="r" b="b" t="t" l="l"/>
+              <a:pathLst>
+                <a:path h="406400" w="812800">
+                  <a:moveTo>
+                    <a:pt x="609600" y="0"/>
+                  </a:moveTo>
+                  <a:cubicBezTo>
+                    <a:pt x="721824" y="0"/>
+                    <a:pt x="812800" y="90976"/>
+                    <a:pt x="812800" y="203200"/>
+                  </a:cubicBezTo>
+                  <a:cubicBezTo>
+                    <a:pt x="812800" y="315424"/>
+                    <a:pt x="721824" y="406400"/>
+                    <a:pt x="609600" y="406400"/>
+                  </a:cubicBezTo>
+                  <a:lnTo>
+                    <a:pt x="203200" y="406400"/>
+                  </a:lnTo>
+                  <a:cubicBezTo>
+                    <a:pt x="90976" y="406400"/>
+                    <a:pt x="0" y="315424"/>
+                    <a:pt x="0" y="203200"/>
+                  </a:cubicBezTo>
+                  <a:cubicBezTo>
+                    <a:pt x="0" y="90976"/>
+                    <a:pt x="90976" y="0"/>
+                    <a:pt x="203200" y="0"/>
+                  </a:cubicBezTo>
+                  <a:close/>
+                </a:path>
+              </a:pathLst>
+            </a:custGeom>
+            <a:solidFill>
+              <a:srgbClr val="000000">
+                <a:alpha val="0"/>
+              </a:srgbClr>
+            </a:solidFill>
+            <a:ln w="57150" cap="sq">
+              <a:solidFill>
+                <a:srgbClr val="545454"/>
+              </a:solidFill>
+              <a:prstDash val="solid"/>
+              <a:miter/>
+            </a:ln>
+          </p:spPr>
+        </p:sp>
+        <p:sp>
+          <p:nvSpPr>
+            <p:cNvPr name="TextBox 19" id="19"/>
+            <p:cNvSpPr txBox="true"/>
+            <p:nvPr/>
+          </p:nvSpPr>
+          <p:spPr>
+            <a:xfrm>
+              <a:off x="0" y="-38100"/>
+              <a:ext cx="812800" cy="444500"/>
+            </a:xfrm>
+            <a:prstGeom prst="rect">
+              <a:avLst/>
+            </a:prstGeom>
+          </p:spPr>
+          <p:txBody>
+            <a:bodyPr anchor="ctr" rtlCol="false" tIns="50800" lIns="50800" bIns="50800" rIns="50800"/>
+            <a:lstStyle/>
+            <a:p>
+              <a:pPr algn="ctr">
+                <a:lnSpc>
+                  <a:spcPts val="2659"/>
+                </a:lnSpc>
+                <a:spcBef>
+                  <a:spcPct val="0"/>
+                </a:spcBef>
+              </a:pPr>
+            </a:p>
+          </p:txBody>
+        </p:sp>
+      </p:grpSp>
+      <p:sp>
+        <p:nvSpPr>
+          <p:cNvPr name="Freeform 20" id="20"/>
+          <p:cNvSpPr/>
+          <p:nvPr/>
+        </p:nvSpPr>
+        <p:spPr>
+          <a:xfrm flipH="false" flipV="false" rot="0">
+            <a:off x="3231626" y="2632737"/>
+            <a:ext cx="5319178" cy="1036558"/>
+          </a:xfrm>
+          <a:custGeom>
+            <a:avLst/>
+            <a:gdLst/>
+            <a:ahLst/>
+            <a:cxnLst/>
+            <a:rect r="r" b="b" t="t" l="l"/>
+            <a:pathLst>
+              <a:path h="1036558" w="5319178">
+                <a:moveTo>
+                  <a:pt x="0" y="0"/>
+                </a:moveTo>
+                <a:lnTo>
+                  <a:pt x="5319178" y="0"/>
+                </a:lnTo>
+                <a:lnTo>
+                  <a:pt x="5319178" y="1036557"/>
+                </a:lnTo>
+                <a:lnTo>
+                  <a:pt x="0" y="1036557"/>
+                </a:lnTo>
+                <a:lnTo>
+                  <a:pt x="0" y="0"/>
+                </a:lnTo>
+                <a:close/>
+              </a:path>
+            </a:pathLst>
+          </a:custGeom>
+          <a:blipFill>
+            <a:blip r:embed="rId2"/>
+            <a:stretch>
+              <a:fillRect l="0" t="0" r="0" b="0"/>
+            </a:stretch>
+          </a:blipFill>
+        </p:spPr>
+      </p:sp>
+      <p:sp>
+        <p:nvSpPr>
+          <p:cNvPr name="Freeform 21" id="21"/>
+          <p:cNvSpPr/>
+          <p:nvPr/>
+        </p:nvSpPr>
+        <p:spPr>
+          <a:xfrm flipH="false" flipV="false" rot="0">
+            <a:off x="4008657" y="3993144"/>
+            <a:ext cx="3765116" cy="646535"/>
+          </a:xfrm>
+          <a:custGeom>
+            <a:avLst/>
+            <a:gdLst/>
+            <a:ahLst/>
+            <a:cxnLst/>
+            <a:rect r="r" b="b" t="t" l="l"/>
+            <a:pathLst>
+              <a:path h="646535" w="3765116">
+                <a:moveTo>
+                  <a:pt x="0" y="0"/>
+                </a:moveTo>
+                <a:lnTo>
+                  <a:pt x="3765116" y="0"/>
+                </a:lnTo>
+                <a:lnTo>
+                  <a:pt x="3765116" y="646535"/>
+                </a:lnTo>
+                <a:lnTo>
+                  <a:pt x="0" y="646535"/>
+                </a:lnTo>
+                <a:lnTo>
+                  <a:pt x="0" y="0"/>
+                </a:lnTo>
+                <a:close/>
+              </a:path>
+            </a:pathLst>
+          </a:custGeom>
+          <a:blipFill>
+            <a:blip r:embed="rId3"/>
+            <a:stretch>
+              <a:fillRect l="0" t="0" r="0" b="0"/>
+            </a:stretch>
+          </a:blipFill>
+        </p:spPr>
+      </p:sp>
+      <p:sp>
+        <p:nvSpPr>
+          <p:cNvPr name="Freeform 22" id="22"/>
+          <p:cNvSpPr/>
+          <p:nvPr/>
+        </p:nvSpPr>
+        <p:spPr>
+          <a:xfrm flipH="false" flipV="false" rot="0">
+            <a:off x="3279638" y="5936592"/>
+            <a:ext cx="5223155" cy="1033152"/>
+          </a:xfrm>
+          <a:custGeom>
+            <a:avLst/>
+            <a:gdLst/>
+            <a:ahLst/>
+            <a:cxnLst/>
+            <a:rect r="r" b="b" t="t" l="l"/>
+            <a:pathLst>
+              <a:path h="1033152" w="5223155">
+                <a:moveTo>
+                  <a:pt x="0" y="0"/>
+                </a:moveTo>
+                <a:lnTo>
+                  <a:pt x="5223155" y="0"/>
+                </a:lnTo>
+                <a:lnTo>
+                  <a:pt x="5223155" y="1033151"/>
+                </a:lnTo>
+                <a:lnTo>
+                  <a:pt x="0" y="1033151"/>
+                </a:lnTo>
+                <a:lnTo>
+                  <a:pt x="0" y="0"/>
+                </a:lnTo>
+                <a:close/>
+              </a:path>
+            </a:pathLst>
+          </a:custGeom>
+          <a:blipFill>
+            <a:blip r:embed="rId4"/>
+            <a:stretch>
+              <a:fillRect l="0" t="0" r="0" b="0"/>
+            </a:stretch>
+          </a:blipFill>
+        </p:spPr>
+      </p:sp>
+      <p:sp>
+        <p:nvSpPr>
+          <p:cNvPr name="Freeform 23" id="23"/>
+          <p:cNvSpPr/>
+          <p:nvPr/>
+        </p:nvSpPr>
+        <p:spPr>
+          <a:xfrm flipH="false" flipV="false" rot="0">
+            <a:off x="4289067" y="7293593"/>
+            <a:ext cx="3204297" cy="1118961"/>
+          </a:xfrm>
+          <a:custGeom>
+            <a:avLst/>
+            <a:gdLst/>
+            <a:ahLst/>
+            <a:cxnLst/>
+            <a:rect r="r" b="b" t="t" l="l"/>
+            <a:pathLst>
+              <a:path h="1118961" w="3204297">
+                <a:moveTo>
+                  <a:pt x="0" y="0"/>
+                </a:moveTo>
+                <a:lnTo>
+                  <a:pt x="3204297" y="0"/>
+                </a:lnTo>
+                <a:lnTo>
+                  <a:pt x="3204297" y="1118961"/>
+                </a:lnTo>
+                <a:lnTo>
+                  <a:pt x="0" y="1118961"/>
+                </a:lnTo>
+                <a:lnTo>
+                  <a:pt x="0" y="0"/>
+                </a:lnTo>
+                <a:close/>
+              </a:path>
+            </a:pathLst>
+          </a:custGeom>
+          <a:blipFill>
+            <a:blip r:embed="rId5"/>
+            <a:stretch>
+              <a:fillRect l="0" t="0" r="0" b="0"/>
+            </a:stretch>
+          </a:blipFill>
+        </p:spPr>
+      </p:sp>
+      <p:sp>
+        <p:nvSpPr>
+          <p:cNvPr name="TextBox 24" id="24"/>
+          <p:cNvSpPr txBox="true"/>
+          <p:nvPr/>
+        </p:nvSpPr>
+        <p:spPr>
+          <a:xfrm rot="0">
+            <a:off x="2994311" y="1290995"/>
+            <a:ext cx="12690469" cy="1013779"/>
+          </a:xfrm>
+          <a:prstGeom prst="rect">
+            <a:avLst/>
+          </a:prstGeom>
+        </p:spPr>
+        <p:txBody>
+          <a:bodyPr anchor="t" rtlCol="false" tIns="0" lIns="0" bIns="0" rIns="0">
+            <a:spAutoFit/>
+          </a:bodyPr>
+          <a:lstStyle/>
+          <a:p>
+            <a:pPr algn="ctr">
+              <a:lnSpc>
+                <a:spcPts val="7182"/>
+              </a:lnSpc>
+            </a:pPr>
+            <a:r>
+              <a:rPr lang="en-US" sz="8450">
+                <a:solidFill>
+                  <a:srgbClr val="545454"/>
+                </a:solidFill>
+                <a:latin typeface="Bold Ink"/>
+                <a:ea typeface="Bold Ink"/>
+                <a:cs typeface="Bold Ink"/>
+                <a:sym typeface="Bold Ink"/>
+              </a:rPr>
+              <a:t>PIEMĒRI</a:t>
+            </a:r>
+          </a:p>
+        </p:txBody>
+      </p:sp>
+      <p:sp>
+        <p:nvSpPr>
+          <p:cNvPr name="TextBox 25" id="25"/>
+          <p:cNvSpPr txBox="true"/>
+          <p:nvPr/>
+        </p:nvSpPr>
+        <p:spPr>
+          <a:xfrm rot="0">
+            <a:off x="9144000" y="3027190"/>
+            <a:ext cx="7364857" cy="1140757"/>
+          </a:xfrm>
+          <a:prstGeom prst="rect">
+            <a:avLst/>
+          </a:prstGeom>
+        </p:spPr>
+        <p:txBody>
+          <a:bodyPr anchor="t" rtlCol="false" tIns="0" lIns="0" bIns="0" rIns="0">
+            <a:spAutoFit/>
+          </a:bodyPr>
+          <a:lstStyle/>
+          <a:p>
+            <a:pPr algn="l" marL="669557" indent="-334778" lvl="1">
+              <a:lnSpc>
+                <a:spcPts val="4341"/>
+              </a:lnSpc>
+              <a:buFont typeface="Arial"/>
+              <a:buChar char="•"/>
+            </a:pPr>
+            <a:r>
+              <a:rPr lang="en-US" sz="3101">
+                <a:solidFill>
+                  <a:srgbClr val="61654D"/>
+                </a:solidFill>
+                <a:latin typeface="Akzidenz-Grotesk"/>
+                <a:ea typeface="Akzidenz-Grotesk"/>
+                <a:cs typeface="Akzidenz-Grotesk"/>
+                <a:sym typeface="Akzidenz-Grotesk"/>
+              </a:rPr>
+              <a:t>Cikla strādā no 7 līdz 0 (neieskaitot) ar soli -1.</a:t>
+            </a:r>
+          </a:p>
+        </p:txBody>
+      </p:sp>
+      <p:sp>
+        <p:nvSpPr>
+          <p:cNvPr name="TextBox 26" id="26"/>
+          <p:cNvSpPr txBox="true"/>
+          <p:nvPr/>
+        </p:nvSpPr>
+        <p:spPr>
+          <a:xfrm rot="0">
+            <a:off x="9458989" y="6329343"/>
+            <a:ext cx="7364857" cy="1130904"/>
+          </a:xfrm>
+          <a:prstGeom prst="rect">
+            <a:avLst/>
+          </a:prstGeom>
+        </p:spPr>
+        <p:txBody>
+          <a:bodyPr anchor="t" rtlCol="false" tIns="0" lIns="0" bIns="0" rIns="0">
+            <a:spAutoFit/>
+          </a:bodyPr>
+          <a:lstStyle/>
+          <a:p>
+            <a:pPr algn="l" marL="669557" indent="-334778" lvl="1">
+              <a:lnSpc>
+                <a:spcPts val="4341"/>
+              </a:lnSpc>
+              <a:buFont typeface="Arial"/>
+              <a:buChar char="•"/>
+            </a:pPr>
+            <a:r>
+              <a:rPr lang="en-US" sz="3101">
+                <a:solidFill>
+                  <a:srgbClr val="61654D"/>
+                </a:solidFill>
+                <a:latin typeface="Akzidenz-Grotesk"/>
+                <a:ea typeface="Akzidenz-Grotesk"/>
+                <a:cs typeface="Akzidenz-Grotesk"/>
+                <a:sym typeface="Akzidenz-Grotesk"/>
+              </a:rPr>
+              <a:t>Cikls strādā no 1 līdz 8 (neiskaitot) ar soli 2.</a:t>
+            </a:r>
+          </a:p>
+        </p:txBody>
+      </p:sp>
+    </p:spTree>
+  </p:cSld>
+  <p:clrMapOvr>
+    <a:masterClrMapping/>
+  </p:clrMapOvr>
+</p:sld>
+</file>
+
+<file path=ppt/slides/slide11.xml><?xml version="1.0" encoding="utf-8"?>
 <p:sld xmlns:p="http://schemas.openxmlformats.org/presentationml/2006/main" xmlns:a="http://schemas.openxmlformats.org/drawingml/2006/main">
   <p:cSld>
     <p:bg>
@@ -4446,8 +5412,8 @@
         </p:nvSpPr>
         <p:spPr>
           <a:xfrm rot="0">
-            <a:off x="3029631" y="3439211"/>
-            <a:ext cx="12228738" cy="3980077"/>
+            <a:off x="7554131" y="1317020"/>
+            <a:ext cx="3179739" cy="1013779"/>
           </a:xfrm>
           <a:prstGeom prst="rect">
             <a:avLst/>
@@ -4461,11 +5427,11 @@
           <a:p>
             <a:pPr algn="ctr">
               <a:lnSpc>
-                <a:spcPts val="14909"/>
+                <a:spcPts val="7182"/>
               </a:lnSpc>
             </a:pPr>
             <a:r>
-              <a:rPr lang="en-US" sz="17540">
+              <a:rPr lang="en-US" sz="8450">
                 <a:solidFill>
                   <a:srgbClr val="545454"/>
                 </a:solidFill>
@@ -4474,26 +5440,48 @@
                 <a:cs typeface="Bold Ink"/>
                 <a:sym typeface="Bold Ink"/>
               </a:rPr>
-              <a:t>THANK</a:t>
+              <a:t>UZD 1</a:t>
             </a:r>
           </a:p>
+        </p:txBody>
+      </p:sp>
+      <p:sp>
+        <p:nvSpPr>
+          <p:cNvPr name="TextBox 21" id="21"/>
+          <p:cNvSpPr txBox="true"/>
+          <p:nvPr/>
+        </p:nvSpPr>
+        <p:spPr>
+          <a:xfrm rot="0">
+            <a:off x="3473325" y="3067180"/>
+            <a:ext cx="12263840" cy="2796994"/>
+          </a:xfrm>
+          <a:prstGeom prst="rect">
+            <a:avLst/>
+          </a:prstGeom>
+        </p:spPr>
+        <p:txBody>
+          <a:bodyPr anchor="t" rtlCol="false" tIns="0" lIns="0" bIns="0" rIns="0">
+            <a:spAutoFit/>
+          </a:bodyPr>
+          <a:lstStyle/>
           <a:p>
             <a:pPr algn="ctr">
               <a:lnSpc>
-                <a:spcPts val="14909"/>
+                <a:spcPts val="5434"/>
               </a:lnSpc>
             </a:pPr>
             <a:r>
-              <a:rPr lang="en-US" sz="17540">
+              <a:rPr lang="en-US" sz="3882">
                 <a:solidFill>
-                  <a:srgbClr val="545454"/>
+                  <a:srgbClr val="61654D"/>
                 </a:solidFill>
-                <a:latin typeface="Bold Ink"/>
-                <a:ea typeface="Bold Ink"/>
-                <a:cs typeface="Bold Ink"/>
-                <a:sym typeface="Bold Ink"/>
+                <a:latin typeface="Akzidenz-Grotesk"/>
+                <a:ea typeface="Akzidenz-Grotesk"/>
+                <a:cs typeface="Akzidenz-Grotesk"/>
+                <a:sym typeface="Akzidenz-Grotesk"/>
               </a:rPr>
-              <a:t>YOU</a:t>
+              <a:t>Uzrakstiet programmu, kas izmanto for ciklu, lai izvadītu lietotāja norādīta skaitļa no 1 līdz 10 (ieskaitot) reizināšanas tabulu. Piemērs: ja tiek ievadīts 3, izvadei jābūt šādai: 3 x 1 = 3, 3 x 2 = 6, ..., 3 x 10 = 30.</a:t>
             </a:r>
           </a:p>
         </p:txBody>
@@ -4506,7 +5494,7 @@
 </p:sld>
 </file>
 
-<file path=ppt/slides/slide2.xml><?xml version="1.0" encoding="utf-8"?>
+<file path=ppt/slides/slide12.xml><?xml version="1.0" encoding="utf-8"?>
 <p:sld xmlns:p="http://schemas.openxmlformats.org/presentationml/2006/main" xmlns:a="http://schemas.openxmlformats.org/drawingml/2006/main">
   <p:cSld>
     <p:bg>
@@ -5150,8 +6138,8 @@
         </p:nvSpPr>
         <p:spPr>
           <a:xfrm rot="0">
-            <a:off x="5814727" y="2628380"/>
-            <a:ext cx="6658546" cy="1013779"/>
+            <a:off x="3873762" y="2036606"/>
+            <a:ext cx="10540477" cy="1013779"/>
           </a:xfrm>
           <a:prstGeom prst="rect">
             <a:avLst/>
@@ -5178,347 +6166,7 @@
                 <a:cs typeface="Bold Ink"/>
                 <a:sym typeface="Bold Ink"/>
               </a:rPr>
-              <a:t>KAS TAS IR ? </a:t>
-            </a:r>
-          </a:p>
-        </p:txBody>
-      </p:sp>
-      <p:sp>
-        <p:nvSpPr>
-          <p:cNvPr name="TextBox 21" id="21"/>
-          <p:cNvSpPr txBox="true"/>
-          <p:nvPr/>
-        </p:nvSpPr>
-        <p:spPr>
-          <a:xfrm rot="0">
-            <a:off x="8056608" y="4421680"/>
-            <a:ext cx="3110327" cy="805634"/>
-          </a:xfrm>
-          <a:prstGeom prst="rect">
-            <a:avLst/>
-          </a:prstGeom>
-        </p:spPr>
-        <p:txBody>
-          <a:bodyPr anchor="t" rtlCol="false" tIns="0" lIns="0" bIns="0" rIns="0">
-            <a:spAutoFit/>
-          </a:bodyPr>
-          <a:lstStyle/>
-          <a:p>
-            <a:pPr algn="l">
-              <a:lnSpc>
-                <a:spcPts val="5994"/>
-              </a:lnSpc>
-              <a:spcBef>
-                <a:spcPct val="0"/>
-              </a:spcBef>
-            </a:pPr>
-            <a:r>
-              <a:rPr lang="en-US" sz="4282">
-                <a:solidFill>
-                  <a:srgbClr val="61654D"/>
-                </a:solidFill>
-                <a:latin typeface="Akzidenz-Grotesk"/>
-                <a:ea typeface="Akzidenz-Grotesk"/>
-                <a:cs typeface="Akzidenz-Grotesk"/>
-                <a:sym typeface="Akzidenz-Grotesk"/>
-              </a:rPr>
-              <a:t>Aaron Loeb</a:t>
-            </a:r>
-          </a:p>
-        </p:txBody>
-      </p:sp>
-      <p:sp>
-        <p:nvSpPr>
-          <p:cNvPr name="TextBox 22" id="22"/>
-          <p:cNvSpPr txBox="true"/>
-          <p:nvPr/>
-        </p:nvSpPr>
-        <p:spPr>
-          <a:xfrm rot="0">
-            <a:off x="7121065" y="4716955"/>
-            <a:ext cx="752846" cy="510359"/>
-          </a:xfrm>
-          <a:prstGeom prst="rect">
-            <a:avLst/>
-          </a:prstGeom>
-        </p:spPr>
-        <p:txBody>
-          <a:bodyPr anchor="t" rtlCol="false" tIns="0" lIns="0" bIns="0" rIns="0">
-            <a:spAutoFit/>
-          </a:bodyPr>
-          <a:lstStyle/>
-          <a:p>
-            <a:pPr algn="ctr">
-              <a:lnSpc>
-                <a:spcPts val="3600"/>
-              </a:lnSpc>
-            </a:pPr>
-            <a:r>
-              <a:rPr lang="en-US" sz="4235">
-                <a:solidFill>
-                  <a:srgbClr val="545454"/>
-                </a:solidFill>
-                <a:latin typeface="Bold Ink"/>
-                <a:ea typeface="Bold Ink"/>
-                <a:cs typeface="Bold Ink"/>
-                <a:sym typeface="Bold Ink"/>
-              </a:rPr>
-              <a:t>1</a:t>
-            </a:r>
-          </a:p>
-        </p:txBody>
-      </p:sp>
-      <p:sp>
-        <p:nvSpPr>
-          <p:cNvPr name="TextBox 23" id="23"/>
-          <p:cNvSpPr txBox="true"/>
-          <p:nvPr/>
-        </p:nvSpPr>
-        <p:spPr>
-          <a:xfrm rot="0">
-            <a:off x="8056608" y="5330969"/>
-            <a:ext cx="3971614" cy="805634"/>
-          </a:xfrm>
-          <a:prstGeom prst="rect">
-            <a:avLst/>
-          </a:prstGeom>
-        </p:spPr>
-        <p:txBody>
-          <a:bodyPr anchor="t" rtlCol="false" tIns="0" lIns="0" bIns="0" rIns="0">
-            <a:spAutoFit/>
-          </a:bodyPr>
-          <a:lstStyle/>
-          <a:p>
-            <a:pPr algn="l">
-              <a:lnSpc>
-                <a:spcPts val="5994"/>
-              </a:lnSpc>
-              <a:spcBef>
-                <a:spcPct val="0"/>
-              </a:spcBef>
-            </a:pPr>
-            <a:r>
-              <a:rPr lang="en-US" sz="4282">
-                <a:solidFill>
-                  <a:srgbClr val="61654D"/>
-                </a:solidFill>
-                <a:latin typeface="Akzidenz-Grotesk"/>
-                <a:ea typeface="Akzidenz-Grotesk"/>
-                <a:cs typeface="Akzidenz-Grotesk"/>
-                <a:sym typeface="Akzidenz-Grotesk"/>
-              </a:rPr>
-              <a:t>Cahaya Dewi</a:t>
-            </a:r>
-          </a:p>
-        </p:txBody>
-      </p:sp>
-      <p:sp>
-        <p:nvSpPr>
-          <p:cNvPr name="TextBox 24" id="24"/>
-          <p:cNvSpPr txBox="true"/>
-          <p:nvPr/>
-        </p:nvSpPr>
-        <p:spPr>
-          <a:xfrm rot="0">
-            <a:off x="7121065" y="5626244"/>
-            <a:ext cx="752846" cy="510359"/>
-          </a:xfrm>
-          <a:prstGeom prst="rect">
-            <a:avLst/>
-          </a:prstGeom>
-        </p:spPr>
-        <p:txBody>
-          <a:bodyPr anchor="t" rtlCol="false" tIns="0" lIns="0" bIns="0" rIns="0">
-            <a:spAutoFit/>
-          </a:bodyPr>
-          <a:lstStyle/>
-          <a:p>
-            <a:pPr algn="ctr">
-              <a:lnSpc>
-                <a:spcPts val="3600"/>
-              </a:lnSpc>
-            </a:pPr>
-            <a:r>
-              <a:rPr lang="en-US" sz="4235">
-                <a:solidFill>
-                  <a:srgbClr val="545454"/>
-                </a:solidFill>
-                <a:latin typeface="Bold Ink"/>
-                <a:ea typeface="Bold Ink"/>
-                <a:cs typeface="Bold Ink"/>
-                <a:sym typeface="Bold Ink"/>
-              </a:rPr>
-              <a:t>2</a:t>
-            </a:r>
-          </a:p>
-        </p:txBody>
-      </p:sp>
-      <p:sp>
-        <p:nvSpPr>
-          <p:cNvPr name="TextBox 25" id="25"/>
-          <p:cNvSpPr txBox="true"/>
-          <p:nvPr/>
-        </p:nvSpPr>
-        <p:spPr>
-          <a:xfrm rot="0">
-            <a:off x="8056608" y="6240257"/>
-            <a:ext cx="4493607" cy="805634"/>
-          </a:xfrm>
-          <a:prstGeom prst="rect">
-            <a:avLst/>
-          </a:prstGeom>
-        </p:spPr>
-        <p:txBody>
-          <a:bodyPr anchor="t" rtlCol="false" tIns="0" lIns="0" bIns="0" rIns="0">
-            <a:spAutoFit/>
-          </a:bodyPr>
-          <a:lstStyle/>
-          <a:p>
-            <a:pPr algn="l">
-              <a:lnSpc>
-                <a:spcPts val="5994"/>
-              </a:lnSpc>
-              <a:spcBef>
-                <a:spcPct val="0"/>
-              </a:spcBef>
-            </a:pPr>
-            <a:r>
-              <a:rPr lang="en-US" sz="4282">
-                <a:solidFill>
-                  <a:srgbClr val="61654D"/>
-                </a:solidFill>
-                <a:latin typeface="Akzidenz-Grotesk"/>
-                <a:ea typeface="Akzidenz-Grotesk"/>
-                <a:cs typeface="Akzidenz-Grotesk"/>
-                <a:sym typeface="Akzidenz-Grotesk"/>
-              </a:rPr>
-              <a:t>Claudia Alves</a:t>
-            </a:r>
-          </a:p>
-        </p:txBody>
-      </p:sp>
-      <p:sp>
-        <p:nvSpPr>
-          <p:cNvPr name="TextBox 26" id="26"/>
-          <p:cNvSpPr txBox="true"/>
-          <p:nvPr/>
-        </p:nvSpPr>
-        <p:spPr>
-          <a:xfrm rot="0">
-            <a:off x="7121065" y="6535532"/>
-            <a:ext cx="752846" cy="510359"/>
-          </a:xfrm>
-          <a:prstGeom prst="rect">
-            <a:avLst/>
-          </a:prstGeom>
-        </p:spPr>
-        <p:txBody>
-          <a:bodyPr anchor="t" rtlCol="false" tIns="0" lIns="0" bIns="0" rIns="0">
-            <a:spAutoFit/>
-          </a:bodyPr>
-          <a:lstStyle/>
-          <a:p>
-            <a:pPr algn="ctr">
-              <a:lnSpc>
-                <a:spcPts val="3600"/>
-              </a:lnSpc>
-            </a:pPr>
-            <a:r>
-              <a:rPr lang="en-US" sz="4235">
-                <a:solidFill>
-                  <a:srgbClr val="545454"/>
-                </a:solidFill>
-                <a:latin typeface="Bold Ink"/>
-                <a:ea typeface="Bold Ink"/>
-                <a:cs typeface="Bold Ink"/>
-                <a:sym typeface="Bold Ink"/>
-              </a:rPr>
-              <a:t>3</a:t>
-            </a:r>
-          </a:p>
-        </p:txBody>
-      </p:sp>
-      <p:sp>
-        <p:nvSpPr>
-          <p:cNvPr name="TextBox 27" id="27"/>
-          <p:cNvSpPr txBox="true"/>
-          <p:nvPr/>
-        </p:nvSpPr>
-        <p:spPr>
-          <a:xfrm rot="0">
-            <a:off x="8056608" y="7149546"/>
-            <a:ext cx="3110327" cy="805634"/>
-          </a:xfrm>
-          <a:prstGeom prst="rect">
-            <a:avLst/>
-          </a:prstGeom>
-        </p:spPr>
-        <p:txBody>
-          <a:bodyPr anchor="t" rtlCol="false" tIns="0" lIns="0" bIns="0" rIns="0">
-            <a:spAutoFit/>
-          </a:bodyPr>
-          <a:lstStyle/>
-          <a:p>
-            <a:pPr algn="l">
-              <a:lnSpc>
-                <a:spcPts val="5994"/>
-              </a:lnSpc>
-              <a:spcBef>
-                <a:spcPct val="0"/>
-              </a:spcBef>
-            </a:pPr>
-            <a:r>
-              <a:rPr lang="en-US" sz="4282">
-                <a:solidFill>
-                  <a:srgbClr val="61654D"/>
-                </a:solidFill>
-                <a:latin typeface="Akzidenz-Grotesk"/>
-                <a:ea typeface="Akzidenz-Grotesk"/>
-                <a:cs typeface="Akzidenz-Grotesk"/>
-                <a:sym typeface="Akzidenz-Grotesk"/>
-              </a:rPr>
-              <a:t>Ketut Susilo</a:t>
-            </a:r>
-          </a:p>
-        </p:txBody>
-      </p:sp>
-      <p:sp>
-        <p:nvSpPr>
-          <p:cNvPr name="TextBox 28" id="28"/>
-          <p:cNvSpPr txBox="true"/>
-          <p:nvPr/>
-        </p:nvSpPr>
-        <p:spPr>
-          <a:xfrm rot="0">
-            <a:off x="7121065" y="7444821"/>
-            <a:ext cx="752846" cy="510359"/>
-          </a:xfrm>
-          <a:prstGeom prst="rect">
-            <a:avLst/>
-          </a:prstGeom>
-        </p:spPr>
-        <p:txBody>
-          <a:bodyPr anchor="t" rtlCol="false" tIns="0" lIns="0" bIns="0" rIns="0">
-            <a:spAutoFit/>
-          </a:bodyPr>
-          <a:lstStyle/>
-          <a:p>
-            <a:pPr algn="ctr">
-              <a:lnSpc>
-                <a:spcPts val="3600"/>
-              </a:lnSpc>
-            </a:pPr>
-            <a:r>
-              <a:rPr lang="en-US" sz="4235">
-                <a:solidFill>
-                  <a:srgbClr val="545454"/>
-                </a:solidFill>
-                <a:latin typeface="Bold Ink"/>
-                <a:ea typeface="Bold Ink"/>
-                <a:cs typeface="Bold Ink"/>
-                <a:sym typeface="Bold Ink"/>
-              </a:rPr>
-              <a:t>4</a:t>
+              <a:t>UZD 1</a:t>
             </a:r>
           </a:p>
         </p:txBody>
@@ -5531,7 +6179,7 @@
 </p:sld>
 </file>
 
-<file path=ppt/slides/slide3.xml><?xml version="1.0" encoding="utf-8"?>
+<file path=ppt/slides/slide13.xml><?xml version="1.0" encoding="utf-8"?>
 <p:sld xmlns:p="http://schemas.openxmlformats.org/presentationml/2006/main" xmlns:a="http://schemas.openxmlformats.org/drawingml/2006/main">
   <p:cSld>
     <p:bg>
@@ -6175,8 +6823,8 @@
         </p:nvSpPr>
         <p:spPr>
           <a:xfrm rot="0">
-            <a:off x="3873762" y="2851908"/>
-            <a:ext cx="10540477" cy="1260636"/>
+            <a:off x="7472013" y="1957259"/>
+            <a:ext cx="3343974" cy="1013779"/>
           </a:xfrm>
           <a:prstGeom prst="rect">
             <a:avLst/>
@@ -6190,11 +6838,11 @@
           <a:p>
             <a:pPr algn="ctr">
               <a:lnSpc>
-                <a:spcPts val="8968"/>
+                <a:spcPts val="7182"/>
               </a:lnSpc>
             </a:pPr>
             <a:r>
-              <a:rPr lang="en-US" sz="10551">
+              <a:rPr lang="en-US" sz="8450">
                 <a:solidFill>
                   <a:srgbClr val="545454"/>
                 </a:solidFill>
@@ -6203,7 +6851,7 @@
                 <a:cs typeface="Bold Ink"/>
                 <a:sym typeface="Bold Ink"/>
               </a:rPr>
-              <a:t>INTRODUCTION</a:t>
+              <a:t>UZD 2</a:t>
             </a:r>
           </a:p>
         </p:txBody>
@@ -6216,8 +6864,4475 @@
         </p:nvSpPr>
         <p:spPr>
           <a:xfrm rot="0">
-            <a:off x="3125802" y="4295198"/>
-            <a:ext cx="12036395" cy="3482794"/>
+            <a:off x="2519752" y="3410080"/>
+            <a:ext cx="13248497" cy="3482794"/>
+          </a:xfrm>
+          <a:prstGeom prst="rect">
+            <a:avLst/>
+          </a:prstGeom>
+        </p:spPr>
+        <p:txBody>
+          <a:bodyPr anchor="t" rtlCol="false" tIns="0" lIns="0" bIns="0" rIns="0">
+            <a:spAutoFit/>
+          </a:bodyPr>
+          <a:lstStyle/>
+          <a:p>
+            <a:pPr algn="ctr">
+              <a:lnSpc>
+                <a:spcPts val="5434"/>
+              </a:lnSpc>
+            </a:pPr>
+            <a:r>
+              <a:rPr lang="en-US" sz="3882">
+                <a:solidFill>
+                  <a:srgbClr val="61654D"/>
+                </a:solidFill>
+                <a:latin typeface="Akzidenz-Grotesk"/>
+                <a:ea typeface="Akzidenz-Grotesk"/>
+                <a:cs typeface="Akzidenz-Grotesk"/>
+                <a:sym typeface="Akzidenz-Grotesk"/>
+              </a:rPr>
+              <a:t>Uzrakstiet programmu, kas izmanto ligzdotus for ciklus, lai izdrukātu taisnstūri ar # simboliem ar lietotāja norādītu platumu un augstumu. Piemēram, ja lietotājs ievada platumu = 5, augstumu = 3, programmai jāizdrukā 3 rindas ar 5 # simboliem katrā.</a:t>
+            </a:r>
+          </a:p>
+        </p:txBody>
+      </p:sp>
+    </p:spTree>
+  </p:cSld>
+  <p:clrMapOvr>
+    <a:masterClrMapping/>
+  </p:clrMapOvr>
+</p:sld>
+</file>
+
+<file path=ppt/slides/slide14.xml><?xml version="1.0" encoding="utf-8"?>
+<p:sld xmlns:p="http://schemas.openxmlformats.org/presentationml/2006/main" xmlns:a="http://schemas.openxmlformats.org/drawingml/2006/main">
+  <p:cSld>
+    <p:bg>
+      <p:bgPr>
+        <a:solidFill>
+          <a:srgbClr val="DEDEDE"/>
+        </a:solidFill>
+      </p:bgPr>
+    </p:bg>
+    <p:spTree>
+      <p:nvGrpSpPr>
+        <p:cNvPr id="1" name=""/>
+        <p:cNvGrpSpPr/>
+        <p:nvPr/>
+      </p:nvGrpSpPr>
+      <p:grpSpPr>
+        <a:xfrm>
+          <a:off x="0" y="0"/>
+          <a:ext cx="0" cy="0"/>
+          <a:chOff x="0" y="0"/>
+          <a:chExt cx="0" cy="0"/>
+        </a:xfrm>
+      </p:grpSpPr>
+      <p:grpSp>
+        <p:nvGrpSpPr>
+          <p:cNvPr name="Group 2" id="2"/>
+          <p:cNvGrpSpPr/>
+          <p:nvPr/>
+        </p:nvGrpSpPr>
+        <p:grpSpPr>
+          <a:xfrm rot="-2562626">
+            <a:off x="-4763849" y="7784323"/>
+            <a:ext cx="8132490" cy="4066245"/>
+            <a:chOff x="0" y="0"/>
+            <a:chExt cx="812800" cy="406400"/>
+          </a:xfrm>
+        </p:grpSpPr>
+        <p:sp>
+          <p:nvSpPr>
+            <p:cNvPr name="Freeform 3" id="3"/>
+            <p:cNvSpPr/>
+            <p:nvPr/>
+          </p:nvSpPr>
+          <p:spPr>
+            <a:xfrm flipH="false" flipV="false" rot="0">
+              <a:off x="0" y="0"/>
+              <a:ext cx="812800" cy="406400"/>
+            </a:xfrm>
+            <a:custGeom>
+              <a:avLst/>
+              <a:gdLst/>
+              <a:ahLst/>
+              <a:cxnLst/>
+              <a:rect r="r" b="b" t="t" l="l"/>
+              <a:pathLst>
+                <a:path h="406400" w="812800">
+                  <a:moveTo>
+                    <a:pt x="609600" y="0"/>
+                  </a:moveTo>
+                  <a:cubicBezTo>
+                    <a:pt x="721824" y="0"/>
+                    <a:pt x="812800" y="90976"/>
+                    <a:pt x="812800" y="203200"/>
+                  </a:cubicBezTo>
+                  <a:cubicBezTo>
+                    <a:pt x="812800" y="315424"/>
+                    <a:pt x="721824" y="406400"/>
+                    <a:pt x="609600" y="406400"/>
+                  </a:cubicBezTo>
+                  <a:lnTo>
+                    <a:pt x="203200" y="406400"/>
+                  </a:lnTo>
+                  <a:cubicBezTo>
+                    <a:pt x="90976" y="406400"/>
+                    <a:pt x="0" y="315424"/>
+                    <a:pt x="0" y="203200"/>
+                  </a:cubicBezTo>
+                  <a:cubicBezTo>
+                    <a:pt x="0" y="90976"/>
+                    <a:pt x="90976" y="0"/>
+                    <a:pt x="203200" y="0"/>
+                  </a:cubicBezTo>
+                  <a:close/>
+                </a:path>
+              </a:pathLst>
+            </a:custGeom>
+            <a:solidFill>
+              <a:srgbClr val="545454"/>
+            </a:solidFill>
+          </p:spPr>
+        </p:sp>
+        <p:sp>
+          <p:nvSpPr>
+            <p:cNvPr name="TextBox 4" id="4"/>
+            <p:cNvSpPr txBox="true"/>
+            <p:nvPr/>
+          </p:nvSpPr>
+          <p:spPr>
+            <a:xfrm>
+              <a:off x="0" y="-38100"/>
+              <a:ext cx="812800" cy="444500"/>
+            </a:xfrm>
+            <a:prstGeom prst="rect">
+              <a:avLst/>
+            </a:prstGeom>
+          </p:spPr>
+          <p:txBody>
+            <a:bodyPr anchor="ctr" rtlCol="false" tIns="50800" lIns="50800" bIns="50800" rIns="50800"/>
+            <a:lstStyle/>
+            <a:p>
+              <a:pPr algn="ctr">
+                <a:lnSpc>
+                  <a:spcPts val="2659"/>
+                </a:lnSpc>
+                <a:spcBef>
+                  <a:spcPct val="0"/>
+                </a:spcBef>
+              </a:pPr>
+            </a:p>
+          </p:txBody>
+        </p:sp>
+      </p:grpSp>
+      <p:grpSp>
+        <p:nvGrpSpPr>
+          <p:cNvPr name="Group 5" id="5"/>
+          <p:cNvGrpSpPr/>
+          <p:nvPr/>
+        </p:nvGrpSpPr>
+        <p:grpSpPr>
+          <a:xfrm rot="-2562626">
+            <a:off x="-1091559" y="10289015"/>
+            <a:ext cx="4019797" cy="2009899"/>
+            <a:chOff x="0" y="0"/>
+            <a:chExt cx="812800" cy="406400"/>
+          </a:xfrm>
+        </p:grpSpPr>
+        <p:sp>
+          <p:nvSpPr>
+            <p:cNvPr name="Freeform 6" id="6"/>
+            <p:cNvSpPr/>
+            <p:nvPr/>
+          </p:nvSpPr>
+          <p:spPr>
+            <a:xfrm flipH="false" flipV="false" rot="0">
+              <a:off x="0" y="0"/>
+              <a:ext cx="812800" cy="406400"/>
+            </a:xfrm>
+            <a:custGeom>
+              <a:avLst/>
+              <a:gdLst/>
+              <a:ahLst/>
+              <a:cxnLst/>
+              <a:rect r="r" b="b" t="t" l="l"/>
+              <a:pathLst>
+                <a:path h="406400" w="812800">
+                  <a:moveTo>
+                    <a:pt x="609600" y="0"/>
+                  </a:moveTo>
+                  <a:cubicBezTo>
+                    <a:pt x="721824" y="0"/>
+                    <a:pt x="812800" y="90976"/>
+                    <a:pt x="812800" y="203200"/>
+                  </a:cubicBezTo>
+                  <a:cubicBezTo>
+                    <a:pt x="812800" y="315424"/>
+                    <a:pt x="721824" y="406400"/>
+                    <a:pt x="609600" y="406400"/>
+                  </a:cubicBezTo>
+                  <a:lnTo>
+                    <a:pt x="203200" y="406400"/>
+                  </a:lnTo>
+                  <a:cubicBezTo>
+                    <a:pt x="90976" y="406400"/>
+                    <a:pt x="0" y="315424"/>
+                    <a:pt x="0" y="203200"/>
+                  </a:cubicBezTo>
+                  <a:cubicBezTo>
+                    <a:pt x="0" y="90976"/>
+                    <a:pt x="90976" y="0"/>
+                    <a:pt x="203200" y="0"/>
+                  </a:cubicBezTo>
+                  <a:close/>
+                </a:path>
+              </a:pathLst>
+            </a:custGeom>
+            <a:solidFill>
+              <a:srgbClr val="737373"/>
+            </a:solidFill>
+          </p:spPr>
+        </p:sp>
+        <p:sp>
+          <p:nvSpPr>
+            <p:cNvPr name="TextBox 7" id="7"/>
+            <p:cNvSpPr txBox="true"/>
+            <p:nvPr/>
+          </p:nvSpPr>
+          <p:spPr>
+            <a:xfrm>
+              <a:off x="0" y="-38100"/>
+              <a:ext cx="812800" cy="444500"/>
+            </a:xfrm>
+            <a:prstGeom prst="rect">
+              <a:avLst/>
+            </a:prstGeom>
+          </p:spPr>
+          <p:txBody>
+            <a:bodyPr anchor="ctr" rtlCol="false" tIns="50800" lIns="50800" bIns="50800" rIns="50800"/>
+            <a:lstStyle/>
+            <a:p>
+              <a:pPr algn="ctr">
+                <a:lnSpc>
+                  <a:spcPts val="2659"/>
+                </a:lnSpc>
+                <a:spcBef>
+                  <a:spcPct val="0"/>
+                </a:spcBef>
+              </a:pPr>
+            </a:p>
+          </p:txBody>
+        </p:sp>
+      </p:grpSp>
+      <p:grpSp>
+        <p:nvGrpSpPr>
+          <p:cNvPr name="Group 8" id="8"/>
+          <p:cNvGrpSpPr/>
+          <p:nvPr/>
+        </p:nvGrpSpPr>
+        <p:grpSpPr>
+          <a:xfrm rot="-2562626">
+            <a:off x="15760647" y="-1537845"/>
+            <a:ext cx="8664509" cy="4332254"/>
+            <a:chOff x="0" y="0"/>
+            <a:chExt cx="812800" cy="406400"/>
+          </a:xfrm>
+        </p:grpSpPr>
+        <p:sp>
+          <p:nvSpPr>
+            <p:cNvPr name="Freeform 9" id="9"/>
+            <p:cNvSpPr/>
+            <p:nvPr/>
+          </p:nvSpPr>
+          <p:spPr>
+            <a:xfrm flipH="false" flipV="false" rot="0">
+              <a:off x="0" y="0"/>
+              <a:ext cx="812800" cy="406400"/>
+            </a:xfrm>
+            <a:custGeom>
+              <a:avLst/>
+              <a:gdLst/>
+              <a:ahLst/>
+              <a:cxnLst/>
+              <a:rect r="r" b="b" t="t" l="l"/>
+              <a:pathLst>
+                <a:path h="406400" w="812800">
+                  <a:moveTo>
+                    <a:pt x="609600" y="0"/>
+                  </a:moveTo>
+                  <a:cubicBezTo>
+                    <a:pt x="721824" y="0"/>
+                    <a:pt x="812800" y="90976"/>
+                    <a:pt x="812800" y="203200"/>
+                  </a:cubicBezTo>
+                  <a:cubicBezTo>
+                    <a:pt x="812800" y="315424"/>
+                    <a:pt x="721824" y="406400"/>
+                    <a:pt x="609600" y="406400"/>
+                  </a:cubicBezTo>
+                  <a:lnTo>
+                    <a:pt x="203200" y="406400"/>
+                  </a:lnTo>
+                  <a:cubicBezTo>
+                    <a:pt x="90976" y="406400"/>
+                    <a:pt x="0" y="315424"/>
+                    <a:pt x="0" y="203200"/>
+                  </a:cubicBezTo>
+                  <a:cubicBezTo>
+                    <a:pt x="0" y="90976"/>
+                    <a:pt x="90976" y="0"/>
+                    <a:pt x="203200" y="0"/>
+                  </a:cubicBezTo>
+                  <a:close/>
+                </a:path>
+              </a:pathLst>
+            </a:custGeom>
+            <a:solidFill>
+              <a:srgbClr val="545454"/>
+            </a:solidFill>
+          </p:spPr>
+        </p:sp>
+        <p:sp>
+          <p:nvSpPr>
+            <p:cNvPr name="TextBox 10" id="10"/>
+            <p:cNvSpPr txBox="true"/>
+            <p:nvPr/>
+          </p:nvSpPr>
+          <p:spPr>
+            <a:xfrm>
+              <a:off x="0" y="-38100"/>
+              <a:ext cx="812800" cy="444500"/>
+            </a:xfrm>
+            <a:prstGeom prst="rect">
+              <a:avLst/>
+            </a:prstGeom>
+          </p:spPr>
+          <p:txBody>
+            <a:bodyPr anchor="ctr" rtlCol="false" tIns="50800" lIns="50800" bIns="50800" rIns="50800"/>
+            <a:lstStyle/>
+            <a:p>
+              <a:pPr algn="ctr">
+                <a:lnSpc>
+                  <a:spcPts val="2659"/>
+                </a:lnSpc>
+                <a:spcBef>
+                  <a:spcPct val="0"/>
+                </a:spcBef>
+              </a:pPr>
+            </a:p>
+          </p:txBody>
+        </p:sp>
+      </p:grpSp>
+      <p:grpSp>
+        <p:nvGrpSpPr>
+          <p:cNvPr name="Group 11" id="11"/>
+          <p:cNvGrpSpPr/>
+          <p:nvPr/>
+        </p:nvGrpSpPr>
+        <p:grpSpPr>
+          <a:xfrm rot="-2562626">
+            <a:off x="16327816" y="-2285619"/>
+            <a:ext cx="4282768" cy="2141384"/>
+            <a:chOff x="0" y="0"/>
+            <a:chExt cx="812800" cy="406400"/>
+          </a:xfrm>
+        </p:grpSpPr>
+        <p:sp>
+          <p:nvSpPr>
+            <p:cNvPr name="Freeform 12" id="12"/>
+            <p:cNvSpPr/>
+            <p:nvPr/>
+          </p:nvSpPr>
+          <p:spPr>
+            <a:xfrm flipH="false" flipV="false" rot="0">
+              <a:off x="0" y="0"/>
+              <a:ext cx="812800" cy="406400"/>
+            </a:xfrm>
+            <a:custGeom>
+              <a:avLst/>
+              <a:gdLst/>
+              <a:ahLst/>
+              <a:cxnLst/>
+              <a:rect r="r" b="b" t="t" l="l"/>
+              <a:pathLst>
+                <a:path h="406400" w="812800">
+                  <a:moveTo>
+                    <a:pt x="609600" y="0"/>
+                  </a:moveTo>
+                  <a:cubicBezTo>
+                    <a:pt x="721824" y="0"/>
+                    <a:pt x="812800" y="90976"/>
+                    <a:pt x="812800" y="203200"/>
+                  </a:cubicBezTo>
+                  <a:cubicBezTo>
+                    <a:pt x="812800" y="315424"/>
+                    <a:pt x="721824" y="406400"/>
+                    <a:pt x="609600" y="406400"/>
+                  </a:cubicBezTo>
+                  <a:lnTo>
+                    <a:pt x="203200" y="406400"/>
+                  </a:lnTo>
+                  <a:cubicBezTo>
+                    <a:pt x="90976" y="406400"/>
+                    <a:pt x="0" y="315424"/>
+                    <a:pt x="0" y="203200"/>
+                  </a:cubicBezTo>
+                  <a:cubicBezTo>
+                    <a:pt x="0" y="90976"/>
+                    <a:pt x="90976" y="0"/>
+                    <a:pt x="203200" y="0"/>
+                  </a:cubicBezTo>
+                  <a:close/>
+                </a:path>
+              </a:pathLst>
+            </a:custGeom>
+            <a:solidFill>
+              <a:srgbClr val="737373"/>
+            </a:solidFill>
+          </p:spPr>
+        </p:sp>
+        <p:sp>
+          <p:nvSpPr>
+            <p:cNvPr name="TextBox 13" id="13"/>
+            <p:cNvSpPr txBox="true"/>
+            <p:nvPr/>
+          </p:nvSpPr>
+          <p:spPr>
+            <a:xfrm>
+              <a:off x="0" y="-38100"/>
+              <a:ext cx="812800" cy="444500"/>
+            </a:xfrm>
+            <a:prstGeom prst="rect">
+              <a:avLst/>
+            </a:prstGeom>
+          </p:spPr>
+          <p:txBody>
+            <a:bodyPr anchor="ctr" rtlCol="false" tIns="50800" lIns="50800" bIns="50800" rIns="50800"/>
+            <a:lstStyle/>
+            <a:p>
+              <a:pPr algn="ctr">
+                <a:lnSpc>
+                  <a:spcPts val="2659"/>
+                </a:lnSpc>
+                <a:spcBef>
+                  <a:spcPct val="0"/>
+                </a:spcBef>
+              </a:pPr>
+            </a:p>
+          </p:txBody>
+        </p:sp>
+      </p:grpSp>
+      <p:grpSp>
+        <p:nvGrpSpPr>
+          <p:cNvPr name="Group 14" id="14"/>
+          <p:cNvGrpSpPr/>
+          <p:nvPr/>
+        </p:nvGrpSpPr>
+        <p:grpSpPr>
+          <a:xfrm rot="-2562626">
+            <a:off x="13101516" y="9777072"/>
+            <a:ext cx="3710089" cy="1855044"/>
+            <a:chOff x="0" y="0"/>
+            <a:chExt cx="812800" cy="406400"/>
+          </a:xfrm>
+        </p:grpSpPr>
+        <p:sp>
+          <p:nvSpPr>
+            <p:cNvPr name="Freeform 15" id="15"/>
+            <p:cNvSpPr/>
+            <p:nvPr/>
+          </p:nvSpPr>
+          <p:spPr>
+            <a:xfrm flipH="false" flipV="false" rot="0">
+              <a:off x="0" y="0"/>
+              <a:ext cx="812800" cy="406400"/>
+            </a:xfrm>
+            <a:custGeom>
+              <a:avLst/>
+              <a:gdLst/>
+              <a:ahLst/>
+              <a:cxnLst/>
+              <a:rect r="r" b="b" t="t" l="l"/>
+              <a:pathLst>
+                <a:path h="406400" w="812800">
+                  <a:moveTo>
+                    <a:pt x="609600" y="0"/>
+                  </a:moveTo>
+                  <a:cubicBezTo>
+                    <a:pt x="721824" y="0"/>
+                    <a:pt x="812800" y="90976"/>
+                    <a:pt x="812800" y="203200"/>
+                  </a:cubicBezTo>
+                  <a:cubicBezTo>
+                    <a:pt x="812800" y="315424"/>
+                    <a:pt x="721824" y="406400"/>
+                    <a:pt x="609600" y="406400"/>
+                  </a:cubicBezTo>
+                  <a:lnTo>
+                    <a:pt x="203200" y="406400"/>
+                  </a:lnTo>
+                  <a:cubicBezTo>
+                    <a:pt x="90976" y="406400"/>
+                    <a:pt x="0" y="315424"/>
+                    <a:pt x="0" y="203200"/>
+                  </a:cubicBezTo>
+                  <a:cubicBezTo>
+                    <a:pt x="0" y="90976"/>
+                    <a:pt x="90976" y="0"/>
+                    <a:pt x="203200" y="0"/>
+                  </a:cubicBezTo>
+                  <a:close/>
+                </a:path>
+              </a:pathLst>
+            </a:custGeom>
+            <a:solidFill>
+              <a:srgbClr val="000000">
+                <a:alpha val="0"/>
+              </a:srgbClr>
+            </a:solidFill>
+            <a:ln w="57150" cap="sq">
+              <a:solidFill>
+                <a:srgbClr val="545454"/>
+              </a:solidFill>
+              <a:prstDash val="solid"/>
+              <a:miter/>
+            </a:ln>
+          </p:spPr>
+        </p:sp>
+        <p:sp>
+          <p:nvSpPr>
+            <p:cNvPr name="TextBox 16" id="16"/>
+            <p:cNvSpPr txBox="true"/>
+            <p:nvPr/>
+          </p:nvSpPr>
+          <p:spPr>
+            <a:xfrm>
+              <a:off x="0" y="-38100"/>
+              <a:ext cx="812800" cy="444500"/>
+            </a:xfrm>
+            <a:prstGeom prst="rect">
+              <a:avLst/>
+            </a:prstGeom>
+          </p:spPr>
+          <p:txBody>
+            <a:bodyPr anchor="ctr" rtlCol="false" tIns="50800" lIns="50800" bIns="50800" rIns="50800"/>
+            <a:lstStyle/>
+            <a:p>
+              <a:pPr algn="ctr">
+                <a:lnSpc>
+                  <a:spcPts val="2659"/>
+                </a:lnSpc>
+                <a:spcBef>
+                  <a:spcPct val="0"/>
+                </a:spcBef>
+              </a:pPr>
+            </a:p>
+          </p:txBody>
+        </p:sp>
+      </p:grpSp>
+      <p:grpSp>
+        <p:nvGrpSpPr>
+          <p:cNvPr name="Group 17" id="17"/>
+          <p:cNvGrpSpPr/>
+          <p:nvPr/>
+        </p:nvGrpSpPr>
+        <p:grpSpPr>
+          <a:xfrm rot="-2562626">
+            <a:off x="1610027" y="-1189519"/>
+            <a:ext cx="3726595" cy="1863298"/>
+            <a:chOff x="0" y="0"/>
+            <a:chExt cx="812800" cy="406400"/>
+          </a:xfrm>
+        </p:grpSpPr>
+        <p:sp>
+          <p:nvSpPr>
+            <p:cNvPr name="Freeform 18" id="18"/>
+            <p:cNvSpPr/>
+            <p:nvPr/>
+          </p:nvSpPr>
+          <p:spPr>
+            <a:xfrm flipH="false" flipV="false" rot="0">
+              <a:off x="0" y="0"/>
+              <a:ext cx="812800" cy="406400"/>
+            </a:xfrm>
+            <a:custGeom>
+              <a:avLst/>
+              <a:gdLst/>
+              <a:ahLst/>
+              <a:cxnLst/>
+              <a:rect r="r" b="b" t="t" l="l"/>
+              <a:pathLst>
+                <a:path h="406400" w="812800">
+                  <a:moveTo>
+                    <a:pt x="609600" y="0"/>
+                  </a:moveTo>
+                  <a:cubicBezTo>
+                    <a:pt x="721824" y="0"/>
+                    <a:pt x="812800" y="90976"/>
+                    <a:pt x="812800" y="203200"/>
+                  </a:cubicBezTo>
+                  <a:cubicBezTo>
+                    <a:pt x="812800" y="315424"/>
+                    <a:pt x="721824" y="406400"/>
+                    <a:pt x="609600" y="406400"/>
+                  </a:cubicBezTo>
+                  <a:lnTo>
+                    <a:pt x="203200" y="406400"/>
+                  </a:lnTo>
+                  <a:cubicBezTo>
+                    <a:pt x="90976" y="406400"/>
+                    <a:pt x="0" y="315424"/>
+                    <a:pt x="0" y="203200"/>
+                  </a:cubicBezTo>
+                  <a:cubicBezTo>
+                    <a:pt x="0" y="90976"/>
+                    <a:pt x="90976" y="0"/>
+                    <a:pt x="203200" y="0"/>
+                  </a:cubicBezTo>
+                  <a:close/>
+                </a:path>
+              </a:pathLst>
+            </a:custGeom>
+            <a:solidFill>
+              <a:srgbClr val="000000">
+                <a:alpha val="0"/>
+              </a:srgbClr>
+            </a:solidFill>
+            <a:ln w="57150" cap="sq">
+              <a:solidFill>
+                <a:srgbClr val="545454"/>
+              </a:solidFill>
+              <a:prstDash val="solid"/>
+              <a:miter/>
+            </a:ln>
+          </p:spPr>
+        </p:sp>
+        <p:sp>
+          <p:nvSpPr>
+            <p:cNvPr name="TextBox 19" id="19"/>
+            <p:cNvSpPr txBox="true"/>
+            <p:nvPr/>
+          </p:nvSpPr>
+          <p:spPr>
+            <a:xfrm>
+              <a:off x="0" y="-38100"/>
+              <a:ext cx="812800" cy="444500"/>
+            </a:xfrm>
+            <a:prstGeom prst="rect">
+              <a:avLst/>
+            </a:prstGeom>
+          </p:spPr>
+          <p:txBody>
+            <a:bodyPr anchor="ctr" rtlCol="false" tIns="50800" lIns="50800" bIns="50800" rIns="50800"/>
+            <a:lstStyle/>
+            <a:p>
+              <a:pPr algn="ctr">
+                <a:lnSpc>
+                  <a:spcPts val="2659"/>
+                </a:lnSpc>
+                <a:spcBef>
+                  <a:spcPct val="0"/>
+                </a:spcBef>
+              </a:pPr>
+            </a:p>
+          </p:txBody>
+        </p:sp>
+      </p:grpSp>
+      <p:sp>
+        <p:nvSpPr>
+          <p:cNvPr name="TextBox 20" id="20"/>
+          <p:cNvSpPr txBox="true"/>
+          <p:nvPr/>
+        </p:nvSpPr>
+        <p:spPr>
+          <a:xfrm rot="0">
+            <a:off x="3873762" y="1295400"/>
+            <a:ext cx="10540477" cy="1013779"/>
+          </a:xfrm>
+          <a:prstGeom prst="rect">
+            <a:avLst/>
+          </a:prstGeom>
+        </p:spPr>
+        <p:txBody>
+          <a:bodyPr anchor="t" rtlCol="false" tIns="0" lIns="0" bIns="0" rIns="0">
+            <a:spAutoFit/>
+          </a:bodyPr>
+          <a:lstStyle/>
+          <a:p>
+            <a:pPr algn="ctr">
+              <a:lnSpc>
+                <a:spcPts val="7182"/>
+              </a:lnSpc>
+            </a:pPr>
+            <a:r>
+              <a:rPr lang="en-US" sz="8450">
+                <a:solidFill>
+                  <a:srgbClr val="545454"/>
+                </a:solidFill>
+                <a:latin typeface="Bold Ink"/>
+                <a:ea typeface="Bold Ink"/>
+                <a:cs typeface="Bold Ink"/>
+                <a:sym typeface="Bold Ink"/>
+              </a:rPr>
+              <a:t>UZD 2</a:t>
+            </a:r>
+          </a:p>
+        </p:txBody>
+      </p:sp>
+    </p:spTree>
+  </p:cSld>
+  <p:clrMapOvr>
+    <a:masterClrMapping/>
+  </p:clrMapOvr>
+</p:sld>
+</file>
+
+<file path=ppt/slides/slide15.xml><?xml version="1.0" encoding="utf-8"?>
+<p:sld xmlns:p="http://schemas.openxmlformats.org/presentationml/2006/main" xmlns:a="http://schemas.openxmlformats.org/drawingml/2006/main">
+  <p:cSld>
+    <p:bg>
+      <p:bgPr>
+        <a:solidFill>
+          <a:srgbClr val="DEDEDE"/>
+        </a:solidFill>
+      </p:bgPr>
+    </p:bg>
+    <p:spTree>
+      <p:nvGrpSpPr>
+        <p:cNvPr id="1" name=""/>
+        <p:cNvGrpSpPr/>
+        <p:nvPr/>
+      </p:nvGrpSpPr>
+      <p:grpSpPr>
+        <a:xfrm>
+          <a:off x="0" y="0"/>
+          <a:ext cx="0" cy="0"/>
+          <a:chOff x="0" y="0"/>
+          <a:chExt cx="0" cy="0"/>
+        </a:xfrm>
+      </p:grpSpPr>
+      <p:grpSp>
+        <p:nvGrpSpPr>
+          <p:cNvPr name="Group 2" id="2"/>
+          <p:cNvGrpSpPr/>
+          <p:nvPr/>
+        </p:nvGrpSpPr>
+        <p:grpSpPr>
+          <a:xfrm rot="-2562626">
+            <a:off x="-4763849" y="7784323"/>
+            <a:ext cx="8132490" cy="4066245"/>
+            <a:chOff x="0" y="0"/>
+            <a:chExt cx="812800" cy="406400"/>
+          </a:xfrm>
+        </p:grpSpPr>
+        <p:sp>
+          <p:nvSpPr>
+            <p:cNvPr name="Freeform 3" id="3"/>
+            <p:cNvSpPr/>
+            <p:nvPr/>
+          </p:nvSpPr>
+          <p:spPr>
+            <a:xfrm flipH="false" flipV="false" rot="0">
+              <a:off x="0" y="0"/>
+              <a:ext cx="812800" cy="406400"/>
+            </a:xfrm>
+            <a:custGeom>
+              <a:avLst/>
+              <a:gdLst/>
+              <a:ahLst/>
+              <a:cxnLst/>
+              <a:rect r="r" b="b" t="t" l="l"/>
+              <a:pathLst>
+                <a:path h="406400" w="812800">
+                  <a:moveTo>
+                    <a:pt x="609600" y="0"/>
+                  </a:moveTo>
+                  <a:cubicBezTo>
+                    <a:pt x="721824" y="0"/>
+                    <a:pt x="812800" y="90976"/>
+                    <a:pt x="812800" y="203200"/>
+                  </a:cubicBezTo>
+                  <a:cubicBezTo>
+                    <a:pt x="812800" y="315424"/>
+                    <a:pt x="721824" y="406400"/>
+                    <a:pt x="609600" y="406400"/>
+                  </a:cubicBezTo>
+                  <a:lnTo>
+                    <a:pt x="203200" y="406400"/>
+                  </a:lnTo>
+                  <a:cubicBezTo>
+                    <a:pt x="90976" y="406400"/>
+                    <a:pt x="0" y="315424"/>
+                    <a:pt x="0" y="203200"/>
+                  </a:cubicBezTo>
+                  <a:cubicBezTo>
+                    <a:pt x="0" y="90976"/>
+                    <a:pt x="90976" y="0"/>
+                    <a:pt x="203200" y="0"/>
+                  </a:cubicBezTo>
+                  <a:close/>
+                </a:path>
+              </a:pathLst>
+            </a:custGeom>
+            <a:solidFill>
+              <a:srgbClr val="545454"/>
+            </a:solidFill>
+          </p:spPr>
+        </p:sp>
+        <p:sp>
+          <p:nvSpPr>
+            <p:cNvPr name="TextBox 4" id="4"/>
+            <p:cNvSpPr txBox="true"/>
+            <p:nvPr/>
+          </p:nvSpPr>
+          <p:spPr>
+            <a:xfrm>
+              <a:off x="0" y="-38100"/>
+              <a:ext cx="812800" cy="444500"/>
+            </a:xfrm>
+            <a:prstGeom prst="rect">
+              <a:avLst/>
+            </a:prstGeom>
+          </p:spPr>
+          <p:txBody>
+            <a:bodyPr anchor="ctr" rtlCol="false" tIns="50800" lIns="50800" bIns="50800" rIns="50800"/>
+            <a:lstStyle/>
+            <a:p>
+              <a:pPr algn="ctr">
+                <a:lnSpc>
+                  <a:spcPts val="2659"/>
+                </a:lnSpc>
+                <a:spcBef>
+                  <a:spcPct val="0"/>
+                </a:spcBef>
+              </a:pPr>
+            </a:p>
+          </p:txBody>
+        </p:sp>
+      </p:grpSp>
+      <p:grpSp>
+        <p:nvGrpSpPr>
+          <p:cNvPr name="Group 5" id="5"/>
+          <p:cNvGrpSpPr/>
+          <p:nvPr/>
+        </p:nvGrpSpPr>
+        <p:grpSpPr>
+          <a:xfrm rot="-2562626">
+            <a:off x="-1091559" y="10289015"/>
+            <a:ext cx="4019797" cy="2009899"/>
+            <a:chOff x="0" y="0"/>
+            <a:chExt cx="812800" cy="406400"/>
+          </a:xfrm>
+        </p:grpSpPr>
+        <p:sp>
+          <p:nvSpPr>
+            <p:cNvPr name="Freeform 6" id="6"/>
+            <p:cNvSpPr/>
+            <p:nvPr/>
+          </p:nvSpPr>
+          <p:spPr>
+            <a:xfrm flipH="false" flipV="false" rot="0">
+              <a:off x="0" y="0"/>
+              <a:ext cx="812800" cy="406400"/>
+            </a:xfrm>
+            <a:custGeom>
+              <a:avLst/>
+              <a:gdLst/>
+              <a:ahLst/>
+              <a:cxnLst/>
+              <a:rect r="r" b="b" t="t" l="l"/>
+              <a:pathLst>
+                <a:path h="406400" w="812800">
+                  <a:moveTo>
+                    <a:pt x="609600" y="0"/>
+                  </a:moveTo>
+                  <a:cubicBezTo>
+                    <a:pt x="721824" y="0"/>
+                    <a:pt x="812800" y="90976"/>
+                    <a:pt x="812800" y="203200"/>
+                  </a:cubicBezTo>
+                  <a:cubicBezTo>
+                    <a:pt x="812800" y="315424"/>
+                    <a:pt x="721824" y="406400"/>
+                    <a:pt x="609600" y="406400"/>
+                  </a:cubicBezTo>
+                  <a:lnTo>
+                    <a:pt x="203200" y="406400"/>
+                  </a:lnTo>
+                  <a:cubicBezTo>
+                    <a:pt x="90976" y="406400"/>
+                    <a:pt x="0" y="315424"/>
+                    <a:pt x="0" y="203200"/>
+                  </a:cubicBezTo>
+                  <a:cubicBezTo>
+                    <a:pt x="0" y="90976"/>
+                    <a:pt x="90976" y="0"/>
+                    <a:pt x="203200" y="0"/>
+                  </a:cubicBezTo>
+                  <a:close/>
+                </a:path>
+              </a:pathLst>
+            </a:custGeom>
+            <a:solidFill>
+              <a:srgbClr val="737373"/>
+            </a:solidFill>
+          </p:spPr>
+        </p:sp>
+        <p:sp>
+          <p:nvSpPr>
+            <p:cNvPr name="TextBox 7" id="7"/>
+            <p:cNvSpPr txBox="true"/>
+            <p:nvPr/>
+          </p:nvSpPr>
+          <p:spPr>
+            <a:xfrm>
+              <a:off x="0" y="-38100"/>
+              <a:ext cx="812800" cy="444500"/>
+            </a:xfrm>
+            <a:prstGeom prst="rect">
+              <a:avLst/>
+            </a:prstGeom>
+          </p:spPr>
+          <p:txBody>
+            <a:bodyPr anchor="ctr" rtlCol="false" tIns="50800" lIns="50800" bIns="50800" rIns="50800"/>
+            <a:lstStyle/>
+            <a:p>
+              <a:pPr algn="ctr">
+                <a:lnSpc>
+                  <a:spcPts val="2659"/>
+                </a:lnSpc>
+                <a:spcBef>
+                  <a:spcPct val="0"/>
+                </a:spcBef>
+              </a:pPr>
+            </a:p>
+          </p:txBody>
+        </p:sp>
+      </p:grpSp>
+      <p:grpSp>
+        <p:nvGrpSpPr>
+          <p:cNvPr name="Group 8" id="8"/>
+          <p:cNvGrpSpPr/>
+          <p:nvPr/>
+        </p:nvGrpSpPr>
+        <p:grpSpPr>
+          <a:xfrm rot="-2562626">
+            <a:off x="15760647" y="-1537845"/>
+            <a:ext cx="8664509" cy="4332254"/>
+            <a:chOff x="0" y="0"/>
+            <a:chExt cx="812800" cy="406400"/>
+          </a:xfrm>
+        </p:grpSpPr>
+        <p:sp>
+          <p:nvSpPr>
+            <p:cNvPr name="Freeform 9" id="9"/>
+            <p:cNvSpPr/>
+            <p:nvPr/>
+          </p:nvSpPr>
+          <p:spPr>
+            <a:xfrm flipH="false" flipV="false" rot="0">
+              <a:off x="0" y="0"/>
+              <a:ext cx="812800" cy="406400"/>
+            </a:xfrm>
+            <a:custGeom>
+              <a:avLst/>
+              <a:gdLst/>
+              <a:ahLst/>
+              <a:cxnLst/>
+              <a:rect r="r" b="b" t="t" l="l"/>
+              <a:pathLst>
+                <a:path h="406400" w="812800">
+                  <a:moveTo>
+                    <a:pt x="609600" y="0"/>
+                  </a:moveTo>
+                  <a:cubicBezTo>
+                    <a:pt x="721824" y="0"/>
+                    <a:pt x="812800" y="90976"/>
+                    <a:pt x="812800" y="203200"/>
+                  </a:cubicBezTo>
+                  <a:cubicBezTo>
+                    <a:pt x="812800" y="315424"/>
+                    <a:pt x="721824" y="406400"/>
+                    <a:pt x="609600" y="406400"/>
+                  </a:cubicBezTo>
+                  <a:lnTo>
+                    <a:pt x="203200" y="406400"/>
+                  </a:lnTo>
+                  <a:cubicBezTo>
+                    <a:pt x="90976" y="406400"/>
+                    <a:pt x="0" y="315424"/>
+                    <a:pt x="0" y="203200"/>
+                  </a:cubicBezTo>
+                  <a:cubicBezTo>
+                    <a:pt x="0" y="90976"/>
+                    <a:pt x="90976" y="0"/>
+                    <a:pt x="203200" y="0"/>
+                  </a:cubicBezTo>
+                  <a:close/>
+                </a:path>
+              </a:pathLst>
+            </a:custGeom>
+            <a:solidFill>
+              <a:srgbClr val="545454"/>
+            </a:solidFill>
+          </p:spPr>
+        </p:sp>
+        <p:sp>
+          <p:nvSpPr>
+            <p:cNvPr name="TextBox 10" id="10"/>
+            <p:cNvSpPr txBox="true"/>
+            <p:nvPr/>
+          </p:nvSpPr>
+          <p:spPr>
+            <a:xfrm>
+              <a:off x="0" y="-38100"/>
+              <a:ext cx="812800" cy="444500"/>
+            </a:xfrm>
+            <a:prstGeom prst="rect">
+              <a:avLst/>
+            </a:prstGeom>
+          </p:spPr>
+          <p:txBody>
+            <a:bodyPr anchor="ctr" rtlCol="false" tIns="50800" lIns="50800" bIns="50800" rIns="50800"/>
+            <a:lstStyle/>
+            <a:p>
+              <a:pPr algn="ctr">
+                <a:lnSpc>
+                  <a:spcPts val="2659"/>
+                </a:lnSpc>
+                <a:spcBef>
+                  <a:spcPct val="0"/>
+                </a:spcBef>
+              </a:pPr>
+            </a:p>
+          </p:txBody>
+        </p:sp>
+      </p:grpSp>
+      <p:grpSp>
+        <p:nvGrpSpPr>
+          <p:cNvPr name="Group 11" id="11"/>
+          <p:cNvGrpSpPr/>
+          <p:nvPr/>
+        </p:nvGrpSpPr>
+        <p:grpSpPr>
+          <a:xfrm rot="-2562626">
+            <a:off x="16327816" y="-2285619"/>
+            <a:ext cx="4282768" cy="2141384"/>
+            <a:chOff x="0" y="0"/>
+            <a:chExt cx="812800" cy="406400"/>
+          </a:xfrm>
+        </p:grpSpPr>
+        <p:sp>
+          <p:nvSpPr>
+            <p:cNvPr name="Freeform 12" id="12"/>
+            <p:cNvSpPr/>
+            <p:nvPr/>
+          </p:nvSpPr>
+          <p:spPr>
+            <a:xfrm flipH="false" flipV="false" rot="0">
+              <a:off x="0" y="0"/>
+              <a:ext cx="812800" cy="406400"/>
+            </a:xfrm>
+            <a:custGeom>
+              <a:avLst/>
+              <a:gdLst/>
+              <a:ahLst/>
+              <a:cxnLst/>
+              <a:rect r="r" b="b" t="t" l="l"/>
+              <a:pathLst>
+                <a:path h="406400" w="812800">
+                  <a:moveTo>
+                    <a:pt x="609600" y="0"/>
+                  </a:moveTo>
+                  <a:cubicBezTo>
+                    <a:pt x="721824" y="0"/>
+                    <a:pt x="812800" y="90976"/>
+                    <a:pt x="812800" y="203200"/>
+                  </a:cubicBezTo>
+                  <a:cubicBezTo>
+                    <a:pt x="812800" y="315424"/>
+                    <a:pt x="721824" y="406400"/>
+                    <a:pt x="609600" y="406400"/>
+                  </a:cubicBezTo>
+                  <a:lnTo>
+                    <a:pt x="203200" y="406400"/>
+                  </a:lnTo>
+                  <a:cubicBezTo>
+                    <a:pt x="90976" y="406400"/>
+                    <a:pt x="0" y="315424"/>
+                    <a:pt x="0" y="203200"/>
+                  </a:cubicBezTo>
+                  <a:cubicBezTo>
+                    <a:pt x="0" y="90976"/>
+                    <a:pt x="90976" y="0"/>
+                    <a:pt x="203200" y="0"/>
+                  </a:cubicBezTo>
+                  <a:close/>
+                </a:path>
+              </a:pathLst>
+            </a:custGeom>
+            <a:solidFill>
+              <a:srgbClr val="737373"/>
+            </a:solidFill>
+          </p:spPr>
+        </p:sp>
+        <p:sp>
+          <p:nvSpPr>
+            <p:cNvPr name="TextBox 13" id="13"/>
+            <p:cNvSpPr txBox="true"/>
+            <p:nvPr/>
+          </p:nvSpPr>
+          <p:spPr>
+            <a:xfrm>
+              <a:off x="0" y="-38100"/>
+              <a:ext cx="812800" cy="444500"/>
+            </a:xfrm>
+            <a:prstGeom prst="rect">
+              <a:avLst/>
+            </a:prstGeom>
+          </p:spPr>
+          <p:txBody>
+            <a:bodyPr anchor="ctr" rtlCol="false" tIns="50800" lIns="50800" bIns="50800" rIns="50800"/>
+            <a:lstStyle/>
+            <a:p>
+              <a:pPr algn="ctr">
+                <a:lnSpc>
+                  <a:spcPts val="2659"/>
+                </a:lnSpc>
+                <a:spcBef>
+                  <a:spcPct val="0"/>
+                </a:spcBef>
+              </a:pPr>
+            </a:p>
+          </p:txBody>
+        </p:sp>
+      </p:grpSp>
+      <p:grpSp>
+        <p:nvGrpSpPr>
+          <p:cNvPr name="Group 14" id="14"/>
+          <p:cNvGrpSpPr/>
+          <p:nvPr/>
+        </p:nvGrpSpPr>
+        <p:grpSpPr>
+          <a:xfrm rot="-2562626">
+            <a:off x="13101516" y="9777072"/>
+            <a:ext cx="3710089" cy="1855044"/>
+            <a:chOff x="0" y="0"/>
+            <a:chExt cx="812800" cy="406400"/>
+          </a:xfrm>
+        </p:grpSpPr>
+        <p:sp>
+          <p:nvSpPr>
+            <p:cNvPr name="Freeform 15" id="15"/>
+            <p:cNvSpPr/>
+            <p:nvPr/>
+          </p:nvSpPr>
+          <p:spPr>
+            <a:xfrm flipH="false" flipV="false" rot="0">
+              <a:off x="0" y="0"/>
+              <a:ext cx="812800" cy="406400"/>
+            </a:xfrm>
+            <a:custGeom>
+              <a:avLst/>
+              <a:gdLst/>
+              <a:ahLst/>
+              <a:cxnLst/>
+              <a:rect r="r" b="b" t="t" l="l"/>
+              <a:pathLst>
+                <a:path h="406400" w="812800">
+                  <a:moveTo>
+                    <a:pt x="609600" y="0"/>
+                  </a:moveTo>
+                  <a:cubicBezTo>
+                    <a:pt x="721824" y="0"/>
+                    <a:pt x="812800" y="90976"/>
+                    <a:pt x="812800" y="203200"/>
+                  </a:cubicBezTo>
+                  <a:cubicBezTo>
+                    <a:pt x="812800" y="315424"/>
+                    <a:pt x="721824" y="406400"/>
+                    <a:pt x="609600" y="406400"/>
+                  </a:cubicBezTo>
+                  <a:lnTo>
+                    <a:pt x="203200" y="406400"/>
+                  </a:lnTo>
+                  <a:cubicBezTo>
+                    <a:pt x="90976" y="406400"/>
+                    <a:pt x="0" y="315424"/>
+                    <a:pt x="0" y="203200"/>
+                  </a:cubicBezTo>
+                  <a:cubicBezTo>
+                    <a:pt x="0" y="90976"/>
+                    <a:pt x="90976" y="0"/>
+                    <a:pt x="203200" y="0"/>
+                  </a:cubicBezTo>
+                  <a:close/>
+                </a:path>
+              </a:pathLst>
+            </a:custGeom>
+            <a:solidFill>
+              <a:srgbClr val="000000">
+                <a:alpha val="0"/>
+              </a:srgbClr>
+            </a:solidFill>
+            <a:ln w="57150" cap="sq">
+              <a:solidFill>
+                <a:srgbClr val="545454"/>
+              </a:solidFill>
+              <a:prstDash val="solid"/>
+              <a:miter/>
+            </a:ln>
+          </p:spPr>
+        </p:sp>
+        <p:sp>
+          <p:nvSpPr>
+            <p:cNvPr name="TextBox 16" id="16"/>
+            <p:cNvSpPr txBox="true"/>
+            <p:nvPr/>
+          </p:nvSpPr>
+          <p:spPr>
+            <a:xfrm>
+              <a:off x="0" y="-38100"/>
+              <a:ext cx="812800" cy="444500"/>
+            </a:xfrm>
+            <a:prstGeom prst="rect">
+              <a:avLst/>
+            </a:prstGeom>
+          </p:spPr>
+          <p:txBody>
+            <a:bodyPr anchor="ctr" rtlCol="false" tIns="50800" lIns="50800" bIns="50800" rIns="50800"/>
+            <a:lstStyle/>
+            <a:p>
+              <a:pPr algn="ctr">
+                <a:lnSpc>
+                  <a:spcPts val="2659"/>
+                </a:lnSpc>
+                <a:spcBef>
+                  <a:spcPct val="0"/>
+                </a:spcBef>
+              </a:pPr>
+            </a:p>
+          </p:txBody>
+        </p:sp>
+      </p:grpSp>
+      <p:grpSp>
+        <p:nvGrpSpPr>
+          <p:cNvPr name="Group 17" id="17"/>
+          <p:cNvGrpSpPr/>
+          <p:nvPr/>
+        </p:nvGrpSpPr>
+        <p:grpSpPr>
+          <a:xfrm rot="-2562626">
+            <a:off x="1610027" y="-1189519"/>
+            <a:ext cx="3726595" cy="1863298"/>
+            <a:chOff x="0" y="0"/>
+            <a:chExt cx="812800" cy="406400"/>
+          </a:xfrm>
+        </p:grpSpPr>
+        <p:sp>
+          <p:nvSpPr>
+            <p:cNvPr name="Freeform 18" id="18"/>
+            <p:cNvSpPr/>
+            <p:nvPr/>
+          </p:nvSpPr>
+          <p:spPr>
+            <a:xfrm flipH="false" flipV="false" rot="0">
+              <a:off x="0" y="0"/>
+              <a:ext cx="812800" cy="406400"/>
+            </a:xfrm>
+            <a:custGeom>
+              <a:avLst/>
+              <a:gdLst/>
+              <a:ahLst/>
+              <a:cxnLst/>
+              <a:rect r="r" b="b" t="t" l="l"/>
+              <a:pathLst>
+                <a:path h="406400" w="812800">
+                  <a:moveTo>
+                    <a:pt x="609600" y="0"/>
+                  </a:moveTo>
+                  <a:cubicBezTo>
+                    <a:pt x="721824" y="0"/>
+                    <a:pt x="812800" y="90976"/>
+                    <a:pt x="812800" y="203200"/>
+                  </a:cubicBezTo>
+                  <a:cubicBezTo>
+                    <a:pt x="812800" y="315424"/>
+                    <a:pt x="721824" y="406400"/>
+                    <a:pt x="609600" y="406400"/>
+                  </a:cubicBezTo>
+                  <a:lnTo>
+                    <a:pt x="203200" y="406400"/>
+                  </a:lnTo>
+                  <a:cubicBezTo>
+                    <a:pt x="90976" y="406400"/>
+                    <a:pt x="0" y="315424"/>
+                    <a:pt x="0" y="203200"/>
+                  </a:cubicBezTo>
+                  <a:cubicBezTo>
+                    <a:pt x="0" y="90976"/>
+                    <a:pt x="90976" y="0"/>
+                    <a:pt x="203200" y="0"/>
+                  </a:cubicBezTo>
+                  <a:close/>
+                </a:path>
+              </a:pathLst>
+            </a:custGeom>
+            <a:solidFill>
+              <a:srgbClr val="000000">
+                <a:alpha val="0"/>
+              </a:srgbClr>
+            </a:solidFill>
+            <a:ln w="57150" cap="sq">
+              <a:solidFill>
+                <a:srgbClr val="545454"/>
+              </a:solidFill>
+              <a:prstDash val="solid"/>
+              <a:miter/>
+            </a:ln>
+          </p:spPr>
+        </p:sp>
+        <p:sp>
+          <p:nvSpPr>
+            <p:cNvPr name="TextBox 19" id="19"/>
+            <p:cNvSpPr txBox="true"/>
+            <p:nvPr/>
+          </p:nvSpPr>
+          <p:spPr>
+            <a:xfrm>
+              <a:off x="0" y="-38100"/>
+              <a:ext cx="812800" cy="444500"/>
+            </a:xfrm>
+            <a:prstGeom prst="rect">
+              <a:avLst/>
+            </a:prstGeom>
+          </p:spPr>
+          <p:txBody>
+            <a:bodyPr anchor="ctr" rtlCol="false" tIns="50800" lIns="50800" bIns="50800" rIns="50800"/>
+            <a:lstStyle/>
+            <a:p>
+              <a:pPr algn="ctr">
+                <a:lnSpc>
+                  <a:spcPts val="2659"/>
+                </a:lnSpc>
+                <a:spcBef>
+                  <a:spcPct val="0"/>
+                </a:spcBef>
+              </a:pPr>
+            </a:p>
+          </p:txBody>
+        </p:sp>
+      </p:grpSp>
+      <p:sp>
+        <p:nvSpPr>
+          <p:cNvPr name="TextBox 20" id="20"/>
+          <p:cNvSpPr txBox="true"/>
+          <p:nvPr/>
+        </p:nvSpPr>
+        <p:spPr>
+          <a:xfrm rot="0">
+            <a:off x="7524270" y="1827579"/>
+            <a:ext cx="3239461" cy="1013779"/>
+          </a:xfrm>
+          <a:prstGeom prst="rect">
+            <a:avLst/>
+          </a:prstGeom>
+        </p:spPr>
+        <p:txBody>
+          <a:bodyPr anchor="t" rtlCol="false" tIns="0" lIns="0" bIns="0" rIns="0">
+            <a:spAutoFit/>
+          </a:bodyPr>
+          <a:lstStyle/>
+          <a:p>
+            <a:pPr algn="ctr">
+              <a:lnSpc>
+                <a:spcPts val="7182"/>
+              </a:lnSpc>
+            </a:pPr>
+            <a:r>
+              <a:rPr lang="en-US" sz="8450">
+                <a:solidFill>
+                  <a:srgbClr val="545454"/>
+                </a:solidFill>
+                <a:latin typeface="Bold Ink"/>
+                <a:ea typeface="Bold Ink"/>
+                <a:cs typeface="Bold Ink"/>
+                <a:sym typeface="Bold Ink"/>
+              </a:rPr>
+              <a:t>UZD 3</a:t>
+            </a:r>
+          </a:p>
+        </p:txBody>
+      </p:sp>
+      <p:sp>
+        <p:nvSpPr>
+          <p:cNvPr name="TextBox 21" id="21"/>
+          <p:cNvSpPr txBox="true"/>
+          <p:nvPr/>
+        </p:nvSpPr>
+        <p:spPr>
+          <a:xfrm rot="0">
+            <a:off x="3162875" y="3877683"/>
+            <a:ext cx="11962250" cy="2111194"/>
+          </a:xfrm>
+          <a:prstGeom prst="rect">
+            <a:avLst/>
+          </a:prstGeom>
+        </p:spPr>
+        <p:txBody>
+          <a:bodyPr anchor="t" rtlCol="false" tIns="0" lIns="0" bIns="0" rIns="0">
+            <a:spAutoFit/>
+          </a:bodyPr>
+          <a:lstStyle/>
+          <a:p>
+            <a:pPr algn="ctr">
+              <a:lnSpc>
+                <a:spcPts val="5434"/>
+              </a:lnSpc>
+            </a:pPr>
+            <a:r>
+              <a:rPr lang="en-US" sz="3882">
+                <a:solidFill>
+                  <a:srgbClr val="61654D"/>
+                </a:solidFill>
+                <a:latin typeface="Akzidenz-Grotesk"/>
+                <a:ea typeface="Akzidenz-Grotesk"/>
+                <a:cs typeface="Akzidenz-Grotesk"/>
+                <a:sym typeface="Akzidenz-Grotesk"/>
+              </a:rPr>
+              <a:t>Lietotājs ievada virkni. Uzrakstiet programmu, kas izmanto for ciklu, lai saskaitītu patskaņu (a, ā, e, ē, i, ī, o, u, ū) skaitu virknē.</a:t>
+            </a:r>
+          </a:p>
+        </p:txBody>
+      </p:sp>
+    </p:spTree>
+  </p:cSld>
+  <p:clrMapOvr>
+    <a:masterClrMapping/>
+  </p:clrMapOvr>
+</p:sld>
+</file>
+
+<file path=ppt/slides/slide16.xml><?xml version="1.0" encoding="utf-8"?>
+<p:sld xmlns:p="http://schemas.openxmlformats.org/presentationml/2006/main" xmlns:a="http://schemas.openxmlformats.org/drawingml/2006/main">
+  <p:cSld>
+    <p:bg>
+      <p:bgPr>
+        <a:solidFill>
+          <a:srgbClr val="DEDEDE"/>
+        </a:solidFill>
+      </p:bgPr>
+    </p:bg>
+    <p:spTree>
+      <p:nvGrpSpPr>
+        <p:cNvPr id="1" name=""/>
+        <p:cNvGrpSpPr/>
+        <p:nvPr/>
+      </p:nvGrpSpPr>
+      <p:grpSpPr>
+        <a:xfrm>
+          <a:off x="0" y="0"/>
+          <a:ext cx="0" cy="0"/>
+          <a:chOff x="0" y="0"/>
+          <a:chExt cx="0" cy="0"/>
+        </a:xfrm>
+      </p:grpSpPr>
+      <p:grpSp>
+        <p:nvGrpSpPr>
+          <p:cNvPr name="Group 2" id="2"/>
+          <p:cNvGrpSpPr/>
+          <p:nvPr/>
+        </p:nvGrpSpPr>
+        <p:grpSpPr>
+          <a:xfrm rot="-2562626">
+            <a:off x="-4763849" y="7784323"/>
+            <a:ext cx="8132490" cy="4066245"/>
+            <a:chOff x="0" y="0"/>
+            <a:chExt cx="812800" cy="406400"/>
+          </a:xfrm>
+        </p:grpSpPr>
+        <p:sp>
+          <p:nvSpPr>
+            <p:cNvPr name="Freeform 3" id="3"/>
+            <p:cNvSpPr/>
+            <p:nvPr/>
+          </p:nvSpPr>
+          <p:spPr>
+            <a:xfrm flipH="false" flipV="false" rot="0">
+              <a:off x="0" y="0"/>
+              <a:ext cx="812800" cy="406400"/>
+            </a:xfrm>
+            <a:custGeom>
+              <a:avLst/>
+              <a:gdLst/>
+              <a:ahLst/>
+              <a:cxnLst/>
+              <a:rect r="r" b="b" t="t" l="l"/>
+              <a:pathLst>
+                <a:path h="406400" w="812800">
+                  <a:moveTo>
+                    <a:pt x="609600" y="0"/>
+                  </a:moveTo>
+                  <a:cubicBezTo>
+                    <a:pt x="721824" y="0"/>
+                    <a:pt x="812800" y="90976"/>
+                    <a:pt x="812800" y="203200"/>
+                  </a:cubicBezTo>
+                  <a:cubicBezTo>
+                    <a:pt x="812800" y="315424"/>
+                    <a:pt x="721824" y="406400"/>
+                    <a:pt x="609600" y="406400"/>
+                  </a:cubicBezTo>
+                  <a:lnTo>
+                    <a:pt x="203200" y="406400"/>
+                  </a:lnTo>
+                  <a:cubicBezTo>
+                    <a:pt x="90976" y="406400"/>
+                    <a:pt x="0" y="315424"/>
+                    <a:pt x="0" y="203200"/>
+                  </a:cubicBezTo>
+                  <a:cubicBezTo>
+                    <a:pt x="0" y="90976"/>
+                    <a:pt x="90976" y="0"/>
+                    <a:pt x="203200" y="0"/>
+                  </a:cubicBezTo>
+                  <a:close/>
+                </a:path>
+              </a:pathLst>
+            </a:custGeom>
+            <a:solidFill>
+              <a:srgbClr val="545454"/>
+            </a:solidFill>
+          </p:spPr>
+        </p:sp>
+        <p:sp>
+          <p:nvSpPr>
+            <p:cNvPr name="TextBox 4" id="4"/>
+            <p:cNvSpPr txBox="true"/>
+            <p:nvPr/>
+          </p:nvSpPr>
+          <p:spPr>
+            <a:xfrm>
+              <a:off x="0" y="-38100"/>
+              <a:ext cx="812800" cy="444500"/>
+            </a:xfrm>
+            <a:prstGeom prst="rect">
+              <a:avLst/>
+            </a:prstGeom>
+          </p:spPr>
+          <p:txBody>
+            <a:bodyPr anchor="ctr" rtlCol="false" tIns="50800" lIns="50800" bIns="50800" rIns="50800"/>
+            <a:lstStyle/>
+            <a:p>
+              <a:pPr algn="ctr">
+                <a:lnSpc>
+                  <a:spcPts val="2659"/>
+                </a:lnSpc>
+                <a:spcBef>
+                  <a:spcPct val="0"/>
+                </a:spcBef>
+              </a:pPr>
+            </a:p>
+          </p:txBody>
+        </p:sp>
+      </p:grpSp>
+      <p:grpSp>
+        <p:nvGrpSpPr>
+          <p:cNvPr name="Group 5" id="5"/>
+          <p:cNvGrpSpPr/>
+          <p:nvPr/>
+        </p:nvGrpSpPr>
+        <p:grpSpPr>
+          <a:xfrm rot="-2562626">
+            <a:off x="-1091559" y="10289015"/>
+            <a:ext cx="4019797" cy="2009899"/>
+            <a:chOff x="0" y="0"/>
+            <a:chExt cx="812800" cy="406400"/>
+          </a:xfrm>
+        </p:grpSpPr>
+        <p:sp>
+          <p:nvSpPr>
+            <p:cNvPr name="Freeform 6" id="6"/>
+            <p:cNvSpPr/>
+            <p:nvPr/>
+          </p:nvSpPr>
+          <p:spPr>
+            <a:xfrm flipH="false" flipV="false" rot="0">
+              <a:off x="0" y="0"/>
+              <a:ext cx="812800" cy="406400"/>
+            </a:xfrm>
+            <a:custGeom>
+              <a:avLst/>
+              <a:gdLst/>
+              <a:ahLst/>
+              <a:cxnLst/>
+              <a:rect r="r" b="b" t="t" l="l"/>
+              <a:pathLst>
+                <a:path h="406400" w="812800">
+                  <a:moveTo>
+                    <a:pt x="609600" y="0"/>
+                  </a:moveTo>
+                  <a:cubicBezTo>
+                    <a:pt x="721824" y="0"/>
+                    <a:pt x="812800" y="90976"/>
+                    <a:pt x="812800" y="203200"/>
+                  </a:cubicBezTo>
+                  <a:cubicBezTo>
+                    <a:pt x="812800" y="315424"/>
+                    <a:pt x="721824" y="406400"/>
+                    <a:pt x="609600" y="406400"/>
+                  </a:cubicBezTo>
+                  <a:lnTo>
+                    <a:pt x="203200" y="406400"/>
+                  </a:lnTo>
+                  <a:cubicBezTo>
+                    <a:pt x="90976" y="406400"/>
+                    <a:pt x="0" y="315424"/>
+                    <a:pt x="0" y="203200"/>
+                  </a:cubicBezTo>
+                  <a:cubicBezTo>
+                    <a:pt x="0" y="90976"/>
+                    <a:pt x="90976" y="0"/>
+                    <a:pt x="203200" y="0"/>
+                  </a:cubicBezTo>
+                  <a:close/>
+                </a:path>
+              </a:pathLst>
+            </a:custGeom>
+            <a:solidFill>
+              <a:srgbClr val="737373"/>
+            </a:solidFill>
+          </p:spPr>
+        </p:sp>
+        <p:sp>
+          <p:nvSpPr>
+            <p:cNvPr name="TextBox 7" id="7"/>
+            <p:cNvSpPr txBox="true"/>
+            <p:nvPr/>
+          </p:nvSpPr>
+          <p:spPr>
+            <a:xfrm>
+              <a:off x="0" y="-38100"/>
+              <a:ext cx="812800" cy="444500"/>
+            </a:xfrm>
+            <a:prstGeom prst="rect">
+              <a:avLst/>
+            </a:prstGeom>
+          </p:spPr>
+          <p:txBody>
+            <a:bodyPr anchor="ctr" rtlCol="false" tIns="50800" lIns="50800" bIns="50800" rIns="50800"/>
+            <a:lstStyle/>
+            <a:p>
+              <a:pPr algn="ctr">
+                <a:lnSpc>
+                  <a:spcPts val="2659"/>
+                </a:lnSpc>
+                <a:spcBef>
+                  <a:spcPct val="0"/>
+                </a:spcBef>
+              </a:pPr>
+            </a:p>
+          </p:txBody>
+        </p:sp>
+      </p:grpSp>
+      <p:grpSp>
+        <p:nvGrpSpPr>
+          <p:cNvPr name="Group 8" id="8"/>
+          <p:cNvGrpSpPr/>
+          <p:nvPr/>
+        </p:nvGrpSpPr>
+        <p:grpSpPr>
+          <a:xfrm rot="-2562626">
+            <a:off x="15760647" y="-1537845"/>
+            <a:ext cx="8664509" cy="4332254"/>
+            <a:chOff x="0" y="0"/>
+            <a:chExt cx="812800" cy="406400"/>
+          </a:xfrm>
+        </p:grpSpPr>
+        <p:sp>
+          <p:nvSpPr>
+            <p:cNvPr name="Freeform 9" id="9"/>
+            <p:cNvSpPr/>
+            <p:nvPr/>
+          </p:nvSpPr>
+          <p:spPr>
+            <a:xfrm flipH="false" flipV="false" rot="0">
+              <a:off x="0" y="0"/>
+              <a:ext cx="812800" cy="406400"/>
+            </a:xfrm>
+            <a:custGeom>
+              <a:avLst/>
+              <a:gdLst/>
+              <a:ahLst/>
+              <a:cxnLst/>
+              <a:rect r="r" b="b" t="t" l="l"/>
+              <a:pathLst>
+                <a:path h="406400" w="812800">
+                  <a:moveTo>
+                    <a:pt x="609600" y="0"/>
+                  </a:moveTo>
+                  <a:cubicBezTo>
+                    <a:pt x="721824" y="0"/>
+                    <a:pt x="812800" y="90976"/>
+                    <a:pt x="812800" y="203200"/>
+                  </a:cubicBezTo>
+                  <a:cubicBezTo>
+                    <a:pt x="812800" y="315424"/>
+                    <a:pt x="721824" y="406400"/>
+                    <a:pt x="609600" y="406400"/>
+                  </a:cubicBezTo>
+                  <a:lnTo>
+                    <a:pt x="203200" y="406400"/>
+                  </a:lnTo>
+                  <a:cubicBezTo>
+                    <a:pt x="90976" y="406400"/>
+                    <a:pt x="0" y="315424"/>
+                    <a:pt x="0" y="203200"/>
+                  </a:cubicBezTo>
+                  <a:cubicBezTo>
+                    <a:pt x="0" y="90976"/>
+                    <a:pt x="90976" y="0"/>
+                    <a:pt x="203200" y="0"/>
+                  </a:cubicBezTo>
+                  <a:close/>
+                </a:path>
+              </a:pathLst>
+            </a:custGeom>
+            <a:solidFill>
+              <a:srgbClr val="545454"/>
+            </a:solidFill>
+          </p:spPr>
+        </p:sp>
+        <p:sp>
+          <p:nvSpPr>
+            <p:cNvPr name="TextBox 10" id="10"/>
+            <p:cNvSpPr txBox="true"/>
+            <p:nvPr/>
+          </p:nvSpPr>
+          <p:spPr>
+            <a:xfrm>
+              <a:off x="0" y="-38100"/>
+              <a:ext cx="812800" cy="444500"/>
+            </a:xfrm>
+            <a:prstGeom prst="rect">
+              <a:avLst/>
+            </a:prstGeom>
+          </p:spPr>
+          <p:txBody>
+            <a:bodyPr anchor="ctr" rtlCol="false" tIns="50800" lIns="50800" bIns="50800" rIns="50800"/>
+            <a:lstStyle/>
+            <a:p>
+              <a:pPr algn="ctr">
+                <a:lnSpc>
+                  <a:spcPts val="2659"/>
+                </a:lnSpc>
+                <a:spcBef>
+                  <a:spcPct val="0"/>
+                </a:spcBef>
+              </a:pPr>
+            </a:p>
+          </p:txBody>
+        </p:sp>
+      </p:grpSp>
+      <p:grpSp>
+        <p:nvGrpSpPr>
+          <p:cNvPr name="Group 11" id="11"/>
+          <p:cNvGrpSpPr/>
+          <p:nvPr/>
+        </p:nvGrpSpPr>
+        <p:grpSpPr>
+          <a:xfrm rot="-2562626">
+            <a:off x="16327816" y="-2285619"/>
+            <a:ext cx="4282768" cy="2141384"/>
+            <a:chOff x="0" y="0"/>
+            <a:chExt cx="812800" cy="406400"/>
+          </a:xfrm>
+        </p:grpSpPr>
+        <p:sp>
+          <p:nvSpPr>
+            <p:cNvPr name="Freeform 12" id="12"/>
+            <p:cNvSpPr/>
+            <p:nvPr/>
+          </p:nvSpPr>
+          <p:spPr>
+            <a:xfrm flipH="false" flipV="false" rot="0">
+              <a:off x="0" y="0"/>
+              <a:ext cx="812800" cy="406400"/>
+            </a:xfrm>
+            <a:custGeom>
+              <a:avLst/>
+              <a:gdLst/>
+              <a:ahLst/>
+              <a:cxnLst/>
+              <a:rect r="r" b="b" t="t" l="l"/>
+              <a:pathLst>
+                <a:path h="406400" w="812800">
+                  <a:moveTo>
+                    <a:pt x="609600" y="0"/>
+                  </a:moveTo>
+                  <a:cubicBezTo>
+                    <a:pt x="721824" y="0"/>
+                    <a:pt x="812800" y="90976"/>
+                    <a:pt x="812800" y="203200"/>
+                  </a:cubicBezTo>
+                  <a:cubicBezTo>
+                    <a:pt x="812800" y="315424"/>
+                    <a:pt x="721824" y="406400"/>
+                    <a:pt x="609600" y="406400"/>
+                  </a:cubicBezTo>
+                  <a:lnTo>
+                    <a:pt x="203200" y="406400"/>
+                  </a:lnTo>
+                  <a:cubicBezTo>
+                    <a:pt x="90976" y="406400"/>
+                    <a:pt x="0" y="315424"/>
+                    <a:pt x="0" y="203200"/>
+                  </a:cubicBezTo>
+                  <a:cubicBezTo>
+                    <a:pt x="0" y="90976"/>
+                    <a:pt x="90976" y="0"/>
+                    <a:pt x="203200" y="0"/>
+                  </a:cubicBezTo>
+                  <a:close/>
+                </a:path>
+              </a:pathLst>
+            </a:custGeom>
+            <a:solidFill>
+              <a:srgbClr val="737373"/>
+            </a:solidFill>
+          </p:spPr>
+        </p:sp>
+        <p:sp>
+          <p:nvSpPr>
+            <p:cNvPr name="TextBox 13" id="13"/>
+            <p:cNvSpPr txBox="true"/>
+            <p:nvPr/>
+          </p:nvSpPr>
+          <p:spPr>
+            <a:xfrm>
+              <a:off x="0" y="-38100"/>
+              <a:ext cx="812800" cy="444500"/>
+            </a:xfrm>
+            <a:prstGeom prst="rect">
+              <a:avLst/>
+            </a:prstGeom>
+          </p:spPr>
+          <p:txBody>
+            <a:bodyPr anchor="ctr" rtlCol="false" tIns="50800" lIns="50800" bIns="50800" rIns="50800"/>
+            <a:lstStyle/>
+            <a:p>
+              <a:pPr algn="ctr">
+                <a:lnSpc>
+                  <a:spcPts val="2659"/>
+                </a:lnSpc>
+                <a:spcBef>
+                  <a:spcPct val="0"/>
+                </a:spcBef>
+              </a:pPr>
+            </a:p>
+          </p:txBody>
+        </p:sp>
+      </p:grpSp>
+      <p:grpSp>
+        <p:nvGrpSpPr>
+          <p:cNvPr name="Group 14" id="14"/>
+          <p:cNvGrpSpPr/>
+          <p:nvPr/>
+        </p:nvGrpSpPr>
+        <p:grpSpPr>
+          <a:xfrm rot="-2562626">
+            <a:off x="13101516" y="9777072"/>
+            <a:ext cx="3710089" cy="1855044"/>
+            <a:chOff x="0" y="0"/>
+            <a:chExt cx="812800" cy="406400"/>
+          </a:xfrm>
+        </p:grpSpPr>
+        <p:sp>
+          <p:nvSpPr>
+            <p:cNvPr name="Freeform 15" id="15"/>
+            <p:cNvSpPr/>
+            <p:nvPr/>
+          </p:nvSpPr>
+          <p:spPr>
+            <a:xfrm flipH="false" flipV="false" rot="0">
+              <a:off x="0" y="0"/>
+              <a:ext cx="812800" cy="406400"/>
+            </a:xfrm>
+            <a:custGeom>
+              <a:avLst/>
+              <a:gdLst/>
+              <a:ahLst/>
+              <a:cxnLst/>
+              <a:rect r="r" b="b" t="t" l="l"/>
+              <a:pathLst>
+                <a:path h="406400" w="812800">
+                  <a:moveTo>
+                    <a:pt x="609600" y="0"/>
+                  </a:moveTo>
+                  <a:cubicBezTo>
+                    <a:pt x="721824" y="0"/>
+                    <a:pt x="812800" y="90976"/>
+                    <a:pt x="812800" y="203200"/>
+                  </a:cubicBezTo>
+                  <a:cubicBezTo>
+                    <a:pt x="812800" y="315424"/>
+                    <a:pt x="721824" y="406400"/>
+                    <a:pt x="609600" y="406400"/>
+                  </a:cubicBezTo>
+                  <a:lnTo>
+                    <a:pt x="203200" y="406400"/>
+                  </a:lnTo>
+                  <a:cubicBezTo>
+                    <a:pt x="90976" y="406400"/>
+                    <a:pt x="0" y="315424"/>
+                    <a:pt x="0" y="203200"/>
+                  </a:cubicBezTo>
+                  <a:cubicBezTo>
+                    <a:pt x="0" y="90976"/>
+                    <a:pt x="90976" y="0"/>
+                    <a:pt x="203200" y="0"/>
+                  </a:cubicBezTo>
+                  <a:close/>
+                </a:path>
+              </a:pathLst>
+            </a:custGeom>
+            <a:solidFill>
+              <a:srgbClr val="000000">
+                <a:alpha val="0"/>
+              </a:srgbClr>
+            </a:solidFill>
+            <a:ln w="57150" cap="sq">
+              <a:solidFill>
+                <a:srgbClr val="545454"/>
+              </a:solidFill>
+              <a:prstDash val="solid"/>
+              <a:miter/>
+            </a:ln>
+          </p:spPr>
+        </p:sp>
+        <p:sp>
+          <p:nvSpPr>
+            <p:cNvPr name="TextBox 16" id="16"/>
+            <p:cNvSpPr txBox="true"/>
+            <p:nvPr/>
+          </p:nvSpPr>
+          <p:spPr>
+            <a:xfrm>
+              <a:off x="0" y="-38100"/>
+              <a:ext cx="812800" cy="444500"/>
+            </a:xfrm>
+            <a:prstGeom prst="rect">
+              <a:avLst/>
+            </a:prstGeom>
+          </p:spPr>
+          <p:txBody>
+            <a:bodyPr anchor="ctr" rtlCol="false" tIns="50800" lIns="50800" bIns="50800" rIns="50800"/>
+            <a:lstStyle/>
+            <a:p>
+              <a:pPr algn="ctr">
+                <a:lnSpc>
+                  <a:spcPts val="2659"/>
+                </a:lnSpc>
+                <a:spcBef>
+                  <a:spcPct val="0"/>
+                </a:spcBef>
+              </a:pPr>
+            </a:p>
+          </p:txBody>
+        </p:sp>
+      </p:grpSp>
+      <p:grpSp>
+        <p:nvGrpSpPr>
+          <p:cNvPr name="Group 17" id="17"/>
+          <p:cNvGrpSpPr/>
+          <p:nvPr/>
+        </p:nvGrpSpPr>
+        <p:grpSpPr>
+          <a:xfrm rot="-2562626">
+            <a:off x="1610027" y="-1189519"/>
+            <a:ext cx="3726595" cy="1863298"/>
+            <a:chOff x="0" y="0"/>
+            <a:chExt cx="812800" cy="406400"/>
+          </a:xfrm>
+        </p:grpSpPr>
+        <p:sp>
+          <p:nvSpPr>
+            <p:cNvPr name="Freeform 18" id="18"/>
+            <p:cNvSpPr/>
+            <p:nvPr/>
+          </p:nvSpPr>
+          <p:spPr>
+            <a:xfrm flipH="false" flipV="false" rot="0">
+              <a:off x="0" y="0"/>
+              <a:ext cx="812800" cy="406400"/>
+            </a:xfrm>
+            <a:custGeom>
+              <a:avLst/>
+              <a:gdLst/>
+              <a:ahLst/>
+              <a:cxnLst/>
+              <a:rect r="r" b="b" t="t" l="l"/>
+              <a:pathLst>
+                <a:path h="406400" w="812800">
+                  <a:moveTo>
+                    <a:pt x="609600" y="0"/>
+                  </a:moveTo>
+                  <a:cubicBezTo>
+                    <a:pt x="721824" y="0"/>
+                    <a:pt x="812800" y="90976"/>
+                    <a:pt x="812800" y="203200"/>
+                  </a:cubicBezTo>
+                  <a:cubicBezTo>
+                    <a:pt x="812800" y="315424"/>
+                    <a:pt x="721824" y="406400"/>
+                    <a:pt x="609600" y="406400"/>
+                  </a:cubicBezTo>
+                  <a:lnTo>
+                    <a:pt x="203200" y="406400"/>
+                  </a:lnTo>
+                  <a:cubicBezTo>
+                    <a:pt x="90976" y="406400"/>
+                    <a:pt x="0" y="315424"/>
+                    <a:pt x="0" y="203200"/>
+                  </a:cubicBezTo>
+                  <a:cubicBezTo>
+                    <a:pt x="0" y="90976"/>
+                    <a:pt x="90976" y="0"/>
+                    <a:pt x="203200" y="0"/>
+                  </a:cubicBezTo>
+                  <a:close/>
+                </a:path>
+              </a:pathLst>
+            </a:custGeom>
+            <a:solidFill>
+              <a:srgbClr val="000000">
+                <a:alpha val="0"/>
+              </a:srgbClr>
+            </a:solidFill>
+            <a:ln w="57150" cap="sq">
+              <a:solidFill>
+                <a:srgbClr val="545454"/>
+              </a:solidFill>
+              <a:prstDash val="solid"/>
+              <a:miter/>
+            </a:ln>
+          </p:spPr>
+        </p:sp>
+        <p:sp>
+          <p:nvSpPr>
+            <p:cNvPr name="TextBox 19" id="19"/>
+            <p:cNvSpPr txBox="true"/>
+            <p:nvPr/>
+          </p:nvSpPr>
+          <p:spPr>
+            <a:xfrm>
+              <a:off x="0" y="-38100"/>
+              <a:ext cx="812800" cy="444500"/>
+            </a:xfrm>
+            <a:prstGeom prst="rect">
+              <a:avLst/>
+            </a:prstGeom>
+          </p:spPr>
+          <p:txBody>
+            <a:bodyPr anchor="ctr" rtlCol="false" tIns="50800" lIns="50800" bIns="50800" rIns="50800"/>
+            <a:lstStyle/>
+            <a:p>
+              <a:pPr algn="ctr">
+                <a:lnSpc>
+                  <a:spcPts val="2659"/>
+                </a:lnSpc>
+                <a:spcBef>
+                  <a:spcPct val="0"/>
+                </a:spcBef>
+              </a:pPr>
+            </a:p>
+          </p:txBody>
+        </p:sp>
+      </p:grpSp>
+      <p:sp>
+        <p:nvSpPr>
+          <p:cNvPr name="TextBox 20" id="20"/>
+          <p:cNvSpPr txBox="true"/>
+          <p:nvPr/>
+        </p:nvSpPr>
+        <p:spPr>
+          <a:xfrm rot="0">
+            <a:off x="3800441" y="2718040"/>
+            <a:ext cx="10540477" cy="1013779"/>
+          </a:xfrm>
+          <a:prstGeom prst="rect">
+            <a:avLst/>
+          </a:prstGeom>
+        </p:spPr>
+        <p:txBody>
+          <a:bodyPr anchor="t" rtlCol="false" tIns="0" lIns="0" bIns="0" rIns="0">
+            <a:spAutoFit/>
+          </a:bodyPr>
+          <a:lstStyle/>
+          <a:p>
+            <a:pPr algn="ctr">
+              <a:lnSpc>
+                <a:spcPts val="7182"/>
+              </a:lnSpc>
+            </a:pPr>
+            <a:r>
+              <a:rPr lang="en-US" sz="8450">
+                <a:solidFill>
+                  <a:srgbClr val="545454"/>
+                </a:solidFill>
+                <a:latin typeface="Bold Ink"/>
+                <a:ea typeface="Bold Ink"/>
+                <a:cs typeface="Bold Ink"/>
+                <a:sym typeface="Bold Ink"/>
+              </a:rPr>
+              <a:t>UZD 3</a:t>
+            </a:r>
+          </a:p>
+        </p:txBody>
+      </p:sp>
+    </p:spTree>
+  </p:cSld>
+  <p:clrMapOvr>
+    <a:masterClrMapping/>
+  </p:clrMapOvr>
+</p:sld>
+</file>
+
+<file path=ppt/slides/slide17.xml><?xml version="1.0" encoding="utf-8"?>
+<p:sld xmlns:p="http://schemas.openxmlformats.org/presentationml/2006/main" xmlns:a="http://schemas.openxmlformats.org/drawingml/2006/main" xmlns:r="http://schemas.openxmlformats.org/officeDocument/2006/relationships">
+  <p:cSld>
+    <p:bg>
+      <p:bgPr>
+        <a:solidFill>
+          <a:srgbClr val="DEDEDE"/>
+        </a:solidFill>
+      </p:bgPr>
+    </p:bg>
+    <p:spTree>
+      <p:nvGrpSpPr>
+        <p:cNvPr id="1" name=""/>
+        <p:cNvGrpSpPr/>
+        <p:nvPr/>
+      </p:nvGrpSpPr>
+      <p:grpSpPr>
+        <a:xfrm>
+          <a:off x="0" y="0"/>
+          <a:ext cx="0" cy="0"/>
+          <a:chOff x="0" y="0"/>
+          <a:chExt cx="0" cy="0"/>
+        </a:xfrm>
+      </p:grpSpPr>
+      <p:grpSp>
+        <p:nvGrpSpPr>
+          <p:cNvPr name="Group 2" id="2"/>
+          <p:cNvGrpSpPr/>
+          <p:nvPr/>
+        </p:nvGrpSpPr>
+        <p:grpSpPr>
+          <a:xfrm rot="-2562626">
+            <a:off x="-4763849" y="7784323"/>
+            <a:ext cx="8132490" cy="4066245"/>
+            <a:chOff x="0" y="0"/>
+            <a:chExt cx="812800" cy="406400"/>
+          </a:xfrm>
+        </p:grpSpPr>
+        <p:sp>
+          <p:nvSpPr>
+            <p:cNvPr name="Freeform 3" id="3"/>
+            <p:cNvSpPr/>
+            <p:nvPr/>
+          </p:nvSpPr>
+          <p:spPr>
+            <a:xfrm flipH="false" flipV="false" rot="0">
+              <a:off x="0" y="0"/>
+              <a:ext cx="812800" cy="406400"/>
+            </a:xfrm>
+            <a:custGeom>
+              <a:avLst/>
+              <a:gdLst/>
+              <a:ahLst/>
+              <a:cxnLst/>
+              <a:rect r="r" b="b" t="t" l="l"/>
+              <a:pathLst>
+                <a:path h="406400" w="812800">
+                  <a:moveTo>
+                    <a:pt x="609600" y="0"/>
+                  </a:moveTo>
+                  <a:cubicBezTo>
+                    <a:pt x="721824" y="0"/>
+                    <a:pt x="812800" y="90976"/>
+                    <a:pt x="812800" y="203200"/>
+                  </a:cubicBezTo>
+                  <a:cubicBezTo>
+                    <a:pt x="812800" y="315424"/>
+                    <a:pt x="721824" y="406400"/>
+                    <a:pt x="609600" y="406400"/>
+                  </a:cubicBezTo>
+                  <a:lnTo>
+                    <a:pt x="203200" y="406400"/>
+                  </a:lnTo>
+                  <a:cubicBezTo>
+                    <a:pt x="90976" y="406400"/>
+                    <a:pt x="0" y="315424"/>
+                    <a:pt x="0" y="203200"/>
+                  </a:cubicBezTo>
+                  <a:cubicBezTo>
+                    <a:pt x="0" y="90976"/>
+                    <a:pt x="90976" y="0"/>
+                    <a:pt x="203200" y="0"/>
+                  </a:cubicBezTo>
+                  <a:close/>
+                </a:path>
+              </a:pathLst>
+            </a:custGeom>
+            <a:solidFill>
+              <a:srgbClr val="545454"/>
+            </a:solidFill>
+          </p:spPr>
+        </p:sp>
+        <p:sp>
+          <p:nvSpPr>
+            <p:cNvPr name="TextBox 4" id="4"/>
+            <p:cNvSpPr txBox="true"/>
+            <p:nvPr/>
+          </p:nvSpPr>
+          <p:spPr>
+            <a:xfrm>
+              <a:off x="0" y="-38100"/>
+              <a:ext cx="812800" cy="444500"/>
+            </a:xfrm>
+            <a:prstGeom prst="rect">
+              <a:avLst/>
+            </a:prstGeom>
+          </p:spPr>
+          <p:txBody>
+            <a:bodyPr anchor="ctr" rtlCol="false" tIns="50800" lIns="50800" bIns="50800" rIns="50800"/>
+            <a:lstStyle/>
+            <a:p>
+              <a:pPr algn="ctr">
+                <a:lnSpc>
+                  <a:spcPts val="2659"/>
+                </a:lnSpc>
+                <a:spcBef>
+                  <a:spcPct val="0"/>
+                </a:spcBef>
+              </a:pPr>
+            </a:p>
+          </p:txBody>
+        </p:sp>
+      </p:grpSp>
+      <p:grpSp>
+        <p:nvGrpSpPr>
+          <p:cNvPr name="Group 5" id="5"/>
+          <p:cNvGrpSpPr/>
+          <p:nvPr/>
+        </p:nvGrpSpPr>
+        <p:grpSpPr>
+          <a:xfrm rot="-2562626">
+            <a:off x="-1091559" y="10289015"/>
+            <a:ext cx="4019797" cy="2009899"/>
+            <a:chOff x="0" y="0"/>
+            <a:chExt cx="812800" cy="406400"/>
+          </a:xfrm>
+        </p:grpSpPr>
+        <p:sp>
+          <p:nvSpPr>
+            <p:cNvPr name="Freeform 6" id="6"/>
+            <p:cNvSpPr/>
+            <p:nvPr/>
+          </p:nvSpPr>
+          <p:spPr>
+            <a:xfrm flipH="false" flipV="false" rot="0">
+              <a:off x="0" y="0"/>
+              <a:ext cx="812800" cy="406400"/>
+            </a:xfrm>
+            <a:custGeom>
+              <a:avLst/>
+              <a:gdLst/>
+              <a:ahLst/>
+              <a:cxnLst/>
+              <a:rect r="r" b="b" t="t" l="l"/>
+              <a:pathLst>
+                <a:path h="406400" w="812800">
+                  <a:moveTo>
+                    <a:pt x="609600" y="0"/>
+                  </a:moveTo>
+                  <a:cubicBezTo>
+                    <a:pt x="721824" y="0"/>
+                    <a:pt x="812800" y="90976"/>
+                    <a:pt x="812800" y="203200"/>
+                  </a:cubicBezTo>
+                  <a:cubicBezTo>
+                    <a:pt x="812800" y="315424"/>
+                    <a:pt x="721824" y="406400"/>
+                    <a:pt x="609600" y="406400"/>
+                  </a:cubicBezTo>
+                  <a:lnTo>
+                    <a:pt x="203200" y="406400"/>
+                  </a:lnTo>
+                  <a:cubicBezTo>
+                    <a:pt x="90976" y="406400"/>
+                    <a:pt x="0" y="315424"/>
+                    <a:pt x="0" y="203200"/>
+                  </a:cubicBezTo>
+                  <a:cubicBezTo>
+                    <a:pt x="0" y="90976"/>
+                    <a:pt x="90976" y="0"/>
+                    <a:pt x="203200" y="0"/>
+                  </a:cubicBezTo>
+                  <a:close/>
+                </a:path>
+              </a:pathLst>
+            </a:custGeom>
+            <a:solidFill>
+              <a:srgbClr val="737373"/>
+            </a:solidFill>
+          </p:spPr>
+        </p:sp>
+        <p:sp>
+          <p:nvSpPr>
+            <p:cNvPr name="TextBox 7" id="7"/>
+            <p:cNvSpPr txBox="true"/>
+            <p:nvPr/>
+          </p:nvSpPr>
+          <p:spPr>
+            <a:xfrm>
+              <a:off x="0" y="-38100"/>
+              <a:ext cx="812800" cy="444500"/>
+            </a:xfrm>
+            <a:prstGeom prst="rect">
+              <a:avLst/>
+            </a:prstGeom>
+          </p:spPr>
+          <p:txBody>
+            <a:bodyPr anchor="ctr" rtlCol="false" tIns="50800" lIns="50800" bIns="50800" rIns="50800"/>
+            <a:lstStyle/>
+            <a:p>
+              <a:pPr algn="ctr">
+                <a:lnSpc>
+                  <a:spcPts val="2659"/>
+                </a:lnSpc>
+                <a:spcBef>
+                  <a:spcPct val="0"/>
+                </a:spcBef>
+              </a:pPr>
+            </a:p>
+          </p:txBody>
+        </p:sp>
+      </p:grpSp>
+      <p:grpSp>
+        <p:nvGrpSpPr>
+          <p:cNvPr name="Group 8" id="8"/>
+          <p:cNvGrpSpPr/>
+          <p:nvPr/>
+        </p:nvGrpSpPr>
+        <p:grpSpPr>
+          <a:xfrm rot="-2562626">
+            <a:off x="15760647" y="-1537845"/>
+            <a:ext cx="8664509" cy="4332254"/>
+            <a:chOff x="0" y="0"/>
+            <a:chExt cx="812800" cy="406400"/>
+          </a:xfrm>
+        </p:grpSpPr>
+        <p:sp>
+          <p:nvSpPr>
+            <p:cNvPr name="Freeform 9" id="9"/>
+            <p:cNvSpPr/>
+            <p:nvPr/>
+          </p:nvSpPr>
+          <p:spPr>
+            <a:xfrm flipH="false" flipV="false" rot="0">
+              <a:off x="0" y="0"/>
+              <a:ext cx="812800" cy="406400"/>
+            </a:xfrm>
+            <a:custGeom>
+              <a:avLst/>
+              <a:gdLst/>
+              <a:ahLst/>
+              <a:cxnLst/>
+              <a:rect r="r" b="b" t="t" l="l"/>
+              <a:pathLst>
+                <a:path h="406400" w="812800">
+                  <a:moveTo>
+                    <a:pt x="609600" y="0"/>
+                  </a:moveTo>
+                  <a:cubicBezTo>
+                    <a:pt x="721824" y="0"/>
+                    <a:pt x="812800" y="90976"/>
+                    <a:pt x="812800" y="203200"/>
+                  </a:cubicBezTo>
+                  <a:cubicBezTo>
+                    <a:pt x="812800" y="315424"/>
+                    <a:pt x="721824" y="406400"/>
+                    <a:pt x="609600" y="406400"/>
+                  </a:cubicBezTo>
+                  <a:lnTo>
+                    <a:pt x="203200" y="406400"/>
+                  </a:lnTo>
+                  <a:cubicBezTo>
+                    <a:pt x="90976" y="406400"/>
+                    <a:pt x="0" y="315424"/>
+                    <a:pt x="0" y="203200"/>
+                  </a:cubicBezTo>
+                  <a:cubicBezTo>
+                    <a:pt x="0" y="90976"/>
+                    <a:pt x="90976" y="0"/>
+                    <a:pt x="203200" y="0"/>
+                  </a:cubicBezTo>
+                  <a:close/>
+                </a:path>
+              </a:pathLst>
+            </a:custGeom>
+            <a:solidFill>
+              <a:srgbClr val="545454"/>
+            </a:solidFill>
+          </p:spPr>
+        </p:sp>
+        <p:sp>
+          <p:nvSpPr>
+            <p:cNvPr name="TextBox 10" id="10"/>
+            <p:cNvSpPr txBox="true"/>
+            <p:nvPr/>
+          </p:nvSpPr>
+          <p:spPr>
+            <a:xfrm>
+              <a:off x="0" y="-38100"/>
+              <a:ext cx="812800" cy="444500"/>
+            </a:xfrm>
+            <a:prstGeom prst="rect">
+              <a:avLst/>
+            </a:prstGeom>
+          </p:spPr>
+          <p:txBody>
+            <a:bodyPr anchor="ctr" rtlCol="false" tIns="50800" lIns="50800" bIns="50800" rIns="50800"/>
+            <a:lstStyle/>
+            <a:p>
+              <a:pPr algn="ctr">
+                <a:lnSpc>
+                  <a:spcPts val="2659"/>
+                </a:lnSpc>
+                <a:spcBef>
+                  <a:spcPct val="0"/>
+                </a:spcBef>
+              </a:pPr>
+            </a:p>
+          </p:txBody>
+        </p:sp>
+      </p:grpSp>
+      <p:grpSp>
+        <p:nvGrpSpPr>
+          <p:cNvPr name="Group 11" id="11"/>
+          <p:cNvGrpSpPr/>
+          <p:nvPr/>
+        </p:nvGrpSpPr>
+        <p:grpSpPr>
+          <a:xfrm rot="-2562626">
+            <a:off x="16327816" y="-2285619"/>
+            <a:ext cx="4282768" cy="2141384"/>
+            <a:chOff x="0" y="0"/>
+            <a:chExt cx="812800" cy="406400"/>
+          </a:xfrm>
+        </p:grpSpPr>
+        <p:sp>
+          <p:nvSpPr>
+            <p:cNvPr name="Freeform 12" id="12"/>
+            <p:cNvSpPr/>
+            <p:nvPr/>
+          </p:nvSpPr>
+          <p:spPr>
+            <a:xfrm flipH="false" flipV="false" rot="0">
+              <a:off x="0" y="0"/>
+              <a:ext cx="812800" cy="406400"/>
+            </a:xfrm>
+            <a:custGeom>
+              <a:avLst/>
+              <a:gdLst/>
+              <a:ahLst/>
+              <a:cxnLst/>
+              <a:rect r="r" b="b" t="t" l="l"/>
+              <a:pathLst>
+                <a:path h="406400" w="812800">
+                  <a:moveTo>
+                    <a:pt x="609600" y="0"/>
+                  </a:moveTo>
+                  <a:cubicBezTo>
+                    <a:pt x="721824" y="0"/>
+                    <a:pt x="812800" y="90976"/>
+                    <a:pt x="812800" y="203200"/>
+                  </a:cubicBezTo>
+                  <a:cubicBezTo>
+                    <a:pt x="812800" y="315424"/>
+                    <a:pt x="721824" y="406400"/>
+                    <a:pt x="609600" y="406400"/>
+                  </a:cubicBezTo>
+                  <a:lnTo>
+                    <a:pt x="203200" y="406400"/>
+                  </a:lnTo>
+                  <a:cubicBezTo>
+                    <a:pt x="90976" y="406400"/>
+                    <a:pt x="0" y="315424"/>
+                    <a:pt x="0" y="203200"/>
+                  </a:cubicBezTo>
+                  <a:cubicBezTo>
+                    <a:pt x="0" y="90976"/>
+                    <a:pt x="90976" y="0"/>
+                    <a:pt x="203200" y="0"/>
+                  </a:cubicBezTo>
+                  <a:close/>
+                </a:path>
+              </a:pathLst>
+            </a:custGeom>
+            <a:solidFill>
+              <a:srgbClr val="737373"/>
+            </a:solidFill>
+          </p:spPr>
+        </p:sp>
+        <p:sp>
+          <p:nvSpPr>
+            <p:cNvPr name="TextBox 13" id="13"/>
+            <p:cNvSpPr txBox="true"/>
+            <p:nvPr/>
+          </p:nvSpPr>
+          <p:spPr>
+            <a:xfrm>
+              <a:off x="0" y="-38100"/>
+              <a:ext cx="812800" cy="444500"/>
+            </a:xfrm>
+            <a:prstGeom prst="rect">
+              <a:avLst/>
+            </a:prstGeom>
+          </p:spPr>
+          <p:txBody>
+            <a:bodyPr anchor="ctr" rtlCol="false" tIns="50800" lIns="50800" bIns="50800" rIns="50800"/>
+            <a:lstStyle/>
+            <a:p>
+              <a:pPr algn="ctr">
+                <a:lnSpc>
+                  <a:spcPts val="2659"/>
+                </a:lnSpc>
+                <a:spcBef>
+                  <a:spcPct val="0"/>
+                </a:spcBef>
+              </a:pPr>
+            </a:p>
+          </p:txBody>
+        </p:sp>
+      </p:grpSp>
+      <p:grpSp>
+        <p:nvGrpSpPr>
+          <p:cNvPr name="Group 14" id="14"/>
+          <p:cNvGrpSpPr/>
+          <p:nvPr/>
+        </p:nvGrpSpPr>
+        <p:grpSpPr>
+          <a:xfrm rot="-2562626">
+            <a:off x="13101516" y="9777072"/>
+            <a:ext cx="3710089" cy="1855044"/>
+            <a:chOff x="0" y="0"/>
+            <a:chExt cx="812800" cy="406400"/>
+          </a:xfrm>
+        </p:grpSpPr>
+        <p:sp>
+          <p:nvSpPr>
+            <p:cNvPr name="Freeform 15" id="15"/>
+            <p:cNvSpPr/>
+            <p:nvPr/>
+          </p:nvSpPr>
+          <p:spPr>
+            <a:xfrm flipH="false" flipV="false" rot="0">
+              <a:off x="0" y="0"/>
+              <a:ext cx="812800" cy="406400"/>
+            </a:xfrm>
+            <a:custGeom>
+              <a:avLst/>
+              <a:gdLst/>
+              <a:ahLst/>
+              <a:cxnLst/>
+              <a:rect r="r" b="b" t="t" l="l"/>
+              <a:pathLst>
+                <a:path h="406400" w="812800">
+                  <a:moveTo>
+                    <a:pt x="609600" y="0"/>
+                  </a:moveTo>
+                  <a:cubicBezTo>
+                    <a:pt x="721824" y="0"/>
+                    <a:pt x="812800" y="90976"/>
+                    <a:pt x="812800" y="203200"/>
+                  </a:cubicBezTo>
+                  <a:cubicBezTo>
+                    <a:pt x="812800" y="315424"/>
+                    <a:pt x="721824" y="406400"/>
+                    <a:pt x="609600" y="406400"/>
+                  </a:cubicBezTo>
+                  <a:lnTo>
+                    <a:pt x="203200" y="406400"/>
+                  </a:lnTo>
+                  <a:cubicBezTo>
+                    <a:pt x="90976" y="406400"/>
+                    <a:pt x="0" y="315424"/>
+                    <a:pt x="0" y="203200"/>
+                  </a:cubicBezTo>
+                  <a:cubicBezTo>
+                    <a:pt x="0" y="90976"/>
+                    <a:pt x="90976" y="0"/>
+                    <a:pt x="203200" y="0"/>
+                  </a:cubicBezTo>
+                  <a:close/>
+                </a:path>
+              </a:pathLst>
+            </a:custGeom>
+            <a:solidFill>
+              <a:srgbClr val="000000">
+                <a:alpha val="0"/>
+              </a:srgbClr>
+            </a:solidFill>
+            <a:ln w="57150" cap="sq">
+              <a:solidFill>
+                <a:srgbClr val="545454"/>
+              </a:solidFill>
+              <a:prstDash val="solid"/>
+              <a:miter/>
+            </a:ln>
+          </p:spPr>
+        </p:sp>
+        <p:sp>
+          <p:nvSpPr>
+            <p:cNvPr name="TextBox 16" id="16"/>
+            <p:cNvSpPr txBox="true"/>
+            <p:nvPr/>
+          </p:nvSpPr>
+          <p:spPr>
+            <a:xfrm>
+              <a:off x="0" y="-38100"/>
+              <a:ext cx="812800" cy="444500"/>
+            </a:xfrm>
+            <a:prstGeom prst="rect">
+              <a:avLst/>
+            </a:prstGeom>
+          </p:spPr>
+          <p:txBody>
+            <a:bodyPr anchor="ctr" rtlCol="false" tIns="50800" lIns="50800" bIns="50800" rIns="50800"/>
+            <a:lstStyle/>
+            <a:p>
+              <a:pPr algn="ctr">
+                <a:lnSpc>
+                  <a:spcPts val="2659"/>
+                </a:lnSpc>
+                <a:spcBef>
+                  <a:spcPct val="0"/>
+                </a:spcBef>
+              </a:pPr>
+            </a:p>
+          </p:txBody>
+        </p:sp>
+      </p:grpSp>
+      <p:grpSp>
+        <p:nvGrpSpPr>
+          <p:cNvPr name="Group 17" id="17"/>
+          <p:cNvGrpSpPr/>
+          <p:nvPr/>
+        </p:nvGrpSpPr>
+        <p:grpSpPr>
+          <a:xfrm rot="-2562626">
+            <a:off x="1610027" y="-1189519"/>
+            <a:ext cx="3726595" cy="1863298"/>
+            <a:chOff x="0" y="0"/>
+            <a:chExt cx="812800" cy="406400"/>
+          </a:xfrm>
+        </p:grpSpPr>
+        <p:sp>
+          <p:nvSpPr>
+            <p:cNvPr name="Freeform 18" id="18"/>
+            <p:cNvSpPr/>
+            <p:nvPr/>
+          </p:nvSpPr>
+          <p:spPr>
+            <a:xfrm flipH="false" flipV="false" rot="0">
+              <a:off x="0" y="0"/>
+              <a:ext cx="812800" cy="406400"/>
+            </a:xfrm>
+            <a:custGeom>
+              <a:avLst/>
+              <a:gdLst/>
+              <a:ahLst/>
+              <a:cxnLst/>
+              <a:rect r="r" b="b" t="t" l="l"/>
+              <a:pathLst>
+                <a:path h="406400" w="812800">
+                  <a:moveTo>
+                    <a:pt x="609600" y="0"/>
+                  </a:moveTo>
+                  <a:cubicBezTo>
+                    <a:pt x="721824" y="0"/>
+                    <a:pt x="812800" y="90976"/>
+                    <a:pt x="812800" y="203200"/>
+                  </a:cubicBezTo>
+                  <a:cubicBezTo>
+                    <a:pt x="812800" y="315424"/>
+                    <a:pt x="721824" y="406400"/>
+                    <a:pt x="609600" y="406400"/>
+                  </a:cubicBezTo>
+                  <a:lnTo>
+                    <a:pt x="203200" y="406400"/>
+                  </a:lnTo>
+                  <a:cubicBezTo>
+                    <a:pt x="90976" y="406400"/>
+                    <a:pt x="0" y="315424"/>
+                    <a:pt x="0" y="203200"/>
+                  </a:cubicBezTo>
+                  <a:cubicBezTo>
+                    <a:pt x="0" y="90976"/>
+                    <a:pt x="90976" y="0"/>
+                    <a:pt x="203200" y="0"/>
+                  </a:cubicBezTo>
+                  <a:close/>
+                </a:path>
+              </a:pathLst>
+            </a:custGeom>
+            <a:solidFill>
+              <a:srgbClr val="000000">
+                <a:alpha val="0"/>
+              </a:srgbClr>
+            </a:solidFill>
+            <a:ln w="57150" cap="sq">
+              <a:solidFill>
+                <a:srgbClr val="545454"/>
+              </a:solidFill>
+              <a:prstDash val="solid"/>
+              <a:miter/>
+            </a:ln>
+          </p:spPr>
+        </p:sp>
+        <p:sp>
+          <p:nvSpPr>
+            <p:cNvPr name="TextBox 19" id="19"/>
+            <p:cNvSpPr txBox="true"/>
+            <p:nvPr/>
+          </p:nvSpPr>
+          <p:spPr>
+            <a:xfrm>
+              <a:off x="0" y="-38100"/>
+              <a:ext cx="812800" cy="444500"/>
+            </a:xfrm>
+            <a:prstGeom prst="rect">
+              <a:avLst/>
+            </a:prstGeom>
+          </p:spPr>
+          <p:txBody>
+            <a:bodyPr anchor="ctr" rtlCol="false" tIns="50800" lIns="50800" bIns="50800" rIns="50800"/>
+            <a:lstStyle/>
+            <a:p>
+              <a:pPr algn="ctr">
+                <a:lnSpc>
+                  <a:spcPts val="2659"/>
+                </a:lnSpc>
+                <a:spcBef>
+                  <a:spcPct val="0"/>
+                </a:spcBef>
+              </a:pPr>
+            </a:p>
+          </p:txBody>
+        </p:sp>
+      </p:grpSp>
+      <p:sp>
+        <p:nvSpPr>
+          <p:cNvPr name="TextBox 20" id="20"/>
+          <p:cNvSpPr txBox="true"/>
+          <p:nvPr/>
+        </p:nvSpPr>
+        <p:spPr>
+          <a:xfrm rot="0">
+            <a:off x="3873762" y="2775708"/>
+            <a:ext cx="10540477" cy="1013779"/>
+          </a:xfrm>
+          <a:prstGeom prst="rect">
+            <a:avLst/>
+          </a:prstGeom>
+        </p:spPr>
+        <p:txBody>
+          <a:bodyPr anchor="t" rtlCol="false" tIns="0" lIns="0" bIns="0" rIns="0">
+            <a:spAutoFit/>
+          </a:bodyPr>
+          <a:lstStyle/>
+          <a:p>
+            <a:pPr algn="ctr">
+              <a:lnSpc>
+                <a:spcPts val="7182"/>
+              </a:lnSpc>
+            </a:pPr>
+            <a:r>
+              <a:rPr lang="en-US" sz="8450">
+                <a:solidFill>
+                  <a:srgbClr val="545454"/>
+                </a:solidFill>
+                <a:latin typeface="Bold Ink"/>
+                <a:ea typeface="Bold Ink"/>
+                <a:cs typeface="Bold Ink"/>
+                <a:sym typeface="Bold Ink"/>
+              </a:rPr>
+              <a:t>AVOTI</a:t>
+            </a:r>
+          </a:p>
+        </p:txBody>
+      </p:sp>
+      <p:sp>
+        <p:nvSpPr>
+          <p:cNvPr name="TextBox 21" id="21"/>
+          <p:cNvSpPr txBox="true"/>
+          <p:nvPr/>
+        </p:nvSpPr>
+        <p:spPr>
+          <a:xfrm rot="0">
+            <a:off x="3669290" y="3860330"/>
+            <a:ext cx="11051327" cy="5737157"/>
+          </a:xfrm>
+          <a:prstGeom prst="rect">
+            <a:avLst/>
+          </a:prstGeom>
+        </p:spPr>
+        <p:txBody>
+          <a:bodyPr anchor="t" rtlCol="false" tIns="0" lIns="0" bIns="0" rIns="0">
+            <a:spAutoFit/>
+          </a:bodyPr>
+          <a:lstStyle/>
+          <a:p>
+            <a:pPr algn="l">
+              <a:lnSpc>
+                <a:spcPts val="3503"/>
+              </a:lnSpc>
+            </a:pPr>
+            <a:r>
+              <a:rPr lang="en-US" sz="2502">
+                <a:solidFill>
+                  <a:srgbClr val="61654D"/>
+                </a:solidFill>
+                <a:latin typeface="Akzidenz-Grotesk"/>
+                <a:ea typeface="Akzidenz-Grotesk"/>
+                <a:cs typeface="Akzidenz-Grotesk"/>
+                <a:sym typeface="Akzidenz-Grotesk"/>
+              </a:rPr>
+              <a:t>Skolotājas Znotiņas prezentācija - </a:t>
+            </a:r>
+            <a:r>
+              <a:rPr lang="en-US" sz="2502">
+                <a:solidFill>
+                  <a:srgbClr val="61654D"/>
+                </a:solidFill>
+                <a:latin typeface="Akzidenz-Grotesk"/>
+                <a:ea typeface="Akzidenz-Grotesk"/>
+                <a:cs typeface="Akzidenz-Grotesk"/>
+                <a:sym typeface="Akzidenz-Grotesk"/>
+                <a:hlinkClick r:id="rId2" tooltip="https://skolo.lv/mod/book/view.php?id=81332291"/>
+              </a:rPr>
+              <a:t>https://skolo.lv/mod/book/view.php?id=81332291</a:t>
+            </a:r>
+          </a:p>
+          <a:p>
+            <a:pPr algn="l">
+              <a:lnSpc>
+                <a:spcPts val="3503"/>
+              </a:lnSpc>
+              <a:spcBef>
+                <a:spcPct val="0"/>
+              </a:spcBef>
+            </a:pPr>
+            <a:r>
+              <a:rPr lang="en-US" sz="2502">
+                <a:solidFill>
+                  <a:srgbClr val="61654D"/>
+                </a:solidFill>
+                <a:latin typeface="Akzidenz-Grotesk"/>
+                <a:ea typeface="Akzidenz-Grotesk"/>
+                <a:cs typeface="Akzidenz-Grotesk"/>
+                <a:sym typeface="Akzidenz-Grotesk"/>
+              </a:rPr>
+              <a:t>GeekBrains - </a:t>
+            </a:r>
+            <a:r>
+              <a:rPr lang="en-US" sz="2502">
+                <a:solidFill>
+                  <a:srgbClr val="61654D"/>
+                </a:solidFill>
+                <a:latin typeface="Akzidenz-Grotesk"/>
+                <a:ea typeface="Akzidenz-Grotesk"/>
+                <a:cs typeface="Akzidenz-Grotesk"/>
+                <a:sym typeface="Akzidenz-Grotesk"/>
+                <a:hlinkClick r:id="rId3" tooltip="https://gb.ru/blog/tsikly-v-python/#:~:text=%D0%92%20Python%20%D0%BE%D1%81%D0%BD%D0%BE%D0%B2%D0%BD%D1%8B%D1%85%20%D1%86%D0%B8%D0%BA%D0%BB%D0%BE%D0%B2%20%D0%B2%D1%81%D0%B5%D0%B3%D0%BE,%D0%BA%D0%BE%D0%B3%D0%B4%D0%B0%20%D0%BD%D1%83%D0%B6%D0%BD%D0%BE%20%D0%B2%D1%8B%D0%BF%D0%BE%D0%BB%D0%BD%D0%B8%D1%82%D1%8C%20%D0%BF%D0%B5%D1%80%D0%B5%D0%B1%D0%BE%D1%80%20%D1%8D%D0%BB%D0%B5%D0%BC%D0%B5%D0%BD%D1%82%D0%BE%D0%B2"/>
+              </a:rPr>
+              <a:t>https://gb.ru/blog/tsikly-v-python/#:~:text=%D0%92%20Python%20%D0%BE%D1%81%D0%BD%D0%BE%D0%B2%D0%BD%D1%8B%D1%85%20%D1%86%D0%B8%D0%BA%D0%BB%D0%BE%D0%B2%20%D0%B2%D1%81%D0%B5%D0%B3%D0%BE,%D0%BA%D0%BE%D0%B3%D0%B4%D0%B0%20%D0%BD%D1%83%D0%B6%D0%BD%D0%BE%20%D0%B2%D1%8B%D0%BF%D0%BE%D0%BB%D0%BD%D0%B8%D1%82%D1%8C%20%D0%BF%D0%B5%D1%80%D0%B5%D0%B1%D0%BE%D1%80%20%D1%8D%D0%BB%D0%B5%D0%BC%D0%B5%D0%BD%D1%82%D0%BE%D0%B2</a:t>
+            </a:r>
+          </a:p>
+          <a:p>
+            <a:pPr algn="l">
+              <a:lnSpc>
+                <a:spcPts val="3503"/>
+              </a:lnSpc>
+              <a:spcBef>
+                <a:spcPct val="0"/>
+              </a:spcBef>
+            </a:pPr>
+            <a:r>
+              <a:rPr lang="en-US" sz="2502">
+                <a:solidFill>
+                  <a:srgbClr val="61654D"/>
+                </a:solidFill>
+                <a:latin typeface="Akzidenz-Grotesk"/>
+                <a:ea typeface="Akzidenz-Grotesk"/>
+                <a:cs typeface="Akzidenz-Grotesk"/>
+                <a:sym typeface="Akzidenz-Grotesk"/>
+              </a:rPr>
+              <a:t>ChatGPT - </a:t>
+            </a:r>
+            <a:r>
+              <a:rPr lang="en-US" sz="2502">
+                <a:solidFill>
+                  <a:srgbClr val="61654D"/>
+                </a:solidFill>
+                <a:latin typeface="Akzidenz-Grotesk"/>
+                <a:ea typeface="Akzidenz-Grotesk"/>
+                <a:cs typeface="Akzidenz-Grotesk"/>
+                <a:sym typeface="Akzidenz-Grotesk"/>
+                <a:hlinkClick r:id="rId4" tooltip="https://chatgpt.com/?model=auto"/>
+              </a:rPr>
+              <a:t>https://chatgpt.com/?model=auto</a:t>
+            </a:r>
+          </a:p>
+          <a:p>
+            <a:pPr algn="l">
+              <a:lnSpc>
+                <a:spcPts val="3503"/>
+              </a:lnSpc>
+              <a:spcBef>
+                <a:spcPct val="0"/>
+              </a:spcBef>
+            </a:pPr>
+          </a:p>
+        </p:txBody>
+      </p:sp>
+    </p:spTree>
+  </p:cSld>
+  <p:clrMapOvr>
+    <a:masterClrMapping/>
+  </p:clrMapOvr>
+</p:sld>
+</file>
+
+<file path=ppt/slides/slide2.xml><?xml version="1.0" encoding="utf-8"?>
+<p:sld xmlns:p="http://schemas.openxmlformats.org/presentationml/2006/main" xmlns:a="http://schemas.openxmlformats.org/drawingml/2006/main" xmlns:r="http://schemas.openxmlformats.org/officeDocument/2006/relationships">
+  <p:cSld>
+    <p:bg>
+      <p:bgPr>
+        <a:solidFill>
+          <a:srgbClr val="DEDEDE"/>
+        </a:solidFill>
+      </p:bgPr>
+    </p:bg>
+    <p:spTree>
+      <p:nvGrpSpPr>
+        <p:cNvPr id="1" name=""/>
+        <p:cNvGrpSpPr/>
+        <p:nvPr/>
+      </p:nvGrpSpPr>
+      <p:grpSpPr>
+        <a:xfrm>
+          <a:off x="0" y="0"/>
+          <a:ext cx="0" cy="0"/>
+          <a:chOff x="0" y="0"/>
+          <a:chExt cx="0" cy="0"/>
+        </a:xfrm>
+      </p:grpSpPr>
+      <p:grpSp>
+        <p:nvGrpSpPr>
+          <p:cNvPr name="Group 2" id="2"/>
+          <p:cNvGrpSpPr/>
+          <p:nvPr/>
+        </p:nvGrpSpPr>
+        <p:grpSpPr>
+          <a:xfrm rot="-2562626">
+            <a:off x="-4763849" y="7784323"/>
+            <a:ext cx="8132490" cy="4066245"/>
+            <a:chOff x="0" y="0"/>
+            <a:chExt cx="812800" cy="406400"/>
+          </a:xfrm>
+        </p:grpSpPr>
+        <p:sp>
+          <p:nvSpPr>
+            <p:cNvPr name="Freeform 3" id="3"/>
+            <p:cNvSpPr/>
+            <p:nvPr/>
+          </p:nvSpPr>
+          <p:spPr>
+            <a:xfrm flipH="false" flipV="false" rot="0">
+              <a:off x="0" y="0"/>
+              <a:ext cx="812800" cy="406400"/>
+            </a:xfrm>
+            <a:custGeom>
+              <a:avLst/>
+              <a:gdLst/>
+              <a:ahLst/>
+              <a:cxnLst/>
+              <a:rect r="r" b="b" t="t" l="l"/>
+              <a:pathLst>
+                <a:path h="406400" w="812800">
+                  <a:moveTo>
+                    <a:pt x="609600" y="0"/>
+                  </a:moveTo>
+                  <a:cubicBezTo>
+                    <a:pt x="721824" y="0"/>
+                    <a:pt x="812800" y="90976"/>
+                    <a:pt x="812800" y="203200"/>
+                  </a:cubicBezTo>
+                  <a:cubicBezTo>
+                    <a:pt x="812800" y="315424"/>
+                    <a:pt x="721824" y="406400"/>
+                    <a:pt x="609600" y="406400"/>
+                  </a:cubicBezTo>
+                  <a:lnTo>
+                    <a:pt x="203200" y="406400"/>
+                  </a:lnTo>
+                  <a:cubicBezTo>
+                    <a:pt x="90976" y="406400"/>
+                    <a:pt x="0" y="315424"/>
+                    <a:pt x="0" y="203200"/>
+                  </a:cubicBezTo>
+                  <a:cubicBezTo>
+                    <a:pt x="0" y="90976"/>
+                    <a:pt x="90976" y="0"/>
+                    <a:pt x="203200" y="0"/>
+                  </a:cubicBezTo>
+                  <a:close/>
+                </a:path>
+              </a:pathLst>
+            </a:custGeom>
+            <a:solidFill>
+              <a:srgbClr val="545454"/>
+            </a:solidFill>
+          </p:spPr>
+        </p:sp>
+        <p:sp>
+          <p:nvSpPr>
+            <p:cNvPr name="TextBox 4" id="4"/>
+            <p:cNvSpPr txBox="true"/>
+            <p:nvPr/>
+          </p:nvSpPr>
+          <p:spPr>
+            <a:xfrm>
+              <a:off x="0" y="-38100"/>
+              <a:ext cx="812800" cy="444500"/>
+            </a:xfrm>
+            <a:prstGeom prst="rect">
+              <a:avLst/>
+            </a:prstGeom>
+          </p:spPr>
+          <p:txBody>
+            <a:bodyPr anchor="ctr" rtlCol="false" tIns="50800" lIns="50800" bIns="50800" rIns="50800"/>
+            <a:lstStyle/>
+            <a:p>
+              <a:pPr algn="ctr">
+                <a:lnSpc>
+                  <a:spcPts val="2659"/>
+                </a:lnSpc>
+                <a:spcBef>
+                  <a:spcPct val="0"/>
+                </a:spcBef>
+              </a:pPr>
+            </a:p>
+          </p:txBody>
+        </p:sp>
+      </p:grpSp>
+      <p:grpSp>
+        <p:nvGrpSpPr>
+          <p:cNvPr name="Group 5" id="5"/>
+          <p:cNvGrpSpPr/>
+          <p:nvPr/>
+        </p:nvGrpSpPr>
+        <p:grpSpPr>
+          <a:xfrm rot="-2562626">
+            <a:off x="-1091559" y="10289015"/>
+            <a:ext cx="4019797" cy="2009899"/>
+            <a:chOff x="0" y="0"/>
+            <a:chExt cx="812800" cy="406400"/>
+          </a:xfrm>
+        </p:grpSpPr>
+        <p:sp>
+          <p:nvSpPr>
+            <p:cNvPr name="Freeform 6" id="6"/>
+            <p:cNvSpPr/>
+            <p:nvPr/>
+          </p:nvSpPr>
+          <p:spPr>
+            <a:xfrm flipH="false" flipV="false" rot="0">
+              <a:off x="0" y="0"/>
+              <a:ext cx="812800" cy="406400"/>
+            </a:xfrm>
+            <a:custGeom>
+              <a:avLst/>
+              <a:gdLst/>
+              <a:ahLst/>
+              <a:cxnLst/>
+              <a:rect r="r" b="b" t="t" l="l"/>
+              <a:pathLst>
+                <a:path h="406400" w="812800">
+                  <a:moveTo>
+                    <a:pt x="609600" y="0"/>
+                  </a:moveTo>
+                  <a:cubicBezTo>
+                    <a:pt x="721824" y="0"/>
+                    <a:pt x="812800" y="90976"/>
+                    <a:pt x="812800" y="203200"/>
+                  </a:cubicBezTo>
+                  <a:cubicBezTo>
+                    <a:pt x="812800" y="315424"/>
+                    <a:pt x="721824" y="406400"/>
+                    <a:pt x="609600" y="406400"/>
+                  </a:cubicBezTo>
+                  <a:lnTo>
+                    <a:pt x="203200" y="406400"/>
+                  </a:lnTo>
+                  <a:cubicBezTo>
+                    <a:pt x="90976" y="406400"/>
+                    <a:pt x="0" y="315424"/>
+                    <a:pt x="0" y="203200"/>
+                  </a:cubicBezTo>
+                  <a:cubicBezTo>
+                    <a:pt x="0" y="90976"/>
+                    <a:pt x="90976" y="0"/>
+                    <a:pt x="203200" y="0"/>
+                  </a:cubicBezTo>
+                  <a:close/>
+                </a:path>
+              </a:pathLst>
+            </a:custGeom>
+            <a:solidFill>
+              <a:srgbClr val="737373"/>
+            </a:solidFill>
+          </p:spPr>
+        </p:sp>
+        <p:sp>
+          <p:nvSpPr>
+            <p:cNvPr name="TextBox 7" id="7"/>
+            <p:cNvSpPr txBox="true"/>
+            <p:nvPr/>
+          </p:nvSpPr>
+          <p:spPr>
+            <a:xfrm>
+              <a:off x="0" y="-38100"/>
+              <a:ext cx="812800" cy="444500"/>
+            </a:xfrm>
+            <a:prstGeom prst="rect">
+              <a:avLst/>
+            </a:prstGeom>
+          </p:spPr>
+          <p:txBody>
+            <a:bodyPr anchor="ctr" rtlCol="false" tIns="50800" lIns="50800" bIns="50800" rIns="50800"/>
+            <a:lstStyle/>
+            <a:p>
+              <a:pPr algn="ctr">
+                <a:lnSpc>
+                  <a:spcPts val="2659"/>
+                </a:lnSpc>
+                <a:spcBef>
+                  <a:spcPct val="0"/>
+                </a:spcBef>
+              </a:pPr>
+            </a:p>
+          </p:txBody>
+        </p:sp>
+      </p:grpSp>
+      <p:grpSp>
+        <p:nvGrpSpPr>
+          <p:cNvPr name="Group 8" id="8"/>
+          <p:cNvGrpSpPr/>
+          <p:nvPr/>
+        </p:nvGrpSpPr>
+        <p:grpSpPr>
+          <a:xfrm rot="-2562626">
+            <a:off x="15760647" y="-1537845"/>
+            <a:ext cx="8664509" cy="4332254"/>
+            <a:chOff x="0" y="0"/>
+            <a:chExt cx="812800" cy="406400"/>
+          </a:xfrm>
+        </p:grpSpPr>
+        <p:sp>
+          <p:nvSpPr>
+            <p:cNvPr name="Freeform 9" id="9"/>
+            <p:cNvSpPr/>
+            <p:nvPr/>
+          </p:nvSpPr>
+          <p:spPr>
+            <a:xfrm flipH="false" flipV="false" rot="0">
+              <a:off x="0" y="0"/>
+              <a:ext cx="812800" cy="406400"/>
+            </a:xfrm>
+            <a:custGeom>
+              <a:avLst/>
+              <a:gdLst/>
+              <a:ahLst/>
+              <a:cxnLst/>
+              <a:rect r="r" b="b" t="t" l="l"/>
+              <a:pathLst>
+                <a:path h="406400" w="812800">
+                  <a:moveTo>
+                    <a:pt x="609600" y="0"/>
+                  </a:moveTo>
+                  <a:cubicBezTo>
+                    <a:pt x="721824" y="0"/>
+                    <a:pt x="812800" y="90976"/>
+                    <a:pt x="812800" y="203200"/>
+                  </a:cubicBezTo>
+                  <a:cubicBezTo>
+                    <a:pt x="812800" y="315424"/>
+                    <a:pt x="721824" y="406400"/>
+                    <a:pt x="609600" y="406400"/>
+                  </a:cubicBezTo>
+                  <a:lnTo>
+                    <a:pt x="203200" y="406400"/>
+                  </a:lnTo>
+                  <a:cubicBezTo>
+                    <a:pt x="90976" y="406400"/>
+                    <a:pt x="0" y="315424"/>
+                    <a:pt x="0" y="203200"/>
+                  </a:cubicBezTo>
+                  <a:cubicBezTo>
+                    <a:pt x="0" y="90976"/>
+                    <a:pt x="90976" y="0"/>
+                    <a:pt x="203200" y="0"/>
+                  </a:cubicBezTo>
+                  <a:close/>
+                </a:path>
+              </a:pathLst>
+            </a:custGeom>
+            <a:solidFill>
+              <a:srgbClr val="545454"/>
+            </a:solidFill>
+          </p:spPr>
+        </p:sp>
+        <p:sp>
+          <p:nvSpPr>
+            <p:cNvPr name="TextBox 10" id="10"/>
+            <p:cNvSpPr txBox="true"/>
+            <p:nvPr/>
+          </p:nvSpPr>
+          <p:spPr>
+            <a:xfrm>
+              <a:off x="0" y="-38100"/>
+              <a:ext cx="812800" cy="444500"/>
+            </a:xfrm>
+            <a:prstGeom prst="rect">
+              <a:avLst/>
+            </a:prstGeom>
+          </p:spPr>
+          <p:txBody>
+            <a:bodyPr anchor="ctr" rtlCol="false" tIns="50800" lIns="50800" bIns="50800" rIns="50800"/>
+            <a:lstStyle/>
+            <a:p>
+              <a:pPr algn="ctr">
+                <a:lnSpc>
+                  <a:spcPts val="2659"/>
+                </a:lnSpc>
+                <a:spcBef>
+                  <a:spcPct val="0"/>
+                </a:spcBef>
+              </a:pPr>
+            </a:p>
+          </p:txBody>
+        </p:sp>
+      </p:grpSp>
+      <p:grpSp>
+        <p:nvGrpSpPr>
+          <p:cNvPr name="Group 11" id="11"/>
+          <p:cNvGrpSpPr/>
+          <p:nvPr/>
+        </p:nvGrpSpPr>
+        <p:grpSpPr>
+          <a:xfrm rot="-2562626">
+            <a:off x="16327816" y="-2285619"/>
+            <a:ext cx="4282768" cy="2141384"/>
+            <a:chOff x="0" y="0"/>
+            <a:chExt cx="812800" cy="406400"/>
+          </a:xfrm>
+        </p:grpSpPr>
+        <p:sp>
+          <p:nvSpPr>
+            <p:cNvPr name="Freeform 12" id="12"/>
+            <p:cNvSpPr/>
+            <p:nvPr/>
+          </p:nvSpPr>
+          <p:spPr>
+            <a:xfrm flipH="false" flipV="false" rot="0">
+              <a:off x="0" y="0"/>
+              <a:ext cx="812800" cy="406400"/>
+            </a:xfrm>
+            <a:custGeom>
+              <a:avLst/>
+              <a:gdLst/>
+              <a:ahLst/>
+              <a:cxnLst/>
+              <a:rect r="r" b="b" t="t" l="l"/>
+              <a:pathLst>
+                <a:path h="406400" w="812800">
+                  <a:moveTo>
+                    <a:pt x="609600" y="0"/>
+                  </a:moveTo>
+                  <a:cubicBezTo>
+                    <a:pt x="721824" y="0"/>
+                    <a:pt x="812800" y="90976"/>
+                    <a:pt x="812800" y="203200"/>
+                  </a:cubicBezTo>
+                  <a:cubicBezTo>
+                    <a:pt x="812800" y="315424"/>
+                    <a:pt x="721824" y="406400"/>
+                    <a:pt x="609600" y="406400"/>
+                  </a:cubicBezTo>
+                  <a:lnTo>
+                    <a:pt x="203200" y="406400"/>
+                  </a:lnTo>
+                  <a:cubicBezTo>
+                    <a:pt x="90976" y="406400"/>
+                    <a:pt x="0" y="315424"/>
+                    <a:pt x="0" y="203200"/>
+                  </a:cubicBezTo>
+                  <a:cubicBezTo>
+                    <a:pt x="0" y="90976"/>
+                    <a:pt x="90976" y="0"/>
+                    <a:pt x="203200" y="0"/>
+                  </a:cubicBezTo>
+                  <a:close/>
+                </a:path>
+              </a:pathLst>
+            </a:custGeom>
+            <a:solidFill>
+              <a:srgbClr val="737373"/>
+            </a:solidFill>
+          </p:spPr>
+        </p:sp>
+        <p:sp>
+          <p:nvSpPr>
+            <p:cNvPr name="TextBox 13" id="13"/>
+            <p:cNvSpPr txBox="true"/>
+            <p:nvPr/>
+          </p:nvSpPr>
+          <p:spPr>
+            <a:xfrm>
+              <a:off x="0" y="-38100"/>
+              <a:ext cx="812800" cy="444500"/>
+            </a:xfrm>
+            <a:prstGeom prst="rect">
+              <a:avLst/>
+            </a:prstGeom>
+          </p:spPr>
+          <p:txBody>
+            <a:bodyPr anchor="ctr" rtlCol="false" tIns="50800" lIns="50800" bIns="50800" rIns="50800"/>
+            <a:lstStyle/>
+            <a:p>
+              <a:pPr algn="ctr">
+                <a:lnSpc>
+                  <a:spcPts val="2659"/>
+                </a:lnSpc>
+                <a:spcBef>
+                  <a:spcPct val="0"/>
+                </a:spcBef>
+              </a:pPr>
+            </a:p>
+          </p:txBody>
+        </p:sp>
+      </p:grpSp>
+      <p:grpSp>
+        <p:nvGrpSpPr>
+          <p:cNvPr name="Group 14" id="14"/>
+          <p:cNvGrpSpPr/>
+          <p:nvPr/>
+        </p:nvGrpSpPr>
+        <p:grpSpPr>
+          <a:xfrm rot="-2562626">
+            <a:off x="13101516" y="9777072"/>
+            <a:ext cx="3710089" cy="1855044"/>
+            <a:chOff x="0" y="0"/>
+            <a:chExt cx="812800" cy="406400"/>
+          </a:xfrm>
+        </p:grpSpPr>
+        <p:sp>
+          <p:nvSpPr>
+            <p:cNvPr name="Freeform 15" id="15"/>
+            <p:cNvSpPr/>
+            <p:nvPr/>
+          </p:nvSpPr>
+          <p:spPr>
+            <a:xfrm flipH="false" flipV="false" rot="0">
+              <a:off x="0" y="0"/>
+              <a:ext cx="812800" cy="406400"/>
+            </a:xfrm>
+            <a:custGeom>
+              <a:avLst/>
+              <a:gdLst/>
+              <a:ahLst/>
+              <a:cxnLst/>
+              <a:rect r="r" b="b" t="t" l="l"/>
+              <a:pathLst>
+                <a:path h="406400" w="812800">
+                  <a:moveTo>
+                    <a:pt x="609600" y="0"/>
+                  </a:moveTo>
+                  <a:cubicBezTo>
+                    <a:pt x="721824" y="0"/>
+                    <a:pt x="812800" y="90976"/>
+                    <a:pt x="812800" y="203200"/>
+                  </a:cubicBezTo>
+                  <a:cubicBezTo>
+                    <a:pt x="812800" y="315424"/>
+                    <a:pt x="721824" y="406400"/>
+                    <a:pt x="609600" y="406400"/>
+                  </a:cubicBezTo>
+                  <a:lnTo>
+                    <a:pt x="203200" y="406400"/>
+                  </a:lnTo>
+                  <a:cubicBezTo>
+                    <a:pt x="90976" y="406400"/>
+                    <a:pt x="0" y="315424"/>
+                    <a:pt x="0" y="203200"/>
+                  </a:cubicBezTo>
+                  <a:cubicBezTo>
+                    <a:pt x="0" y="90976"/>
+                    <a:pt x="90976" y="0"/>
+                    <a:pt x="203200" y="0"/>
+                  </a:cubicBezTo>
+                  <a:close/>
+                </a:path>
+              </a:pathLst>
+            </a:custGeom>
+            <a:solidFill>
+              <a:srgbClr val="000000">
+                <a:alpha val="0"/>
+              </a:srgbClr>
+            </a:solidFill>
+            <a:ln w="57150" cap="sq">
+              <a:solidFill>
+                <a:srgbClr val="545454"/>
+              </a:solidFill>
+              <a:prstDash val="solid"/>
+              <a:miter/>
+            </a:ln>
+          </p:spPr>
+        </p:sp>
+        <p:sp>
+          <p:nvSpPr>
+            <p:cNvPr name="TextBox 16" id="16"/>
+            <p:cNvSpPr txBox="true"/>
+            <p:nvPr/>
+          </p:nvSpPr>
+          <p:spPr>
+            <a:xfrm>
+              <a:off x="0" y="-38100"/>
+              <a:ext cx="812800" cy="444500"/>
+            </a:xfrm>
+            <a:prstGeom prst="rect">
+              <a:avLst/>
+            </a:prstGeom>
+          </p:spPr>
+          <p:txBody>
+            <a:bodyPr anchor="ctr" rtlCol="false" tIns="50800" lIns="50800" bIns="50800" rIns="50800"/>
+            <a:lstStyle/>
+            <a:p>
+              <a:pPr algn="ctr">
+                <a:lnSpc>
+                  <a:spcPts val="2659"/>
+                </a:lnSpc>
+                <a:spcBef>
+                  <a:spcPct val="0"/>
+                </a:spcBef>
+              </a:pPr>
+            </a:p>
+          </p:txBody>
+        </p:sp>
+      </p:grpSp>
+      <p:grpSp>
+        <p:nvGrpSpPr>
+          <p:cNvPr name="Group 17" id="17"/>
+          <p:cNvGrpSpPr/>
+          <p:nvPr/>
+        </p:nvGrpSpPr>
+        <p:grpSpPr>
+          <a:xfrm rot="-2562626">
+            <a:off x="1610027" y="-1189519"/>
+            <a:ext cx="3726595" cy="1863298"/>
+            <a:chOff x="0" y="0"/>
+            <a:chExt cx="812800" cy="406400"/>
+          </a:xfrm>
+        </p:grpSpPr>
+        <p:sp>
+          <p:nvSpPr>
+            <p:cNvPr name="Freeform 18" id="18"/>
+            <p:cNvSpPr/>
+            <p:nvPr/>
+          </p:nvSpPr>
+          <p:spPr>
+            <a:xfrm flipH="false" flipV="false" rot="0">
+              <a:off x="0" y="0"/>
+              <a:ext cx="812800" cy="406400"/>
+            </a:xfrm>
+            <a:custGeom>
+              <a:avLst/>
+              <a:gdLst/>
+              <a:ahLst/>
+              <a:cxnLst/>
+              <a:rect r="r" b="b" t="t" l="l"/>
+              <a:pathLst>
+                <a:path h="406400" w="812800">
+                  <a:moveTo>
+                    <a:pt x="609600" y="0"/>
+                  </a:moveTo>
+                  <a:cubicBezTo>
+                    <a:pt x="721824" y="0"/>
+                    <a:pt x="812800" y="90976"/>
+                    <a:pt x="812800" y="203200"/>
+                  </a:cubicBezTo>
+                  <a:cubicBezTo>
+                    <a:pt x="812800" y="315424"/>
+                    <a:pt x="721824" y="406400"/>
+                    <a:pt x="609600" y="406400"/>
+                  </a:cubicBezTo>
+                  <a:lnTo>
+                    <a:pt x="203200" y="406400"/>
+                  </a:lnTo>
+                  <a:cubicBezTo>
+                    <a:pt x="90976" y="406400"/>
+                    <a:pt x="0" y="315424"/>
+                    <a:pt x="0" y="203200"/>
+                  </a:cubicBezTo>
+                  <a:cubicBezTo>
+                    <a:pt x="0" y="90976"/>
+                    <a:pt x="90976" y="0"/>
+                    <a:pt x="203200" y="0"/>
+                  </a:cubicBezTo>
+                  <a:close/>
+                </a:path>
+              </a:pathLst>
+            </a:custGeom>
+            <a:solidFill>
+              <a:srgbClr val="000000">
+                <a:alpha val="0"/>
+              </a:srgbClr>
+            </a:solidFill>
+            <a:ln w="57150" cap="sq">
+              <a:solidFill>
+                <a:srgbClr val="545454"/>
+              </a:solidFill>
+              <a:prstDash val="solid"/>
+              <a:miter/>
+            </a:ln>
+          </p:spPr>
+        </p:sp>
+        <p:sp>
+          <p:nvSpPr>
+            <p:cNvPr name="TextBox 19" id="19"/>
+            <p:cNvSpPr txBox="true"/>
+            <p:nvPr/>
+          </p:nvSpPr>
+          <p:spPr>
+            <a:xfrm>
+              <a:off x="0" y="-38100"/>
+              <a:ext cx="812800" cy="444500"/>
+            </a:xfrm>
+            <a:prstGeom prst="rect">
+              <a:avLst/>
+            </a:prstGeom>
+          </p:spPr>
+          <p:txBody>
+            <a:bodyPr anchor="ctr" rtlCol="false" tIns="50800" lIns="50800" bIns="50800" rIns="50800"/>
+            <a:lstStyle/>
+            <a:p>
+              <a:pPr algn="ctr">
+                <a:lnSpc>
+                  <a:spcPts val="2659"/>
+                </a:lnSpc>
+                <a:spcBef>
+                  <a:spcPct val="0"/>
+                </a:spcBef>
+              </a:pPr>
+            </a:p>
+          </p:txBody>
+        </p:sp>
+      </p:grpSp>
+      <p:sp>
+        <p:nvSpPr>
+          <p:cNvPr name="Freeform 20" id="20"/>
+          <p:cNvSpPr/>
+          <p:nvPr/>
+        </p:nvSpPr>
+        <p:spPr>
+          <a:xfrm flipH="false" flipV="false" rot="0">
+            <a:off x="13419378" y="3919011"/>
+            <a:ext cx="4286779" cy="4277735"/>
+          </a:xfrm>
+          <a:custGeom>
+            <a:avLst/>
+            <a:gdLst/>
+            <a:ahLst/>
+            <a:cxnLst/>
+            <a:rect r="r" b="b" t="t" l="l"/>
+            <a:pathLst>
+              <a:path h="4277735" w="4286779">
+                <a:moveTo>
+                  <a:pt x="0" y="0"/>
+                </a:moveTo>
+                <a:lnTo>
+                  <a:pt x="4286779" y="0"/>
+                </a:lnTo>
+                <a:lnTo>
+                  <a:pt x="4286779" y="4277735"/>
+                </a:lnTo>
+                <a:lnTo>
+                  <a:pt x="0" y="4277735"/>
+                </a:lnTo>
+                <a:lnTo>
+                  <a:pt x="0" y="0"/>
+                </a:lnTo>
+                <a:close/>
+              </a:path>
+            </a:pathLst>
+          </a:custGeom>
+          <a:blipFill>
+            <a:blip r:embed="rId2"/>
+            <a:stretch>
+              <a:fillRect l="0" t="0" r="0" b="0"/>
+            </a:stretch>
+          </a:blipFill>
+        </p:spPr>
+      </p:sp>
+      <p:sp>
+        <p:nvSpPr>
+          <p:cNvPr name="TextBox 21" id="21"/>
+          <p:cNvSpPr txBox="true"/>
+          <p:nvPr/>
+        </p:nvSpPr>
+        <p:spPr>
+          <a:xfrm rot="0">
+            <a:off x="3873762" y="2775708"/>
+            <a:ext cx="10540477" cy="1013779"/>
+          </a:xfrm>
+          <a:prstGeom prst="rect">
+            <a:avLst/>
+          </a:prstGeom>
+        </p:spPr>
+        <p:txBody>
+          <a:bodyPr anchor="t" rtlCol="false" tIns="0" lIns="0" bIns="0" rIns="0">
+            <a:spAutoFit/>
+          </a:bodyPr>
+          <a:lstStyle/>
+          <a:p>
+            <a:pPr algn="ctr">
+              <a:lnSpc>
+                <a:spcPts val="7182"/>
+              </a:lnSpc>
+            </a:pPr>
+            <a:r>
+              <a:rPr lang="en-US" sz="8450">
+                <a:solidFill>
+                  <a:srgbClr val="545454"/>
+                </a:solidFill>
+                <a:latin typeface="Bold Ink"/>
+                <a:ea typeface="Bold Ink"/>
+                <a:cs typeface="Bold Ink"/>
+                <a:sym typeface="Bold Ink"/>
+              </a:rPr>
+              <a:t>KAS IR CIKLS?</a:t>
+            </a:r>
+          </a:p>
+        </p:txBody>
+      </p:sp>
+      <p:sp>
+        <p:nvSpPr>
+          <p:cNvPr name="TextBox 22" id="22"/>
+          <p:cNvSpPr txBox="true"/>
+          <p:nvPr/>
+        </p:nvSpPr>
+        <p:spPr>
+          <a:xfrm rot="0">
+            <a:off x="4868622" y="3785661"/>
+            <a:ext cx="8550756" cy="3426163"/>
+          </a:xfrm>
+          <a:prstGeom prst="rect">
+            <a:avLst/>
+          </a:prstGeom>
+        </p:spPr>
+        <p:txBody>
+          <a:bodyPr anchor="t" rtlCol="false" tIns="0" lIns="0" bIns="0" rIns="0">
+            <a:spAutoFit/>
+          </a:bodyPr>
+          <a:lstStyle/>
+          <a:p>
+            <a:pPr algn="ctr">
+              <a:lnSpc>
+                <a:spcPts val="4456"/>
+              </a:lnSpc>
+              <a:spcBef>
+                <a:spcPct val="0"/>
+              </a:spcBef>
+            </a:pPr>
+            <a:r>
+              <a:rPr lang="en-US" sz="3182">
+                <a:solidFill>
+                  <a:srgbClr val="61654D"/>
+                </a:solidFill>
+                <a:latin typeface="Akzidenz-Grotesk"/>
+                <a:ea typeface="Akzidenz-Grotesk"/>
+                <a:cs typeface="Akzidenz-Grotesk"/>
+                <a:sym typeface="Akzidenz-Grotesk"/>
+              </a:rPr>
+              <a:t>Ja kāda komanda vai komandu grupa programmā jāizpilda atkārtoti, tad izdevīgi ir veidot ciklu, izmantojot kādu no cikla konstrukcijām. Procesu, kad kāda darbība tiek veikta vairākkārtīgi, sauc par ciklu, bet lielumus, kuru vērtības mainās ciklā – par cikla mainīgajiem. </a:t>
+            </a:r>
+          </a:p>
+        </p:txBody>
+      </p:sp>
+    </p:spTree>
+  </p:cSld>
+  <p:clrMapOvr>
+    <a:masterClrMapping/>
+  </p:clrMapOvr>
+</p:sld>
+</file>
+
+<file path=ppt/slides/slide3.xml><?xml version="1.0" encoding="utf-8"?>
+<p:sld xmlns:p="http://schemas.openxmlformats.org/presentationml/2006/main" xmlns:a="http://schemas.openxmlformats.org/drawingml/2006/main" xmlns:r="http://schemas.openxmlformats.org/officeDocument/2006/relationships">
+  <p:cSld>
+    <p:bg>
+      <p:bgPr>
+        <a:solidFill>
+          <a:srgbClr val="DEDEDE"/>
+        </a:solidFill>
+      </p:bgPr>
+    </p:bg>
+    <p:spTree>
+      <p:nvGrpSpPr>
+        <p:cNvPr id="1" name=""/>
+        <p:cNvGrpSpPr/>
+        <p:nvPr/>
+      </p:nvGrpSpPr>
+      <p:grpSpPr>
+        <a:xfrm>
+          <a:off x="0" y="0"/>
+          <a:ext cx="0" cy="0"/>
+          <a:chOff x="0" y="0"/>
+          <a:chExt cx="0" cy="0"/>
+        </a:xfrm>
+      </p:grpSpPr>
+      <p:grpSp>
+        <p:nvGrpSpPr>
+          <p:cNvPr name="Group 2" id="2"/>
+          <p:cNvGrpSpPr/>
+          <p:nvPr/>
+        </p:nvGrpSpPr>
+        <p:grpSpPr>
+          <a:xfrm rot="-2562626">
+            <a:off x="-4763849" y="7784323"/>
+            <a:ext cx="8132490" cy="4066245"/>
+            <a:chOff x="0" y="0"/>
+            <a:chExt cx="812800" cy="406400"/>
+          </a:xfrm>
+        </p:grpSpPr>
+        <p:sp>
+          <p:nvSpPr>
+            <p:cNvPr name="Freeform 3" id="3"/>
+            <p:cNvSpPr/>
+            <p:nvPr/>
+          </p:nvSpPr>
+          <p:spPr>
+            <a:xfrm flipH="false" flipV="false" rot="0">
+              <a:off x="0" y="0"/>
+              <a:ext cx="812800" cy="406400"/>
+            </a:xfrm>
+            <a:custGeom>
+              <a:avLst/>
+              <a:gdLst/>
+              <a:ahLst/>
+              <a:cxnLst/>
+              <a:rect r="r" b="b" t="t" l="l"/>
+              <a:pathLst>
+                <a:path h="406400" w="812800">
+                  <a:moveTo>
+                    <a:pt x="609600" y="0"/>
+                  </a:moveTo>
+                  <a:cubicBezTo>
+                    <a:pt x="721824" y="0"/>
+                    <a:pt x="812800" y="90976"/>
+                    <a:pt x="812800" y="203200"/>
+                  </a:cubicBezTo>
+                  <a:cubicBezTo>
+                    <a:pt x="812800" y="315424"/>
+                    <a:pt x="721824" y="406400"/>
+                    <a:pt x="609600" y="406400"/>
+                  </a:cubicBezTo>
+                  <a:lnTo>
+                    <a:pt x="203200" y="406400"/>
+                  </a:lnTo>
+                  <a:cubicBezTo>
+                    <a:pt x="90976" y="406400"/>
+                    <a:pt x="0" y="315424"/>
+                    <a:pt x="0" y="203200"/>
+                  </a:cubicBezTo>
+                  <a:cubicBezTo>
+                    <a:pt x="0" y="90976"/>
+                    <a:pt x="90976" y="0"/>
+                    <a:pt x="203200" y="0"/>
+                  </a:cubicBezTo>
+                  <a:close/>
+                </a:path>
+              </a:pathLst>
+            </a:custGeom>
+            <a:solidFill>
+              <a:srgbClr val="545454"/>
+            </a:solidFill>
+          </p:spPr>
+        </p:sp>
+        <p:sp>
+          <p:nvSpPr>
+            <p:cNvPr name="TextBox 4" id="4"/>
+            <p:cNvSpPr txBox="true"/>
+            <p:nvPr/>
+          </p:nvSpPr>
+          <p:spPr>
+            <a:xfrm>
+              <a:off x="0" y="-38100"/>
+              <a:ext cx="812800" cy="444500"/>
+            </a:xfrm>
+            <a:prstGeom prst="rect">
+              <a:avLst/>
+            </a:prstGeom>
+          </p:spPr>
+          <p:txBody>
+            <a:bodyPr anchor="ctr" rtlCol="false" tIns="50800" lIns="50800" bIns="50800" rIns="50800"/>
+            <a:lstStyle/>
+            <a:p>
+              <a:pPr algn="ctr">
+                <a:lnSpc>
+                  <a:spcPts val="2659"/>
+                </a:lnSpc>
+                <a:spcBef>
+                  <a:spcPct val="0"/>
+                </a:spcBef>
+              </a:pPr>
+            </a:p>
+          </p:txBody>
+        </p:sp>
+      </p:grpSp>
+      <p:grpSp>
+        <p:nvGrpSpPr>
+          <p:cNvPr name="Group 5" id="5"/>
+          <p:cNvGrpSpPr/>
+          <p:nvPr/>
+        </p:nvGrpSpPr>
+        <p:grpSpPr>
+          <a:xfrm rot="-2562626">
+            <a:off x="-1091559" y="10289015"/>
+            <a:ext cx="4019797" cy="2009899"/>
+            <a:chOff x="0" y="0"/>
+            <a:chExt cx="812800" cy="406400"/>
+          </a:xfrm>
+        </p:grpSpPr>
+        <p:sp>
+          <p:nvSpPr>
+            <p:cNvPr name="Freeform 6" id="6"/>
+            <p:cNvSpPr/>
+            <p:nvPr/>
+          </p:nvSpPr>
+          <p:spPr>
+            <a:xfrm flipH="false" flipV="false" rot="0">
+              <a:off x="0" y="0"/>
+              <a:ext cx="812800" cy="406400"/>
+            </a:xfrm>
+            <a:custGeom>
+              <a:avLst/>
+              <a:gdLst/>
+              <a:ahLst/>
+              <a:cxnLst/>
+              <a:rect r="r" b="b" t="t" l="l"/>
+              <a:pathLst>
+                <a:path h="406400" w="812800">
+                  <a:moveTo>
+                    <a:pt x="609600" y="0"/>
+                  </a:moveTo>
+                  <a:cubicBezTo>
+                    <a:pt x="721824" y="0"/>
+                    <a:pt x="812800" y="90976"/>
+                    <a:pt x="812800" y="203200"/>
+                  </a:cubicBezTo>
+                  <a:cubicBezTo>
+                    <a:pt x="812800" y="315424"/>
+                    <a:pt x="721824" y="406400"/>
+                    <a:pt x="609600" y="406400"/>
+                  </a:cubicBezTo>
+                  <a:lnTo>
+                    <a:pt x="203200" y="406400"/>
+                  </a:lnTo>
+                  <a:cubicBezTo>
+                    <a:pt x="90976" y="406400"/>
+                    <a:pt x="0" y="315424"/>
+                    <a:pt x="0" y="203200"/>
+                  </a:cubicBezTo>
+                  <a:cubicBezTo>
+                    <a:pt x="0" y="90976"/>
+                    <a:pt x="90976" y="0"/>
+                    <a:pt x="203200" y="0"/>
+                  </a:cubicBezTo>
+                  <a:close/>
+                </a:path>
+              </a:pathLst>
+            </a:custGeom>
+            <a:solidFill>
+              <a:srgbClr val="737373"/>
+            </a:solidFill>
+          </p:spPr>
+        </p:sp>
+        <p:sp>
+          <p:nvSpPr>
+            <p:cNvPr name="TextBox 7" id="7"/>
+            <p:cNvSpPr txBox="true"/>
+            <p:nvPr/>
+          </p:nvSpPr>
+          <p:spPr>
+            <a:xfrm>
+              <a:off x="0" y="-38100"/>
+              <a:ext cx="812800" cy="444500"/>
+            </a:xfrm>
+            <a:prstGeom prst="rect">
+              <a:avLst/>
+            </a:prstGeom>
+          </p:spPr>
+          <p:txBody>
+            <a:bodyPr anchor="ctr" rtlCol="false" tIns="50800" lIns="50800" bIns="50800" rIns="50800"/>
+            <a:lstStyle/>
+            <a:p>
+              <a:pPr algn="ctr">
+                <a:lnSpc>
+                  <a:spcPts val="2659"/>
+                </a:lnSpc>
+                <a:spcBef>
+                  <a:spcPct val="0"/>
+                </a:spcBef>
+              </a:pPr>
+            </a:p>
+          </p:txBody>
+        </p:sp>
+      </p:grpSp>
+      <p:grpSp>
+        <p:nvGrpSpPr>
+          <p:cNvPr name="Group 8" id="8"/>
+          <p:cNvGrpSpPr/>
+          <p:nvPr/>
+        </p:nvGrpSpPr>
+        <p:grpSpPr>
+          <a:xfrm rot="-2562626">
+            <a:off x="15760647" y="-1537845"/>
+            <a:ext cx="8664509" cy="4332254"/>
+            <a:chOff x="0" y="0"/>
+            <a:chExt cx="812800" cy="406400"/>
+          </a:xfrm>
+        </p:grpSpPr>
+        <p:sp>
+          <p:nvSpPr>
+            <p:cNvPr name="Freeform 9" id="9"/>
+            <p:cNvSpPr/>
+            <p:nvPr/>
+          </p:nvSpPr>
+          <p:spPr>
+            <a:xfrm flipH="false" flipV="false" rot="0">
+              <a:off x="0" y="0"/>
+              <a:ext cx="812800" cy="406400"/>
+            </a:xfrm>
+            <a:custGeom>
+              <a:avLst/>
+              <a:gdLst/>
+              <a:ahLst/>
+              <a:cxnLst/>
+              <a:rect r="r" b="b" t="t" l="l"/>
+              <a:pathLst>
+                <a:path h="406400" w="812800">
+                  <a:moveTo>
+                    <a:pt x="609600" y="0"/>
+                  </a:moveTo>
+                  <a:cubicBezTo>
+                    <a:pt x="721824" y="0"/>
+                    <a:pt x="812800" y="90976"/>
+                    <a:pt x="812800" y="203200"/>
+                  </a:cubicBezTo>
+                  <a:cubicBezTo>
+                    <a:pt x="812800" y="315424"/>
+                    <a:pt x="721824" y="406400"/>
+                    <a:pt x="609600" y="406400"/>
+                  </a:cubicBezTo>
+                  <a:lnTo>
+                    <a:pt x="203200" y="406400"/>
+                  </a:lnTo>
+                  <a:cubicBezTo>
+                    <a:pt x="90976" y="406400"/>
+                    <a:pt x="0" y="315424"/>
+                    <a:pt x="0" y="203200"/>
+                  </a:cubicBezTo>
+                  <a:cubicBezTo>
+                    <a:pt x="0" y="90976"/>
+                    <a:pt x="90976" y="0"/>
+                    <a:pt x="203200" y="0"/>
+                  </a:cubicBezTo>
+                  <a:close/>
+                </a:path>
+              </a:pathLst>
+            </a:custGeom>
+            <a:solidFill>
+              <a:srgbClr val="545454"/>
+            </a:solidFill>
+          </p:spPr>
+        </p:sp>
+        <p:sp>
+          <p:nvSpPr>
+            <p:cNvPr name="TextBox 10" id="10"/>
+            <p:cNvSpPr txBox="true"/>
+            <p:nvPr/>
+          </p:nvSpPr>
+          <p:spPr>
+            <a:xfrm>
+              <a:off x="0" y="-38100"/>
+              <a:ext cx="812800" cy="444500"/>
+            </a:xfrm>
+            <a:prstGeom prst="rect">
+              <a:avLst/>
+            </a:prstGeom>
+          </p:spPr>
+          <p:txBody>
+            <a:bodyPr anchor="ctr" rtlCol="false" tIns="50800" lIns="50800" bIns="50800" rIns="50800"/>
+            <a:lstStyle/>
+            <a:p>
+              <a:pPr algn="ctr">
+                <a:lnSpc>
+                  <a:spcPts val="2659"/>
+                </a:lnSpc>
+                <a:spcBef>
+                  <a:spcPct val="0"/>
+                </a:spcBef>
+              </a:pPr>
+            </a:p>
+          </p:txBody>
+        </p:sp>
+      </p:grpSp>
+      <p:grpSp>
+        <p:nvGrpSpPr>
+          <p:cNvPr name="Group 11" id="11"/>
+          <p:cNvGrpSpPr/>
+          <p:nvPr/>
+        </p:nvGrpSpPr>
+        <p:grpSpPr>
+          <a:xfrm rot="-2562626">
+            <a:off x="16327816" y="-2285619"/>
+            <a:ext cx="4282768" cy="2141384"/>
+            <a:chOff x="0" y="0"/>
+            <a:chExt cx="812800" cy="406400"/>
+          </a:xfrm>
+        </p:grpSpPr>
+        <p:sp>
+          <p:nvSpPr>
+            <p:cNvPr name="Freeform 12" id="12"/>
+            <p:cNvSpPr/>
+            <p:nvPr/>
+          </p:nvSpPr>
+          <p:spPr>
+            <a:xfrm flipH="false" flipV="false" rot="0">
+              <a:off x="0" y="0"/>
+              <a:ext cx="812800" cy="406400"/>
+            </a:xfrm>
+            <a:custGeom>
+              <a:avLst/>
+              <a:gdLst/>
+              <a:ahLst/>
+              <a:cxnLst/>
+              <a:rect r="r" b="b" t="t" l="l"/>
+              <a:pathLst>
+                <a:path h="406400" w="812800">
+                  <a:moveTo>
+                    <a:pt x="609600" y="0"/>
+                  </a:moveTo>
+                  <a:cubicBezTo>
+                    <a:pt x="721824" y="0"/>
+                    <a:pt x="812800" y="90976"/>
+                    <a:pt x="812800" y="203200"/>
+                  </a:cubicBezTo>
+                  <a:cubicBezTo>
+                    <a:pt x="812800" y="315424"/>
+                    <a:pt x="721824" y="406400"/>
+                    <a:pt x="609600" y="406400"/>
+                  </a:cubicBezTo>
+                  <a:lnTo>
+                    <a:pt x="203200" y="406400"/>
+                  </a:lnTo>
+                  <a:cubicBezTo>
+                    <a:pt x="90976" y="406400"/>
+                    <a:pt x="0" y="315424"/>
+                    <a:pt x="0" y="203200"/>
+                  </a:cubicBezTo>
+                  <a:cubicBezTo>
+                    <a:pt x="0" y="90976"/>
+                    <a:pt x="90976" y="0"/>
+                    <a:pt x="203200" y="0"/>
+                  </a:cubicBezTo>
+                  <a:close/>
+                </a:path>
+              </a:pathLst>
+            </a:custGeom>
+            <a:solidFill>
+              <a:srgbClr val="737373"/>
+            </a:solidFill>
+          </p:spPr>
+        </p:sp>
+        <p:sp>
+          <p:nvSpPr>
+            <p:cNvPr name="TextBox 13" id="13"/>
+            <p:cNvSpPr txBox="true"/>
+            <p:nvPr/>
+          </p:nvSpPr>
+          <p:spPr>
+            <a:xfrm>
+              <a:off x="0" y="-38100"/>
+              <a:ext cx="812800" cy="444500"/>
+            </a:xfrm>
+            <a:prstGeom prst="rect">
+              <a:avLst/>
+            </a:prstGeom>
+          </p:spPr>
+          <p:txBody>
+            <a:bodyPr anchor="ctr" rtlCol="false" tIns="50800" lIns="50800" bIns="50800" rIns="50800"/>
+            <a:lstStyle/>
+            <a:p>
+              <a:pPr algn="ctr">
+                <a:lnSpc>
+                  <a:spcPts val="2659"/>
+                </a:lnSpc>
+                <a:spcBef>
+                  <a:spcPct val="0"/>
+                </a:spcBef>
+              </a:pPr>
+            </a:p>
+          </p:txBody>
+        </p:sp>
+      </p:grpSp>
+      <p:grpSp>
+        <p:nvGrpSpPr>
+          <p:cNvPr name="Group 14" id="14"/>
+          <p:cNvGrpSpPr/>
+          <p:nvPr/>
+        </p:nvGrpSpPr>
+        <p:grpSpPr>
+          <a:xfrm rot="-2562626">
+            <a:off x="13101516" y="9777072"/>
+            <a:ext cx="3710089" cy="1855044"/>
+            <a:chOff x="0" y="0"/>
+            <a:chExt cx="812800" cy="406400"/>
+          </a:xfrm>
+        </p:grpSpPr>
+        <p:sp>
+          <p:nvSpPr>
+            <p:cNvPr name="Freeform 15" id="15"/>
+            <p:cNvSpPr/>
+            <p:nvPr/>
+          </p:nvSpPr>
+          <p:spPr>
+            <a:xfrm flipH="false" flipV="false" rot="0">
+              <a:off x="0" y="0"/>
+              <a:ext cx="812800" cy="406400"/>
+            </a:xfrm>
+            <a:custGeom>
+              <a:avLst/>
+              <a:gdLst/>
+              <a:ahLst/>
+              <a:cxnLst/>
+              <a:rect r="r" b="b" t="t" l="l"/>
+              <a:pathLst>
+                <a:path h="406400" w="812800">
+                  <a:moveTo>
+                    <a:pt x="609600" y="0"/>
+                  </a:moveTo>
+                  <a:cubicBezTo>
+                    <a:pt x="721824" y="0"/>
+                    <a:pt x="812800" y="90976"/>
+                    <a:pt x="812800" y="203200"/>
+                  </a:cubicBezTo>
+                  <a:cubicBezTo>
+                    <a:pt x="812800" y="315424"/>
+                    <a:pt x="721824" y="406400"/>
+                    <a:pt x="609600" y="406400"/>
+                  </a:cubicBezTo>
+                  <a:lnTo>
+                    <a:pt x="203200" y="406400"/>
+                  </a:lnTo>
+                  <a:cubicBezTo>
+                    <a:pt x="90976" y="406400"/>
+                    <a:pt x="0" y="315424"/>
+                    <a:pt x="0" y="203200"/>
+                  </a:cubicBezTo>
+                  <a:cubicBezTo>
+                    <a:pt x="0" y="90976"/>
+                    <a:pt x="90976" y="0"/>
+                    <a:pt x="203200" y="0"/>
+                  </a:cubicBezTo>
+                  <a:close/>
+                </a:path>
+              </a:pathLst>
+            </a:custGeom>
+            <a:solidFill>
+              <a:srgbClr val="000000">
+                <a:alpha val="0"/>
+              </a:srgbClr>
+            </a:solidFill>
+            <a:ln w="57150" cap="sq">
+              <a:solidFill>
+                <a:srgbClr val="545454"/>
+              </a:solidFill>
+              <a:prstDash val="solid"/>
+              <a:miter/>
+            </a:ln>
+          </p:spPr>
+        </p:sp>
+        <p:sp>
+          <p:nvSpPr>
+            <p:cNvPr name="TextBox 16" id="16"/>
+            <p:cNvSpPr txBox="true"/>
+            <p:nvPr/>
+          </p:nvSpPr>
+          <p:spPr>
+            <a:xfrm>
+              <a:off x="0" y="-38100"/>
+              <a:ext cx="812800" cy="444500"/>
+            </a:xfrm>
+            <a:prstGeom prst="rect">
+              <a:avLst/>
+            </a:prstGeom>
+          </p:spPr>
+          <p:txBody>
+            <a:bodyPr anchor="ctr" rtlCol="false" tIns="50800" lIns="50800" bIns="50800" rIns="50800"/>
+            <a:lstStyle/>
+            <a:p>
+              <a:pPr algn="ctr">
+                <a:lnSpc>
+                  <a:spcPts val="2659"/>
+                </a:lnSpc>
+                <a:spcBef>
+                  <a:spcPct val="0"/>
+                </a:spcBef>
+              </a:pPr>
+            </a:p>
+          </p:txBody>
+        </p:sp>
+      </p:grpSp>
+      <p:grpSp>
+        <p:nvGrpSpPr>
+          <p:cNvPr name="Group 17" id="17"/>
+          <p:cNvGrpSpPr/>
+          <p:nvPr/>
+        </p:nvGrpSpPr>
+        <p:grpSpPr>
+          <a:xfrm rot="-2562626">
+            <a:off x="1610027" y="-1189519"/>
+            <a:ext cx="3726595" cy="1863298"/>
+            <a:chOff x="0" y="0"/>
+            <a:chExt cx="812800" cy="406400"/>
+          </a:xfrm>
+        </p:grpSpPr>
+        <p:sp>
+          <p:nvSpPr>
+            <p:cNvPr name="Freeform 18" id="18"/>
+            <p:cNvSpPr/>
+            <p:nvPr/>
+          </p:nvSpPr>
+          <p:spPr>
+            <a:xfrm flipH="false" flipV="false" rot="0">
+              <a:off x="0" y="0"/>
+              <a:ext cx="812800" cy="406400"/>
+            </a:xfrm>
+            <a:custGeom>
+              <a:avLst/>
+              <a:gdLst/>
+              <a:ahLst/>
+              <a:cxnLst/>
+              <a:rect r="r" b="b" t="t" l="l"/>
+              <a:pathLst>
+                <a:path h="406400" w="812800">
+                  <a:moveTo>
+                    <a:pt x="609600" y="0"/>
+                  </a:moveTo>
+                  <a:cubicBezTo>
+                    <a:pt x="721824" y="0"/>
+                    <a:pt x="812800" y="90976"/>
+                    <a:pt x="812800" y="203200"/>
+                  </a:cubicBezTo>
+                  <a:cubicBezTo>
+                    <a:pt x="812800" y="315424"/>
+                    <a:pt x="721824" y="406400"/>
+                    <a:pt x="609600" y="406400"/>
+                  </a:cubicBezTo>
+                  <a:lnTo>
+                    <a:pt x="203200" y="406400"/>
+                  </a:lnTo>
+                  <a:cubicBezTo>
+                    <a:pt x="90976" y="406400"/>
+                    <a:pt x="0" y="315424"/>
+                    <a:pt x="0" y="203200"/>
+                  </a:cubicBezTo>
+                  <a:cubicBezTo>
+                    <a:pt x="0" y="90976"/>
+                    <a:pt x="90976" y="0"/>
+                    <a:pt x="203200" y="0"/>
+                  </a:cubicBezTo>
+                  <a:close/>
+                </a:path>
+              </a:pathLst>
+            </a:custGeom>
+            <a:solidFill>
+              <a:srgbClr val="000000">
+                <a:alpha val="0"/>
+              </a:srgbClr>
+            </a:solidFill>
+            <a:ln w="57150" cap="sq">
+              <a:solidFill>
+                <a:srgbClr val="545454"/>
+              </a:solidFill>
+              <a:prstDash val="solid"/>
+              <a:miter/>
+            </a:ln>
+          </p:spPr>
+        </p:sp>
+        <p:sp>
+          <p:nvSpPr>
+            <p:cNvPr name="TextBox 19" id="19"/>
+            <p:cNvSpPr txBox="true"/>
+            <p:nvPr/>
+          </p:nvSpPr>
+          <p:spPr>
+            <a:xfrm>
+              <a:off x="0" y="-38100"/>
+              <a:ext cx="812800" cy="444500"/>
+            </a:xfrm>
+            <a:prstGeom prst="rect">
+              <a:avLst/>
+            </a:prstGeom>
+          </p:spPr>
+          <p:txBody>
+            <a:bodyPr anchor="ctr" rtlCol="false" tIns="50800" lIns="50800" bIns="50800" rIns="50800"/>
+            <a:lstStyle/>
+            <a:p>
+              <a:pPr algn="ctr">
+                <a:lnSpc>
+                  <a:spcPts val="2659"/>
+                </a:lnSpc>
+                <a:spcBef>
+                  <a:spcPct val="0"/>
+                </a:spcBef>
+              </a:pPr>
+            </a:p>
+          </p:txBody>
+        </p:sp>
+      </p:grpSp>
+      <p:sp>
+        <p:nvSpPr>
+          <p:cNvPr name="Freeform 20" id="20"/>
+          <p:cNvSpPr/>
+          <p:nvPr/>
+        </p:nvSpPr>
+        <p:spPr>
+          <a:xfrm flipH="false" flipV="false" rot="0">
+            <a:off x="3253545" y="7213445"/>
+            <a:ext cx="5890455" cy="1308990"/>
+          </a:xfrm>
+          <a:custGeom>
+            <a:avLst/>
+            <a:gdLst/>
+            <a:ahLst/>
+            <a:cxnLst/>
+            <a:rect r="r" b="b" t="t" l="l"/>
+            <a:pathLst>
+              <a:path h="1308990" w="5890455">
+                <a:moveTo>
+                  <a:pt x="0" y="0"/>
+                </a:moveTo>
+                <a:lnTo>
+                  <a:pt x="5890455" y="0"/>
+                </a:lnTo>
+                <a:lnTo>
+                  <a:pt x="5890455" y="1308990"/>
+                </a:lnTo>
+                <a:lnTo>
+                  <a:pt x="0" y="1308990"/>
+                </a:lnTo>
+                <a:lnTo>
+                  <a:pt x="0" y="0"/>
+                </a:lnTo>
+                <a:close/>
+              </a:path>
+            </a:pathLst>
+          </a:custGeom>
+          <a:blipFill>
+            <a:blip r:embed="rId2"/>
+            <a:stretch>
+              <a:fillRect l="0" t="0" r="0" b="0"/>
+            </a:stretch>
+          </a:blipFill>
+        </p:spPr>
+      </p:sp>
+      <p:sp>
+        <p:nvSpPr>
+          <p:cNvPr name="Freeform 21" id="21"/>
+          <p:cNvSpPr/>
+          <p:nvPr/>
+        </p:nvSpPr>
+        <p:spPr>
+          <a:xfrm flipH="false" flipV="false" rot="0">
+            <a:off x="9919986" y="6997004"/>
+            <a:ext cx="5768779" cy="1741872"/>
+          </a:xfrm>
+          <a:custGeom>
+            <a:avLst/>
+            <a:gdLst/>
+            <a:ahLst/>
+            <a:cxnLst/>
+            <a:rect r="r" b="b" t="t" l="l"/>
+            <a:pathLst>
+              <a:path h="1741872" w="5768779">
+                <a:moveTo>
+                  <a:pt x="0" y="0"/>
+                </a:moveTo>
+                <a:lnTo>
+                  <a:pt x="5768779" y="0"/>
+                </a:lnTo>
+                <a:lnTo>
+                  <a:pt x="5768779" y="1741872"/>
+                </a:lnTo>
+                <a:lnTo>
+                  <a:pt x="0" y="1741872"/>
+                </a:lnTo>
+                <a:lnTo>
+                  <a:pt x="0" y="0"/>
+                </a:lnTo>
+                <a:close/>
+              </a:path>
+            </a:pathLst>
+          </a:custGeom>
+          <a:blipFill>
+            <a:blip r:embed="rId3"/>
+            <a:stretch>
+              <a:fillRect l="0" t="0" r="0" b="0"/>
+            </a:stretch>
+          </a:blipFill>
+        </p:spPr>
+      </p:sp>
+      <p:sp>
+        <p:nvSpPr>
+          <p:cNvPr name="TextBox 22" id="22"/>
+          <p:cNvSpPr txBox="true"/>
+          <p:nvPr/>
+        </p:nvSpPr>
+        <p:spPr>
+          <a:xfrm rot="0">
+            <a:off x="4705772" y="4235476"/>
+            <a:ext cx="8876456" cy="2111194"/>
           </a:xfrm>
           <a:prstGeom prst="rect">
             <a:avLst/>
@@ -6247,7 +11362,48 @@
                 <a:cs typeface="Akzidenz-Grotesk"/>
                 <a:sym typeface="Akzidenz-Grotesk"/>
               </a:rPr>
-              <a:t>Lorem ipsum dolor sit amet, consectetur adipiscing elit. Suspendisse quis enim pretium, bibendum ante ullamcorper, tincidunt augue. Nunc sed lorem aliquam, malesuada lectus eu, placerat lorem. Proin at aliquet sapien, vitae elementum mi.</a:t>
+              <a:t>Python valodā ciklu realizēšanai paredzētas divas konstrukcijas - for un while cikls.</a:t>
+            </a:r>
+          </a:p>
+        </p:txBody>
+      </p:sp>
+      <p:sp>
+        <p:nvSpPr>
+          <p:cNvPr name="TextBox 23" id="23"/>
+          <p:cNvSpPr txBox="true"/>
+          <p:nvPr/>
+        </p:nvSpPr>
+        <p:spPr>
+          <a:xfrm rot="0">
+            <a:off x="3873762" y="2820499"/>
+            <a:ext cx="10540477" cy="1013779"/>
+          </a:xfrm>
+          <a:prstGeom prst="rect">
+            <a:avLst/>
+          </a:prstGeom>
+        </p:spPr>
+        <p:txBody>
+          <a:bodyPr anchor="t" rtlCol="false" tIns="0" lIns="0" bIns="0" rIns="0">
+            <a:spAutoFit/>
+          </a:bodyPr>
+          <a:lstStyle/>
+          <a:p>
+            <a:pPr algn="ctr">
+              <a:lnSpc>
+                <a:spcPts val="7182"/>
+              </a:lnSpc>
+            </a:pPr>
+            <a:r>
+              <a:rPr lang="en-US" sz="8450">
+                <a:solidFill>
+                  <a:srgbClr val="545454"/>
+                </a:solidFill>
+                <a:latin typeface="Bold Ink"/>
+                <a:ea typeface="Bold Ink"/>
+                <a:cs typeface="Bold Ink"/>
+                <a:sym typeface="Bold Ink"/>
+              </a:rPr>
+              <a:t>CIKLU VEIDI</a:t>
             </a:r>
           </a:p>
         </p:txBody>
@@ -6904,8 +12060,8 @@
         </p:nvSpPr>
         <p:spPr>
           <a:xfrm rot="0">
-            <a:off x="3873762" y="2851908"/>
-            <a:ext cx="10540477" cy="1260636"/>
+            <a:off x="5814727" y="1792272"/>
+            <a:ext cx="6658546" cy="1918654"/>
           </a:xfrm>
           <a:prstGeom prst="rect">
             <a:avLst/>
@@ -6919,11 +12075,11 @@
           <a:p>
             <a:pPr algn="ctr">
               <a:lnSpc>
-                <a:spcPts val="8968"/>
+                <a:spcPts val="7182"/>
               </a:lnSpc>
             </a:pPr>
             <a:r>
-              <a:rPr lang="en-US" sz="10551">
+              <a:rPr lang="en-US" sz="8450">
                 <a:solidFill>
                   <a:srgbClr val="545454"/>
                 </a:solidFill>
@@ -6932,7 +12088,7 @@
                 <a:cs typeface="Bold Ink"/>
                 <a:sym typeface="Bold Ink"/>
               </a:rPr>
-              <a:t>BACKGROUND</a:t>
+              <a:t>KAS IR FOR CIKLS?</a:t>
             </a:r>
           </a:p>
         </p:txBody>
@@ -6945,8 +12101,8 @@
         </p:nvSpPr>
         <p:spPr>
           <a:xfrm rot="0">
-            <a:off x="3125802" y="4295198"/>
-            <a:ext cx="12036395" cy="3482794"/>
+            <a:off x="3124616" y="3866317"/>
+            <a:ext cx="12038768" cy="3815534"/>
           </a:xfrm>
           <a:prstGeom prst="rect">
             <a:avLst/>
@@ -6960,14 +12116,14 @@
           <a:p>
             <a:pPr algn="ctr">
               <a:lnSpc>
-                <a:spcPts val="5434"/>
+                <a:spcPts val="5994"/>
               </a:lnSpc>
               <a:spcBef>
                 <a:spcPct val="0"/>
               </a:spcBef>
             </a:pPr>
             <a:r>
-              <a:rPr lang="en-US" sz="3882">
+              <a:rPr lang="en-US" sz="4282">
                 <a:solidFill>
                   <a:srgbClr val="61654D"/>
                 </a:solidFill>
@@ -6976,7 +12132,7 @@
                 <a:cs typeface="Akzidenz-Grotesk"/>
                 <a:sym typeface="Akzidenz-Grotesk"/>
               </a:rPr>
-              <a:t>Lorem ipsum dolor sit amet, consectetur adipiscing elit. Suspendisse quis enim pretium, bibendum ante ullamcorper, tincidunt augue. Nunc sed lorem aliquam, malesuada lectus eu, placerat lorem. Proin at aliquet sapien, vitae elementum mi.</a:t>
+              <a:t>Šis cikls tiek izmantots, ja ir jāizpilda konkrēts fragments, līdz tiek izpildīts noteikts nosacījums. Cikls "for", ko dažreiz sauc par priekšnosacījumu ciklu, ir ieteicams izmantot situācijās, kad iepriekš zināt iterāciju skaitu.</a:t>
             </a:r>
           </a:p>
         </p:txBody>
@@ -7633,8 +12789,8 @@
         </p:nvSpPr>
         <p:spPr>
           <a:xfrm rot="0">
-            <a:off x="3873762" y="2112806"/>
-            <a:ext cx="10540477" cy="1260636"/>
+            <a:off x="3821447" y="1641801"/>
+            <a:ext cx="10645107" cy="1918654"/>
           </a:xfrm>
           <a:prstGeom prst="rect">
             <a:avLst/>
@@ -7648,11 +12804,11 @@
           <a:p>
             <a:pPr algn="ctr">
               <a:lnSpc>
-                <a:spcPts val="8968"/>
+                <a:spcPts val="7182"/>
               </a:lnSpc>
             </a:pPr>
             <a:r>
-              <a:rPr lang="en-US" sz="10551">
+              <a:rPr lang="en-US" sz="8450">
                 <a:solidFill>
                   <a:srgbClr val="545454"/>
                 </a:solidFill>
@@ -7661,7 +12817,7 @@
                 <a:cs typeface="Bold Ink"/>
                 <a:sym typeface="Bold Ink"/>
               </a:rPr>
-              <a:t>PROJECT</a:t>
+              <a:t>GALVENAIS PAR FOR CIKLU</a:t>
             </a:r>
           </a:p>
         </p:txBody>
@@ -7674,8 +12830,8 @@
         </p:nvSpPr>
         <p:spPr>
           <a:xfrm rot="0">
-            <a:off x="2994311" y="3623865"/>
-            <a:ext cx="5485392" cy="5540194"/>
+            <a:off x="3124616" y="3871751"/>
+            <a:ext cx="12038768" cy="5320484"/>
           </a:xfrm>
           <a:prstGeom prst="rect">
             <a:avLst/>
@@ -7687,15 +12843,15 @@
           </a:bodyPr>
           <a:lstStyle/>
           <a:p>
-            <a:pPr algn="l" marL="838150" indent="-419075" lvl="1">
+            <a:pPr algn="l" marL="924508" indent="-462254" lvl="1">
               <a:lnSpc>
-                <a:spcPts val="5434"/>
+                <a:spcPts val="5994"/>
               </a:lnSpc>
               <a:buFont typeface="Arial"/>
               <a:buChar char="•"/>
             </a:pPr>
             <a:r>
-              <a:rPr lang="en-US" sz="3882">
+              <a:rPr lang="en-US" sz="4282">
                 <a:solidFill>
                   <a:srgbClr val="61654D"/>
                 </a:solidFill>
@@ -7704,41 +12860,19 @@
                 <a:cs typeface="Akzidenz-Grotesk"/>
                 <a:sym typeface="Akzidenz-Grotesk"/>
               </a:rPr>
-              <a:t>Lorem ipsum dolor sit amet, consectetur adipiscing elit. Suspendisse quis enim pretium, bibendum ante ullamcorper, tincidunt augue.</a:t>
+              <a:t>Cikls “for” iterē elementus pa vienam un izpilda komandas sevī.</a:t>
             </a:r>
           </a:p>
-        </p:txBody>
-      </p:sp>
-      <p:sp>
-        <p:nvSpPr>
-          <p:cNvPr name="TextBox 22" id="22"/>
-          <p:cNvSpPr txBox="true"/>
-          <p:nvPr/>
-        </p:nvSpPr>
-        <p:spPr>
-          <a:xfrm rot="0">
-            <a:off x="9808297" y="3662700"/>
-            <a:ext cx="5485392" cy="5540194"/>
-          </a:xfrm>
-          <a:prstGeom prst="rect">
-            <a:avLst/>
-          </a:prstGeom>
-        </p:spPr>
-        <p:txBody>
-          <a:bodyPr anchor="t" rtlCol="false" tIns="0" lIns="0" bIns="0" rIns="0">
-            <a:spAutoFit/>
-          </a:bodyPr>
-          <a:lstStyle/>
           <a:p>
-            <a:pPr algn="l" marL="838150" indent="-419075" lvl="1">
+            <a:pPr algn="l" marL="924508" indent="-462254" lvl="1">
               <a:lnSpc>
-                <a:spcPts val="5434"/>
+                <a:spcPts val="5994"/>
               </a:lnSpc>
               <a:buFont typeface="Arial"/>
               <a:buChar char="•"/>
             </a:pPr>
             <a:r>
-              <a:rPr lang="en-US" sz="3882">
+              <a:rPr lang="en-US" sz="4282">
                 <a:solidFill>
                   <a:srgbClr val="61654D"/>
                 </a:solidFill>
@@ -7747,7 +12881,28 @@
                 <a:cs typeface="Akzidenz-Grotesk"/>
                 <a:sym typeface="Akzidenz-Grotesk"/>
               </a:rPr>
-              <a:t>Lorem ipsum dolor sit amet, consectetur adipiscing elit. Suspendisse quis enim pretium, bibendum ante ullamcorper, tincidunt augue.</a:t>
+              <a:t>Funkcija darbojas tikai ar to, ko tā var iterēt pēc kārtas, piemēram, virkni, sarakstu, vārdnīcu vai kopu.</a:t>
+            </a:r>
+          </a:p>
+          <a:p>
+            <a:pPr algn="l" marL="924508" indent="-462254" lvl="1">
+              <a:lnSpc>
+                <a:spcPts val="5994"/>
+              </a:lnSpc>
+              <a:buFont typeface="Arial"/>
+              <a:buChar char="•"/>
+            </a:pPr>
+            <a:r>
+              <a:rPr lang="en-US" sz="4282">
+                <a:solidFill>
+                  <a:srgbClr val="61654D"/>
+                </a:solidFill>
+                <a:latin typeface="Akzidenz-Grotesk"/>
+                <a:ea typeface="Akzidenz-Grotesk"/>
+                <a:cs typeface="Akzidenz-Grotesk"/>
+                <a:sym typeface="Akzidenz-Grotesk"/>
+              </a:rPr>
+              <a:t>Cikla iekšpusē var pievienot nosacījumus, lai mainītu darbību.</a:t>
             </a:r>
           </a:p>
         </p:txBody>
@@ -8404,8 +13559,8 @@
         </p:nvSpPr>
         <p:spPr>
           <a:xfrm rot="0">
-            <a:off x="3873762" y="1371600"/>
-            <a:ext cx="10540477" cy="2395149"/>
+            <a:off x="2522551" y="1295400"/>
+            <a:ext cx="13242898" cy="1918654"/>
           </a:xfrm>
           <a:prstGeom prst="rect">
             <a:avLst/>
@@ -8419,11 +13574,11 @@
           <a:p>
             <a:pPr algn="ctr">
               <a:lnSpc>
-                <a:spcPts val="8968"/>
+                <a:spcPts val="7182"/>
               </a:lnSpc>
             </a:pPr>
             <a:r>
-              <a:rPr lang="en-US" sz="10551">
+              <a:rPr lang="en-US" sz="8450">
                 <a:solidFill>
                   <a:srgbClr val="545454"/>
                 </a:solidFill>
@@ -8432,7 +13587,7 @@
                 <a:cs typeface="Bold Ink"/>
                 <a:sym typeface="Bold Ink"/>
               </a:rPr>
-              <a:t>PROJECT OVERVIEW</a:t>
+              <a:t>FOR CIKLAM JĀNORĀDA ŠĀDI PARAMETRI:</a:t>
             </a:r>
           </a:p>
         </p:txBody>
@@ -8445,8 +13600,8 @@
         </p:nvSpPr>
         <p:spPr>
           <a:xfrm rot="0">
-            <a:off x="3322670" y="4385269"/>
-            <a:ext cx="5485392" cy="2111194"/>
+            <a:off x="3303084" y="3640923"/>
+            <a:ext cx="11681832" cy="5392620"/>
           </a:xfrm>
           <a:prstGeom prst="rect">
             <a:avLst/>
@@ -8458,15 +13613,15 @@
           </a:bodyPr>
           <a:lstStyle/>
           <a:p>
-            <a:pPr algn="l" marL="838150" indent="-419075" lvl="1">
+            <a:pPr algn="l" marL="733379" indent="-366690" lvl="1">
               <a:lnSpc>
-                <a:spcPts val="5434"/>
+                <a:spcPts val="4755"/>
               </a:lnSpc>
               <a:buFont typeface="Arial"/>
               <a:buChar char="•"/>
             </a:pPr>
             <a:r>
-              <a:rPr lang="en-US" sz="3882">
+              <a:rPr lang="en-US" sz="3396">
                 <a:solidFill>
                   <a:srgbClr val="61654D"/>
                 </a:solidFill>
@@ -8475,41 +13630,19 @@
                 <a:cs typeface="Akzidenz-Grotesk"/>
                 <a:sym typeface="Akzidenz-Grotesk"/>
               </a:rPr>
-              <a:t>Lorem ipsum dolor sit amet, consectetur adipiscing elit.</a:t>
+              <a:t>mainīgā nosaukums, kas satur atkārtojumu skaitu (cikla mainīgais);</a:t>
             </a:r>
           </a:p>
-        </p:txBody>
-      </p:sp>
-      <p:sp>
-        <p:nvSpPr>
-          <p:cNvPr name="TextBox 22" id="22"/>
-          <p:cNvSpPr txBox="true"/>
-          <p:nvPr/>
-        </p:nvSpPr>
-        <p:spPr>
-          <a:xfrm rot="0">
-            <a:off x="9479938" y="4385269"/>
-            <a:ext cx="5485392" cy="2111194"/>
-          </a:xfrm>
-          <a:prstGeom prst="rect">
-            <a:avLst/>
-          </a:prstGeom>
-        </p:spPr>
-        <p:txBody>
-          <a:bodyPr anchor="t" rtlCol="false" tIns="0" lIns="0" bIns="0" rIns="0">
-            <a:spAutoFit/>
-          </a:bodyPr>
-          <a:lstStyle/>
           <a:p>
-            <a:pPr algn="l" marL="838150" indent="-419075" lvl="1">
+            <a:pPr algn="l" marL="733379" indent="-366690" lvl="1">
               <a:lnSpc>
-                <a:spcPts val="5434"/>
+                <a:spcPts val="4755"/>
               </a:lnSpc>
               <a:buFont typeface="Arial"/>
               <a:buChar char="•"/>
             </a:pPr>
             <a:r>
-              <a:rPr lang="en-US" sz="3882">
+              <a:rPr lang="en-US" sz="3396">
                 <a:solidFill>
                   <a:srgbClr val="61654D"/>
                 </a:solidFill>
@@ -8518,41 +13651,19 @@
                 <a:cs typeface="Akzidenz-Grotesk"/>
                 <a:sym typeface="Akzidenz-Grotesk"/>
               </a:rPr>
-              <a:t>Lorem ipsum dolor sit amet, consectetur adipiscing elit.</a:t>
+              <a:t>cikla mainīgā sākuma vērtība (var nenorādīt, tādā gadījumā cikla mainīgā sākuma vērtība ir 0);</a:t>
             </a:r>
           </a:p>
-        </p:txBody>
-      </p:sp>
-      <p:sp>
-        <p:nvSpPr>
-          <p:cNvPr name="TextBox 23" id="23"/>
-          <p:cNvSpPr txBox="true"/>
-          <p:nvPr/>
-        </p:nvSpPr>
-        <p:spPr>
-          <a:xfrm rot="0">
-            <a:off x="3322670" y="6808336"/>
-            <a:ext cx="5485392" cy="2111194"/>
-          </a:xfrm>
-          <a:prstGeom prst="rect">
-            <a:avLst/>
-          </a:prstGeom>
-        </p:spPr>
-        <p:txBody>
-          <a:bodyPr anchor="t" rtlCol="false" tIns="0" lIns="0" bIns="0" rIns="0">
-            <a:spAutoFit/>
-          </a:bodyPr>
-          <a:lstStyle/>
           <a:p>
-            <a:pPr algn="l" marL="838150" indent="-419075" lvl="1">
+            <a:pPr algn="l" marL="733379" indent="-366690" lvl="1">
               <a:lnSpc>
-                <a:spcPts val="5434"/>
+                <a:spcPts val="4755"/>
               </a:lnSpc>
               <a:buFont typeface="Arial"/>
               <a:buChar char="•"/>
             </a:pPr>
             <a:r>
-              <a:rPr lang="en-US" sz="3882">
+              <a:rPr lang="en-US" sz="3396">
                 <a:solidFill>
                   <a:srgbClr val="61654D"/>
                 </a:solidFill>
@@ -8561,41 +13672,22 @@
                 <a:cs typeface="Akzidenz-Grotesk"/>
                 <a:sym typeface="Akzidenz-Grotesk"/>
               </a:rPr>
-              <a:t>Lorem ipsum dolor sit amet, consectetur adipiscing elit.</a:t>
+              <a:t>cikla mainīgā beigu vērtība (sasniedzot šo vērtību cikls, beidz savu darbu);</a:t>
             </a:r>
           </a:p>
-        </p:txBody>
-      </p:sp>
-      <p:sp>
-        <p:nvSpPr>
-          <p:cNvPr name="TextBox 24" id="24"/>
-          <p:cNvSpPr txBox="true"/>
-          <p:nvPr/>
-        </p:nvSpPr>
-        <p:spPr>
-          <a:xfrm rot="0">
-            <a:off x="9479938" y="6808336"/>
-            <a:ext cx="5485392" cy="2111194"/>
-          </a:xfrm>
-          <a:prstGeom prst="rect">
-            <a:avLst/>
-          </a:prstGeom>
-        </p:spPr>
-        <p:txBody>
-          <a:bodyPr anchor="t" rtlCol="false" tIns="0" lIns="0" bIns="0" rIns="0">
-            <a:spAutoFit/>
-          </a:bodyPr>
-          <a:lstStyle/>
           <a:p>
-            <a:pPr algn="l" marL="838150" indent="-419075" lvl="1">
+            <a:pPr algn="l" marL="733379" indent="-366690" lvl="1">
               <a:lnSpc>
-                <a:spcPts val="5434"/>
+                <a:spcPts val="4755"/>
               </a:lnSpc>
+              <a:spcBef>
+                <a:spcPct val="0"/>
+              </a:spcBef>
               <a:buFont typeface="Arial"/>
               <a:buChar char="•"/>
             </a:pPr>
             <a:r>
-              <a:rPr lang="en-US" sz="3882">
+              <a:rPr lang="en-US" sz="3396">
                 <a:solidFill>
                   <a:srgbClr val="61654D"/>
                 </a:solidFill>
@@ -8604,8 +13696,18 @@
                 <a:cs typeface="Akzidenz-Grotesk"/>
                 <a:sym typeface="Akzidenz-Grotesk"/>
               </a:rPr>
-              <a:t>Lorem ipsum dolor sit amet, consectetur adipiscing elit.</a:t>
+              <a:t>cikla mainīgā vērtības izmaiņa jeb cikla solis (var nenorādīt, tādā gadījumā noklusētā vērtība ir 1).</a:t>
             </a:r>
+          </a:p>
+          <a:p>
+            <a:pPr algn="l">
+              <a:lnSpc>
+                <a:spcPts val="4755"/>
+              </a:lnSpc>
+              <a:spcBef>
+                <a:spcPct val="0"/>
+              </a:spcBef>
+            </a:pPr>
           </a:p>
         </p:txBody>
       </p:sp>
@@ -8618,7 +13720,7 @@
 </file>
 
 <file path=ppt/slides/slide7.xml><?xml version="1.0" encoding="utf-8"?>
-<p:sld xmlns:p="http://schemas.openxmlformats.org/presentationml/2006/main" xmlns:a="http://schemas.openxmlformats.org/drawingml/2006/main">
+<p:sld xmlns:p="http://schemas.openxmlformats.org/presentationml/2006/main" xmlns:a="http://schemas.openxmlformats.org/drawingml/2006/main" xmlns:r="http://schemas.openxmlformats.org/officeDocument/2006/relationships">
   <p:cSld>
     <p:bg>
       <p:bgPr>
@@ -8736,6 +13838,18 @@
                   <a:spcPct val="0"/>
                 </a:spcBef>
               </a:pPr>
+              <a:r>
+                <a:rPr lang="en-US" sz="1899">
+                  <a:solidFill>
+                    <a:srgbClr val="000000"/>
+                  </a:solidFill>
+                  <a:latin typeface="Open Sans"/>
+                  <a:ea typeface="Open Sans"/>
+                  <a:cs typeface="Open Sans"/>
+                  <a:sym typeface="Open Sans"/>
+                </a:rPr>
+                <a:t> </a:t>
+              </a:r>
             </a:p>
           </p:txBody>
         </p:sp>
@@ -9255,14 +14369,60 @@
       </p:grpSp>
       <p:sp>
         <p:nvSpPr>
-          <p:cNvPr name="TextBox 20" id="20"/>
+          <p:cNvPr name="Freeform 20" id="20"/>
+          <p:cNvSpPr/>
+          <p:nvPr/>
+        </p:nvSpPr>
+        <p:spPr>
+          <a:xfrm flipH="false" flipV="false" rot="0">
+            <a:off x="5059957" y="5565418"/>
+            <a:ext cx="8168085" cy="3267234"/>
+          </a:xfrm>
+          <a:custGeom>
+            <a:avLst/>
+            <a:gdLst/>
+            <a:ahLst/>
+            <a:cxnLst/>
+            <a:rect r="r" b="b" t="t" l="l"/>
+            <a:pathLst>
+              <a:path h="3267234" w="8168085">
+                <a:moveTo>
+                  <a:pt x="0" y="0"/>
+                </a:moveTo>
+                <a:lnTo>
+                  <a:pt x="8168086" y="0"/>
+                </a:lnTo>
+                <a:lnTo>
+                  <a:pt x="8168086" y="3267234"/>
+                </a:lnTo>
+                <a:lnTo>
+                  <a:pt x="0" y="3267234"/>
+                </a:lnTo>
+                <a:lnTo>
+                  <a:pt x="0" y="0"/>
+                </a:lnTo>
+                <a:close/>
+              </a:path>
+            </a:pathLst>
+          </a:custGeom>
+          <a:blipFill>
+            <a:blip r:embed="rId2"/>
+            <a:stretch>
+              <a:fillRect l="0" t="0" r="0" b="0"/>
+            </a:stretch>
+          </a:blipFill>
+        </p:spPr>
+      </p:sp>
+      <p:sp>
+        <p:nvSpPr>
+          <p:cNvPr name="TextBox 21" id="21"/>
           <p:cNvSpPr txBox="true"/>
           <p:nvPr/>
         </p:nvSpPr>
         <p:spPr>
           <a:xfrm rot="0">
-            <a:off x="3873762" y="2112806"/>
-            <a:ext cx="10540477" cy="1260636"/>
+            <a:off x="2522551" y="1295400"/>
+            <a:ext cx="13242898" cy="1918654"/>
           </a:xfrm>
           <a:prstGeom prst="rect">
             <a:avLst/>
@@ -9276,11 +14436,11 @@
           <a:p>
             <a:pPr algn="ctr">
               <a:lnSpc>
-                <a:spcPts val="8968"/>
+                <a:spcPts val="7182"/>
               </a:lnSpc>
             </a:pPr>
             <a:r>
-              <a:rPr lang="en-US" sz="10551">
+              <a:rPr lang="en-US" sz="8450">
                 <a:solidFill>
                   <a:srgbClr val="545454"/>
                 </a:solidFill>
@@ -9289,50 +14449,7 @@
                 <a:cs typeface="Bold Ink"/>
                 <a:sym typeface="Bold Ink"/>
               </a:rPr>
-              <a:t>PROCESS</a:t>
-            </a:r>
-          </a:p>
-        </p:txBody>
-      </p:sp>
-      <p:sp>
-        <p:nvSpPr>
-          <p:cNvPr name="TextBox 21" id="21"/>
-          <p:cNvSpPr txBox="true"/>
-          <p:nvPr/>
-        </p:nvSpPr>
-        <p:spPr>
-          <a:xfrm rot="0">
-            <a:off x="2994311" y="3623865"/>
-            <a:ext cx="5485392" cy="5540194"/>
-          </a:xfrm>
-          <a:prstGeom prst="rect">
-            <a:avLst/>
-          </a:prstGeom>
-        </p:spPr>
-        <p:txBody>
-          <a:bodyPr anchor="t" rtlCol="false" tIns="0" lIns="0" bIns="0" rIns="0">
-            <a:spAutoFit/>
-          </a:bodyPr>
-          <a:lstStyle/>
-          <a:p>
-            <a:pPr algn="l" marL="838150" indent="-419075" lvl="1">
-              <a:lnSpc>
-                <a:spcPts val="5434"/>
-              </a:lnSpc>
-              <a:buFont typeface="Arial"/>
-              <a:buChar char="•"/>
-            </a:pPr>
-            <a:r>
-              <a:rPr lang="en-US" sz="3882">
-                <a:solidFill>
-                  <a:srgbClr val="61654D"/>
-                </a:solidFill>
-                <a:latin typeface="Akzidenz-Grotesk"/>
-                <a:ea typeface="Akzidenz-Grotesk"/>
-                <a:cs typeface="Akzidenz-Grotesk"/>
-                <a:sym typeface="Akzidenz-Grotesk"/>
-              </a:rPr>
-              <a:t>Lorem ipsum dolor sit amet, consectetur adipiscing elit. Suspendisse quis enim pretium, bibendum ante ullamcorper, tincidunt augue.</a:t>
+              <a:t>VISPĀRĪGĀ PIERAKSTA FORMA:</a:t>
             </a:r>
           </a:p>
         </p:txBody>
@@ -9345,8 +14462,8 @@
         </p:nvSpPr>
         <p:spPr>
           <a:xfrm rot="0">
-            <a:off x="9808297" y="3662700"/>
-            <a:ext cx="5485392" cy="5540194"/>
+            <a:off x="2283663" y="4012693"/>
+            <a:ext cx="13937081" cy="1173273"/>
           </a:xfrm>
           <a:prstGeom prst="rect">
             <a:avLst/>
@@ -9358,15 +14475,13 @@
           </a:bodyPr>
           <a:lstStyle/>
           <a:p>
-            <a:pPr algn="l" marL="838150" indent="-419075" lvl="1">
+            <a:pPr algn="l">
               <a:lnSpc>
-                <a:spcPts val="5434"/>
+                <a:spcPts val="4530"/>
               </a:lnSpc>
-              <a:buFont typeface="Arial"/>
-              <a:buChar char="•"/>
             </a:pPr>
             <a:r>
-              <a:rPr lang="en-US" sz="3882">
+              <a:rPr lang="en-US" sz="3235">
                 <a:solidFill>
                   <a:srgbClr val="61654D"/>
                 </a:solidFill>
@@ -9375,7 +14490,26 @@
                 <a:cs typeface="Akzidenz-Grotesk"/>
                 <a:sym typeface="Akzidenz-Grotesk"/>
               </a:rPr>
-              <a:t>Lorem ipsum dolor sit amet, consectetur adipiscing elit. Suspendisse quis enim pretium, bibendum ante ullamcorper, tincidunt augue.</a:t>
+              <a:t>for &lt;cikla mainīgais&gt; in range (&lt;sāk.vērt.&gt;, &lt;beigu vērt.&gt;, &lt;cikla solis&gt;):                     </a:t>
+            </a:r>
+          </a:p>
+          <a:p>
+            <a:pPr algn="l">
+              <a:lnSpc>
+                <a:spcPts val="4530"/>
+              </a:lnSpc>
+            </a:pPr>
+            <a:r>
+              <a:rPr lang="en-US" sz="3235">
+                <a:solidFill>
+                  <a:srgbClr val="61654D"/>
+                </a:solidFill>
+                <a:latin typeface="Akzidenz-Grotesk"/>
+                <a:ea typeface="Akzidenz-Grotesk"/>
+                <a:cs typeface="Akzidenz-Grotesk"/>
+                <a:sym typeface="Akzidenz-Grotesk"/>
+              </a:rPr>
+              <a:t>    &lt;izpildāmās komandas&gt;</a:t>
             </a:r>
           </a:p>
         </p:txBody>
@@ -10026,14 +15160,152 @@
       </p:grpSp>
       <p:sp>
         <p:nvSpPr>
-          <p:cNvPr name="TextBox 20" id="20"/>
+          <p:cNvPr name="Freeform 20" id="20"/>
+          <p:cNvSpPr/>
+          <p:nvPr/>
+        </p:nvSpPr>
+        <p:spPr>
+          <a:xfrm flipH="false" flipV="false" rot="0">
+            <a:off x="3363728" y="2544769"/>
+            <a:ext cx="4796145" cy="1270330"/>
+          </a:xfrm>
+          <a:custGeom>
+            <a:avLst/>
+            <a:gdLst/>
+            <a:ahLst/>
+            <a:cxnLst/>
+            <a:rect r="r" b="b" t="t" l="l"/>
+            <a:pathLst>
+              <a:path h="1270330" w="4796145">
+                <a:moveTo>
+                  <a:pt x="0" y="0"/>
+                </a:moveTo>
+                <a:lnTo>
+                  <a:pt x="4796145" y="0"/>
+                </a:lnTo>
+                <a:lnTo>
+                  <a:pt x="4796145" y="1270331"/>
+                </a:lnTo>
+                <a:lnTo>
+                  <a:pt x="0" y="1270331"/>
+                </a:lnTo>
+                <a:lnTo>
+                  <a:pt x="0" y="0"/>
+                </a:lnTo>
+                <a:close/>
+              </a:path>
+            </a:pathLst>
+          </a:custGeom>
+          <a:blipFill>
+            <a:blip r:embed="rId2"/>
+            <a:stretch>
+              <a:fillRect l="0" t="0" r="0" b="0"/>
+            </a:stretch>
+          </a:blipFill>
+        </p:spPr>
+      </p:sp>
+      <p:sp>
+        <p:nvSpPr>
+          <p:cNvPr name="Freeform 21" id="21"/>
+          <p:cNvSpPr/>
+          <p:nvPr/>
+        </p:nvSpPr>
+        <p:spPr>
+          <a:xfrm flipH="false" flipV="false" rot="0">
+            <a:off x="3507206" y="4053225"/>
+            <a:ext cx="4509189" cy="805212"/>
+          </a:xfrm>
+          <a:custGeom>
+            <a:avLst/>
+            <a:gdLst/>
+            <a:ahLst/>
+            <a:cxnLst/>
+            <a:rect r="r" b="b" t="t" l="l"/>
+            <a:pathLst>
+              <a:path h="805212" w="4509189">
+                <a:moveTo>
+                  <a:pt x="0" y="0"/>
+                </a:moveTo>
+                <a:lnTo>
+                  <a:pt x="4509189" y="0"/>
+                </a:lnTo>
+                <a:lnTo>
+                  <a:pt x="4509189" y="805212"/>
+                </a:lnTo>
+                <a:lnTo>
+                  <a:pt x="0" y="805212"/>
+                </a:lnTo>
+                <a:lnTo>
+                  <a:pt x="0" y="0"/>
+                </a:lnTo>
+                <a:close/>
+              </a:path>
+            </a:pathLst>
+          </a:custGeom>
+          <a:blipFill>
+            <a:blip r:embed="rId3"/>
+            <a:stretch>
+              <a:fillRect l="0" t="0" r="0" b="0"/>
+            </a:stretch>
+          </a:blipFill>
+        </p:spPr>
+      </p:sp>
+      <p:sp>
+        <p:nvSpPr>
+          <p:cNvPr name="Freeform 22" id="22"/>
+          <p:cNvSpPr/>
+          <p:nvPr/>
+        </p:nvSpPr>
+        <p:spPr>
+          <a:xfrm flipH="false" flipV="false" rot="0">
+            <a:off x="3363728" y="5715687"/>
+            <a:ext cx="4796680" cy="1167446"/>
+          </a:xfrm>
+          <a:custGeom>
+            <a:avLst/>
+            <a:gdLst/>
+            <a:ahLst/>
+            <a:cxnLst/>
+            <a:rect r="r" b="b" t="t" l="l"/>
+            <a:pathLst>
+              <a:path h="1167446" w="4796680">
+                <a:moveTo>
+                  <a:pt x="0" y="0"/>
+                </a:moveTo>
+                <a:lnTo>
+                  <a:pt x="4796680" y="0"/>
+                </a:lnTo>
+                <a:lnTo>
+                  <a:pt x="4796680" y="1167446"/>
+                </a:lnTo>
+                <a:lnTo>
+                  <a:pt x="0" y="1167446"/>
+                </a:lnTo>
+                <a:lnTo>
+                  <a:pt x="0" y="0"/>
+                </a:lnTo>
+                <a:close/>
+              </a:path>
+            </a:pathLst>
+          </a:custGeom>
+          <a:blipFill>
+            <a:blip r:embed="rId4"/>
+            <a:stretch>
+              <a:fillRect l="0" t="0" r="0" b="0"/>
+            </a:stretch>
+          </a:blipFill>
+        </p:spPr>
+      </p:sp>
+      <p:sp>
+        <p:nvSpPr>
+          <p:cNvPr name="TextBox 23" id="23"/>
           <p:cNvSpPr txBox="true"/>
           <p:nvPr/>
         </p:nvSpPr>
         <p:spPr>
           <a:xfrm rot="0">
-            <a:off x="3800441" y="2794240"/>
-            <a:ext cx="10540477" cy="1260636"/>
+            <a:off x="2994311" y="1290995"/>
+            <a:ext cx="12690469" cy="1013779"/>
           </a:xfrm>
           <a:prstGeom prst="rect">
             <a:avLst/>
@@ -10047,11 +15319,11 @@
           <a:p>
             <a:pPr algn="ctr">
               <a:lnSpc>
-                <a:spcPts val="8968"/>
+                <a:spcPts val="7182"/>
               </a:lnSpc>
             </a:pPr>
             <a:r>
-              <a:rPr lang="en-US" sz="10551">
+              <a:rPr lang="en-US" sz="8450">
                 <a:solidFill>
                   <a:srgbClr val="545454"/>
                 </a:solidFill>
@@ -10060,21 +15332,21 @@
                 <a:cs typeface="Bold Ink"/>
                 <a:sym typeface="Bold Ink"/>
               </a:rPr>
-              <a:t>RESULT</a:t>
+              <a:t>PIEMĒRI</a:t>
             </a:r>
           </a:p>
         </p:txBody>
       </p:sp>
       <p:sp>
         <p:nvSpPr>
-          <p:cNvPr name="TextBox 21" id="21"/>
+          <p:cNvPr name="TextBox 24" id="24"/>
           <p:cNvSpPr txBox="true"/>
           <p:nvPr/>
         </p:nvSpPr>
         <p:spPr>
           <a:xfrm rot="0">
-            <a:off x="2920990" y="4305298"/>
-            <a:ext cx="7129668" cy="3482794"/>
+            <a:off x="8934973" y="2329775"/>
+            <a:ext cx="7025487" cy="2856350"/>
           </a:xfrm>
           <a:prstGeom prst="rect">
             <a:avLst/>
@@ -10086,13 +15358,15 @@
           </a:bodyPr>
           <a:lstStyle/>
           <a:p>
-            <a:pPr algn="l">
+            <a:pPr algn="l" marL="572245" indent="-286123" lvl="1">
               <a:lnSpc>
-                <a:spcPts val="5434"/>
+                <a:spcPts val="3710"/>
               </a:lnSpc>
+              <a:buFont typeface="Arial"/>
+              <a:buChar char="•"/>
             </a:pPr>
             <a:r>
-              <a:rPr lang="en-US" sz="3882">
+              <a:rPr lang="en-US" sz="2650">
                 <a:solidFill>
                   <a:srgbClr val="61654D"/>
                 </a:solidFill>
@@ -10101,35 +15375,100 @@
                 <a:cs typeface="Akzidenz-Grotesk"/>
                 <a:sym typeface="Akzidenz-Grotesk"/>
               </a:rPr>
-              <a:t>Lorem ipsum dolor sit amet, consectetur adipiscing elit. Suspendisse quis enim pretium, bibendum ante ullamcorper, tincidunt augue.</a:t>
+              <a:t>Cikla mainīgais i sāk mainīties no 1, pēc katras cikla darbības reizes (iterācijas), kas izdrukājusi vienu i vērtību ekrānā, i vērtība tiek palielināta par 1. Cikls savu darbu beidz tiklīdz i vērtība sasniedz skaitli 8, tādēļ 8 ekrānā netiek izdrukāts.</a:t>
             </a:r>
           </a:p>
         </p:txBody>
       </p:sp>
-      <p:pic>
-        <p:nvPicPr>
-          <p:cNvPr name="Picture 22" id="22"/>
-          <p:cNvPicPr>
-            <a:picLocks noChangeAspect="true"/>
-          </p:cNvPicPr>
+      <p:sp>
+        <p:nvSpPr>
+          <p:cNvPr name="Freeform 25" id="25"/>
+          <p:cNvSpPr/>
           <p:nvPr/>
-        </p:nvPicPr>
-        <p:blipFill>
-          <a:blip r:embed="rId2"/>
-          <a:stretch>
-            <a:fillRect/>
-          </a:stretch>
-        </p:blipFill>
+        </p:nvSpPr>
+        <p:spPr>
+          <a:xfrm flipH="false" flipV="false" rot="0">
+            <a:off x="3507742" y="7121258"/>
+            <a:ext cx="4509189" cy="805212"/>
+          </a:xfrm>
+          <a:custGeom>
+            <a:avLst/>
+            <a:gdLst/>
+            <a:ahLst/>
+            <a:cxnLst/>
+            <a:rect r="r" b="b" t="t" l="l"/>
+            <a:pathLst>
+              <a:path h="805212" w="4509189">
+                <a:moveTo>
+                  <a:pt x="0" y="0"/>
+                </a:moveTo>
+                <a:lnTo>
+                  <a:pt x="4509188" y="0"/>
+                </a:lnTo>
+                <a:lnTo>
+                  <a:pt x="4509188" y="805212"/>
+                </a:lnTo>
+                <a:lnTo>
+                  <a:pt x="0" y="805212"/>
+                </a:lnTo>
+                <a:lnTo>
+                  <a:pt x="0" y="0"/>
+                </a:lnTo>
+                <a:close/>
+              </a:path>
+            </a:pathLst>
+          </a:custGeom>
+          <a:blipFill>
+            <a:blip r:embed="rId3"/>
+            <a:stretch>
+              <a:fillRect l="0" t="0" r="0" b="0"/>
+            </a:stretch>
+          </a:blipFill>
+        </p:spPr>
+      </p:sp>
+      <p:sp>
+        <p:nvSpPr>
+          <p:cNvPr name="TextBox 26" id="26"/>
+          <p:cNvSpPr txBox="true"/>
+          <p:nvPr/>
+        </p:nvSpPr>
         <p:spPr>
           <a:xfrm rot="0">
-            <a:off x="9637275" y="3799295"/>
-            <a:ext cx="6250620" cy="4557251"/>
+            <a:off x="9144000" y="5866037"/>
+            <a:ext cx="7025487" cy="1919892"/>
           </a:xfrm>
           <a:prstGeom prst="rect">
             <a:avLst/>
           </a:prstGeom>
         </p:spPr>
-      </p:pic>
+        <p:txBody>
+          <a:bodyPr anchor="t" rtlCol="false" tIns="0" lIns="0" bIns="0" rIns="0">
+            <a:spAutoFit/>
+          </a:bodyPr>
+          <a:lstStyle/>
+          <a:p>
+            <a:pPr algn="l" marL="572245" indent="-286123" lvl="1">
+              <a:lnSpc>
+                <a:spcPts val="3710"/>
+              </a:lnSpc>
+              <a:buFont typeface="Arial"/>
+              <a:buChar char="•"/>
+            </a:pPr>
+            <a:r>
+              <a:rPr lang="en-US" sz="2650">
+                <a:solidFill>
+                  <a:srgbClr val="61654D"/>
+                </a:solidFill>
+                <a:latin typeface="Akzidenz-Grotesk"/>
+                <a:ea typeface="Akzidenz-Grotesk"/>
+                <a:cs typeface="Akzidenz-Grotesk"/>
+                <a:sym typeface="Akzidenz-Grotesk"/>
+              </a:rPr>
+              <a:t>Ja ciklam uzdoti tikai divi parametri, interpretators pirmo uzskata par cikla sākuma vērību, otro par beigu vērtību, bet soli automātiski pieņem par 1.</a:t>
+            </a:r>
+          </a:p>
+        </p:txBody>
+      </p:sp>
     </p:spTree>
   </p:cSld>
   <p:clrMapOvr>
@@ -10139,7 +15478,7 @@
 </file>
 
 <file path=ppt/slides/slide9.xml><?xml version="1.0" encoding="utf-8"?>
-<p:sld xmlns:p="http://schemas.openxmlformats.org/presentationml/2006/main" xmlns:a="http://schemas.openxmlformats.org/drawingml/2006/main">
+<p:sld xmlns:p="http://schemas.openxmlformats.org/presentationml/2006/main" xmlns:a="http://schemas.openxmlformats.org/drawingml/2006/main" xmlns:r="http://schemas.openxmlformats.org/officeDocument/2006/relationships">
   <p:cSld>
     <p:bg>
       <p:bgPr>
@@ -10776,14 +16115,198 @@
       </p:grpSp>
       <p:sp>
         <p:nvSpPr>
-          <p:cNvPr name="TextBox 20" id="20"/>
+          <p:cNvPr name="Freeform 20" id="20"/>
+          <p:cNvSpPr/>
+          <p:nvPr/>
+        </p:nvSpPr>
+        <p:spPr>
+          <a:xfrm flipH="false" flipV="false" rot="0">
+            <a:off x="3345595" y="2575868"/>
+            <a:ext cx="5051764" cy="1154689"/>
+          </a:xfrm>
+          <a:custGeom>
+            <a:avLst/>
+            <a:gdLst/>
+            <a:ahLst/>
+            <a:cxnLst/>
+            <a:rect r="r" b="b" t="t" l="l"/>
+            <a:pathLst>
+              <a:path h="1154689" w="5051764">
+                <a:moveTo>
+                  <a:pt x="0" y="0"/>
+                </a:moveTo>
+                <a:lnTo>
+                  <a:pt x="5051763" y="0"/>
+                </a:lnTo>
+                <a:lnTo>
+                  <a:pt x="5051763" y="1154689"/>
+                </a:lnTo>
+                <a:lnTo>
+                  <a:pt x="0" y="1154689"/>
+                </a:lnTo>
+                <a:lnTo>
+                  <a:pt x="0" y="0"/>
+                </a:lnTo>
+                <a:close/>
+              </a:path>
+            </a:pathLst>
+          </a:custGeom>
+          <a:blipFill>
+            <a:blip r:embed="rId2"/>
+            <a:stretch>
+              <a:fillRect l="0" t="0" r="0" b="0"/>
+            </a:stretch>
+          </a:blipFill>
+        </p:spPr>
+      </p:sp>
+      <p:sp>
+        <p:nvSpPr>
+          <p:cNvPr name="Freeform 21" id="21"/>
+          <p:cNvSpPr/>
+          <p:nvPr/>
+        </p:nvSpPr>
+        <p:spPr>
+          <a:xfrm flipH="false" flipV="false" rot="0">
+            <a:off x="3669290" y="3997257"/>
+            <a:ext cx="4086481" cy="768398"/>
+          </a:xfrm>
+          <a:custGeom>
+            <a:avLst/>
+            <a:gdLst/>
+            <a:ahLst/>
+            <a:cxnLst/>
+            <a:rect r="r" b="b" t="t" l="l"/>
+            <a:pathLst>
+              <a:path h="768398" w="4086481">
+                <a:moveTo>
+                  <a:pt x="0" y="0"/>
+                </a:moveTo>
+                <a:lnTo>
+                  <a:pt x="4086481" y="0"/>
+                </a:lnTo>
+                <a:lnTo>
+                  <a:pt x="4086481" y="768398"/>
+                </a:lnTo>
+                <a:lnTo>
+                  <a:pt x="0" y="768398"/>
+                </a:lnTo>
+                <a:lnTo>
+                  <a:pt x="0" y="0"/>
+                </a:lnTo>
+                <a:close/>
+              </a:path>
+            </a:pathLst>
+          </a:custGeom>
+          <a:blipFill>
+            <a:blip r:embed="rId3"/>
+            <a:stretch>
+              <a:fillRect l="0" t="0" r="0" b="0"/>
+            </a:stretch>
+          </a:blipFill>
+        </p:spPr>
+      </p:sp>
+      <p:sp>
+        <p:nvSpPr>
+          <p:cNvPr name="Freeform 22" id="22"/>
+          <p:cNvSpPr/>
+          <p:nvPr/>
+        </p:nvSpPr>
+        <p:spPr>
+          <a:xfrm flipH="false" flipV="false" rot="0">
+            <a:off x="3345595" y="6044298"/>
+            <a:ext cx="5320513" cy="1069733"/>
+          </a:xfrm>
+          <a:custGeom>
+            <a:avLst/>
+            <a:gdLst/>
+            <a:ahLst/>
+            <a:cxnLst/>
+            <a:rect r="r" b="b" t="t" l="l"/>
+            <a:pathLst>
+              <a:path h="1069733" w="5320513">
+                <a:moveTo>
+                  <a:pt x="0" y="0"/>
+                </a:moveTo>
+                <a:lnTo>
+                  <a:pt x="5320512" y="0"/>
+                </a:lnTo>
+                <a:lnTo>
+                  <a:pt x="5320512" y="1069733"/>
+                </a:lnTo>
+                <a:lnTo>
+                  <a:pt x="0" y="1069733"/>
+                </a:lnTo>
+                <a:lnTo>
+                  <a:pt x="0" y="0"/>
+                </a:lnTo>
+                <a:close/>
+              </a:path>
+            </a:pathLst>
+          </a:custGeom>
+          <a:blipFill>
+            <a:blip r:embed="rId4"/>
+            <a:stretch>
+              <a:fillRect l="0" t="0" r="0" b="0"/>
+            </a:stretch>
+          </a:blipFill>
+        </p:spPr>
+      </p:sp>
+      <p:sp>
+        <p:nvSpPr>
+          <p:cNvPr name="Freeform 23" id="23"/>
+          <p:cNvSpPr/>
+          <p:nvPr/>
+        </p:nvSpPr>
+        <p:spPr>
+          <a:xfrm flipH="false" flipV="false" rot="0">
+            <a:off x="3973313" y="7380731"/>
+            <a:ext cx="4065076" cy="683508"/>
+          </a:xfrm>
+          <a:custGeom>
+            <a:avLst/>
+            <a:gdLst/>
+            <a:ahLst/>
+            <a:cxnLst/>
+            <a:rect r="r" b="b" t="t" l="l"/>
+            <a:pathLst>
+              <a:path h="683508" w="4065076">
+                <a:moveTo>
+                  <a:pt x="0" y="0"/>
+                </a:moveTo>
+                <a:lnTo>
+                  <a:pt x="4065076" y="0"/>
+                </a:lnTo>
+                <a:lnTo>
+                  <a:pt x="4065076" y="683509"/>
+                </a:lnTo>
+                <a:lnTo>
+                  <a:pt x="0" y="683509"/>
+                </a:lnTo>
+                <a:lnTo>
+                  <a:pt x="0" y="0"/>
+                </a:lnTo>
+                <a:close/>
+              </a:path>
+            </a:pathLst>
+          </a:custGeom>
+          <a:blipFill>
+            <a:blip r:embed="rId5"/>
+            <a:stretch>
+              <a:fillRect l="0" t="0" r="0" b="0"/>
+            </a:stretch>
+          </a:blipFill>
+        </p:spPr>
+      </p:sp>
+      <p:sp>
+        <p:nvSpPr>
+          <p:cNvPr name="TextBox 24" id="24"/>
           <p:cNvSpPr txBox="true"/>
           <p:nvPr/>
         </p:nvSpPr>
         <p:spPr>
           <a:xfrm rot="0">
-            <a:off x="3873762" y="2775708"/>
-            <a:ext cx="10540477" cy="1013779"/>
+            <a:off x="2994311" y="1290995"/>
+            <a:ext cx="12690469" cy="1013779"/>
           </a:xfrm>
           <a:prstGeom prst="rect">
             <a:avLst/>
@@ -10810,21 +16333,21 @@
                 <a:cs typeface="Bold Ink"/>
                 <a:sym typeface="Bold Ink"/>
               </a:rPr>
-              <a:t>AVOTI</a:t>
+              <a:t>PIEMĒRI</a:t>
             </a:r>
           </a:p>
         </p:txBody>
       </p:sp>
       <p:sp>
         <p:nvSpPr>
-          <p:cNvPr name="TextBox 21" id="21"/>
+          <p:cNvPr name="TextBox 25" id="25"/>
           <p:cNvSpPr txBox="true"/>
           <p:nvPr/>
         </p:nvSpPr>
         <p:spPr>
           <a:xfrm rot="0">
-            <a:off x="3125802" y="4295198"/>
-            <a:ext cx="12036395" cy="3482794"/>
+            <a:off x="9144000" y="2374160"/>
+            <a:ext cx="7364857" cy="2784313"/>
           </a:xfrm>
           <a:prstGeom prst="rect">
             <a:avLst/>
@@ -10836,16 +16359,15 @@
           </a:bodyPr>
           <a:lstStyle/>
           <a:p>
-            <a:pPr algn="ctr">
+            <a:pPr algn="l" marL="669557" indent="-334778" lvl="1">
               <a:lnSpc>
-                <a:spcPts val="5434"/>
+                <a:spcPts val="4341"/>
               </a:lnSpc>
-              <a:spcBef>
-                <a:spcPct val="0"/>
-              </a:spcBef>
+              <a:buFont typeface="Arial"/>
+              <a:buChar char="•"/>
             </a:pPr>
             <a:r>
-              <a:rPr lang="en-US" sz="3882">
+              <a:rPr lang="en-US" sz="3101">
                 <a:solidFill>
                   <a:srgbClr val="61654D"/>
                 </a:solidFill>
@@ -10854,7 +16376,50 @@
                 <a:cs typeface="Akzidenz-Grotesk"/>
                 <a:sym typeface="Akzidenz-Grotesk"/>
               </a:rPr>
-              <a:t>Lorem ipsum dolor sit amet, consectetur adipiscing elit. Suspendisse quis enim pretium, bibendum ante ullamcorper, tincidunt augue. Nunc sed lorem aliquam, malesuada lectus eu, placerat lorem. Proin at aliquet sapien, vitae elementum mi.</a:t>
+              <a:t>Ja ciklam uzdots tikai viens parametrs, tas tiek uzskatīts par cikla beigu vērtību jeb reižu skaitu, cik reizes jāizpildās ciklam, par cikla sākuma vērtību tiek pieņemta 0, bet par soli 1.</a:t>
+            </a:r>
+          </a:p>
+        </p:txBody>
+      </p:sp>
+      <p:sp>
+        <p:nvSpPr>
+          <p:cNvPr name="TextBox 26" id="26"/>
+          <p:cNvSpPr txBox="true"/>
+          <p:nvPr/>
+        </p:nvSpPr>
+        <p:spPr>
+          <a:xfrm rot="0">
+            <a:off x="9458989" y="6329343"/>
+            <a:ext cx="7364857" cy="1140757"/>
+          </a:xfrm>
+          <a:prstGeom prst="rect">
+            <a:avLst/>
+          </a:prstGeom>
+        </p:spPr>
+        <p:txBody>
+          <a:bodyPr anchor="t" rtlCol="false" tIns="0" lIns="0" bIns="0" rIns="0">
+            <a:spAutoFit/>
+          </a:bodyPr>
+          <a:lstStyle/>
+          <a:p>
+            <a:pPr algn="l" marL="669557" indent="-334778" lvl="1">
+              <a:lnSpc>
+                <a:spcPts val="4341"/>
+              </a:lnSpc>
+              <a:buFont typeface="Arial"/>
+              <a:buChar char="•"/>
+            </a:pPr>
+            <a:r>
+              <a:rPr lang="en-US" sz="3101">
+                <a:solidFill>
+                  <a:srgbClr val="61654D"/>
+                </a:solidFill>
+                <a:latin typeface="Akzidenz-Grotesk"/>
+                <a:ea typeface="Akzidenz-Grotesk"/>
+                <a:cs typeface="Akzidenz-Grotesk"/>
+                <a:sym typeface="Akzidenz-Grotesk"/>
+              </a:rPr>
+              <a:t>Cikls strādā no 8 līdz 1 (neieskaitot) ar soli -1.</a:t>
             </a:r>
           </a:p>
         </p:txBody>

--- a/Cikls ar skaitītāju programmēšanas valodā Python.pptx
+++ b/Cikls ar skaitītāju programmēšanas valodā Python.pptx
@@ -4457,7 +4457,7 @@
         </p:nvSpPr>
         <p:spPr>
           <a:xfrm flipH="false" flipV="false" rot="0">
-            <a:off x="3231626" y="2632737"/>
+            <a:off x="3231626" y="2656010"/>
             <a:ext cx="5319178" cy="1036558"/>
           </a:xfrm>
           <a:custGeom>
@@ -4475,10 +4475,10 @@
                   <a:pt x="5319178" y="0"/>
                 </a:lnTo>
                 <a:lnTo>
-                  <a:pt x="5319178" y="1036557"/>
+                  <a:pt x="5319178" y="1036558"/>
                 </a:lnTo>
                 <a:lnTo>
-                  <a:pt x="0" y="1036557"/>
+                  <a:pt x="0" y="1036558"/>
                 </a:lnTo>
                 <a:lnTo>
                   <a:pt x="0" y="0"/>
@@ -4503,7 +4503,7 @@
         </p:nvSpPr>
         <p:spPr>
           <a:xfrm flipH="false" flipV="false" rot="0">
-            <a:off x="4008657" y="3993144"/>
+            <a:off x="4008657" y="4016418"/>
             <a:ext cx="3765116" cy="646535"/>
           </a:xfrm>
           <a:custGeom>
@@ -5495,7 +5495,7 @@
 </file>
 
 <file path=ppt/slides/slide12.xml><?xml version="1.0" encoding="utf-8"?>
-<p:sld xmlns:p="http://schemas.openxmlformats.org/presentationml/2006/main" xmlns:a="http://schemas.openxmlformats.org/drawingml/2006/main">
+<p:sld xmlns:p="http://schemas.openxmlformats.org/presentationml/2006/main" xmlns:a="http://schemas.openxmlformats.org/drawingml/2006/main" xmlns:r="http://schemas.openxmlformats.org/officeDocument/2006/relationships">
   <p:cSld>
     <p:bg>
       <p:bgPr>
@@ -6132,13 +6132,59 @@
       </p:grpSp>
       <p:sp>
         <p:nvSpPr>
-          <p:cNvPr name="TextBox 20" id="20"/>
+          <p:cNvPr name="Freeform 20" id="20"/>
+          <p:cNvSpPr/>
+          <p:nvPr/>
+        </p:nvSpPr>
+        <p:spPr>
+          <a:xfrm flipH="false" flipV="false" rot="0">
+            <a:off x="3989813" y="3229596"/>
+            <a:ext cx="10308374" cy="4214364"/>
+          </a:xfrm>
+          <a:custGeom>
+            <a:avLst/>
+            <a:gdLst/>
+            <a:ahLst/>
+            <a:cxnLst/>
+            <a:rect r="r" b="b" t="t" l="l"/>
+            <a:pathLst>
+              <a:path h="4214364" w="10308374">
+                <a:moveTo>
+                  <a:pt x="0" y="0"/>
+                </a:moveTo>
+                <a:lnTo>
+                  <a:pt x="10308374" y="0"/>
+                </a:lnTo>
+                <a:lnTo>
+                  <a:pt x="10308374" y="4214364"/>
+                </a:lnTo>
+                <a:lnTo>
+                  <a:pt x="0" y="4214364"/>
+                </a:lnTo>
+                <a:lnTo>
+                  <a:pt x="0" y="0"/>
+                </a:lnTo>
+                <a:close/>
+              </a:path>
+            </a:pathLst>
+          </a:custGeom>
+          <a:blipFill>
+            <a:blip r:embed="rId2"/>
+            <a:stretch>
+              <a:fillRect l="0" t="0" r="0" b="0"/>
+            </a:stretch>
+          </a:blipFill>
+        </p:spPr>
+      </p:sp>
+      <p:sp>
+        <p:nvSpPr>
+          <p:cNvPr name="TextBox 21" id="21"/>
           <p:cNvSpPr txBox="true"/>
           <p:nvPr/>
         </p:nvSpPr>
         <p:spPr>
           <a:xfrm rot="0">
-            <a:off x="3873762" y="2036606"/>
+            <a:off x="3873762" y="1686299"/>
             <a:ext cx="10540477" cy="1013779"/>
           </a:xfrm>
           <a:prstGeom prst="rect">
@@ -6906,7 +6952,7 @@
 </file>
 
 <file path=ppt/slides/slide14.xml><?xml version="1.0" encoding="utf-8"?>
-<p:sld xmlns:p="http://schemas.openxmlformats.org/presentationml/2006/main" xmlns:a="http://schemas.openxmlformats.org/drawingml/2006/main">
+<p:sld xmlns:p="http://schemas.openxmlformats.org/presentationml/2006/main" xmlns:a="http://schemas.openxmlformats.org/drawingml/2006/main" xmlns:r="http://schemas.openxmlformats.org/officeDocument/2006/relationships">
   <p:cSld>
     <p:bg>
       <p:bgPr>
@@ -7543,7 +7589,53 @@
       </p:grpSp>
       <p:sp>
         <p:nvSpPr>
-          <p:cNvPr name="TextBox 20" id="20"/>
+          <p:cNvPr name="Freeform 20" id="20"/>
+          <p:cNvSpPr/>
+          <p:nvPr/>
+        </p:nvSpPr>
+        <p:spPr>
+          <a:xfrm flipH="false" flipV="false" rot="0">
+            <a:off x="3732718" y="3143220"/>
+            <a:ext cx="10822563" cy="5732499"/>
+          </a:xfrm>
+          <a:custGeom>
+            <a:avLst/>
+            <a:gdLst/>
+            <a:ahLst/>
+            <a:cxnLst/>
+            <a:rect r="r" b="b" t="t" l="l"/>
+            <a:pathLst>
+              <a:path h="5732499" w="10822563">
+                <a:moveTo>
+                  <a:pt x="0" y="0"/>
+                </a:moveTo>
+                <a:lnTo>
+                  <a:pt x="10822564" y="0"/>
+                </a:lnTo>
+                <a:lnTo>
+                  <a:pt x="10822564" y="5732499"/>
+                </a:lnTo>
+                <a:lnTo>
+                  <a:pt x="0" y="5732499"/>
+                </a:lnTo>
+                <a:lnTo>
+                  <a:pt x="0" y="0"/>
+                </a:lnTo>
+                <a:close/>
+              </a:path>
+            </a:pathLst>
+          </a:custGeom>
+          <a:blipFill>
+            <a:blip r:embed="rId2"/>
+            <a:stretch>
+              <a:fillRect l="0" t="0" r="0" b="0"/>
+            </a:stretch>
+          </a:blipFill>
+        </p:spPr>
+      </p:sp>
+      <p:sp>
+        <p:nvSpPr>
+          <p:cNvPr name="TextBox 21" id="21"/>
           <p:cNvSpPr txBox="true"/>
           <p:nvPr/>
         </p:nvSpPr>
@@ -8317,7 +8409,7 @@
 </file>
 
 <file path=ppt/slides/slide16.xml><?xml version="1.0" encoding="utf-8"?>
-<p:sld xmlns:p="http://schemas.openxmlformats.org/presentationml/2006/main" xmlns:a="http://schemas.openxmlformats.org/drawingml/2006/main">
+<p:sld xmlns:p="http://schemas.openxmlformats.org/presentationml/2006/main" xmlns:a="http://schemas.openxmlformats.org/drawingml/2006/main" xmlns:r="http://schemas.openxmlformats.org/officeDocument/2006/relationships">
   <p:cSld>
     <p:bg>
       <p:bgPr>
@@ -8954,13 +9046,59 @@
       </p:grpSp>
       <p:sp>
         <p:nvSpPr>
-          <p:cNvPr name="TextBox 20" id="20"/>
+          <p:cNvPr name="Freeform 20" id="20"/>
+          <p:cNvSpPr/>
+          <p:nvPr/>
+        </p:nvSpPr>
+        <p:spPr>
+          <a:xfrm flipH="false" flipV="false" rot="0">
+            <a:off x="3924564" y="2701323"/>
+            <a:ext cx="10438872" cy="5728190"/>
+          </a:xfrm>
+          <a:custGeom>
+            <a:avLst/>
+            <a:gdLst/>
+            <a:ahLst/>
+            <a:cxnLst/>
+            <a:rect r="r" b="b" t="t" l="l"/>
+            <a:pathLst>
+              <a:path h="5728190" w="10438872">
+                <a:moveTo>
+                  <a:pt x="0" y="0"/>
+                </a:moveTo>
+                <a:lnTo>
+                  <a:pt x="10438872" y="0"/>
+                </a:lnTo>
+                <a:lnTo>
+                  <a:pt x="10438872" y="5728190"/>
+                </a:lnTo>
+                <a:lnTo>
+                  <a:pt x="0" y="5728190"/>
+                </a:lnTo>
+                <a:lnTo>
+                  <a:pt x="0" y="0"/>
+                </a:lnTo>
+                <a:close/>
+              </a:path>
+            </a:pathLst>
+          </a:custGeom>
+          <a:blipFill>
+            <a:blip r:embed="rId2"/>
+            <a:stretch>
+              <a:fillRect l="0" t="0" r="0" b="0"/>
+            </a:stretch>
+          </a:blipFill>
+        </p:spPr>
+      </p:sp>
+      <p:sp>
+        <p:nvSpPr>
+          <p:cNvPr name="TextBox 21" id="21"/>
           <p:cNvSpPr txBox="true"/>
           <p:nvPr/>
         </p:nvSpPr>
         <p:spPr>
           <a:xfrm rot="0">
-            <a:off x="3800441" y="2718040"/>
+            <a:off x="3873762" y="1150337"/>
             <a:ext cx="10540477" cy="1013779"/>
           </a:xfrm>
           <a:prstGeom prst="rect">
@@ -13559,8 +13697,8 @@
         </p:nvSpPr>
         <p:spPr>
           <a:xfrm rot="0">
-            <a:off x="2522551" y="1295400"/>
-            <a:ext cx="13242898" cy="1918654"/>
+            <a:off x="3170329" y="1441320"/>
+            <a:ext cx="11947342" cy="1723910"/>
           </a:xfrm>
           <a:prstGeom prst="rect">
             <a:avLst/>
@@ -13574,11 +13712,11 @@
           <a:p>
             <a:pPr algn="ctr">
               <a:lnSpc>
-                <a:spcPts val="7182"/>
+                <a:spcPts val="6479"/>
               </a:lnSpc>
             </a:pPr>
             <a:r>
-              <a:rPr lang="en-US" sz="8450">
+              <a:rPr lang="en-US" sz="7623">
                 <a:solidFill>
                   <a:srgbClr val="545454"/>
                 </a:solidFill>
@@ -13600,7 +13738,7 @@
         </p:nvSpPr>
         <p:spPr>
           <a:xfrm rot="0">
-            <a:off x="3303084" y="3640923"/>
+            <a:off x="3303084" y="3636519"/>
             <a:ext cx="11681832" cy="5392620"/>
           </a:xfrm>
           <a:prstGeom prst="rect">

--- a/Cikls ar skaitītāju programmēšanas valodā Python.pptx
+++ b/Cikls ar skaitītāju programmēšanas valodā Python.pptx
@@ -22,21 +22,25 @@
     <p:sldId id="270" r:id="rId20"/>
     <p:sldId id="271" r:id="rId21"/>
     <p:sldId id="272" r:id="rId22"/>
+    <p:sldId id="273" r:id="rId23"/>
+    <p:sldId id="274" r:id="rId24"/>
+    <p:sldId id="275" r:id="rId25"/>
+    <p:sldId id="276" r:id="rId26"/>
   </p:sldIdLst>
   <p:sldSz cx="18288000" cy="10287000"/>
   <p:notesSz cx="6858000" cy="9144000"/>
   <p:embeddedFontLst>
     <p:embeddedFont>
       <p:font typeface="Bold Ink" charset="1" panose="00000500000000000000"/>
-      <p:regular r:id="rId23"/>
+      <p:regular r:id="rId27"/>
     </p:embeddedFont>
     <p:embeddedFont>
       <p:font typeface="Akzidenz-Grotesk" charset="1" panose="02000503030000020003"/>
-      <p:regular r:id="rId24"/>
+      <p:regular r:id="rId28"/>
     </p:embeddedFont>
     <p:embeddedFont>
       <p:font typeface="Open Sans" charset="1" panose="020B0606030504020204"/>
-      <p:regular r:id="rId25"/>
+      <p:regular r:id="rId29"/>
     </p:embeddedFont>
   </p:embeddedFontLst>
   <p:defaultTextStyle>
@@ -4769,7 +4773,7 @@
 </file>
 
 <file path=ppt/slides/slide11.xml><?xml version="1.0" encoding="utf-8"?>
-<p:sld xmlns:p="http://schemas.openxmlformats.org/presentationml/2006/main" xmlns:a="http://schemas.openxmlformats.org/drawingml/2006/main">
+<p:sld xmlns:p="http://schemas.openxmlformats.org/presentationml/2006/main" xmlns:a="http://schemas.openxmlformats.org/drawingml/2006/main" xmlns:r="http://schemas.openxmlformats.org/officeDocument/2006/relationships">
   <p:cSld>
     <p:bg>
       <p:bgPr>
@@ -4998,8 +5002,8 @@
         </p:nvGrpSpPr>
         <p:grpSpPr>
           <a:xfrm rot="-2562626">
-            <a:off x="15760647" y="-1537845"/>
-            <a:ext cx="8664509" cy="4332254"/>
+            <a:off x="16327816" y="-2285619"/>
+            <a:ext cx="4282768" cy="2141384"/>
             <a:chOff x="0" y="0"/>
             <a:chExt cx="812800" cy="406400"/>
           </a:xfrm>
@@ -5054,7 +5058,7 @@
               </a:pathLst>
             </a:custGeom>
             <a:solidFill>
-              <a:srgbClr val="545454"/>
+              <a:srgbClr val="737373"/>
             </a:solidFill>
           </p:spPr>
         </p:sp>
@@ -5097,105 +5101,6 @@
         </p:nvGrpSpPr>
         <p:grpSpPr>
           <a:xfrm rot="-2562626">
-            <a:off x="16327816" y="-2285619"/>
-            <a:ext cx="4282768" cy="2141384"/>
-            <a:chOff x="0" y="0"/>
-            <a:chExt cx="812800" cy="406400"/>
-          </a:xfrm>
-        </p:grpSpPr>
-        <p:sp>
-          <p:nvSpPr>
-            <p:cNvPr name="Freeform 12" id="12"/>
-            <p:cNvSpPr/>
-            <p:nvPr/>
-          </p:nvSpPr>
-          <p:spPr>
-            <a:xfrm flipH="false" flipV="false" rot="0">
-              <a:off x="0" y="0"/>
-              <a:ext cx="812800" cy="406400"/>
-            </a:xfrm>
-            <a:custGeom>
-              <a:avLst/>
-              <a:gdLst/>
-              <a:ahLst/>
-              <a:cxnLst/>
-              <a:rect r="r" b="b" t="t" l="l"/>
-              <a:pathLst>
-                <a:path h="406400" w="812800">
-                  <a:moveTo>
-                    <a:pt x="609600" y="0"/>
-                  </a:moveTo>
-                  <a:cubicBezTo>
-                    <a:pt x="721824" y="0"/>
-                    <a:pt x="812800" y="90976"/>
-                    <a:pt x="812800" y="203200"/>
-                  </a:cubicBezTo>
-                  <a:cubicBezTo>
-                    <a:pt x="812800" y="315424"/>
-                    <a:pt x="721824" y="406400"/>
-                    <a:pt x="609600" y="406400"/>
-                  </a:cubicBezTo>
-                  <a:lnTo>
-                    <a:pt x="203200" y="406400"/>
-                  </a:lnTo>
-                  <a:cubicBezTo>
-                    <a:pt x="90976" y="406400"/>
-                    <a:pt x="0" y="315424"/>
-                    <a:pt x="0" y="203200"/>
-                  </a:cubicBezTo>
-                  <a:cubicBezTo>
-                    <a:pt x="0" y="90976"/>
-                    <a:pt x="90976" y="0"/>
-                    <a:pt x="203200" y="0"/>
-                  </a:cubicBezTo>
-                  <a:close/>
-                </a:path>
-              </a:pathLst>
-            </a:custGeom>
-            <a:solidFill>
-              <a:srgbClr val="737373"/>
-            </a:solidFill>
-          </p:spPr>
-        </p:sp>
-        <p:sp>
-          <p:nvSpPr>
-            <p:cNvPr name="TextBox 13" id="13"/>
-            <p:cNvSpPr txBox="true"/>
-            <p:nvPr/>
-          </p:nvSpPr>
-          <p:spPr>
-            <a:xfrm>
-              <a:off x="0" y="-38100"/>
-              <a:ext cx="812800" cy="444500"/>
-            </a:xfrm>
-            <a:prstGeom prst="rect">
-              <a:avLst/>
-            </a:prstGeom>
-          </p:spPr>
-          <p:txBody>
-            <a:bodyPr anchor="ctr" rtlCol="false" tIns="50800" lIns="50800" bIns="50800" rIns="50800"/>
-            <a:lstStyle/>
-            <a:p>
-              <a:pPr algn="ctr">
-                <a:lnSpc>
-                  <a:spcPts val="2659"/>
-                </a:lnSpc>
-                <a:spcBef>
-                  <a:spcPct val="0"/>
-                </a:spcBef>
-              </a:pPr>
-            </a:p>
-          </p:txBody>
-        </p:sp>
-      </p:grpSp>
-      <p:grpSp>
-        <p:nvGrpSpPr>
-          <p:cNvPr name="Group 14" id="14"/>
-          <p:cNvGrpSpPr/>
-          <p:nvPr/>
-        </p:nvGrpSpPr>
-        <p:grpSpPr>
-          <a:xfrm rot="-2562626">
             <a:off x="13101516" y="9777072"/>
             <a:ext cx="3710089" cy="1855044"/>
             <a:chOff x="0" y="0"/>
@@ -5204,7 +5109,7 @@
         </p:grpSpPr>
         <p:sp>
           <p:nvSpPr>
-            <p:cNvPr name="Freeform 15" id="15"/>
+            <p:cNvPr name="Freeform 12" id="12"/>
             <p:cNvSpPr/>
             <p:nvPr/>
           </p:nvSpPr>
@@ -5267,7 +5172,7 @@
         </p:sp>
         <p:sp>
           <p:nvSpPr>
-            <p:cNvPr name="TextBox 16" id="16"/>
+            <p:cNvPr name="TextBox 13" id="13"/>
             <p:cNvSpPr txBox="true"/>
             <p:nvPr/>
           </p:nvSpPr>
@@ -5298,7 +5203,7 @@
       </p:grpSp>
       <p:grpSp>
         <p:nvGrpSpPr>
-          <p:cNvPr name="Group 17" id="17"/>
+          <p:cNvPr name="Group 14" id="14"/>
           <p:cNvGrpSpPr/>
           <p:nvPr/>
         </p:nvGrpSpPr>
@@ -5312,7 +5217,7 @@
         </p:grpSpPr>
         <p:sp>
           <p:nvSpPr>
-            <p:cNvPr name="Freeform 18" id="18"/>
+            <p:cNvPr name="Freeform 15" id="15"/>
             <p:cNvSpPr/>
             <p:nvPr/>
           </p:nvSpPr>
@@ -5375,7 +5280,7 @@
         </p:sp>
         <p:sp>
           <p:nvSpPr>
-            <p:cNvPr name="TextBox 19" id="19"/>
+            <p:cNvPr name="TextBox 16" id="16"/>
             <p:cNvSpPr txBox="true"/>
             <p:nvPr/>
           </p:nvSpPr>
@@ -5406,14 +5311,106 @@
       </p:grpSp>
       <p:sp>
         <p:nvSpPr>
-          <p:cNvPr name="TextBox 20" id="20"/>
+          <p:cNvPr name="Freeform 17" id="17"/>
+          <p:cNvSpPr/>
+          <p:nvPr/>
+        </p:nvSpPr>
+        <p:spPr>
+          <a:xfrm flipH="false" flipV="false" rot="0">
+            <a:off x="6769536" y="2469232"/>
+            <a:ext cx="4748929" cy="2480332"/>
+          </a:xfrm>
+          <a:custGeom>
+            <a:avLst/>
+            <a:gdLst/>
+            <a:ahLst/>
+            <a:cxnLst/>
+            <a:rect r="r" b="b" t="t" l="l"/>
+            <a:pathLst>
+              <a:path h="2480332" w="4748929">
+                <a:moveTo>
+                  <a:pt x="0" y="0"/>
+                </a:moveTo>
+                <a:lnTo>
+                  <a:pt x="4748928" y="0"/>
+                </a:lnTo>
+                <a:lnTo>
+                  <a:pt x="4748928" y="2480332"/>
+                </a:lnTo>
+                <a:lnTo>
+                  <a:pt x="0" y="2480332"/>
+                </a:lnTo>
+                <a:lnTo>
+                  <a:pt x="0" y="0"/>
+                </a:lnTo>
+                <a:close/>
+              </a:path>
+            </a:pathLst>
+          </a:custGeom>
+          <a:blipFill>
+            <a:blip r:embed="rId2"/>
+            <a:stretch>
+              <a:fillRect l="0" t="0" r="0" b="0"/>
+            </a:stretch>
+          </a:blipFill>
+        </p:spPr>
+      </p:sp>
+      <p:sp>
+        <p:nvSpPr>
+          <p:cNvPr name="Freeform 18" id="18"/>
+          <p:cNvSpPr/>
+          <p:nvPr/>
+        </p:nvSpPr>
+        <p:spPr>
+          <a:xfrm flipH="false" flipV="false" rot="0">
+            <a:off x="7108941" y="6244329"/>
+            <a:ext cx="364055" cy="2296349"/>
+          </a:xfrm>
+          <a:custGeom>
+            <a:avLst/>
+            <a:gdLst/>
+            <a:ahLst/>
+            <a:cxnLst/>
+            <a:rect r="r" b="b" t="t" l="l"/>
+            <a:pathLst>
+              <a:path h="2296349" w="364055">
+                <a:moveTo>
+                  <a:pt x="0" y="0"/>
+                </a:moveTo>
+                <a:lnTo>
+                  <a:pt x="364056" y="0"/>
+                </a:lnTo>
+                <a:lnTo>
+                  <a:pt x="364056" y="2296349"/>
+                </a:lnTo>
+                <a:lnTo>
+                  <a:pt x="0" y="2296349"/>
+                </a:lnTo>
+                <a:lnTo>
+                  <a:pt x="0" y="0"/>
+                </a:lnTo>
+                <a:close/>
+              </a:path>
+            </a:pathLst>
+          </a:custGeom>
+          <a:blipFill>
+            <a:blip r:embed="rId3"/>
+            <a:stretch>
+              <a:fillRect l="0" t="0" r="0" b="0"/>
+            </a:stretch>
+          </a:blipFill>
+        </p:spPr>
+      </p:sp>
+      <p:sp>
+        <p:nvSpPr>
+          <p:cNvPr name="TextBox 19" id="19"/>
           <p:cNvSpPr txBox="true"/>
           <p:nvPr/>
         </p:nvSpPr>
         <p:spPr>
           <a:xfrm rot="0">
-            <a:off x="7554131" y="1317020"/>
-            <a:ext cx="3179739" cy="1013779"/>
+            <a:off x="2798765" y="759807"/>
+            <a:ext cx="12690469" cy="1013779"/>
           </a:xfrm>
           <a:prstGeom prst="rect">
             <a:avLst/>
@@ -5440,7 +5437,50 @@
                 <a:cs typeface="Bold Ink"/>
                 <a:sym typeface="Bold Ink"/>
               </a:rPr>
-              <a:t>UZD 1</a:t>
+              <a:t>CIKLS FOR AR BREAK</a:t>
+            </a:r>
+          </a:p>
+        </p:txBody>
+      </p:sp>
+      <p:sp>
+        <p:nvSpPr>
+          <p:cNvPr name="TextBox 20" id="20"/>
+          <p:cNvSpPr txBox="true"/>
+          <p:nvPr/>
+        </p:nvSpPr>
+        <p:spPr>
+          <a:xfrm rot="0">
+            <a:off x="5461571" y="1640236"/>
+            <a:ext cx="7364857" cy="647065"/>
+          </a:xfrm>
+          <a:prstGeom prst="rect">
+            <a:avLst/>
+          </a:prstGeom>
+        </p:spPr>
+        <p:txBody>
+          <a:bodyPr anchor="t" rtlCol="false" tIns="0" lIns="0" bIns="0" rIns="0">
+            <a:spAutoFit/>
+          </a:bodyPr>
+          <a:lstStyle/>
+          <a:p>
+            <a:pPr algn="ctr" marL="734059" indent="-367030" lvl="1">
+              <a:lnSpc>
+                <a:spcPts val="4759"/>
+              </a:lnSpc>
+              <a:buFont typeface="Arial"/>
+              <a:buChar char="•"/>
+            </a:pPr>
+            <a:r>
+              <a:rPr lang="en-US" sz="3399">
+                <a:solidFill>
+                  <a:srgbClr val="61654D"/>
+                </a:solidFill>
+                <a:latin typeface="Akzidenz-Grotesk"/>
+                <a:ea typeface="Akzidenz-Grotesk"/>
+                <a:cs typeface="Akzidenz-Grotesk"/>
+                <a:sym typeface="Akzidenz-Grotesk"/>
+              </a:rPr>
+              <a:t>break: priekšlaicīga iziešana no cikla</a:t>
             </a:r>
           </a:p>
         </p:txBody>
@@ -5453,8 +5493,8 @@
         </p:nvSpPr>
         <p:spPr>
           <a:xfrm rot="0">
-            <a:off x="3473325" y="3067180"/>
-            <a:ext cx="12263840" cy="2796994"/>
+            <a:off x="4334318" y="4997189"/>
+            <a:ext cx="9619363" cy="1247140"/>
           </a:xfrm>
           <a:prstGeom prst="rect">
             <a:avLst/>
@@ -5466,13 +5506,15 @@
           </a:bodyPr>
           <a:lstStyle/>
           <a:p>
-            <a:pPr algn="ctr">
+            <a:pPr algn="ctr" marL="734059" indent="-367030" lvl="1">
               <a:lnSpc>
-                <a:spcPts val="5434"/>
+                <a:spcPts val="4759"/>
               </a:lnSpc>
+              <a:buFont typeface="Arial"/>
+              <a:buChar char="•"/>
             </a:pPr>
             <a:r>
-              <a:rPr lang="en-US" sz="3882">
+              <a:rPr lang="en-US" sz="3399">
                 <a:solidFill>
                   <a:srgbClr val="61654D"/>
                 </a:solidFill>
@@ -5481,7 +5523,93 @@
                 <a:cs typeface="Akzidenz-Grotesk"/>
                 <a:sym typeface="Akzidenz-Grotesk"/>
               </a:rPr>
-              <a:t>Uzrakstiet programmu, kas izmanto for ciklu, lai izvadītu lietotāja norādīta skaitļa no 1 līdz 10 (ieskaitot) reizināšanas tabulu. Piemērs: ja tiek ievadīts 3, izvadei jābūt šādai: 3 x 1 = 3, 3 x 2 = 6, ..., 3 x 10 = 30.</a:t>
+              <a:t>Ciklam nonākot līdz break, tas uzreiz pārtrauc izpildi, un nākamās iterācijas vairs nenotiek.</a:t>
+            </a:r>
+          </a:p>
+        </p:txBody>
+      </p:sp>
+      <p:sp>
+        <p:nvSpPr>
+          <p:cNvPr name="TextBox 22" id="22"/>
+          <p:cNvSpPr txBox="true"/>
+          <p:nvPr/>
+        </p:nvSpPr>
+        <p:spPr>
+          <a:xfrm rot="0">
+            <a:off x="4334318" y="6291954"/>
+            <a:ext cx="2628638" cy="647065"/>
+          </a:xfrm>
+          <a:prstGeom prst="rect">
+            <a:avLst/>
+          </a:prstGeom>
+        </p:spPr>
+        <p:txBody>
+          <a:bodyPr anchor="t" rtlCol="false" tIns="0" lIns="0" bIns="0" rIns="0">
+            <a:spAutoFit/>
+          </a:bodyPr>
+          <a:lstStyle/>
+          <a:p>
+            <a:pPr algn="l" marL="734059" indent="-367030" lvl="1">
+              <a:lnSpc>
+                <a:spcPts val="4759"/>
+              </a:lnSpc>
+              <a:buFont typeface="Arial"/>
+              <a:buChar char="•"/>
+            </a:pPr>
+            <a:r>
+              <a:rPr lang="en-US" sz="3399">
+                <a:solidFill>
+                  <a:srgbClr val="61654D"/>
+                </a:solidFill>
+                <a:latin typeface="Akzidenz-Grotesk"/>
+                <a:ea typeface="Akzidenz-Grotesk"/>
+                <a:cs typeface="Akzidenz-Grotesk"/>
+                <a:sym typeface="Akzidenz-Grotesk"/>
+              </a:rPr>
+              <a:t>Rezultāts:</a:t>
+            </a:r>
+          </a:p>
+        </p:txBody>
+      </p:sp>
+      <p:sp>
+        <p:nvSpPr>
+          <p:cNvPr name="TextBox 23" id="23"/>
+          <p:cNvSpPr txBox="true"/>
+          <p:nvPr/>
+        </p:nvSpPr>
+        <p:spPr>
+          <a:xfrm rot="0">
+            <a:off x="4334318" y="8439785"/>
+            <a:ext cx="10443636" cy="1847215"/>
+          </a:xfrm>
+          <a:prstGeom prst="rect">
+            <a:avLst/>
+          </a:prstGeom>
+        </p:spPr>
+        <p:txBody>
+          <a:bodyPr anchor="t" rtlCol="false" tIns="0" lIns="0" bIns="0" rIns="0">
+            <a:spAutoFit/>
+          </a:bodyPr>
+          <a:lstStyle/>
+          <a:p>
+            <a:pPr algn="ctr" marL="734059" indent="-367030" lvl="1">
+              <a:lnSpc>
+                <a:spcPts val="4759"/>
+              </a:lnSpc>
+              <a:buFont typeface="Arial"/>
+              <a:buChar char="•"/>
+            </a:pPr>
+            <a:r>
+              <a:rPr lang="en-US" sz="3399">
+                <a:solidFill>
+                  <a:srgbClr val="61654D"/>
+                </a:solidFill>
+                <a:latin typeface="Akzidenz-Grotesk"/>
+                <a:ea typeface="Akzidenz-Grotesk"/>
+                <a:cs typeface="Akzidenz-Grotesk"/>
+                <a:sym typeface="Akzidenz-Grotesk"/>
+              </a:rPr>
+              <a:t>Tiklīdz i kļūst vienāds ar 5, cikls pabeidz darbu, un skaitļi 5-9 netiek izvadīti.amās iterācijas vairs nenotiek.</a:t>
             </a:r>
           </a:p>
         </p:txBody>
@@ -5724,8 +5852,8 @@
         </p:nvGrpSpPr>
         <p:grpSpPr>
           <a:xfrm rot="-2562626">
-            <a:off x="15760647" y="-1537845"/>
-            <a:ext cx="8664509" cy="4332254"/>
+            <a:off x="16327816" y="-2285619"/>
+            <a:ext cx="4282768" cy="2141384"/>
             <a:chOff x="0" y="0"/>
             <a:chExt cx="812800" cy="406400"/>
           </a:xfrm>
@@ -5780,7 +5908,7 @@
               </a:pathLst>
             </a:custGeom>
             <a:solidFill>
-              <a:srgbClr val="545454"/>
+              <a:srgbClr val="737373"/>
             </a:solidFill>
           </p:spPr>
         </p:sp>
@@ -5823,105 +5951,6 @@
         </p:nvGrpSpPr>
         <p:grpSpPr>
           <a:xfrm rot="-2562626">
-            <a:off x="16327816" y="-2285619"/>
-            <a:ext cx="4282768" cy="2141384"/>
-            <a:chOff x="0" y="0"/>
-            <a:chExt cx="812800" cy="406400"/>
-          </a:xfrm>
-        </p:grpSpPr>
-        <p:sp>
-          <p:nvSpPr>
-            <p:cNvPr name="Freeform 12" id="12"/>
-            <p:cNvSpPr/>
-            <p:nvPr/>
-          </p:nvSpPr>
-          <p:spPr>
-            <a:xfrm flipH="false" flipV="false" rot="0">
-              <a:off x="0" y="0"/>
-              <a:ext cx="812800" cy="406400"/>
-            </a:xfrm>
-            <a:custGeom>
-              <a:avLst/>
-              <a:gdLst/>
-              <a:ahLst/>
-              <a:cxnLst/>
-              <a:rect r="r" b="b" t="t" l="l"/>
-              <a:pathLst>
-                <a:path h="406400" w="812800">
-                  <a:moveTo>
-                    <a:pt x="609600" y="0"/>
-                  </a:moveTo>
-                  <a:cubicBezTo>
-                    <a:pt x="721824" y="0"/>
-                    <a:pt x="812800" y="90976"/>
-                    <a:pt x="812800" y="203200"/>
-                  </a:cubicBezTo>
-                  <a:cubicBezTo>
-                    <a:pt x="812800" y="315424"/>
-                    <a:pt x="721824" y="406400"/>
-                    <a:pt x="609600" y="406400"/>
-                  </a:cubicBezTo>
-                  <a:lnTo>
-                    <a:pt x="203200" y="406400"/>
-                  </a:lnTo>
-                  <a:cubicBezTo>
-                    <a:pt x="90976" y="406400"/>
-                    <a:pt x="0" y="315424"/>
-                    <a:pt x="0" y="203200"/>
-                  </a:cubicBezTo>
-                  <a:cubicBezTo>
-                    <a:pt x="0" y="90976"/>
-                    <a:pt x="90976" y="0"/>
-                    <a:pt x="203200" y="0"/>
-                  </a:cubicBezTo>
-                  <a:close/>
-                </a:path>
-              </a:pathLst>
-            </a:custGeom>
-            <a:solidFill>
-              <a:srgbClr val="737373"/>
-            </a:solidFill>
-          </p:spPr>
-        </p:sp>
-        <p:sp>
-          <p:nvSpPr>
-            <p:cNvPr name="TextBox 13" id="13"/>
-            <p:cNvSpPr txBox="true"/>
-            <p:nvPr/>
-          </p:nvSpPr>
-          <p:spPr>
-            <a:xfrm>
-              <a:off x="0" y="-38100"/>
-              <a:ext cx="812800" cy="444500"/>
-            </a:xfrm>
-            <a:prstGeom prst="rect">
-              <a:avLst/>
-            </a:prstGeom>
-          </p:spPr>
-          <p:txBody>
-            <a:bodyPr anchor="ctr" rtlCol="false" tIns="50800" lIns="50800" bIns="50800" rIns="50800"/>
-            <a:lstStyle/>
-            <a:p>
-              <a:pPr algn="ctr">
-                <a:lnSpc>
-                  <a:spcPts val="2659"/>
-                </a:lnSpc>
-                <a:spcBef>
-                  <a:spcPct val="0"/>
-                </a:spcBef>
-              </a:pPr>
-            </a:p>
-          </p:txBody>
-        </p:sp>
-      </p:grpSp>
-      <p:grpSp>
-        <p:nvGrpSpPr>
-          <p:cNvPr name="Group 14" id="14"/>
-          <p:cNvGrpSpPr/>
-          <p:nvPr/>
-        </p:nvGrpSpPr>
-        <p:grpSpPr>
-          <a:xfrm rot="-2562626">
             <a:off x="13101516" y="9777072"/>
             <a:ext cx="3710089" cy="1855044"/>
             <a:chOff x="0" y="0"/>
@@ -5930,7 +5959,7 @@
         </p:grpSpPr>
         <p:sp>
           <p:nvSpPr>
-            <p:cNvPr name="Freeform 15" id="15"/>
+            <p:cNvPr name="Freeform 12" id="12"/>
             <p:cNvSpPr/>
             <p:nvPr/>
           </p:nvSpPr>
@@ -5993,7 +6022,7 @@
         </p:sp>
         <p:sp>
           <p:nvSpPr>
-            <p:cNvPr name="TextBox 16" id="16"/>
+            <p:cNvPr name="TextBox 13" id="13"/>
             <p:cNvSpPr txBox="true"/>
             <p:nvPr/>
           </p:nvSpPr>
@@ -6024,7 +6053,7 @@
       </p:grpSp>
       <p:grpSp>
         <p:nvGrpSpPr>
-          <p:cNvPr name="Group 17" id="17"/>
+          <p:cNvPr name="Group 14" id="14"/>
           <p:cNvGrpSpPr/>
           <p:nvPr/>
         </p:nvGrpSpPr>
@@ -6038,7 +6067,7 @@
         </p:grpSpPr>
         <p:sp>
           <p:nvSpPr>
-            <p:cNvPr name="Freeform 18" id="18"/>
+            <p:cNvPr name="Freeform 15" id="15"/>
             <p:cNvSpPr/>
             <p:nvPr/>
           </p:nvSpPr>
@@ -6101,7 +6130,7 @@
         </p:sp>
         <p:sp>
           <p:nvSpPr>
-            <p:cNvPr name="TextBox 19" id="19"/>
+            <p:cNvPr name="TextBox 16" id="16"/>
             <p:cNvSpPr txBox="true"/>
             <p:nvPr/>
           </p:nvSpPr>
@@ -6132,14 +6161,14 @@
       </p:grpSp>
       <p:sp>
         <p:nvSpPr>
-          <p:cNvPr name="Freeform 20" id="20"/>
+          <p:cNvPr name="Freeform 17" id="17"/>
           <p:cNvSpPr/>
           <p:nvPr/>
         </p:nvSpPr>
         <p:spPr>
           <a:xfrm flipH="false" flipV="false" rot="0">
-            <a:off x="3989813" y="3229596"/>
-            <a:ext cx="10308374" cy="4214364"/>
+            <a:off x="7055822" y="3068534"/>
+            <a:ext cx="4176356" cy="2175186"/>
           </a:xfrm>
           <a:custGeom>
             <a:avLst/>
@@ -6148,18 +6177,18 @@
             <a:cxnLst/>
             <a:rect r="r" b="b" t="t" l="l"/>
             <a:pathLst>
-              <a:path h="4214364" w="10308374">
+              <a:path h="2175186" w="4176356">
                 <a:moveTo>
                   <a:pt x="0" y="0"/>
                 </a:moveTo>
                 <a:lnTo>
-                  <a:pt x="10308374" y="0"/>
+                  <a:pt x="4176356" y="0"/>
                 </a:lnTo>
                 <a:lnTo>
-                  <a:pt x="10308374" y="4214364"/>
+                  <a:pt x="4176356" y="2175186"/>
                 </a:lnTo>
                 <a:lnTo>
-                  <a:pt x="0" y="4214364"/>
+                  <a:pt x="0" y="2175186"/>
                 </a:lnTo>
                 <a:lnTo>
                   <a:pt x="0" y="0"/>
@@ -6178,14 +6207,60 @@
       </p:sp>
       <p:sp>
         <p:nvSpPr>
-          <p:cNvPr name="TextBox 21" id="21"/>
+          <p:cNvPr name="Freeform 18" id="18"/>
+          <p:cNvSpPr/>
+          <p:nvPr/>
+        </p:nvSpPr>
+        <p:spPr>
+          <a:xfrm flipH="false" flipV="false" rot="0">
+            <a:off x="8060551" y="6812558"/>
+            <a:ext cx="512546" cy="2379678"/>
+          </a:xfrm>
+          <a:custGeom>
+            <a:avLst/>
+            <a:gdLst/>
+            <a:ahLst/>
+            <a:cxnLst/>
+            <a:rect r="r" b="b" t="t" l="l"/>
+            <a:pathLst>
+              <a:path h="2379678" w="512546">
+                <a:moveTo>
+                  <a:pt x="0" y="0"/>
+                </a:moveTo>
+                <a:lnTo>
+                  <a:pt x="512546" y="0"/>
+                </a:lnTo>
+                <a:lnTo>
+                  <a:pt x="512546" y="2379677"/>
+                </a:lnTo>
+                <a:lnTo>
+                  <a:pt x="0" y="2379677"/>
+                </a:lnTo>
+                <a:lnTo>
+                  <a:pt x="0" y="0"/>
+                </a:lnTo>
+                <a:close/>
+              </a:path>
+            </a:pathLst>
+          </a:custGeom>
+          <a:blipFill>
+            <a:blip r:embed="rId3"/>
+            <a:stretch>
+              <a:fillRect l="0" t="0" r="0" b="0"/>
+            </a:stretch>
+          </a:blipFill>
+        </p:spPr>
+      </p:sp>
+      <p:sp>
+        <p:nvSpPr>
+          <p:cNvPr name="TextBox 19" id="19"/>
           <p:cNvSpPr txBox="true"/>
           <p:nvPr/>
         </p:nvSpPr>
         <p:spPr>
           <a:xfrm rot="0">
-            <a:off x="3873762" y="1686299"/>
-            <a:ext cx="10540477" cy="1013779"/>
+            <a:off x="2798765" y="371876"/>
+            <a:ext cx="12690469" cy="1918654"/>
           </a:xfrm>
           <a:prstGeom prst="rect">
             <a:avLst/>
@@ -6212,7 +6287,179 @@
                 <a:cs typeface="Bold Ink"/>
                 <a:sym typeface="Bold Ink"/>
               </a:rPr>
-              <a:t>UZD 1</a:t>
+              <a:t>CIKLS FOR AR CONTINUE </a:t>
+            </a:r>
+          </a:p>
+        </p:txBody>
+      </p:sp>
+      <p:sp>
+        <p:nvSpPr>
+          <p:cNvPr name="TextBox 20" id="20"/>
+          <p:cNvSpPr txBox="true"/>
+          <p:nvPr/>
+        </p:nvSpPr>
+        <p:spPr>
+          <a:xfrm rot="0">
+            <a:off x="5461571" y="2288119"/>
+            <a:ext cx="7364857" cy="647065"/>
+          </a:xfrm>
+          <a:prstGeom prst="rect">
+            <a:avLst/>
+          </a:prstGeom>
+        </p:spPr>
+        <p:txBody>
+          <a:bodyPr anchor="t" rtlCol="false" tIns="0" lIns="0" bIns="0" rIns="0">
+            <a:spAutoFit/>
+          </a:bodyPr>
+          <a:lstStyle/>
+          <a:p>
+            <a:pPr algn="ctr" marL="734059" indent="-367030" lvl="1">
+              <a:lnSpc>
+                <a:spcPts val="4759"/>
+              </a:lnSpc>
+              <a:buFont typeface="Arial"/>
+              <a:buChar char="•"/>
+            </a:pPr>
+            <a:r>
+              <a:rPr lang="en-US" sz="3399">
+                <a:solidFill>
+                  <a:srgbClr val="61654D"/>
+                </a:solidFill>
+                <a:latin typeface="Akzidenz-Grotesk"/>
+                <a:ea typeface="Akzidenz-Grotesk"/>
+                <a:cs typeface="Akzidenz-Grotesk"/>
+                <a:sym typeface="Akzidenz-Grotesk"/>
+              </a:rPr>
+              <a:t>continue: izlaist iterāciju</a:t>
+            </a:r>
+          </a:p>
+        </p:txBody>
+      </p:sp>
+      <p:sp>
+        <p:nvSpPr>
+          <p:cNvPr name="TextBox 21" id="21"/>
+          <p:cNvSpPr txBox="true"/>
+          <p:nvPr/>
+        </p:nvSpPr>
+        <p:spPr>
+          <a:xfrm rot="0">
+            <a:off x="5170427" y="5432068"/>
+            <a:ext cx="7947147" cy="1247140"/>
+          </a:xfrm>
+          <a:prstGeom prst="rect">
+            <a:avLst/>
+          </a:prstGeom>
+        </p:spPr>
+        <p:txBody>
+          <a:bodyPr anchor="t" rtlCol="false" tIns="0" lIns="0" bIns="0" rIns="0">
+            <a:spAutoFit/>
+          </a:bodyPr>
+          <a:lstStyle/>
+          <a:p>
+            <a:pPr algn="ctr" marL="734059" indent="-367030" lvl="1">
+              <a:lnSpc>
+                <a:spcPts val="4759"/>
+              </a:lnSpc>
+              <a:buFont typeface="Arial"/>
+              <a:buChar char="•"/>
+            </a:pPr>
+            <a:r>
+              <a:rPr lang="en-US" sz="3399">
+                <a:solidFill>
+                  <a:srgbClr val="61654D"/>
+                </a:solidFill>
+                <a:latin typeface="Akzidenz-Grotesk"/>
+                <a:ea typeface="Akzidenz-Grotesk"/>
+                <a:cs typeface="Akzidenz-Grotesk"/>
+                <a:sym typeface="Akzidenz-Grotesk"/>
+              </a:rPr>
+              <a:t>Continue pārtrauc tikai vienu iterāciju, un uzreiz sākas nākamā.</a:t>
+            </a:r>
+          </a:p>
+        </p:txBody>
+      </p:sp>
+      <p:sp>
+        <p:nvSpPr>
+          <p:cNvPr name="TextBox 22" id="22"/>
+          <p:cNvSpPr txBox="true"/>
+          <p:nvPr/>
+        </p:nvSpPr>
+        <p:spPr>
+          <a:xfrm rot="0">
+            <a:off x="5170427" y="6679208"/>
+            <a:ext cx="2628638" cy="647065"/>
+          </a:xfrm>
+          <a:prstGeom prst="rect">
+            <a:avLst/>
+          </a:prstGeom>
+        </p:spPr>
+        <p:txBody>
+          <a:bodyPr anchor="t" rtlCol="false" tIns="0" lIns="0" bIns="0" rIns="0">
+            <a:spAutoFit/>
+          </a:bodyPr>
+          <a:lstStyle/>
+          <a:p>
+            <a:pPr algn="l" marL="734059" indent="-367030" lvl="1">
+              <a:lnSpc>
+                <a:spcPts val="4759"/>
+              </a:lnSpc>
+              <a:buFont typeface="Arial"/>
+              <a:buChar char="•"/>
+            </a:pPr>
+            <a:r>
+              <a:rPr lang="en-US" sz="3399">
+                <a:solidFill>
+                  <a:srgbClr val="61654D"/>
+                </a:solidFill>
+                <a:latin typeface="Akzidenz-Grotesk"/>
+                <a:ea typeface="Akzidenz-Grotesk"/>
+                <a:cs typeface="Akzidenz-Grotesk"/>
+                <a:sym typeface="Akzidenz-Grotesk"/>
+              </a:rPr>
+              <a:t>Rezultāts:</a:t>
+            </a:r>
+          </a:p>
+        </p:txBody>
+      </p:sp>
+      <p:sp>
+        <p:nvSpPr>
+          <p:cNvPr name="TextBox 23" id="23"/>
+          <p:cNvSpPr txBox="true"/>
+          <p:nvPr/>
+        </p:nvSpPr>
+        <p:spPr>
+          <a:xfrm rot="0">
+            <a:off x="5170427" y="9124950"/>
+            <a:ext cx="7793932" cy="1247140"/>
+          </a:xfrm>
+          <a:prstGeom prst="rect">
+            <a:avLst/>
+          </a:prstGeom>
+        </p:spPr>
+        <p:txBody>
+          <a:bodyPr anchor="t" rtlCol="false" tIns="0" lIns="0" bIns="0" rIns="0">
+            <a:spAutoFit/>
+          </a:bodyPr>
+          <a:lstStyle/>
+          <a:p>
+            <a:pPr algn="ctr" marL="734059" indent="-367030" lvl="1">
+              <a:lnSpc>
+                <a:spcPts val="4759"/>
+              </a:lnSpc>
+              <a:buFont typeface="Arial"/>
+              <a:buChar char="•"/>
+            </a:pPr>
+            <a:r>
+              <a:rPr lang="en-US" sz="3399">
+                <a:solidFill>
+                  <a:srgbClr val="61654D"/>
+                </a:solidFill>
+                <a:latin typeface="Akzidenz-Grotesk"/>
+                <a:ea typeface="Akzidenz-Grotesk"/>
+                <a:cs typeface="Akzidenz-Grotesk"/>
+                <a:sym typeface="Akzidenz-Grotesk"/>
+              </a:rPr>
+              <a:t>Kad i == 2, operators print (i) tiek izlaists, bet cikls turpinās.</a:t>
             </a:r>
           </a:p>
         </p:txBody>
@@ -6226,7 +6473,7 @@
 </file>
 
 <file path=ppt/slides/slide13.xml><?xml version="1.0" encoding="utf-8"?>
-<p:sld xmlns:p="http://schemas.openxmlformats.org/presentationml/2006/main" xmlns:a="http://schemas.openxmlformats.org/drawingml/2006/main">
+<p:sld xmlns:p="http://schemas.openxmlformats.org/presentationml/2006/main" xmlns:a="http://schemas.openxmlformats.org/drawingml/2006/main" xmlns:r="http://schemas.openxmlformats.org/officeDocument/2006/relationships">
   <p:cSld>
     <p:bg>
       <p:bgPr>
@@ -6455,8 +6702,8 @@
         </p:nvGrpSpPr>
         <p:grpSpPr>
           <a:xfrm rot="-2562626">
-            <a:off x="15760647" y="-1537845"/>
-            <a:ext cx="8664509" cy="4332254"/>
+            <a:off x="16327816" y="-2285619"/>
+            <a:ext cx="4282768" cy="2141384"/>
             <a:chOff x="0" y="0"/>
             <a:chExt cx="812800" cy="406400"/>
           </a:xfrm>
@@ -6511,7 +6758,7 @@
               </a:pathLst>
             </a:custGeom>
             <a:solidFill>
-              <a:srgbClr val="545454"/>
+              <a:srgbClr val="737373"/>
             </a:solidFill>
           </p:spPr>
         </p:sp>
@@ -6554,105 +6801,6 @@
         </p:nvGrpSpPr>
         <p:grpSpPr>
           <a:xfrm rot="-2562626">
-            <a:off x="16327816" y="-2285619"/>
-            <a:ext cx="4282768" cy="2141384"/>
-            <a:chOff x="0" y="0"/>
-            <a:chExt cx="812800" cy="406400"/>
-          </a:xfrm>
-        </p:grpSpPr>
-        <p:sp>
-          <p:nvSpPr>
-            <p:cNvPr name="Freeform 12" id="12"/>
-            <p:cNvSpPr/>
-            <p:nvPr/>
-          </p:nvSpPr>
-          <p:spPr>
-            <a:xfrm flipH="false" flipV="false" rot="0">
-              <a:off x="0" y="0"/>
-              <a:ext cx="812800" cy="406400"/>
-            </a:xfrm>
-            <a:custGeom>
-              <a:avLst/>
-              <a:gdLst/>
-              <a:ahLst/>
-              <a:cxnLst/>
-              <a:rect r="r" b="b" t="t" l="l"/>
-              <a:pathLst>
-                <a:path h="406400" w="812800">
-                  <a:moveTo>
-                    <a:pt x="609600" y="0"/>
-                  </a:moveTo>
-                  <a:cubicBezTo>
-                    <a:pt x="721824" y="0"/>
-                    <a:pt x="812800" y="90976"/>
-                    <a:pt x="812800" y="203200"/>
-                  </a:cubicBezTo>
-                  <a:cubicBezTo>
-                    <a:pt x="812800" y="315424"/>
-                    <a:pt x="721824" y="406400"/>
-                    <a:pt x="609600" y="406400"/>
-                  </a:cubicBezTo>
-                  <a:lnTo>
-                    <a:pt x="203200" y="406400"/>
-                  </a:lnTo>
-                  <a:cubicBezTo>
-                    <a:pt x="90976" y="406400"/>
-                    <a:pt x="0" y="315424"/>
-                    <a:pt x="0" y="203200"/>
-                  </a:cubicBezTo>
-                  <a:cubicBezTo>
-                    <a:pt x="0" y="90976"/>
-                    <a:pt x="90976" y="0"/>
-                    <a:pt x="203200" y="0"/>
-                  </a:cubicBezTo>
-                  <a:close/>
-                </a:path>
-              </a:pathLst>
-            </a:custGeom>
-            <a:solidFill>
-              <a:srgbClr val="737373"/>
-            </a:solidFill>
-          </p:spPr>
-        </p:sp>
-        <p:sp>
-          <p:nvSpPr>
-            <p:cNvPr name="TextBox 13" id="13"/>
-            <p:cNvSpPr txBox="true"/>
-            <p:nvPr/>
-          </p:nvSpPr>
-          <p:spPr>
-            <a:xfrm>
-              <a:off x="0" y="-38100"/>
-              <a:ext cx="812800" cy="444500"/>
-            </a:xfrm>
-            <a:prstGeom prst="rect">
-              <a:avLst/>
-            </a:prstGeom>
-          </p:spPr>
-          <p:txBody>
-            <a:bodyPr anchor="ctr" rtlCol="false" tIns="50800" lIns="50800" bIns="50800" rIns="50800"/>
-            <a:lstStyle/>
-            <a:p>
-              <a:pPr algn="ctr">
-                <a:lnSpc>
-                  <a:spcPts val="2659"/>
-                </a:lnSpc>
-                <a:spcBef>
-                  <a:spcPct val="0"/>
-                </a:spcBef>
-              </a:pPr>
-            </a:p>
-          </p:txBody>
-        </p:sp>
-      </p:grpSp>
-      <p:grpSp>
-        <p:nvGrpSpPr>
-          <p:cNvPr name="Group 14" id="14"/>
-          <p:cNvGrpSpPr/>
-          <p:nvPr/>
-        </p:nvGrpSpPr>
-        <p:grpSpPr>
-          <a:xfrm rot="-2562626">
             <a:off x="13101516" y="9777072"/>
             <a:ext cx="3710089" cy="1855044"/>
             <a:chOff x="0" y="0"/>
@@ -6661,7 +6809,7 @@
         </p:grpSpPr>
         <p:sp>
           <p:nvSpPr>
-            <p:cNvPr name="Freeform 15" id="15"/>
+            <p:cNvPr name="Freeform 12" id="12"/>
             <p:cNvSpPr/>
             <p:nvPr/>
           </p:nvSpPr>
@@ -6724,7 +6872,7 @@
         </p:sp>
         <p:sp>
           <p:nvSpPr>
-            <p:cNvPr name="TextBox 16" id="16"/>
+            <p:cNvPr name="TextBox 13" id="13"/>
             <p:cNvSpPr txBox="true"/>
             <p:nvPr/>
           </p:nvSpPr>
@@ -6755,7 +6903,7 @@
       </p:grpSp>
       <p:grpSp>
         <p:nvGrpSpPr>
-          <p:cNvPr name="Group 17" id="17"/>
+          <p:cNvPr name="Group 14" id="14"/>
           <p:cNvGrpSpPr/>
           <p:nvPr/>
         </p:nvGrpSpPr>
@@ -6769,7 +6917,7 @@
         </p:grpSpPr>
         <p:sp>
           <p:nvSpPr>
-            <p:cNvPr name="Freeform 18" id="18"/>
+            <p:cNvPr name="Freeform 15" id="15"/>
             <p:cNvSpPr/>
             <p:nvPr/>
           </p:nvSpPr>
@@ -6832,7 +6980,7 @@
         </p:sp>
         <p:sp>
           <p:nvSpPr>
-            <p:cNvPr name="TextBox 19" id="19"/>
+            <p:cNvPr name="TextBox 16" id="16"/>
             <p:cNvSpPr txBox="true"/>
             <p:nvPr/>
           </p:nvSpPr>
@@ -6863,14 +7011,106 @@
       </p:grpSp>
       <p:sp>
         <p:nvSpPr>
-          <p:cNvPr name="TextBox 20" id="20"/>
+          <p:cNvPr name="Freeform 17" id="17"/>
+          <p:cNvSpPr/>
+          <p:nvPr/>
+        </p:nvSpPr>
+        <p:spPr>
+          <a:xfrm flipH="false" flipV="false" rot="0">
+            <a:off x="6277468" y="3075135"/>
+            <a:ext cx="5733063" cy="1624042"/>
+          </a:xfrm>
+          <a:custGeom>
+            <a:avLst/>
+            <a:gdLst/>
+            <a:ahLst/>
+            <a:cxnLst/>
+            <a:rect r="r" b="b" t="t" l="l"/>
+            <a:pathLst>
+              <a:path h="1624042" w="5733063">
+                <a:moveTo>
+                  <a:pt x="0" y="0"/>
+                </a:moveTo>
+                <a:lnTo>
+                  <a:pt x="5733064" y="0"/>
+                </a:lnTo>
+                <a:lnTo>
+                  <a:pt x="5733064" y="1624041"/>
+                </a:lnTo>
+                <a:lnTo>
+                  <a:pt x="0" y="1624041"/>
+                </a:lnTo>
+                <a:lnTo>
+                  <a:pt x="0" y="0"/>
+                </a:lnTo>
+                <a:close/>
+              </a:path>
+            </a:pathLst>
+          </a:custGeom>
+          <a:blipFill>
+            <a:blip r:embed="rId2"/>
+            <a:stretch>
+              <a:fillRect l="0" t="0" r="0" b="0"/>
+            </a:stretch>
+          </a:blipFill>
+        </p:spPr>
+      </p:sp>
+      <p:sp>
+        <p:nvSpPr>
+          <p:cNvPr name="Freeform 18" id="18"/>
+          <p:cNvSpPr/>
+          <p:nvPr/>
+        </p:nvSpPr>
+        <p:spPr>
+          <a:xfrm flipH="false" flipV="false" rot="0">
+            <a:off x="7216508" y="6621105"/>
+            <a:ext cx="497197" cy="1875790"/>
+          </a:xfrm>
+          <a:custGeom>
+            <a:avLst/>
+            <a:gdLst/>
+            <a:ahLst/>
+            <a:cxnLst/>
+            <a:rect r="r" b="b" t="t" l="l"/>
+            <a:pathLst>
+              <a:path h="1875790" w="497197">
+                <a:moveTo>
+                  <a:pt x="0" y="0"/>
+                </a:moveTo>
+                <a:lnTo>
+                  <a:pt x="497198" y="0"/>
+                </a:lnTo>
+                <a:lnTo>
+                  <a:pt x="497198" y="1875790"/>
+                </a:lnTo>
+                <a:lnTo>
+                  <a:pt x="0" y="1875790"/>
+                </a:lnTo>
+                <a:lnTo>
+                  <a:pt x="0" y="0"/>
+                </a:lnTo>
+                <a:close/>
+              </a:path>
+            </a:pathLst>
+          </a:custGeom>
+          <a:blipFill>
+            <a:blip r:embed="rId3"/>
+            <a:stretch>
+              <a:fillRect l="0" t="0" r="0" b="0"/>
+            </a:stretch>
+          </a:blipFill>
+        </p:spPr>
+      </p:sp>
+      <p:sp>
+        <p:nvSpPr>
+          <p:cNvPr name="TextBox 19" id="19"/>
           <p:cNvSpPr txBox="true"/>
           <p:nvPr/>
         </p:nvSpPr>
         <p:spPr>
           <a:xfrm rot="0">
-            <a:off x="7472013" y="1957259"/>
-            <a:ext cx="3343974" cy="1013779"/>
+            <a:off x="2798765" y="597882"/>
+            <a:ext cx="12690469" cy="1918654"/>
           </a:xfrm>
           <a:prstGeom prst="rect">
             <a:avLst/>
@@ -6897,7 +7137,50 @@
                 <a:cs typeface="Bold Ink"/>
                 <a:sym typeface="Bold Ink"/>
               </a:rPr>
-              <a:t>UZD 2</a:t>
+              <a:t>CIKLS FOR AR BREAK CONTINUE UN ELSE</a:t>
+            </a:r>
+          </a:p>
+        </p:txBody>
+      </p:sp>
+      <p:sp>
+        <p:nvSpPr>
+          <p:cNvPr name="TextBox 20" id="20"/>
+          <p:cNvSpPr txBox="true"/>
+          <p:nvPr/>
+        </p:nvSpPr>
+        <p:spPr>
+          <a:xfrm rot="0">
+            <a:off x="7357279" y="2383186"/>
+            <a:ext cx="3573442" cy="647065"/>
+          </a:xfrm>
+          <a:prstGeom prst="rect">
+            <a:avLst/>
+          </a:prstGeom>
+        </p:spPr>
+        <p:txBody>
+          <a:bodyPr anchor="t" rtlCol="false" tIns="0" lIns="0" bIns="0" rIns="0">
+            <a:spAutoFit/>
+          </a:bodyPr>
+          <a:lstStyle/>
+          <a:p>
+            <a:pPr algn="ctr" marL="734059" indent="-367030" lvl="1">
+              <a:lnSpc>
+                <a:spcPts val="4759"/>
+              </a:lnSpc>
+              <a:buFont typeface="Arial"/>
+              <a:buChar char="•"/>
+            </a:pPr>
+            <a:r>
+              <a:rPr lang="en-US" sz="3399">
+                <a:solidFill>
+                  <a:srgbClr val="61654D"/>
+                </a:solidFill>
+                <a:latin typeface="Akzidenz-Grotesk"/>
+                <a:ea typeface="Akzidenz-Grotesk"/>
+                <a:cs typeface="Akzidenz-Grotesk"/>
+                <a:sym typeface="Akzidenz-Grotesk"/>
+              </a:rPr>
+              <a:t>Else pēc cikla</a:t>
             </a:r>
           </a:p>
         </p:txBody>
@@ -6910,8 +7193,8 @@
         </p:nvSpPr>
         <p:spPr>
           <a:xfrm rot="0">
-            <a:off x="2519752" y="3410080"/>
-            <a:ext cx="13248497" cy="3482794"/>
+            <a:off x="4130670" y="4773890"/>
+            <a:ext cx="9384284" cy="1737413"/>
           </a:xfrm>
           <a:prstGeom prst="rect">
             <a:avLst/>
@@ -6923,13 +7206,15 @@
           </a:bodyPr>
           <a:lstStyle/>
           <a:p>
-            <a:pPr algn="ctr">
+            <a:pPr algn="ctr" marL="687031" indent="-343515" lvl="1">
               <a:lnSpc>
-                <a:spcPts val="5434"/>
+                <a:spcPts val="4455"/>
               </a:lnSpc>
+              <a:buFont typeface="Arial"/>
+              <a:buChar char="•"/>
             </a:pPr>
             <a:r>
-              <a:rPr lang="en-US" sz="3882">
+              <a:rPr lang="en-US" sz="3182">
                 <a:solidFill>
                   <a:srgbClr val="61654D"/>
                 </a:solidFill>
@@ -6938,7 +7223,114 @@
                 <a:cs typeface="Akzidenz-Grotesk"/>
                 <a:sym typeface="Akzidenz-Grotesk"/>
               </a:rPr>
-              <a:t>Uzrakstiet programmu, kas izmanto ligzdotus for ciklus, lai izdrukātu taisnstūri ar # simboliem ar lietotāja norādītu platumu un augstumu. Piemēram, ja lietotājs ievada platumu = 5, augstumu = 3, programmai jāizdrukā 3 rindas ar 5 # simboliem katrā.</a:t>
+              <a:t>Python var pievienot Else pēc cikla. Šis bloks tiks izpildīts tikai tad, ja cikls ir noslēdzies pats no sevis, bez break.</a:t>
+            </a:r>
+          </a:p>
+        </p:txBody>
+      </p:sp>
+      <p:sp>
+        <p:nvSpPr>
+          <p:cNvPr name="TextBox 22" id="22"/>
+          <p:cNvSpPr txBox="true"/>
+          <p:nvPr/>
+        </p:nvSpPr>
+        <p:spPr>
+          <a:xfrm rot="0">
+            <a:off x="4130670" y="6487755"/>
+            <a:ext cx="2628638" cy="647065"/>
+          </a:xfrm>
+          <a:prstGeom prst="rect">
+            <a:avLst/>
+          </a:prstGeom>
+        </p:spPr>
+        <p:txBody>
+          <a:bodyPr anchor="t" rtlCol="false" tIns="0" lIns="0" bIns="0" rIns="0">
+            <a:spAutoFit/>
+          </a:bodyPr>
+          <a:lstStyle/>
+          <a:p>
+            <a:pPr algn="l" marL="734059" indent="-367030" lvl="1">
+              <a:lnSpc>
+                <a:spcPts val="4759"/>
+              </a:lnSpc>
+              <a:buFont typeface="Arial"/>
+              <a:buChar char="•"/>
+            </a:pPr>
+            <a:r>
+              <a:rPr lang="en-US" sz="3399">
+                <a:solidFill>
+                  <a:srgbClr val="61654D"/>
+                </a:solidFill>
+                <a:latin typeface="Akzidenz-Grotesk"/>
+                <a:ea typeface="Akzidenz-Grotesk"/>
+                <a:cs typeface="Akzidenz-Grotesk"/>
+                <a:sym typeface="Akzidenz-Grotesk"/>
+              </a:rPr>
+              <a:t>Rezultāts:</a:t>
+            </a:r>
+          </a:p>
+        </p:txBody>
+      </p:sp>
+      <p:sp>
+        <p:nvSpPr>
+          <p:cNvPr name="TextBox 23" id="23"/>
+          <p:cNvSpPr txBox="true"/>
+          <p:nvPr/>
+        </p:nvSpPr>
+        <p:spPr>
+          <a:xfrm rot="0">
+            <a:off x="4130670" y="8363545"/>
+            <a:ext cx="10026660" cy="1847215"/>
+          </a:xfrm>
+          <a:prstGeom prst="rect">
+            <a:avLst/>
+          </a:prstGeom>
+        </p:spPr>
+        <p:txBody>
+          <a:bodyPr anchor="t" rtlCol="false" tIns="0" lIns="0" bIns="0" rIns="0">
+            <a:spAutoFit/>
+          </a:bodyPr>
+          <a:lstStyle/>
+          <a:p>
+            <a:pPr algn="ctr" marL="734059" indent="-367030" lvl="1">
+              <a:lnSpc>
+                <a:spcPts val="4759"/>
+              </a:lnSpc>
+              <a:buFont typeface="Arial"/>
+              <a:buChar char="•"/>
+            </a:pPr>
+            <a:r>
+              <a:rPr lang="en-US" sz="3399">
+                <a:solidFill>
+                  <a:srgbClr val="61654D"/>
+                </a:solidFill>
+                <a:latin typeface="Akzidenz-Grotesk"/>
+                <a:ea typeface="Akzidenz-Grotesk"/>
+                <a:cs typeface="Akzidenz-Grotesk"/>
+                <a:sym typeface="Akzidenz-Grotesk"/>
+              </a:rPr>
+              <a:t>Tā kā break netika izmantots, Else bloks izpildījās.</a:t>
+            </a:r>
+          </a:p>
+          <a:p>
+            <a:pPr algn="ctr" marL="734059" indent="-367030" lvl="1">
+              <a:lnSpc>
+                <a:spcPts val="4759"/>
+              </a:lnSpc>
+              <a:buFont typeface="Arial"/>
+              <a:buChar char="•"/>
+            </a:pPr>
+            <a:r>
+              <a:rPr lang="en-US" sz="3399">
+                <a:solidFill>
+                  <a:srgbClr val="61654D"/>
+                </a:solidFill>
+                <a:latin typeface="Akzidenz-Grotesk"/>
+                <a:ea typeface="Akzidenz-Grotesk"/>
+                <a:cs typeface="Akzidenz-Grotesk"/>
+                <a:sym typeface="Akzidenz-Grotesk"/>
+              </a:rPr>
+              <a:t>Ja mēs izmantotu break cikla iekšienē, tad Else nedarbotos.</a:t>
             </a:r>
           </a:p>
         </p:txBody>
@@ -7595,8 +7987,8 @@
         </p:nvSpPr>
         <p:spPr>
           <a:xfrm flipH="false" flipV="false" rot="0">
-            <a:off x="3732718" y="3143220"/>
-            <a:ext cx="10822563" cy="5732499"/>
+            <a:off x="5711783" y="2751305"/>
+            <a:ext cx="6864434" cy="2199285"/>
           </a:xfrm>
           <a:custGeom>
             <a:avLst/>
@@ -7605,18 +7997,18 @@
             <a:cxnLst/>
             <a:rect r="r" b="b" t="t" l="l"/>
             <a:pathLst>
-              <a:path h="5732499" w="10822563">
+              <a:path h="2199285" w="6864434">
                 <a:moveTo>
                   <a:pt x="0" y="0"/>
                 </a:moveTo>
                 <a:lnTo>
-                  <a:pt x="10822564" y="0"/>
+                  <a:pt x="6864434" y="0"/>
                 </a:lnTo>
                 <a:lnTo>
-                  <a:pt x="10822564" y="5732499"/>
+                  <a:pt x="6864434" y="2199285"/>
                 </a:lnTo>
                 <a:lnTo>
-                  <a:pt x="0" y="5732499"/>
+                  <a:pt x="0" y="2199285"/>
                 </a:lnTo>
                 <a:lnTo>
                   <a:pt x="0" y="0"/>
@@ -7635,14 +8027,60 @@
       </p:sp>
       <p:sp>
         <p:nvSpPr>
-          <p:cNvPr name="TextBox 21" id="21"/>
+          <p:cNvPr name="Freeform 21" id="21"/>
+          <p:cNvSpPr/>
+          <p:nvPr/>
+        </p:nvSpPr>
+        <p:spPr>
+          <a:xfrm flipH="false" flipV="false" rot="0">
+            <a:off x="6370678" y="6426330"/>
+            <a:ext cx="655194" cy="3688498"/>
+          </a:xfrm>
+          <a:custGeom>
+            <a:avLst/>
+            <a:gdLst/>
+            <a:ahLst/>
+            <a:cxnLst/>
+            <a:rect r="r" b="b" t="t" l="l"/>
+            <a:pathLst>
+              <a:path h="3688498" w="655194">
+                <a:moveTo>
+                  <a:pt x="0" y="0"/>
+                </a:moveTo>
+                <a:lnTo>
+                  <a:pt x="655194" y="0"/>
+                </a:lnTo>
+                <a:lnTo>
+                  <a:pt x="655194" y="3688498"/>
+                </a:lnTo>
+                <a:lnTo>
+                  <a:pt x="0" y="3688498"/>
+                </a:lnTo>
+                <a:lnTo>
+                  <a:pt x="0" y="0"/>
+                </a:lnTo>
+                <a:close/>
+              </a:path>
+            </a:pathLst>
+          </a:custGeom>
+          <a:blipFill>
+            <a:blip r:embed="rId3"/>
+            <a:stretch>
+              <a:fillRect l="0" t="0" r="0" b="0"/>
+            </a:stretch>
+          </a:blipFill>
+        </p:spPr>
+      </p:sp>
+      <p:sp>
+        <p:nvSpPr>
+          <p:cNvPr name="TextBox 22" id="22"/>
           <p:cNvSpPr txBox="true"/>
           <p:nvPr/>
         </p:nvSpPr>
         <p:spPr>
           <a:xfrm rot="0">
-            <a:off x="3873762" y="1295400"/>
-            <a:ext cx="10540477" cy="1013779"/>
+            <a:off x="2798765" y="864582"/>
+            <a:ext cx="12690469" cy="1013779"/>
           </a:xfrm>
           <a:prstGeom prst="rect">
             <a:avLst/>
@@ -7669,7 +8107,136 @@
                 <a:cs typeface="Bold Ink"/>
                 <a:sym typeface="Bold Ink"/>
               </a:rPr>
-              <a:t>UZD 2</a:t>
+              <a:t>CIKLS CIKLA</a:t>
+            </a:r>
+          </a:p>
+        </p:txBody>
+      </p:sp>
+      <p:sp>
+        <p:nvSpPr>
+          <p:cNvPr name="TextBox 23" id="23"/>
+          <p:cNvSpPr txBox="true"/>
+          <p:nvPr/>
+        </p:nvSpPr>
+        <p:spPr>
+          <a:xfrm rot="0">
+            <a:off x="3076846" y="1923265"/>
+            <a:ext cx="12121711" cy="647065"/>
+          </a:xfrm>
+          <a:prstGeom prst="rect">
+            <a:avLst/>
+          </a:prstGeom>
+        </p:spPr>
+        <p:txBody>
+          <a:bodyPr anchor="t" rtlCol="false" tIns="0" lIns="0" bIns="0" rIns="0">
+            <a:spAutoFit/>
+          </a:bodyPr>
+          <a:lstStyle/>
+          <a:p>
+            <a:pPr algn="ctr" marL="734059" indent="-367030" lvl="1">
+              <a:lnSpc>
+                <a:spcPts val="4759"/>
+              </a:lnSpc>
+              <a:buFont typeface="Arial"/>
+              <a:buChar char="•"/>
+            </a:pPr>
+            <a:r>
+              <a:rPr lang="en-US" sz="3399">
+                <a:solidFill>
+                  <a:srgbClr val="61654D"/>
+                </a:solidFill>
+                <a:latin typeface="Akzidenz-Grotesk"/>
+                <a:ea typeface="Akzidenz-Grotesk"/>
+                <a:cs typeface="Akzidenz-Grotesk"/>
+                <a:sym typeface="Akzidenz-Grotesk"/>
+              </a:rPr>
+              <a:t>Cikls ciklā ļauj strādāt ar daudzdimensionālām struktūrām.</a:t>
+            </a:r>
+          </a:p>
+        </p:txBody>
+      </p:sp>
+      <p:sp>
+        <p:nvSpPr>
+          <p:cNvPr name="TextBox 24" id="24"/>
+          <p:cNvSpPr txBox="true"/>
+          <p:nvPr/>
+        </p:nvSpPr>
+        <p:spPr>
+          <a:xfrm rot="0">
+            <a:off x="3083145" y="5179190"/>
+            <a:ext cx="12121711" cy="1247140"/>
+          </a:xfrm>
+          <a:prstGeom prst="rect">
+            <a:avLst/>
+          </a:prstGeom>
+        </p:spPr>
+        <p:txBody>
+          <a:bodyPr anchor="t" rtlCol="false" tIns="0" lIns="0" bIns="0" rIns="0">
+            <a:spAutoFit/>
+          </a:bodyPr>
+          <a:lstStyle/>
+          <a:p>
+            <a:pPr algn="ctr" marL="734059" indent="-367030" lvl="1">
+              <a:lnSpc>
+                <a:spcPts val="4759"/>
+              </a:lnSpc>
+              <a:buFont typeface="Arial"/>
+              <a:buChar char="•"/>
+            </a:pPr>
+            <a:r>
+              <a:rPr lang="en-US" sz="3399">
+                <a:solidFill>
+                  <a:srgbClr val="61654D"/>
+                </a:solidFill>
+                <a:latin typeface="Akzidenz-Grotesk"/>
+                <a:ea typeface="Akzidenz-Grotesk"/>
+                <a:cs typeface="Akzidenz-Grotesk"/>
+                <a:sym typeface="Akzidenz-Grotesk"/>
+              </a:rPr>
+              <a:t>Ārējais cikls ņem skaitli i no 1 līdz 3, bet iekšējais cikls katram i pārņem j no 1 līdz 3 un izvada pāri (i, j).</a:t>
+            </a:r>
+          </a:p>
+        </p:txBody>
+      </p:sp>
+      <p:sp>
+        <p:nvSpPr>
+          <p:cNvPr name="TextBox 25" id="25"/>
+          <p:cNvSpPr txBox="true"/>
+          <p:nvPr/>
+        </p:nvSpPr>
+        <p:spPr>
+          <a:xfrm rot="0">
+            <a:off x="3076846" y="6614332"/>
+            <a:ext cx="2628638" cy="647065"/>
+          </a:xfrm>
+          <a:prstGeom prst="rect">
+            <a:avLst/>
+          </a:prstGeom>
+        </p:spPr>
+        <p:txBody>
+          <a:bodyPr anchor="t" rtlCol="false" tIns="0" lIns="0" bIns="0" rIns="0">
+            <a:spAutoFit/>
+          </a:bodyPr>
+          <a:lstStyle/>
+          <a:p>
+            <a:pPr algn="l" marL="734059" indent="-367030" lvl="1">
+              <a:lnSpc>
+                <a:spcPts val="4759"/>
+              </a:lnSpc>
+              <a:buFont typeface="Arial"/>
+              <a:buChar char="•"/>
+            </a:pPr>
+            <a:r>
+              <a:rPr lang="en-US" sz="3399">
+                <a:solidFill>
+                  <a:srgbClr val="61654D"/>
+                </a:solidFill>
+                <a:latin typeface="Akzidenz-Grotesk"/>
+                <a:ea typeface="Akzidenz-Grotesk"/>
+                <a:cs typeface="Akzidenz-Grotesk"/>
+                <a:sym typeface="Akzidenz-Grotesk"/>
+              </a:rPr>
+              <a:t>Rezultāts:</a:t>
             </a:r>
           </a:p>
         </p:txBody>
@@ -8326,8 +8893,8 @@
         </p:nvSpPr>
         <p:spPr>
           <a:xfrm rot="0">
-            <a:off x="7524270" y="1827579"/>
-            <a:ext cx="3239461" cy="1013779"/>
+            <a:off x="7554131" y="1317020"/>
+            <a:ext cx="3179739" cy="1013779"/>
           </a:xfrm>
           <a:prstGeom prst="rect">
             <a:avLst/>
@@ -8354,7 +8921,7 @@
                 <a:cs typeface="Bold Ink"/>
                 <a:sym typeface="Bold Ink"/>
               </a:rPr>
-              <a:t>UZD 3</a:t>
+              <a:t>UZD 1</a:t>
             </a:r>
           </a:p>
         </p:txBody>
@@ -8367,8 +8934,8 @@
         </p:nvSpPr>
         <p:spPr>
           <a:xfrm rot="0">
-            <a:off x="3162875" y="3877683"/>
-            <a:ext cx="11962250" cy="2111194"/>
+            <a:off x="3473325" y="3067180"/>
+            <a:ext cx="12263840" cy="2796994"/>
           </a:xfrm>
           <a:prstGeom prst="rect">
             <a:avLst/>
@@ -8395,7 +8962,7 @@
                 <a:cs typeface="Akzidenz-Grotesk"/>
                 <a:sym typeface="Akzidenz-Grotesk"/>
               </a:rPr>
-              <a:t>Lietotājs ievada virkni. Uzrakstiet programmu, kas izmanto for ciklu, lai saskaitītu patskaņu (a, ā, e, ē, i, ī, o, u, ū) skaitu virknē.</a:t>
+              <a:t>Uzrakstiet programmu, kas izmanto for ciklu, lai izvadītu lietotāja norādīta skaitļa no 1 līdz 10 (ieskaitot) reizināšanas tabulu. Piemērs: ja tiek ievadīts 3, izvadei jābūt šādai: 3 x 1 = 3, 3 x 2 = 6, ..., 3 x 10 = 30.</a:t>
             </a:r>
           </a:p>
         </p:txBody>
@@ -9052,6 +9619,3695 @@
         </p:nvSpPr>
         <p:spPr>
           <a:xfrm flipH="false" flipV="false" rot="0">
+            <a:off x="3989813" y="3229596"/>
+            <a:ext cx="10308374" cy="4214364"/>
+          </a:xfrm>
+          <a:custGeom>
+            <a:avLst/>
+            <a:gdLst/>
+            <a:ahLst/>
+            <a:cxnLst/>
+            <a:rect r="r" b="b" t="t" l="l"/>
+            <a:pathLst>
+              <a:path h="4214364" w="10308374">
+                <a:moveTo>
+                  <a:pt x="0" y="0"/>
+                </a:moveTo>
+                <a:lnTo>
+                  <a:pt x="10308374" y="0"/>
+                </a:lnTo>
+                <a:lnTo>
+                  <a:pt x="10308374" y="4214364"/>
+                </a:lnTo>
+                <a:lnTo>
+                  <a:pt x="0" y="4214364"/>
+                </a:lnTo>
+                <a:lnTo>
+                  <a:pt x="0" y="0"/>
+                </a:lnTo>
+                <a:close/>
+              </a:path>
+            </a:pathLst>
+          </a:custGeom>
+          <a:blipFill>
+            <a:blip r:embed="rId2"/>
+            <a:stretch>
+              <a:fillRect l="0" t="0" r="0" b="0"/>
+            </a:stretch>
+          </a:blipFill>
+        </p:spPr>
+      </p:sp>
+      <p:sp>
+        <p:nvSpPr>
+          <p:cNvPr name="TextBox 21" id="21"/>
+          <p:cNvSpPr txBox="true"/>
+          <p:nvPr/>
+        </p:nvSpPr>
+        <p:spPr>
+          <a:xfrm rot="0">
+            <a:off x="3873762" y="1686299"/>
+            <a:ext cx="10540477" cy="1013779"/>
+          </a:xfrm>
+          <a:prstGeom prst="rect">
+            <a:avLst/>
+          </a:prstGeom>
+        </p:spPr>
+        <p:txBody>
+          <a:bodyPr anchor="t" rtlCol="false" tIns="0" lIns="0" bIns="0" rIns="0">
+            <a:spAutoFit/>
+          </a:bodyPr>
+          <a:lstStyle/>
+          <a:p>
+            <a:pPr algn="ctr">
+              <a:lnSpc>
+                <a:spcPts val="7182"/>
+              </a:lnSpc>
+            </a:pPr>
+            <a:r>
+              <a:rPr lang="en-US" sz="8450">
+                <a:solidFill>
+                  <a:srgbClr val="545454"/>
+                </a:solidFill>
+                <a:latin typeface="Bold Ink"/>
+                <a:ea typeface="Bold Ink"/>
+                <a:cs typeface="Bold Ink"/>
+                <a:sym typeface="Bold Ink"/>
+              </a:rPr>
+              <a:t>UZD 1</a:t>
+            </a:r>
+          </a:p>
+        </p:txBody>
+      </p:sp>
+    </p:spTree>
+  </p:cSld>
+  <p:clrMapOvr>
+    <a:masterClrMapping/>
+  </p:clrMapOvr>
+</p:sld>
+</file>
+
+<file path=ppt/slides/slide17.xml><?xml version="1.0" encoding="utf-8"?>
+<p:sld xmlns:p="http://schemas.openxmlformats.org/presentationml/2006/main" xmlns:a="http://schemas.openxmlformats.org/drawingml/2006/main">
+  <p:cSld>
+    <p:bg>
+      <p:bgPr>
+        <a:solidFill>
+          <a:srgbClr val="DEDEDE"/>
+        </a:solidFill>
+      </p:bgPr>
+    </p:bg>
+    <p:spTree>
+      <p:nvGrpSpPr>
+        <p:cNvPr id="1" name=""/>
+        <p:cNvGrpSpPr/>
+        <p:nvPr/>
+      </p:nvGrpSpPr>
+      <p:grpSpPr>
+        <a:xfrm>
+          <a:off x="0" y="0"/>
+          <a:ext cx="0" cy="0"/>
+          <a:chOff x="0" y="0"/>
+          <a:chExt cx="0" cy="0"/>
+        </a:xfrm>
+      </p:grpSpPr>
+      <p:grpSp>
+        <p:nvGrpSpPr>
+          <p:cNvPr name="Group 2" id="2"/>
+          <p:cNvGrpSpPr/>
+          <p:nvPr/>
+        </p:nvGrpSpPr>
+        <p:grpSpPr>
+          <a:xfrm rot="-2562626">
+            <a:off x="-4763849" y="7784323"/>
+            <a:ext cx="8132490" cy="4066245"/>
+            <a:chOff x="0" y="0"/>
+            <a:chExt cx="812800" cy="406400"/>
+          </a:xfrm>
+        </p:grpSpPr>
+        <p:sp>
+          <p:nvSpPr>
+            <p:cNvPr name="Freeform 3" id="3"/>
+            <p:cNvSpPr/>
+            <p:nvPr/>
+          </p:nvSpPr>
+          <p:spPr>
+            <a:xfrm flipH="false" flipV="false" rot="0">
+              <a:off x="0" y="0"/>
+              <a:ext cx="812800" cy="406400"/>
+            </a:xfrm>
+            <a:custGeom>
+              <a:avLst/>
+              <a:gdLst/>
+              <a:ahLst/>
+              <a:cxnLst/>
+              <a:rect r="r" b="b" t="t" l="l"/>
+              <a:pathLst>
+                <a:path h="406400" w="812800">
+                  <a:moveTo>
+                    <a:pt x="609600" y="0"/>
+                  </a:moveTo>
+                  <a:cubicBezTo>
+                    <a:pt x="721824" y="0"/>
+                    <a:pt x="812800" y="90976"/>
+                    <a:pt x="812800" y="203200"/>
+                  </a:cubicBezTo>
+                  <a:cubicBezTo>
+                    <a:pt x="812800" y="315424"/>
+                    <a:pt x="721824" y="406400"/>
+                    <a:pt x="609600" y="406400"/>
+                  </a:cubicBezTo>
+                  <a:lnTo>
+                    <a:pt x="203200" y="406400"/>
+                  </a:lnTo>
+                  <a:cubicBezTo>
+                    <a:pt x="90976" y="406400"/>
+                    <a:pt x="0" y="315424"/>
+                    <a:pt x="0" y="203200"/>
+                  </a:cubicBezTo>
+                  <a:cubicBezTo>
+                    <a:pt x="0" y="90976"/>
+                    <a:pt x="90976" y="0"/>
+                    <a:pt x="203200" y="0"/>
+                  </a:cubicBezTo>
+                  <a:close/>
+                </a:path>
+              </a:pathLst>
+            </a:custGeom>
+            <a:solidFill>
+              <a:srgbClr val="545454"/>
+            </a:solidFill>
+          </p:spPr>
+        </p:sp>
+        <p:sp>
+          <p:nvSpPr>
+            <p:cNvPr name="TextBox 4" id="4"/>
+            <p:cNvSpPr txBox="true"/>
+            <p:nvPr/>
+          </p:nvSpPr>
+          <p:spPr>
+            <a:xfrm>
+              <a:off x="0" y="-38100"/>
+              <a:ext cx="812800" cy="444500"/>
+            </a:xfrm>
+            <a:prstGeom prst="rect">
+              <a:avLst/>
+            </a:prstGeom>
+          </p:spPr>
+          <p:txBody>
+            <a:bodyPr anchor="ctr" rtlCol="false" tIns="50800" lIns="50800" bIns="50800" rIns="50800"/>
+            <a:lstStyle/>
+            <a:p>
+              <a:pPr algn="ctr">
+                <a:lnSpc>
+                  <a:spcPts val="2659"/>
+                </a:lnSpc>
+                <a:spcBef>
+                  <a:spcPct val="0"/>
+                </a:spcBef>
+              </a:pPr>
+            </a:p>
+          </p:txBody>
+        </p:sp>
+      </p:grpSp>
+      <p:grpSp>
+        <p:nvGrpSpPr>
+          <p:cNvPr name="Group 5" id="5"/>
+          <p:cNvGrpSpPr/>
+          <p:nvPr/>
+        </p:nvGrpSpPr>
+        <p:grpSpPr>
+          <a:xfrm rot="-2562626">
+            <a:off x="-1091559" y="10289015"/>
+            <a:ext cx="4019797" cy="2009899"/>
+            <a:chOff x="0" y="0"/>
+            <a:chExt cx="812800" cy="406400"/>
+          </a:xfrm>
+        </p:grpSpPr>
+        <p:sp>
+          <p:nvSpPr>
+            <p:cNvPr name="Freeform 6" id="6"/>
+            <p:cNvSpPr/>
+            <p:nvPr/>
+          </p:nvSpPr>
+          <p:spPr>
+            <a:xfrm flipH="false" flipV="false" rot="0">
+              <a:off x="0" y="0"/>
+              <a:ext cx="812800" cy="406400"/>
+            </a:xfrm>
+            <a:custGeom>
+              <a:avLst/>
+              <a:gdLst/>
+              <a:ahLst/>
+              <a:cxnLst/>
+              <a:rect r="r" b="b" t="t" l="l"/>
+              <a:pathLst>
+                <a:path h="406400" w="812800">
+                  <a:moveTo>
+                    <a:pt x="609600" y="0"/>
+                  </a:moveTo>
+                  <a:cubicBezTo>
+                    <a:pt x="721824" y="0"/>
+                    <a:pt x="812800" y="90976"/>
+                    <a:pt x="812800" y="203200"/>
+                  </a:cubicBezTo>
+                  <a:cubicBezTo>
+                    <a:pt x="812800" y="315424"/>
+                    <a:pt x="721824" y="406400"/>
+                    <a:pt x="609600" y="406400"/>
+                  </a:cubicBezTo>
+                  <a:lnTo>
+                    <a:pt x="203200" y="406400"/>
+                  </a:lnTo>
+                  <a:cubicBezTo>
+                    <a:pt x="90976" y="406400"/>
+                    <a:pt x="0" y="315424"/>
+                    <a:pt x="0" y="203200"/>
+                  </a:cubicBezTo>
+                  <a:cubicBezTo>
+                    <a:pt x="0" y="90976"/>
+                    <a:pt x="90976" y="0"/>
+                    <a:pt x="203200" y="0"/>
+                  </a:cubicBezTo>
+                  <a:close/>
+                </a:path>
+              </a:pathLst>
+            </a:custGeom>
+            <a:solidFill>
+              <a:srgbClr val="737373"/>
+            </a:solidFill>
+          </p:spPr>
+        </p:sp>
+        <p:sp>
+          <p:nvSpPr>
+            <p:cNvPr name="TextBox 7" id="7"/>
+            <p:cNvSpPr txBox="true"/>
+            <p:nvPr/>
+          </p:nvSpPr>
+          <p:spPr>
+            <a:xfrm>
+              <a:off x="0" y="-38100"/>
+              <a:ext cx="812800" cy="444500"/>
+            </a:xfrm>
+            <a:prstGeom prst="rect">
+              <a:avLst/>
+            </a:prstGeom>
+          </p:spPr>
+          <p:txBody>
+            <a:bodyPr anchor="ctr" rtlCol="false" tIns="50800" lIns="50800" bIns="50800" rIns="50800"/>
+            <a:lstStyle/>
+            <a:p>
+              <a:pPr algn="ctr">
+                <a:lnSpc>
+                  <a:spcPts val="2659"/>
+                </a:lnSpc>
+                <a:spcBef>
+                  <a:spcPct val="0"/>
+                </a:spcBef>
+              </a:pPr>
+            </a:p>
+          </p:txBody>
+        </p:sp>
+      </p:grpSp>
+      <p:grpSp>
+        <p:nvGrpSpPr>
+          <p:cNvPr name="Group 8" id="8"/>
+          <p:cNvGrpSpPr/>
+          <p:nvPr/>
+        </p:nvGrpSpPr>
+        <p:grpSpPr>
+          <a:xfrm rot="-2562626">
+            <a:off x="15760647" y="-1537845"/>
+            <a:ext cx="8664509" cy="4332254"/>
+            <a:chOff x="0" y="0"/>
+            <a:chExt cx="812800" cy="406400"/>
+          </a:xfrm>
+        </p:grpSpPr>
+        <p:sp>
+          <p:nvSpPr>
+            <p:cNvPr name="Freeform 9" id="9"/>
+            <p:cNvSpPr/>
+            <p:nvPr/>
+          </p:nvSpPr>
+          <p:spPr>
+            <a:xfrm flipH="false" flipV="false" rot="0">
+              <a:off x="0" y="0"/>
+              <a:ext cx="812800" cy="406400"/>
+            </a:xfrm>
+            <a:custGeom>
+              <a:avLst/>
+              <a:gdLst/>
+              <a:ahLst/>
+              <a:cxnLst/>
+              <a:rect r="r" b="b" t="t" l="l"/>
+              <a:pathLst>
+                <a:path h="406400" w="812800">
+                  <a:moveTo>
+                    <a:pt x="609600" y="0"/>
+                  </a:moveTo>
+                  <a:cubicBezTo>
+                    <a:pt x="721824" y="0"/>
+                    <a:pt x="812800" y="90976"/>
+                    <a:pt x="812800" y="203200"/>
+                  </a:cubicBezTo>
+                  <a:cubicBezTo>
+                    <a:pt x="812800" y="315424"/>
+                    <a:pt x="721824" y="406400"/>
+                    <a:pt x="609600" y="406400"/>
+                  </a:cubicBezTo>
+                  <a:lnTo>
+                    <a:pt x="203200" y="406400"/>
+                  </a:lnTo>
+                  <a:cubicBezTo>
+                    <a:pt x="90976" y="406400"/>
+                    <a:pt x="0" y="315424"/>
+                    <a:pt x="0" y="203200"/>
+                  </a:cubicBezTo>
+                  <a:cubicBezTo>
+                    <a:pt x="0" y="90976"/>
+                    <a:pt x="90976" y="0"/>
+                    <a:pt x="203200" y="0"/>
+                  </a:cubicBezTo>
+                  <a:close/>
+                </a:path>
+              </a:pathLst>
+            </a:custGeom>
+            <a:solidFill>
+              <a:srgbClr val="545454"/>
+            </a:solidFill>
+          </p:spPr>
+        </p:sp>
+        <p:sp>
+          <p:nvSpPr>
+            <p:cNvPr name="TextBox 10" id="10"/>
+            <p:cNvSpPr txBox="true"/>
+            <p:nvPr/>
+          </p:nvSpPr>
+          <p:spPr>
+            <a:xfrm>
+              <a:off x="0" y="-38100"/>
+              <a:ext cx="812800" cy="444500"/>
+            </a:xfrm>
+            <a:prstGeom prst="rect">
+              <a:avLst/>
+            </a:prstGeom>
+          </p:spPr>
+          <p:txBody>
+            <a:bodyPr anchor="ctr" rtlCol="false" tIns="50800" lIns="50800" bIns="50800" rIns="50800"/>
+            <a:lstStyle/>
+            <a:p>
+              <a:pPr algn="ctr">
+                <a:lnSpc>
+                  <a:spcPts val="2659"/>
+                </a:lnSpc>
+                <a:spcBef>
+                  <a:spcPct val="0"/>
+                </a:spcBef>
+              </a:pPr>
+            </a:p>
+          </p:txBody>
+        </p:sp>
+      </p:grpSp>
+      <p:grpSp>
+        <p:nvGrpSpPr>
+          <p:cNvPr name="Group 11" id="11"/>
+          <p:cNvGrpSpPr/>
+          <p:nvPr/>
+        </p:nvGrpSpPr>
+        <p:grpSpPr>
+          <a:xfrm rot="-2562626">
+            <a:off x="16327816" y="-2285619"/>
+            <a:ext cx="4282768" cy="2141384"/>
+            <a:chOff x="0" y="0"/>
+            <a:chExt cx="812800" cy="406400"/>
+          </a:xfrm>
+        </p:grpSpPr>
+        <p:sp>
+          <p:nvSpPr>
+            <p:cNvPr name="Freeform 12" id="12"/>
+            <p:cNvSpPr/>
+            <p:nvPr/>
+          </p:nvSpPr>
+          <p:spPr>
+            <a:xfrm flipH="false" flipV="false" rot="0">
+              <a:off x="0" y="0"/>
+              <a:ext cx="812800" cy="406400"/>
+            </a:xfrm>
+            <a:custGeom>
+              <a:avLst/>
+              <a:gdLst/>
+              <a:ahLst/>
+              <a:cxnLst/>
+              <a:rect r="r" b="b" t="t" l="l"/>
+              <a:pathLst>
+                <a:path h="406400" w="812800">
+                  <a:moveTo>
+                    <a:pt x="609600" y="0"/>
+                  </a:moveTo>
+                  <a:cubicBezTo>
+                    <a:pt x="721824" y="0"/>
+                    <a:pt x="812800" y="90976"/>
+                    <a:pt x="812800" y="203200"/>
+                  </a:cubicBezTo>
+                  <a:cubicBezTo>
+                    <a:pt x="812800" y="315424"/>
+                    <a:pt x="721824" y="406400"/>
+                    <a:pt x="609600" y="406400"/>
+                  </a:cubicBezTo>
+                  <a:lnTo>
+                    <a:pt x="203200" y="406400"/>
+                  </a:lnTo>
+                  <a:cubicBezTo>
+                    <a:pt x="90976" y="406400"/>
+                    <a:pt x="0" y="315424"/>
+                    <a:pt x="0" y="203200"/>
+                  </a:cubicBezTo>
+                  <a:cubicBezTo>
+                    <a:pt x="0" y="90976"/>
+                    <a:pt x="90976" y="0"/>
+                    <a:pt x="203200" y="0"/>
+                  </a:cubicBezTo>
+                  <a:close/>
+                </a:path>
+              </a:pathLst>
+            </a:custGeom>
+            <a:solidFill>
+              <a:srgbClr val="737373"/>
+            </a:solidFill>
+          </p:spPr>
+        </p:sp>
+        <p:sp>
+          <p:nvSpPr>
+            <p:cNvPr name="TextBox 13" id="13"/>
+            <p:cNvSpPr txBox="true"/>
+            <p:nvPr/>
+          </p:nvSpPr>
+          <p:spPr>
+            <a:xfrm>
+              <a:off x="0" y="-38100"/>
+              <a:ext cx="812800" cy="444500"/>
+            </a:xfrm>
+            <a:prstGeom prst="rect">
+              <a:avLst/>
+            </a:prstGeom>
+          </p:spPr>
+          <p:txBody>
+            <a:bodyPr anchor="ctr" rtlCol="false" tIns="50800" lIns="50800" bIns="50800" rIns="50800"/>
+            <a:lstStyle/>
+            <a:p>
+              <a:pPr algn="ctr">
+                <a:lnSpc>
+                  <a:spcPts val="2659"/>
+                </a:lnSpc>
+                <a:spcBef>
+                  <a:spcPct val="0"/>
+                </a:spcBef>
+              </a:pPr>
+            </a:p>
+          </p:txBody>
+        </p:sp>
+      </p:grpSp>
+      <p:grpSp>
+        <p:nvGrpSpPr>
+          <p:cNvPr name="Group 14" id="14"/>
+          <p:cNvGrpSpPr/>
+          <p:nvPr/>
+        </p:nvGrpSpPr>
+        <p:grpSpPr>
+          <a:xfrm rot="-2562626">
+            <a:off x="13101516" y="9777072"/>
+            <a:ext cx="3710089" cy="1855044"/>
+            <a:chOff x="0" y="0"/>
+            <a:chExt cx="812800" cy="406400"/>
+          </a:xfrm>
+        </p:grpSpPr>
+        <p:sp>
+          <p:nvSpPr>
+            <p:cNvPr name="Freeform 15" id="15"/>
+            <p:cNvSpPr/>
+            <p:nvPr/>
+          </p:nvSpPr>
+          <p:spPr>
+            <a:xfrm flipH="false" flipV="false" rot="0">
+              <a:off x="0" y="0"/>
+              <a:ext cx="812800" cy="406400"/>
+            </a:xfrm>
+            <a:custGeom>
+              <a:avLst/>
+              <a:gdLst/>
+              <a:ahLst/>
+              <a:cxnLst/>
+              <a:rect r="r" b="b" t="t" l="l"/>
+              <a:pathLst>
+                <a:path h="406400" w="812800">
+                  <a:moveTo>
+                    <a:pt x="609600" y="0"/>
+                  </a:moveTo>
+                  <a:cubicBezTo>
+                    <a:pt x="721824" y="0"/>
+                    <a:pt x="812800" y="90976"/>
+                    <a:pt x="812800" y="203200"/>
+                  </a:cubicBezTo>
+                  <a:cubicBezTo>
+                    <a:pt x="812800" y="315424"/>
+                    <a:pt x="721824" y="406400"/>
+                    <a:pt x="609600" y="406400"/>
+                  </a:cubicBezTo>
+                  <a:lnTo>
+                    <a:pt x="203200" y="406400"/>
+                  </a:lnTo>
+                  <a:cubicBezTo>
+                    <a:pt x="90976" y="406400"/>
+                    <a:pt x="0" y="315424"/>
+                    <a:pt x="0" y="203200"/>
+                  </a:cubicBezTo>
+                  <a:cubicBezTo>
+                    <a:pt x="0" y="90976"/>
+                    <a:pt x="90976" y="0"/>
+                    <a:pt x="203200" y="0"/>
+                  </a:cubicBezTo>
+                  <a:close/>
+                </a:path>
+              </a:pathLst>
+            </a:custGeom>
+            <a:solidFill>
+              <a:srgbClr val="000000">
+                <a:alpha val="0"/>
+              </a:srgbClr>
+            </a:solidFill>
+            <a:ln w="57150" cap="sq">
+              <a:solidFill>
+                <a:srgbClr val="545454"/>
+              </a:solidFill>
+              <a:prstDash val="solid"/>
+              <a:miter/>
+            </a:ln>
+          </p:spPr>
+        </p:sp>
+        <p:sp>
+          <p:nvSpPr>
+            <p:cNvPr name="TextBox 16" id="16"/>
+            <p:cNvSpPr txBox="true"/>
+            <p:nvPr/>
+          </p:nvSpPr>
+          <p:spPr>
+            <a:xfrm>
+              <a:off x="0" y="-38100"/>
+              <a:ext cx="812800" cy="444500"/>
+            </a:xfrm>
+            <a:prstGeom prst="rect">
+              <a:avLst/>
+            </a:prstGeom>
+          </p:spPr>
+          <p:txBody>
+            <a:bodyPr anchor="ctr" rtlCol="false" tIns="50800" lIns="50800" bIns="50800" rIns="50800"/>
+            <a:lstStyle/>
+            <a:p>
+              <a:pPr algn="ctr">
+                <a:lnSpc>
+                  <a:spcPts val="2659"/>
+                </a:lnSpc>
+                <a:spcBef>
+                  <a:spcPct val="0"/>
+                </a:spcBef>
+              </a:pPr>
+            </a:p>
+          </p:txBody>
+        </p:sp>
+      </p:grpSp>
+      <p:grpSp>
+        <p:nvGrpSpPr>
+          <p:cNvPr name="Group 17" id="17"/>
+          <p:cNvGrpSpPr/>
+          <p:nvPr/>
+        </p:nvGrpSpPr>
+        <p:grpSpPr>
+          <a:xfrm rot="-2562626">
+            <a:off x="1610027" y="-1189519"/>
+            <a:ext cx="3726595" cy="1863298"/>
+            <a:chOff x="0" y="0"/>
+            <a:chExt cx="812800" cy="406400"/>
+          </a:xfrm>
+        </p:grpSpPr>
+        <p:sp>
+          <p:nvSpPr>
+            <p:cNvPr name="Freeform 18" id="18"/>
+            <p:cNvSpPr/>
+            <p:nvPr/>
+          </p:nvSpPr>
+          <p:spPr>
+            <a:xfrm flipH="false" flipV="false" rot="0">
+              <a:off x="0" y="0"/>
+              <a:ext cx="812800" cy="406400"/>
+            </a:xfrm>
+            <a:custGeom>
+              <a:avLst/>
+              <a:gdLst/>
+              <a:ahLst/>
+              <a:cxnLst/>
+              <a:rect r="r" b="b" t="t" l="l"/>
+              <a:pathLst>
+                <a:path h="406400" w="812800">
+                  <a:moveTo>
+                    <a:pt x="609600" y="0"/>
+                  </a:moveTo>
+                  <a:cubicBezTo>
+                    <a:pt x="721824" y="0"/>
+                    <a:pt x="812800" y="90976"/>
+                    <a:pt x="812800" y="203200"/>
+                  </a:cubicBezTo>
+                  <a:cubicBezTo>
+                    <a:pt x="812800" y="315424"/>
+                    <a:pt x="721824" y="406400"/>
+                    <a:pt x="609600" y="406400"/>
+                  </a:cubicBezTo>
+                  <a:lnTo>
+                    <a:pt x="203200" y="406400"/>
+                  </a:lnTo>
+                  <a:cubicBezTo>
+                    <a:pt x="90976" y="406400"/>
+                    <a:pt x="0" y="315424"/>
+                    <a:pt x="0" y="203200"/>
+                  </a:cubicBezTo>
+                  <a:cubicBezTo>
+                    <a:pt x="0" y="90976"/>
+                    <a:pt x="90976" y="0"/>
+                    <a:pt x="203200" y="0"/>
+                  </a:cubicBezTo>
+                  <a:close/>
+                </a:path>
+              </a:pathLst>
+            </a:custGeom>
+            <a:solidFill>
+              <a:srgbClr val="000000">
+                <a:alpha val="0"/>
+              </a:srgbClr>
+            </a:solidFill>
+            <a:ln w="57150" cap="sq">
+              <a:solidFill>
+                <a:srgbClr val="545454"/>
+              </a:solidFill>
+              <a:prstDash val="solid"/>
+              <a:miter/>
+            </a:ln>
+          </p:spPr>
+        </p:sp>
+        <p:sp>
+          <p:nvSpPr>
+            <p:cNvPr name="TextBox 19" id="19"/>
+            <p:cNvSpPr txBox="true"/>
+            <p:nvPr/>
+          </p:nvSpPr>
+          <p:spPr>
+            <a:xfrm>
+              <a:off x="0" y="-38100"/>
+              <a:ext cx="812800" cy="444500"/>
+            </a:xfrm>
+            <a:prstGeom prst="rect">
+              <a:avLst/>
+            </a:prstGeom>
+          </p:spPr>
+          <p:txBody>
+            <a:bodyPr anchor="ctr" rtlCol="false" tIns="50800" lIns="50800" bIns="50800" rIns="50800"/>
+            <a:lstStyle/>
+            <a:p>
+              <a:pPr algn="ctr">
+                <a:lnSpc>
+                  <a:spcPts val="2659"/>
+                </a:lnSpc>
+                <a:spcBef>
+                  <a:spcPct val="0"/>
+                </a:spcBef>
+              </a:pPr>
+            </a:p>
+          </p:txBody>
+        </p:sp>
+      </p:grpSp>
+      <p:sp>
+        <p:nvSpPr>
+          <p:cNvPr name="TextBox 20" id="20"/>
+          <p:cNvSpPr txBox="true"/>
+          <p:nvPr/>
+        </p:nvSpPr>
+        <p:spPr>
+          <a:xfrm rot="0">
+            <a:off x="7472013" y="1957259"/>
+            <a:ext cx="3343974" cy="1013779"/>
+          </a:xfrm>
+          <a:prstGeom prst="rect">
+            <a:avLst/>
+          </a:prstGeom>
+        </p:spPr>
+        <p:txBody>
+          <a:bodyPr anchor="t" rtlCol="false" tIns="0" lIns="0" bIns="0" rIns="0">
+            <a:spAutoFit/>
+          </a:bodyPr>
+          <a:lstStyle/>
+          <a:p>
+            <a:pPr algn="ctr">
+              <a:lnSpc>
+                <a:spcPts val="7182"/>
+              </a:lnSpc>
+            </a:pPr>
+            <a:r>
+              <a:rPr lang="en-US" sz="8450">
+                <a:solidFill>
+                  <a:srgbClr val="545454"/>
+                </a:solidFill>
+                <a:latin typeface="Bold Ink"/>
+                <a:ea typeface="Bold Ink"/>
+                <a:cs typeface="Bold Ink"/>
+                <a:sym typeface="Bold Ink"/>
+              </a:rPr>
+              <a:t>UZD 2</a:t>
+            </a:r>
+          </a:p>
+        </p:txBody>
+      </p:sp>
+      <p:sp>
+        <p:nvSpPr>
+          <p:cNvPr name="TextBox 21" id="21"/>
+          <p:cNvSpPr txBox="true"/>
+          <p:nvPr/>
+        </p:nvSpPr>
+        <p:spPr>
+          <a:xfrm rot="0">
+            <a:off x="2519752" y="3410080"/>
+            <a:ext cx="13248497" cy="3482794"/>
+          </a:xfrm>
+          <a:prstGeom prst="rect">
+            <a:avLst/>
+          </a:prstGeom>
+        </p:spPr>
+        <p:txBody>
+          <a:bodyPr anchor="t" rtlCol="false" tIns="0" lIns="0" bIns="0" rIns="0">
+            <a:spAutoFit/>
+          </a:bodyPr>
+          <a:lstStyle/>
+          <a:p>
+            <a:pPr algn="ctr">
+              <a:lnSpc>
+                <a:spcPts val="5434"/>
+              </a:lnSpc>
+            </a:pPr>
+            <a:r>
+              <a:rPr lang="en-US" sz="3882">
+                <a:solidFill>
+                  <a:srgbClr val="61654D"/>
+                </a:solidFill>
+                <a:latin typeface="Akzidenz-Grotesk"/>
+                <a:ea typeface="Akzidenz-Grotesk"/>
+                <a:cs typeface="Akzidenz-Grotesk"/>
+                <a:sym typeface="Akzidenz-Grotesk"/>
+              </a:rPr>
+              <a:t>Uzrakstiet programmu, kas izmanto ligzdotus for ciklus, lai izdrukātu taisnstūri ar # simboliem ar lietotāja norādītu platumu un augstumu. Piemēram, ja lietotājs ievada platumu = 5, augstumu = 3, programmai jāizdrukā 3 rindas ar 5 # simboliem katrā.</a:t>
+            </a:r>
+          </a:p>
+        </p:txBody>
+      </p:sp>
+    </p:spTree>
+  </p:cSld>
+  <p:clrMapOvr>
+    <a:masterClrMapping/>
+  </p:clrMapOvr>
+</p:sld>
+</file>
+
+<file path=ppt/slides/slide18.xml><?xml version="1.0" encoding="utf-8"?>
+<p:sld xmlns:p="http://schemas.openxmlformats.org/presentationml/2006/main" xmlns:a="http://schemas.openxmlformats.org/drawingml/2006/main" xmlns:r="http://schemas.openxmlformats.org/officeDocument/2006/relationships">
+  <p:cSld>
+    <p:bg>
+      <p:bgPr>
+        <a:solidFill>
+          <a:srgbClr val="DEDEDE"/>
+        </a:solidFill>
+      </p:bgPr>
+    </p:bg>
+    <p:spTree>
+      <p:nvGrpSpPr>
+        <p:cNvPr id="1" name=""/>
+        <p:cNvGrpSpPr/>
+        <p:nvPr/>
+      </p:nvGrpSpPr>
+      <p:grpSpPr>
+        <a:xfrm>
+          <a:off x="0" y="0"/>
+          <a:ext cx="0" cy="0"/>
+          <a:chOff x="0" y="0"/>
+          <a:chExt cx="0" cy="0"/>
+        </a:xfrm>
+      </p:grpSpPr>
+      <p:grpSp>
+        <p:nvGrpSpPr>
+          <p:cNvPr name="Group 2" id="2"/>
+          <p:cNvGrpSpPr/>
+          <p:nvPr/>
+        </p:nvGrpSpPr>
+        <p:grpSpPr>
+          <a:xfrm rot="-2562626">
+            <a:off x="-4763849" y="7784323"/>
+            <a:ext cx="8132490" cy="4066245"/>
+            <a:chOff x="0" y="0"/>
+            <a:chExt cx="812800" cy="406400"/>
+          </a:xfrm>
+        </p:grpSpPr>
+        <p:sp>
+          <p:nvSpPr>
+            <p:cNvPr name="Freeform 3" id="3"/>
+            <p:cNvSpPr/>
+            <p:nvPr/>
+          </p:nvSpPr>
+          <p:spPr>
+            <a:xfrm flipH="false" flipV="false" rot="0">
+              <a:off x="0" y="0"/>
+              <a:ext cx="812800" cy="406400"/>
+            </a:xfrm>
+            <a:custGeom>
+              <a:avLst/>
+              <a:gdLst/>
+              <a:ahLst/>
+              <a:cxnLst/>
+              <a:rect r="r" b="b" t="t" l="l"/>
+              <a:pathLst>
+                <a:path h="406400" w="812800">
+                  <a:moveTo>
+                    <a:pt x="609600" y="0"/>
+                  </a:moveTo>
+                  <a:cubicBezTo>
+                    <a:pt x="721824" y="0"/>
+                    <a:pt x="812800" y="90976"/>
+                    <a:pt x="812800" y="203200"/>
+                  </a:cubicBezTo>
+                  <a:cubicBezTo>
+                    <a:pt x="812800" y="315424"/>
+                    <a:pt x="721824" y="406400"/>
+                    <a:pt x="609600" y="406400"/>
+                  </a:cubicBezTo>
+                  <a:lnTo>
+                    <a:pt x="203200" y="406400"/>
+                  </a:lnTo>
+                  <a:cubicBezTo>
+                    <a:pt x="90976" y="406400"/>
+                    <a:pt x="0" y="315424"/>
+                    <a:pt x="0" y="203200"/>
+                  </a:cubicBezTo>
+                  <a:cubicBezTo>
+                    <a:pt x="0" y="90976"/>
+                    <a:pt x="90976" y="0"/>
+                    <a:pt x="203200" y="0"/>
+                  </a:cubicBezTo>
+                  <a:close/>
+                </a:path>
+              </a:pathLst>
+            </a:custGeom>
+            <a:solidFill>
+              <a:srgbClr val="545454"/>
+            </a:solidFill>
+          </p:spPr>
+        </p:sp>
+        <p:sp>
+          <p:nvSpPr>
+            <p:cNvPr name="TextBox 4" id="4"/>
+            <p:cNvSpPr txBox="true"/>
+            <p:nvPr/>
+          </p:nvSpPr>
+          <p:spPr>
+            <a:xfrm>
+              <a:off x="0" y="-38100"/>
+              <a:ext cx="812800" cy="444500"/>
+            </a:xfrm>
+            <a:prstGeom prst="rect">
+              <a:avLst/>
+            </a:prstGeom>
+          </p:spPr>
+          <p:txBody>
+            <a:bodyPr anchor="ctr" rtlCol="false" tIns="50800" lIns="50800" bIns="50800" rIns="50800"/>
+            <a:lstStyle/>
+            <a:p>
+              <a:pPr algn="ctr">
+                <a:lnSpc>
+                  <a:spcPts val="2659"/>
+                </a:lnSpc>
+                <a:spcBef>
+                  <a:spcPct val="0"/>
+                </a:spcBef>
+              </a:pPr>
+            </a:p>
+          </p:txBody>
+        </p:sp>
+      </p:grpSp>
+      <p:grpSp>
+        <p:nvGrpSpPr>
+          <p:cNvPr name="Group 5" id="5"/>
+          <p:cNvGrpSpPr/>
+          <p:nvPr/>
+        </p:nvGrpSpPr>
+        <p:grpSpPr>
+          <a:xfrm rot="-2562626">
+            <a:off x="-1091559" y="10289015"/>
+            <a:ext cx="4019797" cy="2009899"/>
+            <a:chOff x="0" y="0"/>
+            <a:chExt cx="812800" cy="406400"/>
+          </a:xfrm>
+        </p:grpSpPr>
+        <p:sp>
+          <p:nvSpPr>
+            <p:cNvPr name="Freeform 6" id="6"/>
+            <p:cNvSpPr/>
+            <p:nvPr/>
+          </p:nvSpPr>
+          <p:spPr>
+            <a:xfrm flipH="false" flipV="false" rot="0">
+              <a:off x="0" y="0"/>
+              <a:ext cx="812800" cy="406400"/>
+            </a:xfrm>
+            <a:custGeom>
+              <a:avLst/>
+              <a:gdLst/>
+              <a:ahLst/>
+              <a:cxnLst/>
+              <a:rect r="r" b="b" t="t" l="l"/>
+              <a:pathLst>
+                <a:path h="406400" w="812800">
+                  <a:moveTo>
+                    <a:pt x="609600" y="0"/>
+                  </a:moveTo>
+                  <a:cubicBezTo>
+                    <a:pt x="721824" y="0"/>
+                    <a:pt x="812800" y="90976"/>
+                    <a:pt x="812800" y="203200"/>
+                  </a:cubicBezTo>
+                  <a:cubicBezTo>
+                    <a:pt x="812800" y="315424"/>
+                    <a:pt x="721824" y="406400"/>
+                    <a:pt x="609600" y="406400"/>
+                  </a:cubicBezTo>
+                  <a:lnTo>
+                    <a:pt x="203200" y="406400"/>
+                  </a:lnTo>
+                  <a:cubicBezTo>
+                    <a:pt x="90976" y="406400"/>
+                    <a:pt x="0" y="315424"/>
+                    <a:pt x="0" y="203200"/>
+                  </a:cubicBezTo>
+                  <a:cubicBezTo>
+                    <a:pt x="0" y="90976"/>
+                    <a:pt x="90976" y="0"/>
+                    <a:pt x="203200" y="0"/>
+                  </a:cubicBezTo>
+                  <a:close/>
+                </a:path>
+              </a:pathLst>
+            </a:custGeom>
+            <a:solidFill>
+              <a:srgbClr val="737373"/>
+            </a:solidFill>
+          </p:spPr>
+        </p:sp>
+        <p:sp>
+          <p:nvSpPr>
+            <p:cNvPr name="TextBox 7" id="7"/>
+            <p:cNvSpPr txBox="true"/>
+            <p:nvPr/>
+          </p:nvSpPr>
+          <p:spPr>
+            <a:xfrm>
+              <a:off x="0" y="-38100"/>
+              <a:ext cx="812800" cy="444500"/>
+            </a:xfrm>
+            <a:prstGeom prst="rect">
+              <a:avLst/>
+            </a:prstGeom>
+          </p:spPr>
+          <p:txBody>
+            <a:bodyPr anchor="ctr" rtlCol="false" tIns="50800" lIns="50800" bIns="50800" rIns="50800"/>
+            <a:lstStyle/>
+            <a:p>
+              <a:pPr algn="ctr">
+                <a:lnSpc>
+                  <a:spcPts val="2659"/>
+                </a:lnSpc>
+                <a:spcBef>
+                  <a:spcPct val="0"/>
+                </a:spcBef>
+              </a:pPr>
+            </a:p>
+          </p:txBody>
+        </p:sp>
+      </p:grpSp>
+      <p:grpSp>
+        <p:nvGrpSpPr>
+          <p:cNvPr name="Group 8" id="8"/>
+          <p:cNvGrpSpPr/>
+          <p:nvPr/>
+        </p:nvGrpSpPr>
+        <p:grpSpPr>
+          <a:xfrm rot="-2562626">
+            <a:off x="15760647" y="-1537845"/>
+            <a:ext cx="8664509" cy="4332254"/>
+            <a:chOff x="0" y="0"/>
+            <a:chExt cx="812800" cy="406400"/>
+          </a:xfrm>
+        </p:grpSpPr>
+        <p:sp>
+          <p:nvSpPr>
+            <p:cNvPr name="Freeform 9" id="9"/>
+            <p:cNvSpPr/>
+            <p:nvPr/>
+          </p:nvSpPr>
+          <p:spPr>
+            <a:xfrm flipH="false" flipV="false" rot="0">
+              <a:off x="0" y="0"/>
+              <a:ext cx="812800" cy="406400"/>
+            </a:xfrm>
+            <a:custGeom>
+              <a:avLst/>
+              <a:gdLst/>
+              <a:ahLst/>
+              <a:cxnLst/>
+              <a:rect r="r" b="b" t="t" l="l"/>
+              <a:pathLst>
+                <a:path h="406400" w="812800">
+                  <a:moveTo>
+                    <a:pt x="609600" y="0"/>
+                  </a:moveTo>
+                  <a:cubicBezTo>
+                    <a:pt x="721824" y="0"/>
+                    <a:pt x="812800" y="90976"/>
+                    <a:pt x="812800" y="203200"/>
+                  </a:cubicBezTo>
+                  <a:cubicBezTo>
+                    <a:pt x="812800" y="315424"/>
+                    <a:pt x="721824" y="406400"/>
+                    <a:pt x="609600" y="406400"/>
+                  </a:cubicBezTo>
+                  <a:lnTo>
+                    <a:pt x="203200" y="406400"/>
+                  </a:lnTo>
+                  <a:cubicBezTo>
+                    <a:pt x="90976" y="406400"/>
+                    <a:pt x="0" y="315424"/>
+                    <a:pt x="0" y="203200"/>
+                  </a:cubicBezTo>
+                  <a:cubicBezTo>
+                    <a:pt x="0" y="90976"/>
+                    <a:pt x="90976" y="0"/>
+                    <a:pt x="203200" y="0"/>
+                  </a:cubicBezTo>
+                  <a:close/>
+                </a:path>
+              </a:pathLst>
+            </a:custGeom>
+            <a:solidFill>
+              <a:srgbClr val="545454"/>
+            </a:solidFill>
+          </p:spPr>
+        </p:sp>
+        <p:sp>
+          <p:nvSpPr>
+            <p:cNvPr name="TextBox 10" id="10"/>
+            <p:cNvSpPr txBox="true"/>
+            <p:nvPr/>
+          </p:nvSpPr>
+          <p:spPr>
+            <a:xfrm>
+              <a:off x="0" y="-38100"/>
+              <a:ext cx="812800" cy="444500"/>
+            </a:xfrm>
+            <a:prstGeom prst="rect">
+              <a:avLst/>
+            </a:prstGeom>
+          </p:spPr>
+          <p:txBody>
+            <a:bodyPr anchor="ctr" rtlCol="false" tIns="50800" lIns="50800" bIns="50800" rIns="50800"/>
+            <a:lstStyle/>
+            <a:p>
+              <a:pPr algn="ctr">
+                <a:lnSpc>
+                  <a:spcPts val="2659"/>
+                </a:lnSpc>
+                <a:spcBef>
+                  <a:spcPct val="0"/>
+                </a:spcBef>
+              </a:pPr>
+            </a:p>
+          </p:txBody>
+        </p:sp>
+      </p:grpSp>
+      <p:grpSp>
+        <p:nvGrpSpPr>
+          <p:cNvPr name="Group 11" id="11"/>
+          <p:cNvGrpSpPr/>
+          <p:nvPr/>
+        </p:nvGrpSpPr>
+        <p:grpSpPr>
+          <a:xfrm rot="-2562626">
+            <a:off x="16327816" y="-2285619"/>
+            <a:ext cx="4282768" cy="2141384"/>
+            <a:chOff x="0" y="0"/>
+            <a:chExt cx="812800" cy="406400"/>
+          </a:xfrm>
+        </p:grpSpPr>
+        <p:sp>
+          <p:nvSpPr>
+            <p:cNvPr name="Freeform 12" id="12"/>
+            <p:cNvSpPr/>
+            <p:nvPr/>
+          </p:nvSpPr>
+          <p:spPr>
+            <a:xfrm flipH="false" flipV="false" rot="0">
+              <a:off x="0" y="0"/>
+              <a:ext cx="812800" cy="406400"/>
+            </a:xfrm>
+            <a:custGeom>
+              <a:avLst/>
+              <a:gdLst/>
+              <a:ahLst/>
+              <a:cxnLst/>
+              <a:rect r="r" b="b" t="t" l="l"/>
+              <a:pathLst>
+                <a:path h="406400" w="812800">
+                  <a:moveTo>
+                    <a:pt x="609600" y="0"/>
+                  </a:moveTo>
+                  <a:cubicBezTo>
+                    <a:pt x="721824" y="0"/>
+                    <a:pt x="812800" y="90976"/>
+                    <a:pt x="812800" y="203200"/>
+                  </a:cubicBezTo>
+                  <a:cubicBezTo>
+                    <a:pt x="812800" y="315424"/>
+                    <a:pt x="721824" y="406400"/>
+                    <a:pt x="609600" y="406400"/>
+                  </a:cubicBezTo>
+                  <a:lnTo>
+                    <a:pt x="203200" y="406400"/>
+                  </a:lnTo>
+                  <a:cubicBezTo>
+                    <a:pt x="90976" y="406400"/>
+                    <a:pt x="0" y="315424"/>
+                    <a:pt x="0" y="203200"/>
+                  </a:cubicBezTo>
+                  <a:cubicBezTo>
+                    <a:pt x="0" y="90976"/>
+                    <a:pt x="90976" y="0"/>
+                    <a:pt x="203200" y="0"/>
+                  </a:cubicBezTo>
+                  <a:close/>
+                </a:path>
+              </a:pathLst>
+            </a:custGeom>
+            <a:solidFill>
+              <a:srgbClr val="737373"/>
+            </a:solidFill>
+          </p:spPr>
+        </p:sp>
+        <p:sp>
+          <p:nvSpPr>
+            <p:cNvPr name="TextBox 13" id="13"/>
+            <p:cNvSpPr txBox="true"/>
+            <p:nvPr/>
+          </p:nvSpPr>
+          <p:spPr>
+            <a:xfrm>
+              <a:off x="0" y="-38100"/>
+              <a:ext cx="812800" cy="444500"/>
+            </a:xfrm>
+            <a:prstGeom prst="rect">
+              <a:avLst/>
+            </a:prstGeom>
+          </p:spPr>
+          <p:txBody>
+            <a:bodyPr anchor="ctr" rtlCol="false" tIns="50800" lIns="50800" bIns="50800" rIns="50800"/>
+            <a:lstStyle/>
+            <a:p>
+              <a:pPr algn="ctr">
+                <a:lnSpc>
+                  <a:spcPts val="2659"/>
+                </a:lnSpc>
+                <a:spcBef>
+                  <a:spcPct val="0"/>
+                </a:spcBef>
+              </a:pPr>
+            </a:p>
+          </p:txBody>
+        </p:sp>
+      </p:grpSp>
+      <p:grpSp>
+        <p:nvGrpSpPr>
+          <p:cNvPr name="Group 14" id="14"/>
+          <p:cNvGrpSpPr/>
+          <p:nvPr/>
+        </p:nvGrpSpPr>
+        <p:grpSpPr>
+          <a:xfrm rot="-2562626">
+            <a:off x="13101516" y="9777072"/>
+            <a:ext cx="3710089" cy="1855044"/>
+            <a:chOff x="0" y="0"/>
+            <a:chExt cx="812800" cy="406400"/>
+          </a:xfrm>
+        </p:grpSpPr>
+        <p:sp>
+          <p:nvSpPr>
+            <p:cNvPr name="Freeform 15" id="15"/>
+            <p:cNvSpPr/>
+            <p:nvPr/>
+          </p:nvSpPr>
+          <p:spPr>
+            <a:xfrm flipH="false" flipV="false" rot="0">
+              <a:off x="0" y="0"/>
+              <a:ext cx="812800" cy="406400"/>
+            </a:xfrm>
+            <a:custGeom>
+              <a:avLst/>
+              <a:gdLst/>
+              <a:ahLst/>
+              <a:cxnLst/>
+              <a:rect r="r" b="b" t="t" l="l"/>
+              <a:pathLst>
+                <a:path h="406400" w="812800">
+                  <a:moveTo>
+                    <a:pt x="609600" y="0"/>
+                  </a:moveTo>
+                  <a:cubicBezTo>
+                    <a:pt x="721824" y="0"/>
+                    <a:pt x="812800" y="90976"/>
+                    <a:pt x="812800" y="203200"/>
+                  </a:cubicBezTo>
+                  <a:cubicBezTo>
+                    <a:pt x="812800" y="315424"/>
+                    <a:pt x="721824" y="406400"/>
+                    <a:pt x="609600" y="406400"/>
+                  </a:cubicBezTo>
+                  <a:lnTo>
+                    <a:pt x="203200" y="406400"/>
+                  </a:lnTo>
+                  <a:cubicBezTo>
+                    <a:pt x="90976" y="406400"/>
+                    <a:pt x="0" y="315424"/>
+                    <a:pt x="0" y="203200"/>
+                  </a:cubicBezTo>
+                  <a:cubicBezTo>
+                    <a:pt x="0" y="90976"/>
+                    <a:pt x="90976" y="0"/>
+                    <a:pt x="203200" y="0"/>
+                  </a:cubicBezTo>
+                  <a:close/>
+                </a:path>
+              </a:pathLst>
+            </a:custGeom>
+            <a:solidFill>
+              <a:srgbClr val="000000">
+                <a:alpha val="0"/>
+              </a:srgbClr>
+            </a:solidFill>
+            <a:ln w="57150" cap="sq">
+              <a:solidFill>
+                <a:srgbClr val="545454"/>
+              </a:solidFill>
+              <a:prstDash val="solid"/>
+              <a:miter/>
+            </a:ln>
+          </p:spPr>
+        </p:sp>
+        <p:sp>
+          <p:nvSpPr>
+            <p:cNvPr name="TextBox 16" id="16"/>
+            <p:cNvSpPr txBox="true"/>
+            <p:nvPr/>
+          </p:nvSpPr>
+          <p:spPr>
+            <a:xfrm>
+              <a:off x="0" y="-38100"/>
+              <a:ext cx="812800" cy="444500"/>
+            </a:xfrm>
+            <a:prstGeom prst="rect">
+              <a:avLst/>
+            </a:prstGeom>
+          </p:spPr>
+          <p:txBody>
+            <a:bodyPr anchor="ctr" rtlCol="false" tIns="50800" lIns="50800" bIns="50800" rIns="50800"/>
+            <a:lstStyle/>
+            <a:p>
+              <a:pPr algn="ctr">
+                <a:lnSpc>
+                  <a:spcPts val="2659"/>
+                </a:lnSpc>
+                <a:spcBef>
+                  <a:spcPct val="0"/>
+                </a:spcBef>
+              </a:pPr>
+            </a:p>
+          </p:txBody>
+        </p:sp>
+      </p:grpSp>
+      <p:grpSp>
+        <p:nvGrpSpPr>
+          <p:cNvPr name="Group 17" id="17"/>
+          <p:cNvGrpSpPr/>
+          <p:nvPr/>
+        </p:nvGrpSpPr>
+        <p:grpSpPr>
+          <a:xfrm rot="-2562626">
+            <a:off x="1610027" y="-1189519"/>
+            <a:ext cx="3726595" cy="1863298"/>
+            <a:chOff x="0" y="0"/>
+            <a:chExt cx="812800" cy="406400"/>
+          </a:xfrm>
+        </p:grpSpPr>
+        <p:sp>
+          <p:nvSpPr>
+            <p:cNvPr name="Freeform 18" id="18"/>
+            <p:cNvSpPr/>
+            <p:nvPr/>
+          </p:nvSpPr>
+          <p:spPr>
+            <a:xfrm flipH="false" flipV="false" rot="0">
+              <a:off x="0" y="0"/>
+              <a:ext cx="812800" cy="406400"/>
+            </a:xfrm>
+            <a:custGeom>
+              <a:avLst/>
+              <a:gdLst/>
+              <a:ahLst/>
+              <a:cxnLst/>
+              <a:rect r="r" b="b" t="t" l="l"/>
+              <a:pathLst>
+                <a:path h="406400" w="812800">
+                  <a:moveTo>
+                    <a:pt x="609600" y="0"/>
+                  </a:moveTo>
+                  <a:cubicBezTo>
+                    <a:pt x="721824" y="0"/>
+                    <a:pt x="812800" y="90976"/>
+                    <a:pt x="812800" y="203200"/>
+                  </a:cubicBezTo>
+                  <a:cubicBezTo>
+                    <a:pt x="812800" y="315424"/>
+                    <a:pt x="721824" y="406400"/>
+                    <a:pt x="609600" y="406400"/>
+                  </a:cubicBezTo>
+                  <a:lnTo>
+                    <a:pt x="203200" y="406400"/>
+                  </a:lnTo>
+                  <a:cubicBezTo>
+                    <a:pt x="90976" y="406400"/>
+                    <a:pt x="0" y="315424"/>
+                    <a:pt x="0" y="203200"/>
+                  </a:cubicBezTo>
+                  <a:cubicBezTo>
+                    <a:pt x="0" y="90976"/>
+                    <a:pt x="90976" y="0"/>
+                    <a:pt x="203200" y="0"/>
+                  </a:cubicBezTo>
+                  <a:close/>
+                </a:path>
+              </a:pathLst>
+            </a:custGeom>
+            <a:solidFill>
+              <a:srgbClr val="000000">
+                <a:alpha val="0"/>
+              </a:srgbClr>
+            </a:solidFill>
+            <a:ln w="57150" cap="sq">
+              <a:solidFill>
+                <a:srgbClr val="545454"/>
+              </a:solidFill>
+              <a:prstDash val="solid"/>
+              <a:miter/>
+            </a:ln>
+          </p:spPr>
+        </p:sp>
+        <p:sp>
+          <p:nvSpPr>
+            <p:cNvPr name="TextBox 19" id="19"/>
+            <p:cNvSpPr txBox="true"/>
+            <p:nvPr/>
+          </p:nvSpPr>
+          <p:spPr>
+            <a:xfrm>
+              <a:off x="0" y="-38100"/>
+              <a:ext cx="812800" cy="444500"/>
+            </a:xfrm>
+            <a:prstGeom prst="rect">
+              <a:avLst/>
+            </a:prstGeom>
+          </p:spPr>
+          <p:txBody>
+            <a:bodyPr anchor="ctr" rtlCol="false" tIns="50800" lIns="50800" bIns="50800" rIns="50800"/>
+            <a:lstStyle/>
+            <a:p>
+              <a:pPr algn="ctr">
+                <a:lnSpc>
+                  <a:spcPts val="2659"/>
+                </a:lnSpc>
+                <a:spcBef>
+                  <a:spcPct val="0"/>
+                </a:spcBef>
+              </a:pPr>
+            </a:p>
+          </p:txBody>
+        </p:sp>
+      </p:grpSp>
+      <p:sp>
+        <p:nvSpPr>
+          <p:cNvPr name="Freeform 20" id="20"/>
+          <p:cNvSpPr/>
+          <p:nvPr/>
+        </p:nvSpPr>
+        <p:spPr>
+          <a:xfrm flipH="false" flipV="false" rot="0">
+            <a:off x="3732718" y="3143220"/>
+            <a:ext cx="10822563" cy="5732499"/>
+          </a:xfrm>
+          <a:custGeom>
+            <a:avLst/>
+            <a:gdLst/>
+            <a:ahLst/>
+            <a:cxnLst/>
+            <a:rect r="r" b="b" t="t" l="l"/>
+            <a:pathLst>
+              <a:path h="5732499" w="10822563">
+                <a:moveTo>
+                  <a:pt x="0" y="0"/>
+                </a:moveTo>
+                <a:lnTo>
+                  <a:pt x="10822564" y="0"/>
+                </a:lnTo>
+                <a:lnTo>
+                  <a:pt x="10822564" y="5732499"/>
+                </a:lnTo>
+                <a:lnTo>
+                  <a:pt x="0" y="5732499"/>
+                </a:lnTo>
+                <a:lnTo>
+                  <a:pt x="0" y="0"/>
+                </a:lnTo>
+                <a:close/>
+              </a:path>
+            </a:pathLst>
+          </a:custGeom>
+          <a:blipFill>
+            <a:blip r:embed="rId2"/>
+            <a:stretch>
+              <a:fillRect l="0" t="0" r="0" b="0"/>
+            </a:stretch>
+          </a:blipFill>
+        </p:spPr>
+      </p:sp>
+      <p:sp>
+        <p:nvSpPr>
+          <p:cNvPr name="TextBox 21" id="21"/>
+          <p:cNvSpPr txBox="true"/>
+          <p:nvPr/>
+        </p:nvSpPr>
+        <p:spPr>
+          <a:xfrm rot="0">
+            <a:off x="3873762" y="1295400"/>
+            <a:ext cx="10540477" cy="1013779"/>
+          </a:xfrm>
+          <a:prstGeom prst="rect">
+            <a:avLst/>
+          </a:prstGeom>
+        </p:spPr>
+        <p:txBody>
+          <a:bodyPr anchor="t" rtlCol="false" tIns="0" lIns="0" bIns="0" rIns="0">
+            <a:spAutoFit/>
+          </a:bodyPr>
+          <a:lstStyle/>
+          <a:p>
+            <a:pPr algn="ctr">
+              <a:lnSpc>
+                <a:spcPts val="7182"/>
+              </a:lnSpc>
+            </a:pPr>
+            <a:r>
+              <a:rPr lang="en-US" sz="8450">
+                <a:solidFill>
+                  <a:srgbClr val="545454"/>
+                </a:solidFill>
+                <a:latin typeface="Bold Ink"/>
+                <a:ea typeface="Bold Ink"/>
+                <a:cs typeface="Bold Ink"/>
+                <a:sym typeface="Bold Ink"/>
+              </a:rPr>
+              <a:t>UZD 2</a:t>
+            </a:r>
+          </a:p>
+        </p:txBody>
+      </p:sp>
+    </p:spTree>
+  </p:cSld>
+  <p:clrMapOvr>
+    <a:masterClrMapping/>
+  </p:clrMapOvr>
+</p:sld>
+</file>
+
+<file path=ppt/slides/slide19.xml><?xml version="1.0" encoding="utf-8"?>
+<p:sld xmlns:p="http://schemas.openxmlformats.org/presentationml/2006/main" xmlns:a="http://schemas.openxmlformats.org/drawingml/2006/main">
+  <p:cSld>
+    <p:bg>
+      <p:bgPr>
+        <a:solidFill>
+          <a:srgbClr val="DEDEDE"/>
+        </a:solidFill>
+      </p:bgPr>
+    </p:bg>
+    <p:spTree>
+      <p:nvGrpSpPr>
+        <p:cNvPr id="1" name=""/>
+        <p:cNvGrpSpPr/>
+        <p:nvPr/>
+      </p:nvGrpSpPr>
+      <p:grpSpPr>
+        <a:xfrm>
+          <a:off x="0" y="0"/>
+          <a:ext cx="0" cy="0"/>
+          <a:chOff x="0" y="0"/>
+          <a:chExt cx="0" cy="0"/>
+        </a:xfrm>
+      </p:grpSpPr>
+      <p:grpSp>
+        <p:nvGrpSpPr>
+          <p:cNvPr name="Group 2" id="2"/>
+          <p:cNvGrpSpPr/>
+          <p:nvPr/>
+        </p:nvGrpSpPr>
+        <p:grpSpPr>
+          <a:xfrm rot="-2562626">
+            <a:off x="-4763849" y="7784323"/>
+            <a:ext cx="8132490" cy="4066245"/>
+            <a:chOff x="0" y="0"/>
+            <a:chExt cx="812800" cy="406400"/>
+          </a:xfrm>
+        </p:grpSpPr>
+        <p:sp>
+          <p:nvSpPr>
+            <p:cNvPr name="Freeform 3" id="3"/>
+            <p:cNvSpPr/>
+            <p:nvPr/>
+          </p:nvSpPr>
+          <p:spPr>
+            <a:xfrm flipH="false" flipV="false" rot="0">
+              <a:off x="0" y="0"/>
+              <a:ext cx="812800" cy="406400"/>
+            </a:xfrm>
+            <a:custGeom>
+              <a:avLst/>
+              <a:gdLst/>
+              <a:ahLst/>
+              <a:cxnLst/>
+              <a:rect r="r" b="b" t="t" l="l"/>
+              <a:pathLst>
+                <a:path h="406400" w="812800">
+                  <a:moveTo>
+                    <a:pt x="609600" y="0"/>
+                  </a:moveTo>
+                  <a:cubicBezTo>
+                    <a:pt x="721824" y="0"/>
+                    <a:pt x="812800" y="90976"/>
+                    <a:pt x="812800" y="203200"/>
+                  </a:cubicBezTo>
+                  <a:cubicBezTo>
+                    <a:pt x="812800" y="315424"/>
+                    <a:pt x="721824" y="406400"/>
+                    <a:pt x="609600" y="406400"/>
+                  </a:cubicBezTo>
+                  <a:lnTo>
+                    <a:pt x="203200" y="406400"/>
+                  </a:lnTo>
+                  <a:cubicBezTo>
+                    <a:pt x="90976" y="406400"/>
+                    <a:pt x="0" y="315424"/>
+                    <a:pt x="0" y="203200"/>
+                  </a:cubicBezTo>
+                  <a:cubicBezTo>
+                    <a:pt x="0" y="90976"/>
+                    <a:pt x="90976" y="0"/>
+                    <a:pt x="203200" y="0"/>
+                  </a:cubicBezTo>
+                  <a:close/>
+                </a:path>
+              </a:pathLst>
+            </a:custGeom>
+            <a:solidFill>
+              <a:srgbClr val="545454"/>
+            </a:solidFill>
+          </p:spPr>
+        </p:sp>
+        <p:sp>
+          <p:nvSpPr>
+            <p:cNvPr name="TextBox 4" id="4"/>
+            <p:cNvSpPr txBox="true"/>
+            <p:nvPr/>
+          </p:nvSpPr>
+          <p:spPr>
+            <a:xfrm>
+              <a:off x="0" y="-38100"/>
+              <a:ext cx="812800" cy="444500"/>
+            </a:xfrm>
+            <a:prstGeom prst="rect">
+              <a:avLst/>
+            </a:prstGeom>
+          </p:spPr>
+          <p:txBody>
+            <a:bodyPr anchor="ctr" rtlCol="false" tIns="50800" lIns="50800" bIns="50800" rIns="50800"/>
+            <a:lstStyle/>
+            <a:p>
+              <a:pPr algn="ctr">
+                <a:lnSpc>
+                  <a:spcPts val="2659"/>
+                </a:lnSpc>
+                <a:spcBef>
+                  <a:spcPct val="0"/>
+                </a:spcBef>
+              </a:pPr>
+            </a:p>
+          </p:txBody>
+        </p:sp>
+      </p:grpSp>
+      <p:grpSp>
+        <p:nvGrpSpPr>
+          <p:cNvPr name="Group 5" id="5"/>
+          <p:cNvGrpSpPr/>
+          <p:nvPr/>
+        </p:nvGrpSpPr>
+        <p:grpSpPr>
+          <a:xfrm rot="-2562626">
+            <a:off x="-1091559" y="10289015"/>
+            <a:ext cx="4019797" cy="2009899"/>
+            <a:chOff x="0" y="0"/>
+            <a:chExt cx="812800" cy="406400"/>
+          </a:xfrm>
+        </p:grpSpPr>
+        <p:sp>
+          <p:nvSpPr>
+            <p:cNvPr name="Freeform 6" id="6"/>
+            <p:cNvSpPr/>
+            <p:nvPr/>
+          </p:nvSpPr>
+          <p:spPr>
+            <a:xfrm flipH="false" flipV="false" rot="0">
+              <a:off x="0" y="0"/>
+              <a:ext cx="812800" cy="406400"/>
+            </a:xfrm>
+            <a:custGeom>
+              <a:avLst/>
+              <a:gdLst/>
+              <a:ahLst/>
+              <a:cxnLst/>
+              <a:rect r="r" b="b" t="t" l="l"/>
+              <a:pathLst>
+                <a:path h="406400" w="812800">
+                  <a:moveTo>
+                    <a:pt x="609600" y="0"/>
+                  </a:moveTo>
+                  <a:cubicBezTo>
+                    <a:pt x="721824" y="0"/>
+                    <a:pt x="812800" y="90976"/>
+                    <a:pt x="812800" y="203200"/>
+                  </a:cubicBezTo>
+                  <a:cubicBezTo>
+                    <a:pt x="812800" y="315424"/>
+                    <a:pt x="721824" y="406400"/>
+                    <a:pt x="609600" y="406400"/>
+                  </a:cubicBezTo>
+                  <a:lnTo>
+                    <a:pt x="203200" y="406400"/>
+                  </a:lnTo>
+                  <a:cubicBezTo>
+                    <a:pt x="90976" y="406400"/>
+                    <a:pt x="0" y="315424"/>
+                    <a:pt x="0" y="203200"/>
+                  </a:cubicBezTo>
+                  <a:cubicBezTo>
+                    <a:pt x="0" y="90976"/>
+                    <a:pt x="90976" y="0"/>
+                    <a:pt x="203200" y="0"/>
+                  </a:cubicBezTo>
+                  <a:close/>
+                </a:path>
+              </a:pathLst>
+            </a:custGeom>
+            <a:solidFill>
+              <a:srgbClr val="737373"/>
+            </a:solidFill>
+          </p:spPr>
+        </p:sp>
+        <p:sp>
+          <p:nvSpPr>
+            <p:cNvPr name="TextBox 7" id="7"/>
+            <p:cNvSpPr txBox="true"/>
+            <p:nvPr/>
+          </p:nvSpPr>
+          <p:spPr>
+            <a:xfrm>
+              <a:off x="0" y="-38100"/>
+              <a:ext cx="812800" cy="444500"/>
+            </a:xfrm>
+            <a:prstGeom prst="rect">
+              <a:avLst/>
+            </a:prstGeom>
+          </p:spPr>
+          <p:txBody>
+            <a:bodyPr anchor="ctr" rtlCol="false" tIns="50800" lIns="50800" bIns="50800" rIns="50800"/>
+            <a:lstStyle/>
+            <a:p>
+              <a:pPr algn="ctr">
+                <a:lnSpc>
+                  <a:spcPts val="2659"/>
+                </a:lnSpc>
+                <a:spcBef>
+                  <a:spcPct val="0"/>
+                </a:spcBef>
+              </a:pPr>
+            </a:p>
+          </p:txBody>
+        </p:sp>
+      </p:grpSp>
+      <p:grpSp>
+        <p:nvGrpSpPr>
+          <p:cNvPr name="Group 8" id="8"/>
+          <p:cNvGrpSpPr/>
+          <p:nvPr/>
+        </p:nvGrpSpPr>
+        <p:grpSpPr>
+          <a:xfrm rot="-2562626">
+            <a:off x="15760647" y="-1537845"/>
+            <a:ext cx="8664509" cy="4332254"/>
+            <a:chOff x="0" y="0"/>
+            <a:chExt cx="812800" cy="406400"/>
+          </a:xfrm>
+        </p:grpSpPr>
+        <p:sp>
+          <p:nvSpPr>
+            <p:cNvPr name="Freeform 9" id="9"/>
+            <p:cNvSpPr/>
+            <p:nvPr/>
+          </p:nvSpPr>
+          <p:spPr>
+            <a:xfrm flipH="false" flipV="false" rot="0">
+              <a:off x="0" y="0"/>
+              <a:ext cx="812800" cy="406400"/>
+            </a:xfrm>
+            <a:custGeom>
+              <a:avLst/>
+              <a:gdLst/>
+              <a:ahLst/>
+              <a:cxnLst/>
+              <a:rect r="r" b="b" t="t" l="l"/>
+              <a:pathLst>
+                <a:path h="406400" w="812800">
+                  <a:moveTo>
+                    <a:pt x="609600" y="0"/>
+                  </a:moveTo>
+                  <a:cubicBezTo>
+                    <a:pt x="721824" y="0"/>
+                    <a:pt x="812800" y="90976"/>
+                    <a:pt x="812800" y="203200"/>
+                  </a:cubicBezTo>
+                  <a:cubicBezTo>
+                    <a:pt x="812800" y="315424"/>
+                    <a:pt x="721824" y="406400"/>
+                    <a:pt x="609600" y="406400"/>
+                  </a:cubicBezTo>
+                  <a:lnTo>
+                    <a:pt x="203200" y="406400"/>
+                  </a:lnTo>
+                  <a:cubicBezTo>
+                    <a:pt x="90976" y="406400"/>
+                    <a:pt x="0" y="315424"/>
+                    <a:pt x="0" y="203200"/>
+                  </a:cubicBezTo>
+                  <a:cubicBezTo>
+                    <a:pt x="0" y="90976"/>
+                    <a:pt x="90976" y="0"/>
+                    <a:pt x="203200" y="0"/>
+                  </a:cubicBezTo>
+                  <a:close/>
+                </a:path>
+              </a:pathLst>
+            </a:custGeom>
+            <a:solidFill>
+              <a:srgbClr val="545454"/>
+            </a:solidFill>
+          </p:spPr>
+        </p:sp>
+        <p:sp>
+          <p:nvSpPr>
+            <p:cNvPr name="TextBox 10" id="10"/>
+            <p:cNvSpPr txBox="true"/>
+            <p:nvPr/>
+          </p:nvSpPr>
+          <p:spPr>
+            <a:xfrm>
+              <a:off x="0" y="-38100"/>
+              <a:ext cx="812800" cy="444500"/>
+            </a:xfrm>
+            <a:prstGeom prst="rect">
+              <a:avLst/>
+            </a:prstGeom>
+          </p:spPr>
+          <p:txBody>
+            <a:bodyPr anchor="ctr" rtlCol="false" tIns="50800" lIns="50800" bIns="50800" rIns="50800"/>
+            <a:lstStyle/>
+            <a:p>
+              <a:pPr algn="ctr">
+                <a:lnSpc>
+                  <a:spcPts val="2659"/>
+                </a:lnSpc>
+                <a:spcBef>
+                  <a:spcPct val="0"/>
+                </a:spcBef>
+              </a:pPr>
+            </a:p>
+          </p:txBody>
+        </p:sp>
+      </p:grpSp>
+      <p:grpSp>
+        <p:nvGrpSpPr>
+          <p:cNvPr name="Group 11" id="11"/>
+          <p:cNvGrpSpPr/>
+          <p:nvPr/>
+        </p:nvGrpSpPr>
+        <p:grpSpPr>
+          <a:xfrm rot="-2562626">
+            <a:off x="16327816" y="-2285619"/>
+            <a:ext cx="4282768" cy="2141384"/>
+            <a:chOff x="0" y="0"/>
+            <a:chExt cx="812800" cy="406400"/>
+          </a:xfrm>
+        </p:grpSpPr>
+        <p:sp>
+          <p:nvSpPr>
+            <p:cNvPr name="Freeform 12" id="12"/>
+            <p:cNvSpPr/>
+            <p:nvPr/>
+          </p:nvSpPr>
+          <p:spPr>
+            <a:xfrm flipH="false" flipV="false" rot="0">
+              <a:off x="0" y="0"/>
+              <a:ext cx="812800" cy="406400"/>
+            </a:xfrm>
+            <a:custGeom>
+              <a:avLst/>
+              <a:gdLst/>
+              <a:ahLst/>
+              <a:cxnLst/>
+              <a:rect r="r" b="b" t="t" l="l"/>
+              <a:pathLst>
+                <a:path h="406400" w="812800">
+                  <a:moveTo>
+                    <a:pt x="609600" y="0"/>
+                  </a:moveTo>
+                  <a:cubicBezTo>
+                    <a:pt x="721824" y="0"/>
+                    <a:pt x="812800" y="90976"/>
+                    <a:pt x="812800" y="203200"/>
+                  </a:cubicBezTo>
+                  <a:cubicBezTo>
+                    <a:pt x="812800" y="315424"/>
+                    <a:pt x="721824" y="406400"/>
+                    <a:pt x="609600" y="406400"/>
+                  </a:cubicBezTo>
+                  <a:lnTo>
+                    <a:pt x="203200" y="406400"/>
+                  </a:lnTo>
+                  <a:cubicBezTo>
+                    <a:pt x="90976" y="406400"/>
+                    <a:pt x="0" y="315424"/>
+                    <a:pt x="0" y="203200"/>
+                  </a:cubicBezTo>
+                  <a:cubicBezTo>
+                    <a:pt x="0" y="90976"/>
+                    <a:pt x="90976" y="0"/>
+                    <a:pt x="203200" y="0"/>
+                  </a:cubicBezTo>
+                  <a:close/>
+                </a:path>
+              </a:pathLst>
+            </a:custGeom>
+            <a:solidFill>
+              <a:srgbClr val="737373"/>
+            </a:solidFill>
+          </p:spPr>
+        </p:sp>
+        <p:sp>
+          <p:nvSpPr>
+            <p:cNvPr name="TextBox 13" id="13"/>
+            <p:cNvSpPr txBox="true"/>
+            <p:nvPr/>
+          </p:nvSpPr>
+          <p:spPr>
+            <a:xfrm>
+              <a:off x="0" y="-38100"/>
+              <a:ext cx="812800" cy="444500"/>
+            </a:xfrm>
+            <a:prstGeom prst="rect">
+              <a:avLst/>
+            </a:prstGeom>
+          </p:spPr>
+          <p:txBody>
+            <a:bodyPr anchor="ctr" rtlCol="false" tIns="50800" lIns="50800" bIns="50800" rIns="50800"/>
+            <a:lstStyle/>
+            <a:p>
+              <a:pPr algn="ctr">
+                <a:lnSpc>
+                  <a:spcPts val="2659"/>
+                </a:lnSpc>
+                <a:spcBef>
+                  <a:spcPct val="0"/>
+                </a:spcBef>
+              </a:pPr>
+            </a:p>
+          </p:txBody>
+        </p:sp>
+      </p:grpSp>
+      <p:grpSp>
+        <p:nvGrpSpPr>
+          <p:cNvPr name="Group 14" id="14"/>
+          <p:cNvGrpSpPr/>
+          <p:nvPr/>
+        </p:nvGrpSpPr>
+        <p:grpSpPr>
+          <a:xfrm rot="-2562626">
+            <a:off x="13101516" y="9777072"/>
+            <a:ext cx="3710089" cy="1855044"/>
+            <a:chOff x="0" y="0"/>
+            <a:chExt cx="812800" cy="406400"/>
+          </a:xfrm>
+        </p:grpSpPr>
+        <p:sp>
+          <p:nvSpPr>
+            <p:cNvPr name="Freeform 15" id="15"/>
+            <p:cNvSpPr/>
+            <p:nvPr/>
+          </p:nvSpPr>
+          <p:spPr>
+            <a:xfrm flipH="false" flipV="false" rot="0">
+              <a:off x="0" y="0"/>
+              <a:ext cx="812800" cy="406400"/>
+            </a:xfrm>
+            <a:custGeom>
+              <a:avLst/>
+              <a:gdLst/>
+              <a:ahLst/>
+              <a:cxnLst/>
+              <a:rect r="r" b="b" t="t" l="l"/>
+              <a:pathLst>
+                <a:path h="406400" w="812800">
+                  <a:moveTo>
+                    <a:pt x="609600" y="0"/>
+                  </a:moveTo>
+                  <a:cubicBezTo>
+                    <a:pt x="721824" y="0"/>
+                    <a:pt x="812800" y="90976"/>
+                    <a:pt x="812800" y="203200"/>
+                  </a:cubicBezTo>
+                  <a:cubicBezTo>
+                    <a:pt x="812800" y="315424"/>
+                    <a:pt x="721824" y="406400"/>
+                    <a:pt x="609600" y="406400"/>
+                  </a:cubicBezTo>
+                  <a:lnTo>
+                    <a:pt x="203200" y="406400"/>
+                  </a:lnTo>
+                  <a:cubicBezTo>
+                    <a:pt x="90976" y="406400"/>
+                    <a:pt x="0" y="315424"/>
+                    <a:pt x="0" y="203200"/>
+                  </a:cubicBezTo>
+                  <a:cubicBezTo>
+                    <a:pt x="0" y="90976"/>
+                    <a:pt x="90976" y="0"/>
+                    <a:pt x="203200" y="0"/>
+                  </a:cubicBezTo>
+                  <a:close/>
+                </a:path>
+              </a:pathLst>
+            </a:custGeom>
+            <a:solidFill>
+              <a:srgbClr val="000000">
+                <a:alpha val="0"/>
+              </a:srgbClr>
+            </a:solidFill>
+            <a:ln w="57150" cap="sq">
+              <a:solidFill>
+                <a:srgbClr val="545454"/>
+              </a:solidFill>
+              <a:prstDash val="solid"/>
+              <a:miter/>
+            </a:ln>
+          </p:spPr>
+        </p:sp>
+        <p:sp>
+          <p:nvSpPr>
+            <p:cNvPr name="TextBox 16" id="16"/>
+            <p:cNvSpPr txBox="true"/>
+            <p:nvPr/>
+          </p:nvSpPr>
+          <p:spPr>
+            <a:xfrm>
+              <a:off x="0" y="-38100"/>
+              <a:ext cx="812800" cy="444500"/>
+            </a:xfrm>
+            <a:prstGeom prst="rect">
+              <a:avLst/>
+            </a:prstGeom>
+          </p:spPr>
+          <p:txBody>
+            <a:bodyPr anchor="ctr" rtlCol="false" tIns="50800" lIns="50800" bIns="50800" rIns="50800"/>
+            <a:lstStyle/>
+            <a:p>
+              <a:pPr algn="ctr">
+                <a:lnSpc>
+                  <a:spcPts val="2659"/>
+                </a:lnSpc>
+                <a:spcBef>
+                  <a:spcPct val="0"/>
+                </a:spcBef>
+              </a:pPr>
+            </a:p>
+          </p:txBody>
+        </p:sp>
+      </p:grpSp>
+      <p:grpSp>
+        <p:nvGrpSpPr>
+          <p:cNvPr name="Group 17" id="17"/>
+          <p:cNvGrpSpPr/>
+          <p:nvPr/>
+        </p:nvGrpSpPr>
+        <p:grpSpPr>
+          <a:xfrm rot="-2562626">
+            <a:off x="1610027" y="-1189519"/>
+            <a:ext cx="3726595" cy="1863298"/>
+            <a:chOff x="0" y="0"/>
+            <a:chExt cx="812800" cy="406400"/>
+          </a:xfrm>
+        </p:grpSpPr>
+        <p:sp>
+          <p:nvSpPr>
+            <p:cNvPr name="Freeform 18" id="18"/>
+            <p:cNvSpPr/>
+            <p:nvPr/>
+          </p:nvSpPr>
+          <p:spPr>
+            <a:xfrm flipH="false" flipV="false" rot="0">
+              <a:off x="0" y="0"/>
+              <a:ext cx="812800" cy="406400"/>
+            </a:xfrm>
+            <a:custGeom>
+              <a:avLst/>
+              <a:gdLst/>
+              <a:ahLst/>
+              <a:cxnLst/>
+              <a:rect r="r" b="b" t="t" l="l"/>
+              <a:pathLst>
+                <a:path h="406400" w="812800">
+                  <a:moveTo>
+                    <a:pt x="609600" y="0"/>
+                  </a:moveTo>
+                  <a:cubicBezTo>
+                    <a:pt x="721824" y="0"/>
+                    <a:pt x="812800" y="90976"/>
+                    <a:pt x="812800" y="203200"/>
+                  </a:cubicBezTo>
+                  <a:cubicBezTo>
+                    <a:pt x="812800" y="315424"/>
+                    <a:pt x="721824" y="406400"/>
+                    <a:pt x="609600" y="406400"/>
+                  </a:cubicBezTo>
+                  <a:lnTo>
+                    <a:pt x="203200" y="406400"/>
+                  </a:lnTo>
+                  <a:cubicBezTo>
+                    <a:pt x="90976" y="406400"/>
+                    <a:pt x="0" y="315424"/>
+                    <a:pt x="0" y="203200"/>
+                  </a:cubicBezTo>
+                  <a:cubicBezTo>
+                    <a:pt x="0" y="90976"/>
+                    <a:pt x="90976" y="0"/>
+                    <a:pt x="203200" y="0"/>
+                  </a:cubicBezTo>
+                  <a:close/>
+                </a:path>
+              </a:pathLst>
+            </a:custGeom>
+            <a:solidFill>
+              <a:srgbClr val="000000">
+                <a:alpha val="0"/>
+              </a:srgbClr>
+            </a:solidFill>
+            <a:ln w="57150" cap="sq">
+              <a:solidFill>
+                <a:srgbClr val="545454"/>
+              </a:solidFill>
+              <a:prstDash val="solid"/>
+              <a:miter/>
+            </a:ln>
+          </p:spPr>
+        </p:sp>
+        <p:sp>
+          <p:nvSpPr>
+            <p:cNvPr name="TextBox 19" id="19"/>
+            <p:cNvSpPr txBox="true"/>
+            <p:nvPr/>
+          </p:nvSpPr>
+          <p:spPr>
+            <a:xfrm>
+              <a:off x="0" y="-38100"/>
+              <a:ext cx="812800" cy="444500"/>
+            </a:xfrm>
+            <a:prstGeom prst="rect">
+              <a:avLst/>
+            </a:prstGeom>
+          </p:spPr>
+          <p:txBody>
+            <a:bodyPr anchor="ctr" rtlCol="false" tIns="50800" lIns="50800" bIns="50800" rIns="50800"/>
+            <a:lstStyle/>
+            <a:p>
+              <a:pPr algn="ctr">
+                <a:lnSpc>
+                  <a:spcPts val="2659"/>
+                </a:lnSpc>
+                <a:spcBef>
+                  <a:spcPct val="0"/>
+                </a:spcBef>
+              </a:pPr>
+            </a:p>
+          </p:txBody>
+        </p:sp>
+      </p:grpSp>
+      <p:sp>
+        <p:nvSpPr>
+          <p:cNvPr name="TextBox 20" id="20"/>
+          <p:cNvSpPr txBox="true"/>
+          <p:nvPr/>
+        </p:nvSpPr>
+        <p:spPr>
+          <a:xfrm rot="0">
+            <a:off x="7524270" y="1827579"/>
+            <a:ext cx="3239461" cy="1013779"/>
+          </a:xfrm>
+          <a:prstGeom prst="rect">
+            <a:avLst/>
+          </a:prstGeom>
+        </p:spPr>
+        <p:txBody>
+          <a:bodyPr anchor="t" rtlCol="false" tIns="0" lIns="0" bIns="0" rIns="0">
+            <a:spAutoFit/>
+          </a:bodyPr>
+          <a:lstStyle/>
+          <a:p>
+            <a:pPr algn="ctr">
+              <a:lnSpc>
+                <a:spcPts val="7182"/>
+              </a:lnSpc>
+            </a:pPr>
+            <a:r>
+              <a:rPr lang="en-US" sz="8450">
+                <a:solidFill>
+                  <a:srgbClr val="545454"/>
+                </a:solidFill>
+                <a:latin typeface="Bold Ink"/>
+                <a:ea typeface="Bold Ink"/>
+                <a:cs typeface="Bold Ink"/>
+                <a:sym typeface="Bold Ink"/>
+              </a:rPr>
+              <a:t>UZD 3</a:t>
+            </a:r>
+          </a:p>
+        </p:txBody>
+      </p:sp>
+      <p:sp>
+        <p:nvSpPr>
+          <p:cNvPr name="TextBox 21" id="21"/>
+          <p:cNvSpPr txBox="true"/>
+          <p:nvPr/>
+        </p:nvSpPr>
+        <p:spPr>
+          <a:xfrm rot="0">
+            <a:off x="3162875" y="3877683"/>
+            <a:ext cx="11962250" cy="2111194"/>
+          </a:xfrm>
+          <a:prstGeom prst="rect">
+            <a:avLst/>
+          </a:prstGeom>
+        </p:spPr>
+        <p:txBody>
+          <a:bodyPr anchor="t" rtlCol="false" tIns="0" lIns="0" bIns="0" rIns="0">
+            <a:spAutoFit/>
+          </a:bodyPr>
+          <a:lstStyle/>
+          <a:p>
+            <a:pPr algn="ctr">
+              <a:lnSpc>
+                <a:spcPts val="5434"/>
+              </a:lnSpc>
+            </a:pPr>
+            <a:r>
+              <a:rPr lang="en-US" sz="3882">
+                <a:solidFill>
+                  <a:srgbClr val="61654D"/>
+                </a:solidFill>
+                <a:latin typeface="Akzidenz-Grotesk"/>
+                <a:ea typeface="Akzidenz-Grotesk"/>
+                <a:cs typeface="Akzidenz-Grotesk"/>
+                <a:sym typeface="Akzidenz-Grotesk"/>
+              </a:rPr>
+              <a:t>Lietotājs ievada virkni. Uzrakstiet programmu, kas izmanto for ciklu, lai saskaitītu patskaņu (a, ā, e, ē, i, ī, o, u, ū) skaitu virknē.</a:t>
+            </a:r>
+          </a:p>
+        </p:txBody>
+      </p:sp>
+    </p:spTree>
+  </p:cSld>
+  <p:clrMapOvr>
+    <a:masterClrMapping/>
+  </p:clrMapOvr>
+</p:sld>
+</file>
+
+<file path=ppt/slides/slide2.xml><?xml version="1.0" encoding="utf-8"?>
+<p:sld xmlns:p="http://schemas.openxmlformats.org/presentationml/2006/main" xmlns:a="http://schemas.openxmlformats.org/drawingml/2006/main" xmlns:r="http://schemas.openxmlformats.org/officeDocument/2006/relationships">
+  <p:cSld>
+    <p:bg>
+      <p:bgPr>
+        <a:solidFill>
+          <a:srgbClr val="DEDEDE"/>
+        </a:solidFill>
+      </p:bgPr>
+    </p:bg>
+    <p:spTree>
+      <p:nvGrpSpPr>
+        <p:cNvPr id="1" name=""/>
+        <p:cNvGrpSpPr/>
+        <p:nvPr/>
+      </p:nvGrpSpPr>
+      <p:grpSpPr>
+        <a:xfrm>
+          <a:off x="0" y="0"/>
+          <a:ext cx="0" cy="0"/>
+          <a:chOff x="0" y="0"/>
+          <a:chExt cx="0" cy="0"/>
+        </a:xfrm>
+      </p:grpSpPr>
+      <p:grpSp>
+        <p:nvGrpSpPr>
+          <p:cNvPr name="Group 2" id="2"/>
+          <p:cNvGrpSpPr/>
+          <p:nvPr/>
+        </p:nvGrpSpPr>
+        <p:grpSpPr>
+          <a:xfrm rot="-2562626">
+            <a:off x="-4763849" y="7784323"/>
+            <a:ext cx="8132490" cy="4066245"/>
+            <a:chOff x="0" y="0"/>
+            <a:chExt cx="812800" cy="406400"/>
+          </a:xfrm>
+        </p:grpSpPr>
+        <p:sp>
+          <p:nvSpPr>
+            <p:cNvPr name="Freeform 3" id="3"/>
+            <p:cNvSpPr/>
+            <p:nvPr/>
+          </p:nvSpPr>
+          <p:spPr>
+            <a:xfrm flipH="false" flipV="false" rot="0">
+              <a:off x="0" y="0"/>
+              <a:ext cx="812800" cy="406400"/>
+            </a:xfrm>
+            <a:custGeom>
+              <a:avLst/>
+              <a:gdLst/>
+              <a:ahLst/>
+              <a:cxnLst/>
+              <a:rect r="r" b="b" t="t" l="l"/>
+              <a:pathLst>
+                <a:path h="406400" w="812800">
+                  <a:moveTo>
+                    <a:pt x="609600" y="0"/>
+                  </a:moveTo>
+                  <a:cubicBezTo>
+                    <a:pt x="721824" y="0"/>
+                    <a:pt x="812800" y="90976"/>
+                    <a:pt x="812800" y="203200"/>
+                  </a:cubicBezTo>
+                  <a:cubicBezTo>
+                    <a:pt x="812800" y="315424"/>
+                    <a:pt x="721824" y="406400"/>
+                    <a:pt x="609600" y="406400"/>
+                  </a:cubicBezTo>
+                  <a:lnTo>
+                    <a:pt x="203200" y="406400"/>
+                  </a:lnTo>
+                  <a:cubicBezTo>
+                    <a:pt x="90976" y="406400"/>
+                    <a:pt x="0" y="315424"/>
+                    <a:pt x="0" y="203200"/>
+                  </a:cubicBezTo>
+                  <a:cubicBezTo>
+                    <a:pt x="0" y="90976"/>
+                    <a:pt x="90976" y="0"/>
+                    <a:pt x="203200" y="0"/>
+                  </a:cubicBezTo>
+                  <a:close/>
+                </a:path>
+              </a:pathLst>
+            </a:custGeom>
+            <a:solidFill>
+              <a:srgbClr val="545454"/>
+            </a:solidFill>
+          </p:spPr>
+        </p:sp>
+        <p:sp>
+          <p:nvSpPr>
+            <p:cNvPr name="TextBox 4" id="4"/>
+            <p:cNvSpPr txBox="true"/>
+            <p:nvPr/>
+          </p:nvSpPr>
+          <p:spPr>
+            <a:xfrm>
+              <a:off x="0" y="-38100"/>
+              <a:ext cx="812800" cy="444500"/>
+            </a:xfrm>
+            <a:prstGeom prst="rect">
+              <a:avLst/>
+            </a:prstGeom>
+          </p:spPr>
+          <p:txBody>
+            <a:bodyPr anchor="ctr" rtlCol="false" tIns="50800" lIns="50800" bIns="50800" rIns="50800"/>
+            <a:lstStyle/>
+            <a:p>
+              <a:pPr algn="ctr">
+                <a:lnSpc>
+                  <a:spcPts val="2659"/>
+                </a:lnSpc>
+                <a:spcBef>
+                  <a:spcPct val="0"/>
+                </a:spcBef>
+              </a:pPr>
+            </a:p>
+          </p:txBody>
+        </p:sp>
+      </p:grpSp>
+      <p:grpSp>
+        <p:nvGrpSpPr>
+          <p:cNvPr name="Group 5" id="5"/>
+          <p:cNvGrpSpPr/>
+          <p:nvPr/>
+        </p:nvGrpSpPr>
+        <p:grpSpPr>
+          <a:xfrm rot="-2562626">
+            <a:off x="-1091559" y="10289015"/>
+            <a:ext cx="4019797" cy="2009899"/>
+            <a:chOff x="0" y="0"/>
+            <a:chExt cx="812800" cy="406400"/>
+          </a:xfrm>
+        </p:grpSpPr>
+        <p:sp>
+          <p:nvSpPr>
+            <p:cNvPr name="Freeform 6" id="6"/>
+            <p:cNvSpPr/>
+            <p:nvPr/>
+          </p:nvSpPr>
+          <p:spPr>
+            <a:xfrm flipH="false" flipV="false" rot="0">
+              <a:off x="0" y="0"/>
+              <a:ext cx="812800" cy="406400"/>
+            </a:xfrm>
+            <a:custGeom>
+              <a:avLst/>
+              <a:gdLst/>
+              <a:ahLst/>
+              <a:cxnLst/>
+              <a:rect r="r" b="b" t="t" l="l"/>
+              <a:pathLst>
+                <a:path h="406400" w="812800">
+                  <a:moveTo>
+                    <a:pt x="609600" y="0"/>
+                  </a:moveTo>
+                  <a:cubicBezTo>
+                    <a:pt x="721824" y="0"/>
+                    <a:pt x="812800" y="90976"/>
+                    <a:pt x="812800" y="203200"/>
+                  </a:cubicBezTo>
+                  <a:cubicBezTo>
+                    <a:pt x="812800" y="315424"/>
+                    <a:pt x="721824" y="406400"/>
+                    <a:pt x="609600" y="406400"/>
+                  </a:cubicBezTo>
+                  <a:lnTo>
+                    <a:pt x="203200" y="406400"/>
+                  </a:lnTo>
+                  <a:cubicBezTo>
+                    <a:pt x="90976" y="406400"/>
+                    <a:pt x="0" y="315424"/>
+                    <a:pt x="0" y="203200"/>
+                  </a:cubicBezTo>
+                  <a:cubicBezTo>
+                    <a:pt x="0" y="90976"/>
+                    <a:pt x="90976" y="0"/>
+                    <a:pt x="203200" y="0"/>
+                  </a:cubicBezTo>
+                  <a:close/>
+                </a:path>
+              </a:pathLst>
+            </a:custGeom>
+            <a:solidFill>
+              <a:srgbClr val="737373"/>
+            </a:solidFill>
+          </p:spPr>
+        </p:sp>
+        <p:sp>
+          <p:nvSpPr>
+            <p:cNvPr name="TextBox 7" id="7"/>
+            <p:cNvSpPr txBox="true"/>
+            <p:nvPr/>
+          </p:nvSpPr>
+          <p:spPr>
+            <a:xfrm>
+              <a:off x="0" y="-38100"/>
+              <a:ext cx="812800" cy="444500"/>
+            </a:xfrm>
+            <a:prstGeom prst="rect">
+              <a:avLst/>
+            </a:prstGeom>
+          </p:spPr>
+          <p:txBody>
+            <a:bodyPr anchor="ctr" rtlCol="false" tIns="50800" lIns="50800" bIns="50800" rIns="50800"/>
+            <a:lstStyle/>
+            <a:p>
+              <a:pPr algn="ctr">
+                <a:lnSpc>
+                  <a:spcPts val="2659"/>
+                </a:lnSpc>
+                <a:spcBef>
+                  <a:spcPct val="0"/>
+                </a:spcBef>
+              </a:pPr>
+            </a:p>
+          </p:txBody>
+        </p:sp>
+      </p:grpSp>
+      <p:grpSp>
+        <p:nvGrpSpPr>
+          <p:cNvPr name="Group 8" id="8"/>
+          <p:cNvGrpSpPr/>
+          <p:nvPr/>
+        </p:nvGrpSpPr>
+        <p:grpSpPr>
+          <a:xfrm rot="-2562626">
+            <a:off x="15760647" y="-1537845"/>
+            <a:ext cx="8664509" cy="4332254"/>
+            <a:chOff x="0" y="0"/>
+            <a:chExt cx="812800" cy="406400"/>
+          </a:xfrm>
+        </p:grpSpPr>
+        <p:sp>
+          <p:nvSpPr>
+            <p:cNvPr name="Freeform 9" id="9"/>
+            <p:cNvSpPr/>
+            <p:nvPr/>
+          </p:nvSpPr>
+          <p:spPr>
+            <a:xfrm flipH="false" flipV="false" rot="0">
+              <a:off x="0" y="0"/>
+              <a:ext cx="812800" cy="406400"/>
+            </a:xfrm>
+            <a:custGeom>
+              <a:avLst/>
+              <a:gdLst/>
+              <a:ahLst/>
+              <a:cxnLst/>
+              <a:rect r="r" b="b" t="t" l="l"/>
+              <a:pathLst>
+                <a:path h="406400" w="812800">
+                  <a:moveTo>
+                    <a:pt x="609600" y="0"/>
+                  </a:moveTo>
+                  <a:cubicBezTo>
+                    <a:pt x="721824" y="0"/>
+                    <a:pt x="812800" y="90976"/>
+                    <a:pt x="812800" y="203200"/>
+                  </a:cubicBezTo>
+                  <a:cubicBezTo>
+                    <a:pt x="812800" y="315424"/>
+                    <a:pt x="721824" y="406400"/>
+                    <a:pt x="609600" y="406400"/>
+                  </a:cubicBezTo>
+                  <a:lnTo>
+                    <a:pt x="203200" y="406400"/>
+                  </a:lnTo>
+                  <a:cubicBezTo>
+                    <a:pt x="90976" y="406400"/>
+                    <a:pt x="0" y="315424"/>
+                    <a:pt x="0" y="203200"/>
+                  </a:cubicBezTo>
+                  <a:cubicBezTo>
+                    <a:pt x="0" y="90976"/>
+                    <a:pt x="90976" y="0"/>
+                    <a:pt x="203200" y="0"/>
+                  </a:cubicBezTo>
+                  <a:close/>
+                </a:path>
+              </a:pathLst>
+            </a:custGeom>
+            <a:solidFill>
+              <a:srgbClr val="545454"/>
+            </a:solidFill>
+          </p:spPr>
+        </p:sp>
+        <p:sp>
+          <p:nvSpPr>
+            <p:cNvPr name="TextBox 10" id="10"/>
+            <p:cNvSpPr txBox="true"/>
+            <p:nvPr/>
+          </p:nvSpPr>
+          <p:spPr>
+            <a:xfrm>
+              <a:off x="0" y="-38100"/>
+              <a:ext cx="812800" cy="444500"/>
+            </a:xfrm>
+            <a:prstGeom prst="rect">
+              <a:avLst/>
+            </a:prstGeom>
+          </p:spPr>
+          <p:txBody>
+            <a:bodyPr anchor="ctr" rtlCol="false" tIns="50800" lIns="50800" bIns="50800" rIns="50800"/>
+            <a:lstStyle/>
+            <a:p>
+              <a:pPr algn="ctr">
+                <a:lnSpc>
+                  <a:spcPts val="2659"/>
+                </a:lnSpc>
+                <a:spcBef>
+                  <a:spcPct val="0"/>
+                </a:spcBef>
+              </a:pPr>
+            </a:p>
+          </p:txBody>
+        </p:sp>
+      </p:grpSp>
+      <p:grpSp>
+        <p:nvGrpSpPr>
+          <p:cNvPr name="Group 11" id="11"/>
+          <p:cNvGrpSpPr/>
+          <p:nvPr/>
+        </p:nvGrpSpPr>
+        <p:grpSpPr>
+          <a:xfrm rot="-2562626">
+            <a:off x="16327816" y="-2285619"/>
+            <a:ext cx="4282768" cy="2141384"/>
+            <a:chOff x="0" y="0"/>
+            <a:chExt cx="812800" cy="406400"/>
+          </a:xfrm>
+        </p:grpSpPr>
+        <p:sp>
+          <p:nvSpPr>
+            <p:cNvPr name="Freeform 12" id="12"/>
+            <p:cNvSpPr/>
+            <p:nvPr/>
+          </p:nvSpPr>
+          <p:spPr>
+            <a:xfrm flipH="false" flipV="false" rot="0">
+              <a:off x="0" y="0"/>
+              <a:ext cx="812800" cy="406400"/>
+            </a:xfrm>
+            <a:custGeom>
+              <a:avLst/>
+              <a:gdLst/>
+              <a:ahLst/>
+              <a:cxnLst/>
+              <a:rect r="r" b="b" t="t" l="l"/>
+              <a:pathLst>
+                <a:path h="406400" w="812800">
+                  <a:moveTo>
+                    <a:pt x="609600" y="0"/>
+                  </a:moveTo>
+                  <a:cubicBezTo>
+                    <a:pt x="721824" y="0"/>
+                    <a:pt x="812800" y="90976"/>
+                    <a:pt x="812800" y="203200"/>
+                  </a:cubicBezTo>
+                  <a:cubicBezTo>
+                    <a:pt x="812800" y="315424"/>
+                    <a:pt x="721824" y="406400"/>
+                    <a:pt x="609600" y="406400"/>
+                  </a:cubicBezTo>
+                  <a:lnTo>
+                    <a:pt x="203200" y="406400"/>
+                  </a:lnTo>
+                  <a:cubicBezTo>
+                    <a:pt x="90976" y="406400"/>
+                    <a:pt x="0" y="315424"/>
+                    <a:pt x="0" y="203200"/>
+                  </a:cubicBezTo>
+                  <a:cubicBezTo>
+                    <a:pt x="0" y="90976"/>
+                    <a:pt x="90976" y="0"/>
+                    <a:pt x="203200" y="0"/>
+                  </a:cubicBezTo>
+                  <a:close/>
+                </a:path>
+              </a:pathLst>
+            </a:custGeom>
+            <a:solidFill>
+              <a:srgbClr val="737373"/>
+            </a:solidFill>
+          </p:spPr>
+        </p:sp>
+        <p:sp>
+          <p:nvSpPr>
+            <p:cNvPr name="TextBox 13" id="13"/>
+            <p:cNvSpPr txBox="true"/>
+            <p:nvPr/>
+          </p:nvSpPr>
+          <p:spPr>
+            <a:xfrm>
+              <a:off x="0" y="-38100"/>
+              <a:ext cx="812800" cy="444500"/>
+            </a:xfrm>
+            <a:prstGeom prst="rect">
+              <a:avLst/>
+            </a:prstGeom>
+          </p:spPr>
+          <p:txBody>
+            <a:bodyPr anchor="ctr" rtlCol="false" tIns="50800" lIns="50800" bIns="50800" rIns="50800"/>
+            <a:lstStyle/>
+            <a:p>
+              <a:pPr algn="ctr">
+                <a:lnSpc>
+                  <a:spcPts val="2659"/>
+                </a:lnSpc>
+                <a:spcBef>
+                  <a:spcPct val="0"/>
+                </a:spcBef>
+              </a:pPr>
+            </a:p>
+          </p:txBody>
+        </p:sp>
+      </p:grpSp>
+      <p:grpSp>
+        <p:nvGrpSpPr>
+          <p:cNvPr name="Group 14" id="14"/>
+          <p:cNvGrpSpPr/>
+          <p:nvPr/>
+        </p:nvGrpSpPr>
+        <p:grpSpPr>
+          <a:xfrm rot="-2562626">
+            <a:off x="13101516" y="9777072"/>
+            <a:ext cx="3710089" cy="1855044"/>
+            <a:chOff x="0" y="0"/>
+            <a:chExt cx="812800" cy="406400"/>
+          </a:xfrm>
+        </p:grpSpPr>
+        <p:sp>
+          <p:nvSpPr>
+            <p:cNvPr name="Freeform 15" id="15"/>
+            <p:cNvSpPr/>
+            <p:nvPr/>
+          </p:nvSpPr>
+          <p:spPr>
+            <a:xfrm flipH="false" flipV="false" rot="0">
+              <a:off x="0" y="0"/>
+              <a:ext cx="812800" cy="406400"/>
+            </a:xfrm>
+            <a:custGeom>
+              <a:avLst/>
+              <a:gdLst/>
+              <a:ahLst/>
+              <a:cxnLst/>
+              <a:rect r="r" b="b" t="t" l="l"/>
+              <a:pathLst>
+                <a:path h="406400" w="812800">
+                  <a:moveTo>
+                    <a:pt x="609600" y="0"/>
+                  </a:moveTo>
+                  <a:cubicBezTo>
+                    <a:pt x="721824" y="0"/>
+                    <a:pt x="812800" y="90976"/>
+                    <a:pt x="812800" y="203200"/>
+                  </a:cubicBezTo>
+                  <a:cubicBezTo>
+                    <a:pt x="812800" y="315424"/>
+                    <a:pt x="721824" y="406400"/>
+                    <a:pt x="609600" y="406400"/>
+                  </a:cubicBezTo>
+                  <a:lnTo>
+                    <a:pt x="203200" y="406400"/>
+                  </a:lnTo>
+                  <a:cubicBezTo>
+                    <a:pt x="90976" y="406400"/>
+                    <a:pt x="0" y="315424"/>
+                    <a:pt x="0" y="203200"/>
+                  </a:cubicBezTo>
+                  <a:cubicBezTo>
+                    <a:pt x="0" y="90976"/>
+                    <a:pt x="90976" y="0"/>
+                    <a:pt x="203200" y="0"/>
+                  </a:cubicBezTo>
+                  <a:close/>
+                </a:path>
+              </a:pathLst>
+            </a:custGeom>
+            <a:solidFill>
+              <a:srgbClr val="000000">
+                <a:alpha val="0"/>
+              </a:srgbClr>
+            </a:solidFill>
+            <a:ln w="57150" cap="sq">
+              <a:solidFill>
+                <a:srgbClr val="545454"/>
+              </a:solidFill>
+              <a:prstDash val="solid"/>
+              <a:miter/>
+            </a:ln>
+          </p:spPr>
+        </p:sp>
+        <p:sp>
+          <p:nvSpPr>
+            <p:cNvPr name="TextBox 16" id="16"/>
+            <p:cNvSpPr txBox="true"/>
+            <p:nvPr/>
+          </p:nvSpPr>
+          <p:spPr>
+            <a:xfrm>
+              <a:off x="0" y="-38100"/>
+              <a:ext cx="812800" cy="444500"/>
+            </a:xfrm>
+            <a:prstGeom prst="rect">
+              <a:avLst/>
+            </a:prstGeom>
+          </p:spPr>
+          <p:txBody>
+            <a:bodyPr anchor="ctr" rtlCol="false" tIns="50800" lIns="50800" bIns="50800" rIns="50800"/>
+            <a:lstStyle/>
+            <a:p>
+              <a:pPr algn="ctr">
+                <a:lnSpc>
+                  <a:spcPts val="2659"/>
+                </a:lnSpc>
+                <a:spcBef>
+                  <a:spcPct val="0"/>
+                </a:spcBef>
+              </a:pPr>
+            </a:p>
+          </p:txBody>
+        </p:sp>
+      </p:grpSp>
+      <p:grpSp>
+        <p:nvGrpSpPr>
+          <p:cNvPr name="Group 17" id="17"/>
+          <p:cNvGrpSpPr/>
+          <p:nvPr/>
+        </p:nvGrpSpPr>
+        <p:grpSpPr>
+          <a:xfrm rot="-2562626">
+            <a:off x="1610027" y="-1189519"/>
+            <a:ext cx="3726595" cy="1863298"/>
+            <a:chOff x="0" y="0"/>
+            <a:chExt cx="812800" cy="406400"/>
+          </a:xfrm>
+        </p:grpSpPr>
+        <p:sp>
+          <p:nvSpPr>
+            <p:cNvPr name="Freeform 18" id="18"/>
+            <p:cNvSpPr/>
+            <p:nvPr/>
+          </p:nvSpPr>
+          <p:spPr>
+            <a:xfrm flipH="false" flipV="false" rot="0">
+              <a:off x="0" y="0"/>
+              <a:ext cx="812800" cy="406400"/>
+            </a:xfrm>
+            <a:custGeom>
+              <a:avLst/>
+              <a:gdLst/>
+              <a:ahLst/>
+              <a:cxnLst/>
+              <a:rect r="r" b="b" t="t" l="l"/>
+              <a:pathLst>
+                <a:path h="406400" w="812800">
+                  <a:moveTo>
+                    <a:pt x="609600" y="0"/>
+                  </a:moveTo>
+                  <a:cubicBezTo>
+                    <a:pt x="721824" y="0"/>
+                    <a:pt x="812800" y="90976"/>
+                    <a:pt x="812800" y="203200"/>
+                  </a:cubicBezTo>
+                  <a:cubicBezTo>
+                    <a:pt x="812800" y="315424"/>
+                    <a:pt x="721824" y="406400"/>
+                    <a:pt x="609600" y="406400"/>
+                  </a:cubicBezTo>
+                  <a:lnTo>
+                    <a:pt x="203200" y="406400"/>
+                  </a:lnTo>
+                  <a:cubicBezTo>
+                    <a:pt x="90976" y="406400"/>
+                    <a:pt x="0" y="315424"/>
+                    <a:pt x="0" y="203200"/>
+                  </a:cubicBezTo>
+                  <a:cubicBezTo>
+                    <a:pt x="0" y="90976"/>
+                    <a:pt x="90976" y="0"/>
+                    <a:pt x="203200" y="0"/>
+                  </a:cubicBezTo>
+                  <a:close/>
+                </a:path>
+              </a:pathLst>
+            </a:custGeom>
+            <a:solidFill>
+              <a:srgbClr val="000000">
+                <a:alpha val="0"/>
+              </a:srgbClr>
+            </a:solidFill>
+            <a:ln w="57150" cap="sq">
+              <a:solidFill>
+                <a:srgbClr val="545454"/>
+              </a:solidFill>
+              <a:prstDash val="solid"/>
+              <a:miter/>
+            </a:ln>
+          </p:spPr>
+        </p:sp>
+        <p:sp>
+          <p:nvSpPr>
+            <p:cNvPr name="TextBox 19" id="19"/>
+            <p:cNvSpPr txBox="true"/>
+            <p:nvPr/>
+          </p:nvSpPr>
+          <p:spPr>
+            <a:xfrm>
+              <a:off x="0" y="-38100"/>
+              <a:ext cx="812800" cy="444500"/>
+            </a:xfrm>
+            <a:prstGeom prst="rect">
+              <a:avLst/>
+            </a:prstGeom>
+          </p:spPr>
+          <p:txBody>
+            <a:bodyPr anchor="ctr" rtlCol="false" tIns="50800" lIns="50800" bIns="50800" rIns="50800"/>
+            <a:lstStyle/>
+            <a:p>
+              <a:pPr algn="ctr">
+                <a:lnSpc>
+                  <a:spcPts val="2659"/>
+                </a:lnSpc>
+                <a:spcBef>
+                  <a:spcPct val="0"/>
+                </a:spcBef>
+              </a:pPr>
+            </a:p>
+          </p:txBody>
+        </p:sp>
+      </p:grpSp>
+      <p:sp>
+        <p:nvSpPr>
+          <p:cNvPr name="Freeform 20" id="20"/>
+          <p:cNvSpPr/>
+          <p:nvPr/>
+        </p:nvSpPr>
+        <p:spPr>
+          <a:xfrm flipH="false" flipV="false" rot="0">
+            <a:off x="13419378" y="3919011"/>
+            <a:ext cx="4286779" cy="4277735"/>
+          </a:xfrm>
+          <a:custGeom>
+            <a:avLst/>
+            <a:gdLst/>
+            <a:ahLst/>
+            <a:cxnLst/>
+            <a:rect r="r" b="b" t="t" l="l"/>
+            <a:pathLst>
+              <a:path h="4277735" w="4286779">
+                <a:moveTo>
+                  <a:pt x="0" y="0"/>
+                </a:moveTo>
+                <a:lnTo>
+                  <a:pt x="4286779" y="0"/>
+                </a:lnTo>
+                <a:lnTo>
+                  <a:pt x="4286779" y="4277735"/>
+                </a:lnTo>
+                <a:lnTo>
+                  <a:pt x="0" y="4277735"/>
+                </a:lnTo>
+                <a:lnTo>
+                  <a:pt x="0" y="0"/>
+                </a:lnTo>
+                <a:close/>
+              </a:path>
+            </a:pathLst>
+          </a:custGeom>
+          <a:blipFill>
+            <a:blip r:embed="rId2"/>
+            <a:stretch>
+              <a:fillRect l="0" t="0" r="0" b="0"/>
+            </a:stretch>
+          </a:blipFill>
+        </p:spPr>
+      </p:sp>
+      <p:sp>
+        <p:nvSpPr>
+          <p:cNvPr name="TextBox 21" id="21"/>
+          <p:cNvSpPr txBox="true"/>
+          <p:nvPr/>
+        </p:nvSpPr>
+        <p:spPr>
+          <a:xfrm rot="0">
+            <a:off x="3873762" y="2775708"/>
+            <a:ext cx="10540477" cy="1013779"/>
+          </a:xfrm>
+          <a:prstGeom prst="rect">
+            <a:avLst/>
+          </a:prstGeom>
+        </p:spPr>
+        <p:txBody>
+          <a:bodyPr anchor="t" rtlCol="false" tIns="0" lIns="0" bIns="0" rIns="0">
+            <a:spAutoFit/>
+          </a:bodyPr>
+          <a:lstStyle/>
+          <a:p>
+            <a:pPr algn="ctr">
+              <a:lnSpc>
+                <a:spcPts val="7182"/>
+              </a:lnSpc>
+            </a:pPr>
+            <a:r>
+              <a:rPr lang="en-US" sz="8450">
+                <a:solidFill>
+                  <a:srgbClr val="545454"/>
+                </a:solidFill>
+                <a:latin typeface="Bold Ink"/>
+                <a:ea typeface="Bold Ink"/>
+                <a:cs typeface="Bold Ink"/>
+                <a:sym typeface="Bold Ink"/>
+              </a:rPr>
+              <a:t>KAS IR CIKLS?</a:t>
+            </a:r>
+          </a:p>
+        </p:txBody>
+      </p:sp>
+      <p:sp>
+        <p:nvSpPr>
+          <p:cNvPr name="TextBox 22" id="22"/>
+          <p:cNvSpPr txBox="true"/>
+          <p:nvPr/>
+        </p:nvSpPr>
+        <p:spPr>
+          <a:xfrm rot="0">
+            <a:off x="4868622" y="3785661"/>
+            <a:ext cx="8550756" cy="3426163"/>
+          </a:xfrm>
+          <a:prstGeom prst="rect">
+            <a:avLst/>
+          </a:prstGeom>
+        </p:spPr>
+        <p:txBody>
+          <a:bodyPr anchor="t" rtlCol="false" tIns="0" lIns="0" bIns="0" rIns="0">
+            <a:spAutoFit/>
+          </a:bodyPr>
+          <a:lstStyle/>
+          <a:p>
+            <a:pPr algn="ctr">
+              <a:lnSpc>
+                <a:spcPts val="4456"/>
+              </a:lnSpc>
+              <a:spcBef>
+                <a:spcPct val="0"/>
+              </a:spcBef>
+            </a:pPr>
+            <a:r>
+              <a:rPr lang="en-US" sz="3182">
+                <a:solidFill>
+                  <a:srgbClr val="61654D"/>
+                </a:solidFill>
+                <a:latin typeface="Akzidenz-Grotesk"/>
+                <a:ea typeface="Akzidenz-Grotesk"/>
+                <a:cs typeface="Akzidenz-Grotesk"/>
+                <a:sym typeface="Akzidenz-Grotesk"/>
+              </a:rPr>
+              <a:t>Ja kāda komanda vai komandu grupa programmā jāizpilda atkārtoti, tad izdevīgi ir veidot ciklu, izmantojot kādu no cikla konstrukcijām. Procesu, kad kāda darbība tiek veikta vairākkārtīgi, sauc par ciklu, bet lielumus, kuru vērtības mainās ciklā – par cikla mainīgajiem. </a:t>
+            </a:r>
+          </a:p>
+        </p:txBody>
+      </p:sp>
+    </p:spTree>
+  </p:cSld>
+  <p:clrMapOvr>
+    <a:masterClrMapping/>
+  </p:clrMapOvr>
+</p:sld>
+</file>
+
+<file path=ppt/slides/slide20.xml><?xml version="1.0" encoding="utf-8"?>
+<p:sld xmlns:p="http://schemas.openxmlformats.org/presentationml/2006/main" xmlns:a="http://schemas.openxmlformats.org/drawingml/2006/main" xmlns:r="http://schemas.openxmlformats.org/officeDocument/2006/relationships">
+  <p:cSld>
+    <p:bg>
+      <p:bgPr>
+        <a:solidFill>
+          <a:srgbClr val="DEDEDE"/>
+        </a:solidFill>
+      </p:bgPr>
+    </p:bg>
+    <p:spTree>
+      <p:nvGrpSpPr>
+        <p:cNvPr id="1" name=""/>
+        <p:cNvGrpSpPr/>
+        <p:nvPr/>
+      </p:nvGrpSpPr>
+      <p:grpSpPr>
+        <a:xfrm>
+          <a:off x="0" y="0"/>
+          <a:ext cx="0" cy="0"/>
+          <a:chOff x="0" y="0"/>
+          <a:chExt cx="0" cy="0"/>
+        </a:xfrm>
+      </p:grpSpPr>
+      <p:grpSp>
+        <p:nvGrpSpPr>
+          <p:cNvPr name="Group 2" id="2"/>
+          <p:cNvGrpSpPr/>
+          <p:nvPr/>
+        </p:nvGrpSpPr>
+        <p:grpSpPr>
+          <a:xfrm rot="-2562626">
+            <a:off x="-4763849" y="7784323"/>
+            <a:ext cx="8132490" cy="4066245"/>
+            <a:chOff x="0" y="0"/>
+            <a:chExt cx="812800" cy="406400"/>
+          </a:xfrm>
+        </p:grpSpPr>
+        <p:sp>
+          <p:nvSpPr>
+            <p:cNvPr name="Freeform 3" id="3"/>
+            <p:cNvSpPr/>
+            <p:nvPr/>
+          </p:nvSpPr>
+          <p:spPr>
+            <a:xfrm flipH="false" flipV="false" rot="0">
+              <a:off x="0" y="0"/>
+              <a:ext cx="812800" cy="406400"/>
+            </a:xfrm>
+            <a:custGeom>
+              <a:avLst/>
+              <a:gdLst/>
+              <a:ahLst/>
+              <a:cxnLst/>
+              <a:rect r="r" b="b" t="t" l="l"/>
+              <a:pathLst>
+                <a:path h="406400" w="812800">
+                  <a:moveTo>
+                    <a:pt x="609600" y="0"/>
+                  </a:moveTo>
+                  <a:cubicBezTo>
+                    <a:pt x="721824" y="0"/>
+                    <a:pt x="812800" y="90976"/>
+                    <a:pt x="812800" y="203200"/>
+                  </a:cubicBezTo>
+                  <a:cubicBezTo>
+                    <a:pt x="812800" y="315424"/>
+                    <a:pt x="721824" y="406400"/>
+                    <a:pt x="609600" y="406400"/>
+                  </a:cubicBezTo>
+                  <a:lnTo>
+                    <a:pt x="203200" y="406400"/>
+                  </a:lnTo>
+                  <a:cubicBezTo>
+                    <a:pt x="90976" y="406400"/>
+                    <a:pt x="0" y="315424"/>
+                    <a:pt x="0" y="203200"/>
+                  </a:cubicBezTo>
+                  <a:cubicBezTo>
+                    <a:pt x="0" y="90976"/>
+                    <a:pt x="90976" y="0"/>
+                    <a:pt x="203200" y="0"/>
+                  </a:cubicBezTo>
+                  <a:close/>
+                </a:path>
+              </a:pathLst>
+            </a:custGeom>
+            <a:solidFill>
+              <a:srgbClr val="545454"/>
+            </a:solidFill>
+          </p:spPr>
+        </p:sp>
+        <p:sp>
+          <p:nvSpPr>
+            <p:cNvPr name="TextBox 4" id="4"/>
+            <p:cNvSpPr txBox="true"/>
+            <p:nvPr/>
+          </p:nvSpPr>
+          <p:spPr>
+            <a:xfrm>
+              <a:off x="0" y="-38100"/>
+              <a:ext cx="812800" cy="444500"/>
+            </a:xfrm>
+            <a:prstGeom prst="rect">
+              <a:avLst/>
+            </a:prstGeom>
+          </p:spPr>
+          <p:txBody>
+            <a:bodyPr anchor="ctr" rtlCol="false" tIns="50800" lIns="50800" bIns="50800" rIns="50800"/>
+            <a:lstStyle/>
+            <a:p>
+              <a:pPr algn="ctr">
+                <a:lnSpc>
+                  <a:spcPts val="2659"/>
+                </a:lnSpc>
+                <a:spcBef>
+                  <a:spcPct val="0"/>
+                </a:spcBef>
+              </a:pPr>
+            </a:p>
+          </p:txBody>
+        </p:sp>
+      </p:grpSp>
+      <p:grpSp>
+        <p:nvGrpSpPr>
+          <p:cNvPr name="Group 5" id="5"/>
+          <p:cNvGrpSpPr/>
+          <p:nvPr/>
+        </p:nvGrpSpPr>
+        <p:grpSpPr>
+          <a:xfrm rot="-2562626">
+            <a:off x="-1091559" y="10289015"/>
+            <a:ext cx="4019797" cy="2009899"/>
+            <a:chOff x="0" y="0"/>
+            <a:chExt cx="812800" cy="406400"/>
+          </a:xfrm>
+        </p:grpSpPr>
+        <p:sp>
+          <p:nvSpPr>
+            <p:cNvPr name="Freeform 6" id="6"/>
+            <p:cNvSpPr/>
+            <p:nvPr/>
+          </p:nvSpPr>
+          <p:spPr>
+            <a:xfrm flipH="false" flipV="false" rot="0">
+              <a:off x="0" y="0"/>
+              <a:ext cx="812800" cy="406400"/>
+            </a:xfrm>
+            <a:custGeom>
+              <a:avLst/>
+              <a:gdLst/>
+              <a:ahLst/>
+              <a:cxnLst/>
+              <a:rect r="r" b="b" t="t" l="l"/>
+              <a:pathLst>
+                <a:path h="406400" w="812800">
+                  <a:moveTo>
+                    <a:pt x="609600" y="0"/>
+                  </a:moveTo>
+                  <a:cubicBezTo>
+                    <a:pt x="721824" y="0"/>
+                    <a:pt x="812800" y="90976"/>
+                    <a:pt x="812800" y="203200"/>
+                  </a:cubicBezTo>
+                  <a:cubicBezTo>
+                    <a:pt x="812800" y="315424"/>
+                    <a:pt x="721824" y="406400"/>
+                    <a:pt x="609600" y="406400"/>
+                  </a:cubicBezTo>
+                  <a:lnTo>
+                    <a:pt x="203200" y="406400"/>
+                  </a:lnTo>
+                  <a:cubicBezTo>
+                    <a:pt x="90976" y="406400"/>
+                    <a:pt x="0" y="315424"/>
+                    <a:pt x="0" y="203200"/>
+                  </a:cubicBezTo>
+                  <a:cubicBezTo>
+                    <a:pt x="0" y="90976"/>
+                    <a:pt x="90976" y="0"/>
+                    <a:pt x="203200" y="0"/>
+                  </a:cubicBezTo>
+                  <a:close/>
+                </a:path>
+              </a:pathLst>
+            </a:custGeom>
+            <a:solidFill>
+              <a:srgbClr val="737373"/>
+            </a:solidFill>
+          </p:spPr>
+        </p:sp>
+        <p:sp>
+          <p:nvSpPr>
+            <p:cNvPr name="TextBox 7" id="7"/>
+            <p:cNvSpPr txBox="true"/>
+            <p:nvPr/>
+          </p:nvSpPr>
+          <p:spPr>
+            <a:xfrm>
+              <a:off x="0" y="-38100"/>
+              <a:ext cx="812800" cy="444500"/>
+            </a:xfrm>
+            <a:prstGeom prst="rect">
+              <a:avLst/>
+            </a:prstGeom>
+          </p:spPr>
+          <p:txBody>
+            <a:bodyPr anchor="ctr" rtlCol="false" tIns="50800" lIns="50800" bIns="50800" rIns="50800"/>
+            <a:lstStyle/>
+            <a:p>
+              <a:pPr algn="ctr">
+                <a:lnSpc>
+                  <a:spcPts val="2659"/>
+                </a:lnSpc>
+                <a:spcBef>
+                  <a:spcPct val="0"/>
+                </a:spcBef>
+              </a:pPr>
+            </a:p>
+          </p:txBody>
+        </p:sp>
+      </p:grpSp>
+      <p:grpSp>
+        <p:nvGrpSpPr>
+          <p:cNvPr name="Group 8" id="8"/>
+          <p:cNvGrpSpPr/>
+          <p:nvPr/>
+        </p:nvGrpSpPr>
+        <p:grpSpPr>
+          <a:xfrm rot="-2562626">
+            <a:off x="15760647" y="-1537845"/>
+            <a:ext cx="8664509" cy="4332254"/>
+            <a:chOff x="0" y="0"/>
+            <a:chExt cx="812800" cy="406400"/>
+          </a:xfrm>
+        </p:grpSpPr>
+        <p:sp>
+          <p:nvSpPr>
+            <p:cNvPr name="Freeform 9" id="9"/>
+            <p:cNvSpPr/>
+            <p:nvPr/>
+          </p:nvSpPr>
+          <p:spPr>
+            <a:xfrm flipH="false" flipV="false" rot="0">
+              <a:off x="0" y="0"/>
+              <a:ext cx="812800" cy="406400"/>
+            </a:xfrm>
+            <a:custGeom>
+              <a:avLst/>
+              <a:gdLst/>
+              <a:ahLst/>
+              <a:cxnLst/>
+              <a:rect r="r" b="b" t="t" l="l"/>
+              <a:pathLst>
+                <a:path h="406400" w="812800">
+                  <a:moveTo>
+                    <a:pt x="609600" y="0"/>
+                  </a:moveTo>
+                  <a:cubicBezTo>
+                    <a:pt x="721824" y="0"/>
+                    <a:pt x="812800" y="90976"/>
+                    <a:pt x="812800" y="203200"/>
+                  </a:cubicBezTo>
+                  <a:cubicBezTo>
+                    <a:pt x="812800" y="315424"/>
+                    <a:pt x="721824" y="406400"/>
+                    <a:pt x="609600" y="406400"/>
+                  </a:cubicBezTo>
+                  <a:lnTo>
+                    <a:pt x="203200" y="406400"/>
+                  </a:lnTo>
+                  <a:cubicBezTo>
+                    <a:pt x="90976" y="406400"/>
+                    <a:pt x="0" y="315424"/>
+                    <a:pt x="0" y="203200"/>
+                  </a:cubicBezTo>
+                  <a:cubicBezTo>
+                    <a:pt x="0" y="90976"/>
+                    <a:pt x="90976" y="0"/>
+                    <a:pt x="203200" y="0"/>
+                  </a:cubicBezTo>
+                  <a:close/>
+                </a:path>
+              </a:pathLst>
+            </a:custGeom>
+            <a:solidFill>
+              <a:srgbClr val="545454"/>
+            </a:solidFill>
+          </p:spPr>
+        </p:sp>
+        <p:sp>
+          <p:nvSpPr>
+            <p:cNvPr name="TextBox 10" id="10"/>
+            <p:cNvSpPr txBox="true"/>
+            <p:nvPr/>
+          </p:nvSpPr>
+          <p:spPr>
+            <a:xfrm>
+              <a:off x="0" y="-38100"/>
+              <a:ext cx="812800" cy="444500"/>
+            </a:xfrm>
+            <a:prstGeom prst="rect">
+              <a:avLst/>
+            </a:prstGeom>
+          </p:spPr>
+          <p:txBody>
+            <a:bodyPr anchor="ctr" rtlCol="false" tIns="50800" lIns="50800" bIns="50800" rIns="50800"/>
+            <a:lstStyle/>
+            <a:p>
+              <a:pPr algn="ctr">
+                <a:lnSpc>
+                  <a:spcPts val="2659"/>
+                </a:lnSpc>
+                <a:spcBef>
+                  <a:spcPct val="0"/>
+                </a:spcBef>
+              </a:pPr>
+            </a:p>
+          </p:txBody>
+        </p:sp>
+      </p:grpSp>
+      <p:grpSp>
+        <p:nvGrpSpPr>
+          <p:cNvPr name="Group 11" id="11"/>
+          <p:cNvGrpSpPr/>
+          <p:nvPr/>
+        </p:nvGrpSpPr>
+        <p:grpSpPr>
+          <a:xfrm rot="-2562626">
+            <a:off x="16327816" y="-2285619"/>
+            <a:ext cx="4282768" cy="2141384"/>
+            <a:chOff x="0" y="0"/>
+            <a:chExt cx="812800" cy="406400"/>
+          </a:xfrm>
+        </p:grpSpPr>
+        <p:sp>
+          <p:nvSpPr>
+            <p:cNvPr name="Freeform 12" id="12"/>
+            <p:cNvSpPr/>
+            <p:nvPr/>
+          </p:nvSpPr>
+          <p:spPr>
+            <a:xfrm flipH="false" flipV="false" rot="0">
+              <a:off x="0" y="0"/>
+              <a:ext cx="812800" cy="406400"/>
+            </a:xfrm>
+            <a:custGeom>
+              <a:avLst/>
+              <a:gdLst/>
+              <a:ahLst/>
+              <a:cxnLst/>
+              <a:rect r="r" b="b" t="t" l="l"/>
+              <a:pathLst>
+                <a:path h="406400" w="812800">
+                  <a:moveTo>
+                    <a:pt x="609600" y="0"/>
+                  </a:moveTo>
+                  <a:cubicBezTo>
+                    <a:pt x="721824" y="0"/>
+                    <a:pt x="812800" y="90976"/>
+                    <a:pt x="812800" y="203200"/>
+                  </a:cubicBezTo>
+                  <a:cubicBezTo>
+                    <a:pt x="812800" y="315424"/>
+                    <a:pt x="721824" y="406400"/>
+                    <a:pt x="609600" y="406400"/>
+                  </a:cubicBezTo>
+                  <a:lnTo>
+                    <a:pt x="203200" y="406400"/>
+                  </a:lnTo>
+                  <a:cubicBezTo>
+                    <a:pt x="90976" y="406400"/>
+                    <a:pt x="0" y="315424"/>
+                    <a:pt x="0" y="203200"/>
+                  </a:cubicBezTo>
+                  <a:cubicBezTo>
+                    <a:pt x="0" y="90976"/>
+                    <a:pt x="90976" y="0"/>
+                    <a:pt x="203200" y="0"/>
+                  </a:cubicBezTo>
+                  <a:close/>
+                </a:path>
+              </a:pathLst>
+            </a:custGeom>
+            <a:solidFill>
+              <a:srgbClr val="737373"/>
+            </a:solidFill>
+          </p:spPr>
+        </p:sp>
+        <p:sp>
+          <p:nvSpPr>
+            <p:cNvPr name="TextBox 13" id="13"/>
+            <p:cNvSpPr txBox="true"/>
+            <p:nvPr/>
+          </p:nvSpPr>
+          <p:spPr>
+            <a:xfrm>
+              <a:off x="0" y="-38100"/>
+              <a:ext cx="812800" cy="444500"/>
+            </a:xfrm>
+            <a:prstGeom prst="rect">
+              <a:avLst/>
+            </a:prstGeom>
+          </p:spPr>
+          <p:txBody>
+            <a:bodyPr anchor="ctr" rtlCol="false" tIns="50800" lIns="50800" bIns="50800" rIns="50800"/>
+            <a:lstStyle/>
+            <a:p>
+              <a:pPr algn="ctr">
+                <a:lnSpc>
+                  <a:spcPts val="2659"/>
+                </a:lnSpc>
+                <a:spcBef>
+                  <a:spcPct val="0"/>
+                </a:spcBef>
+              </a:pPr>
+            </a:p>
+          </p:txBody>
+        </p:sp>
+      </p:grpSp>
+      <p:grpSp>
+        <p:nvGrpSpPr>
+          <p:cNvPr name="Group 14" id="14"/>
+          <p:cNvGrpSpPr/>
+          <p:nvPr/>
+        </p:nvGrpSpPr>
+        <p:grpSpPr>
+          <a:xfrm rot="-2562626">
+            <a:off x="13101516" y="9777072"/>
+            <a:ext cx="3710089" cy="1855044"/>
+            <a:chOff x="0" y="0"/>
+            <a:chExt cx="812800" cy="406400"/>
+          </a:xfrm>
+        </p:grpSpPr>
+        <p:sp>
+          <p:nvSpPr>
+            <p:cNvPr name="Freeform 15" id="15"/>
+            <p:cNvSpPr/>
+            <p:nvPr/>
+          </p:nvSpPr>
+          <p:spPr>
+            <a:xfrm flipH="false" flipV="false" rot="0">
+              <a:off x="0" y="0"/>
+              <a:ext cx="812800" cy="406400"/>
+            </a:xfrm>
+            <a:custGeom>
+              <a:avLst/>
+              <a:gdLst/>
+              <a:ahLst/>
+              <a:cxnLst/>
+              <a:rect r="r" b="b" t="t" l="l"/>
+              <a:pathLst>
+                <a:path h="406400" w="812800">
+                  <a:moveTo>
+                    <a:pt x="609600" y="0"/>
+                  </a:moveTo>
+                  <a:cubicBezTo>
+                    <a:pt x="721824" y="0"/>
+                    <a:pt x="812800" y="90976"/>
+                    <a:pt x="812800" y="203200"/>
+                  </a:cubicBezTo>
+                  <a:cubicBezTo>
+                    <a:pt x="812800" y="315424"/>
+                    <a:pt x="721824" y="406400"/>
+                    <a:pt x="609600" y="406400"/>
+                  </a:cubicBezTo>
+                  <a:lnTo>
+                    <a:pt x="203200" y="406400"/>
+                  </a:lnTo>
+                  <a:cubicBezTo>
+                    <a:pt x="90976" y="406400"/>
+                    <a:pt x="0" y="315424"/>
+                    <a:pt x="0" y="203200"/>
+                  </a:cubicBezTo>
+                  <a:cubicBezTo>
+                    <a:pt x="0" y="90976"/>
+                    <a:pt x="90976" y="0"/>
+                    <a:pt x="203200" y="0"/>
+                  </a:cubicBezTo>
+                  <a:close/>
+                </a:path>
+              </a:pathLst>
+            </a:custGeom>
+            <a:solidFill>
+              <a:srgbClr val="000000">
+                <a:alpha val="0"/>
+              </a:srgbClr>
+            </a:solidFill>
+            <a:ln w="57150" cap="sq">
+              <a:solidFill>
+                <a:srgbClr val="545454"/>
+              </a:solidFill>
+              <a:prstDash val="solid"/>
+              <a:miter/>
+            </a:ln>
+          </p:spPr>
+        </p:sp>
+        <p:sp>
+          <p:nvSpPr>
+            <p:cNvPr name="TextBox 16" id="16"/>
+            <p:cNvSpPr txBox="true"/>
+            <p:nvPr/>
+          </p:nvSpPr>
+          <p:spPr>
+            <a:xfrm>
+              <a:off x="0" y="-38100"/>
+              <a:ext cx="812800" cy="444500"/>
+            </a:xfrm>
+            <a:prstGeom prst="rect">
+              <a:avLst/>
+            </a:prstGeom>
+          </p:spPr>
+          <p:txBody>
+            <a:bodyPr anchor="ctr" rtlCol="false" tIns="50800" lIns="50800" bIns="50800" rIns="50800"/>
+            <a:lstStyle/>
+            <a:p>
+              <a:pPr algn="ctr">
+                <a:lnSpc>
+                  <a:spcPts val="2659"/>
+                </a:lnSpc>
+                <a:spcBef>
+                  <a:spcPct val="0"/>
+                </a:spcBef>
+              </a:pPr>
+            </a:p>
+          </p:txBody>
+        </p:sp>
+      </p:grpSp>
+      <p:grpSp>
+        <p:nvGrpSpPr>
+          <p:cNvPr name="Group 17" id="17"/>
+          <p:cNvGrpSpPr/>
+          <p:nvPr/>
+        </p:nvGrpSpPr>
+        <p:grpSpPr>
+          <a:xfrm rot="-2562626">
+            <a:off x="1610027" y="-1189519"/>
+            <a:ext cx="3726595" cy="1863298"/>
+            <a:chOff x="0" y="0"/>
+            <a:chExt cx="812800" cy="406400"/>
+          </a:xfrm>
+        </p:grpSpPr>
+        <p:sp>
+          <p:nvSpPr>
+            <p:cNvPr name="Freeform 18" id="18"/>
+            <p:cNvSpPr/>
+            <p:nvPr/>
+          </p:nvSpPr>
+          <p:spPr>
+            <a:xfrm flipH="false" flipV="false" rot="0">
+              <a:off x="0" y="0"/>
+              <a:ext cx="812800" cy="406400"/>
+            </a:xfrm>
+            <a:custGeom>
+              <a:avLst/>
+              <a:gdLst/>
+              <a:ahLst/>
+              <a:cxnLst/>
+              <a:rect r="r" b="b" t="t" l="l"/>
+              <a:pathLst>
+                <a:path h="406400" w="812800">
+                  <a:moveTo>
+                    <a:pt x="609600" y="0"/>
+                  </a:moveTo>
+                  <a:cubicBezTo>
+                    <a:pt x="721824" y="0"/>
+                    <a:pt x="812800" y="90976"/>
+                    <a:pt x="812800" y="203200"/>
+                  </a:cubicBezTo>
+                  <a:cubicBezTo>
+                    <a:pt x="812800" y="315424"/>
+                    <a:pt x="721824" y="406400"/>
+                    <a:pt x="609600" y="406400"/>
+                  </a:cubicBezTo>
+                  <a:lnTo>
+                    <a:pt x="203200" y="406400"/>
+                  </a:lnTo>
+                  <a:cubicBezTo>
+                    <a:pt x="90976" y="406400"/>
+                    <a:pt x="0" y="315424"/>
+                    <a:pt x="0" y="203200"/>
+                  </a:cubicBezTo>
+                  <a:cubicBezTo>
+                    <a:pt x="0" y="90976"/>
+                    <a:pt x="90976" y="0"/>
+                    <a:pt x="203200" y="0"/>
+                  </a:cubicBezTo>
+                  <a:close/>
+                </a:path>
+              </a:pathLst>
+            </a:custGeom>
+            <a:solidFill>
+              <a:srgbClr val="000000">
+                <a:alpha val="0"/>
+              </a:srgbClr>
+            </a:solidFill>
+            <a:ln w="57150" cap="sq">
+              <a:solidFill>
+                <a:srgbClr val="545454"/>
+              </a:solidFill>
+              <a:prstDash val="solid"/>
+              <a:miter/>
+            </a:ln>
+          </p:spPr>
+        </p:sp>
+        <p:sp>
+          <p:nvSpPr>
+            <p:cNvPr name="TextBox 19" id="19"/>
+            <p:cNvSpPr txBox="true"/>
+            <p:nvPr/>
+          </p:nvSpPr>
+          <p:spPr>
+            <a:xfrm>
+              <a:off x="0" y="-38100"/>
+              <a:ext cx="812800" cy="444500"/>
+            </a:xfrm>
+            <a:prstGeom prst="rect">
+              <a:avLst/>
+            </a:prstGeom>
+          </p:spPr>
+          <p:txBody>
+            <a:bodyPr anchor="ctr" rtlCol="false" tIns="50800" lIns="50800" bIns="50800" rIns="50800"/>
+            <a:lstStyle/>
+            <a:p>
+              <a:pPr algn="ctr">
+                <a:lnSpc>
+                  <a:spcPts val="2659"/>
+                </a:lnSpc>
+                <a:spcBef>
+                  <a:spcPct val="0"/>
+                </a:spcBef>
+              </a:pPr>
+            </a:p>
+          </p:txBody>
+        </p:sp>
+      </p:grpSp>
+      <p:sp>
+        <p:nvSpPr>
+          <p:cNvPr name="Freeform 20" id="20"/>
+          <p:cNvSpPr/>
+          <p:nvPr/>
+        </p:nvSpPr>
+        <p:spPr>
+          <a:xfrm flipH="false" flipV="false" rot="0">
             <a:off x="3924564" y="2701323"/>
             <a:ext cx="10438872" cy="5728190"/>
           </a:xfrm>
@@ -9139,7 +13395,7 @@
 </p:sld>
 </file>
 
-<file path=ppt/slides/slide17.xml><?xml version="1.0" encoding="utf-8"?>
+<file path=ppt/slides/slide21.xml><?xml version="1.0" encoding="utf-8"?>
 <p:sld xmlns:p="http://schemas.openxmlformats.org/presentationml/2006/main" xmlns:a="http://schemas.openxmlformats.org/drawingml/2006/main" xmlns:r="http://schemas.openxmlformats.org/officeDocument/2006/relationships">
   <p:cSld>
     <p:bg>
@@ -9947,781 +14203,6 @@
                 <a:spcPct val="0"/>
               </a:spcBef>
             </a:pPr>
-          </a:p>
-        </p:txBody>
-      </p:sp>
-    </p:spTree>
-  </p:cSld>
-  <p:clrMapOvr>
-    <a:masterClrMapping/>
-  </p:clrMapOvr>
-</p:sld>
-</file>
-
-<file path=ppt/slides/slide2.xml><?xml version="1.0" encoding="utf-8"?>
-<p:sld xmlns:p="http://schemas.openxmlformats.org/presentationml/2006/main" xmlns:a="http://schemas.openxmlformats.org/drawingml/2006/main" xmlns:r="http://schemas.openxmlformats.org/officeDocument/2006/relationships">
-  <p:cSld>
-    <p:bg>
-      <p:bgPr>
-        <a:solidFill>
-          <a:srgbClr val="DEDEDE"/>
-        </a:solidFill>
-      </p:bgPr>
-    </p:bg>
-    <p:spTree>
-      <p:nvGrpSpPr>
-        <p:cNvPr id="1" name=""/>
-        <p:cNvGrpSpPr/>
-        <p:nvPr/>
-      </p:nvGrpSpPr>
-      <p:grpSpPr>
-        <a:xfrm>
-          <a:off x="0" y="0"/>
-          <a:ext cx="0" cy="0"/>
-          <a:chOff x="0" y="0"/>
-          <a:chExt cx="0" cy="0"/>
-        </a:xfrm>
-      </p:grpSpPr>
-      <p:grpSp>
-        <p:nvGrpSpPr>
-          <p:cNvPr name="Group 2" id="2"/>
-          <p:cNvGrpSpPr/>
-          <p:nvPr/>
-        </p:nvGrpSpPr>
-        <p:grpSpPr>
-          <a:xfrm rot="-2562626">
-            <a:off x="-4763849" y="7784323"/>
-            <a:ext cx="8132490" cy="4066245"/>
-            <a:chOff x="0" y="0"/>
-            <a:chExt cx="812800" cy="406400"/>
-          </a:xfrm>
-        </p:grpSpPr>
-        <p:sp>
-          <p:nvSpPr>
-            <p:cNvPr name="Freeform 3" id="3"/>
-            <p:cNvSpPr/>
-            <p:nvPr/>
-          </p:nvSpPr>
-          <p:spPr>
-            <a:xfrm flipH="false" flipV="false" rot="0">
-              <a:off x="0" y="0"/>
-              <a:ext cx="812800" cy="406400"/>
-            </a:xfrm>
-            <a:custGeom>
-              <a:avLst/>
-              <a:gdLst/>
-              <a:ahLst/>
-              <a:cxnLst/>
-              <a:rect r="r" b="b" t="t" l="l"/>
-              <a:pathLst>
-                <a:path h="406400" w="812800">
-                  <a:moveTo>
-                    <a:pt x="609600" y="0"/>
-                  </a:moveTo>
-                  <a:cubicBezTo>
-                    <a:pt x="721824" y="0"/>
-                    <a:pt x="812800" y="90976"/>
-                    <a:pt x="812800" y="203200"/>
-                  </a:cubicBezTo>
-                  <a:cubicBezTo>
-                    <a:pt x="812800" y="315424"/>
-                    <a:pt x="721824" y="406400"/>
-                    <a:pt x="609600" y="406400"/>
-                  </a:cubicBezTo>
-                  <a:lnTo>
-                    <a:pt x="203200" y="406400"/>
-                  </a:lnTo>
-                  <a:cubicBezTo>
-                    <a:pt x="90976" y="406400"/>
-                    <a:pt x="0" y="315424"/>
-                    <a:pt x="0" y="203200"/>
-                  </a:cubicBezTo>
-                  <a:cubicBezTo>
-                    <a:pt x="0" y="90976"/>
-                    <a:pt x="90976" y="0"/>
-                    <a:pt x="203200" y="0"/>
-                  </a:cubicBezTo>
-                  <a:close/>
-                </a:path>
-              </a:pathLst>
-            </a:custGeom>
-            <a:solidFill>
-              <a:srgbClr val="545454"/>
-            </a:solidFill>
-          </p:spPr>
-        </p:sp>
-        <p:sp>
-          <p:nvSpPr>
-            <p:cNvPr name="TextBox 4" id="4"/>
-            <p:cNvSpPr txBox="true"/>
-            <p:nvPr/>
-          </p:nvSpPr>
-          <p:spPr>
-            <a:xfrm>
-              <a:off x="0" y="-38100"/>
-              <a:ext cx="812800" cy="444500"/>
-            </a:xfrm>
-            <a:prstGeom prst="rect">
-              <a:avLst/>
-            </a:prstGeom>
-          </p:spPr>
-          <p:txBody>
-            <a:bodyPr anchor="ctr" rtlCol="false" tIns="50800" lIns="50800" bIns="50800" rIns="50800"/>
-            <a:lstStyle/>
-            <a:p>
-              <a:pPr algn="ctr">
-                <a:lnSpc>
-                  <a:spcPts val="2659"/>
-                </a:lnSpc>
-                <a:spcBef>
-                  <a:spcPct val="0"/>
-                </a:spcBef>
-              </a:pPr>
-            </a:p>
-          </p:txBody>
-        </p:sp>
-      </p:grpSp>
-      <p:grpSp>
-        <p:nvGrpSpPr>
-          <p:cNvPr name="Group 5" id="5"/>
-          <p:cNvGrpSpPr/>
-          <p:nvPr/>
-        </p:nvGrpSpPr>
-        <p:grpSpPr>
-          <a:xfrm rot="-2562626">
-            <a:off x="-1091559" y="10289015"/>
-            <a:ext cx="4019797" cy="2009899"/>
-            <a:chOff x="0" y="0"/>
-            <a:chExt cx="812800" cy="406400"/>
-          </a:xfrm>
-        </p:grpSpPr>
-        <p:sp>
-          <p:nvSpPr>
-            <p:cNvPr name="Freeform 6" id="6"/>
-            <p:cNvSpPr/>
-            <p:nvPr/>
-          </p:nvSpPr>
-          <p:spPr>
-            <a:xfrm flipH="false" flipV="false" rot="0">
-              <a:off x="0" y="0"/>
-              <a:ext cx="812800" cy="406400"/>
-            </a:xfrm>
-            <a:custGeom>
-              <a:avLst/>
-              <a:gdLst/>
-              <a:ahLst/>
-              <a:cxnLst/>
-              <a:rect r="r" b="b" t="t" l="l"/>
-              <a:pathLst>
-                <a:path h="406400" w="812800">
-                  <a:moveTo>
-                    <a:pt x="609600" y="0"/>
-                  </a:moveTo>
-                  <a:cubicBezTo>
-                    <a:pt x="721824" y="0"/>
-                    <a:pt x="812800" y="90976"/>
-                    <a:pt x="812800" y="203200"/>
-                  </a:cubicBezTo>
-                  <a:cubicBezTo>
-                    <a:pt x="812800" y="315424"/>
-                    <a:pt x="721824" y="406400"/>
-                    <a:pt x="609600" y="406400"/>
-                  </a:cubicBezTo>
-                  <a:lnTo>
-                    <a:pt x="203200" y="406400"/>
-                  </a:lnTo>
-                  <a:cubicBezTo>
-                    <a:pt x="90976" y="406400"/>
-                    <a:pt x="0" y="315424"/>
-                    <a:pt x="0" y="203200"/>
-                  </a:cubicBezTo>
-                  <a:cubicBezTo>
-                    <a:pt x="0" y="90976"/>
-                    <a:pt x="90976" y="0"/>
-                    <a:pt x="203200" y="0"/>
-                  </a:cubicBezTo>
-                  <a:close/>
-                </a:path>
-              </a:pathLst>
-            </a:custGeom>
-            <a:solidFill>
-              <a:srgbClr val="737373"/>
-            </a:solidFill>
-          </p:spPr>
-        </p:sp>
-        <p:sp>
-          <p:nvSpPr>
-            <p:cNvPr name="TextBox 7" id="7"/>
-            <p:cNvSpPr txBox="true"/>
-            <p:nvPr/>
-          </p:nvSpPr>
-          <p:spPr>
-            <a:xfrm>
-              <a:off x="0" y="-38100"/>
-              <a:ext cx="812800" cy="444500"/>
-            </a:xfrm>
-            <a:prstGeom prst="rect">
-              <a:avLst/>
-            </a:prstGeom>
-          </p:spPr>
-          <p:txBody>
-            <a:bodyPr anchor="ctr" rtlCol="false" tIns="50800" lIns="50800" bIns="50800" rIns="50800"/>
-            <a:lstStyle/>
-            <a:p>
-              <a:pPr algn="ctr">
-                <a:lnSpc>
-                  <a:spcPts val="2659"/>
-                </a:lnSpc>
-                <a:spcBef>
-                  <a:spcPct val="0"/>
-                </a:spcBef>
-              </a:pPr>
-            </a:p>
-          </p:txBody>
-        </p:sp>
-      </p:grpSp>
-      <p:grpSp>
-        <p:nvGrpSpPr>
-          <p:cNvPr name="Group 8" id="8"/>
-          <p:cNvGrpSpPr/>
-          <p:nvPr/>
-        </p:nvGrpSpPr>
-        <p:grpSpPr>
-          <a:xfrm rot="-2562626">
-            <a:off x="15760647" y="-1537845"/>
-            <a:ext cx="8664509" cy="4332254"/>
-            <a:chOff x="0" y="0"/>
-            <a:chExt cx="812800" cy="406400"/>
-          </a:xfrm>
-        </p:grpSpPr>
-        <p:sp>
-          <p:nvSpPr>
-            <p:cNvPr name="Freeform 9" id="9"/>
-            <p:cNvSpPr/>
-            <p:nvPr/>
-          </p:nvSpPr>
-          <p:spPr>
-            <a:xfrm flipH="false" flipV="false" rot="0">
-              <a:off x="0" y="0"/>
-              <a:ext cx="812800" cy="406400"/>
-            </a:xfrm>
-            <a:custGeom>
-              <a:avLst/>
-              <a:gdLst/>
-              <a:ahLst/>
-              <a:cxnLst/>
-              <a:rect r="r" b="b" t="t" l="l"/>
-              <a:pathLst>
-                <a:path h="406400" w="812800">
-                  <a:moveTo>
-                    <a:pt x="609600" y="0"/>
-                  </a:moveTo>
-                  <a:cubicBezTo>
-                    <a:pt x="721824" y="0"/>
-                    <a:pt x="812800" y="90976"/>
-                    <a:pt x="812800" y="203200"/>
-                  </a:cubicBezTo>
-                  <a:cubicBezTo>
-                    <a:pt x="812800" y="315424"/>
-                    <a:pt x="721824" y="406400"/>
-                    <a:pt x="609600" y="406400"/>
-                  </a:cubicBezTo>
-                  <a:lnTo>
-                    <a:pt x="203200" y="406400"/>
-                  </a:lnTo>
-                  <a:cubicBezTo>
-                    <a:pt x="90976" y="406400"/>
-                    <a:pt x="0" y="315424"/>
-                    <a:pt x="0" y="203200"/>
-                  </a:cubicBezTo>
-                  <a:cubicBezTo>
-                    <a:pt x="0" y="90976"/>
-                    <a:pt x="90976" y="0"/>
-                    <a:pt x="203200" y="0"/>
-                  </a:cubicBezTo>
-                  <a:close/>
-                </a:path>
-              </a:pathLst>
-            </a:custGeom>
-            <a:solidFill>
-              <a:srgbClr val="545454"/>
-            </a:solidFill>
-          </p:spPr>
-        </p:sp>
-        <p:sp>
-          <p:nvSpPr>
-            <p:cNvPr name="TextBox 10" id="10"/>
-            <p:cNvSpPr txBox="true"/>
-            <p:nvPr/>
-          </p:nvSpPr>
-          <p:spPr>
-            <a:xfrm>
-              <a:off x="0" y="-38100"/>
-              <a:ext cx="812800" cy="444500"/>
-            </a:xfrm>
-            <a:prstGeom prst="rect">
-              <a:avLst/>
-            </a:prstGeom>
-          </p:spPr>
-          <p:txBody>
-            <a:bodyPr anchor="ctr" rtlCol="false" tIns="50800" lIns="50800" bIns="50800" rIns="50800"/>
-            <a:lstStyle/>
-            <a:p>
-              <a:pPr algn="ctr">
-                <a:lnSpc>
-                  <a:spcPts val="2659"/>
-                </a:lnSpc>
-                <a:spcBef>
-                  <a:spcPct val="0"/>
-                </a:spcBef>
-              </a:pPr>
-            </a:p>
-          </p:txBody>
-        </p:sp>
-      </p:grpSp>
-      <p:grpSp>
-        <p:nvGrpSpPr>
-          <p:cNvPr name="Group 11" id="11"/>
-          <p:cNvGrpSpPr/>
-          <p:nvPr/>
-        </p:nvGrpSpPr>
-        <p:grpSpPr>
-          <a:xfrm rot="-2562626">
-            <a:off x="16327816" y="-2285619"/>
-            <a:ext cx="4282768" cy="2141384"/>
-            <a:chOff x="0" y="0"/>
-            <a:chExt cx="812800" cy="406400"/>
-          </a:xfrm>
-        </p:grpSpPr>
-        <p:sp>
-          <p:nvSpPr>
-            <p:cNvPr name="Freeform 12" id="12"/>
-            <p:cNvSpPr/>
-            <p:nvPr/>
-          </p:nvSpPr>
-          <p:spPr>
-            <a:xfrm flipH="false" flipV="false" rot="0">
-              <a:off x="0" y="0"/>
-              <a:ext cx="812800" cy="406400"/>
-            </a:xfrm>
-            <a:custGeom>
-              <a:avLst/>
-              <a:gdLst/>
-              <a:ahLst/>
-              <a:cxnLst/>
-              <a:rect r="r" b="b" t="t" l="l"/>
-              <a:pathLst>
-                <a:path h="406400" w="812800">
-                  <a:moveTo>
-                    <a:pt x="609600" y="0"/>
-                  </a:moveTo>
-                  <a:cubicBezTo>
-                    <a:pt x="721824" y="0"/>
-                    <a:pt x="812800" y="90976"/>
-                    <a:pt x="812800" y="203200"/>
-                  </a:cubicBezTo>
-                  <a:cubicBezTo>
-                    <a:pt x="812800" y="315424"/>
-                    <a:pt x="721824" y="406400"/>
-                    <a:pt x="609600" y="406400"/>
-                  </a:cubicBezTo>
-                  <a:lnTo>
-                    <a:pt x="203200" y="406400"/>
-                  </a:lnTo>
-                  <a:cubicBezTo>
-                    <a:pt x="90976" y="406400"/>
-                    <a:pt x="0" y="315424"/>
-                    <a:pt x="0" y="203200"/>
-                  </a:cubicBezTo>
-                  <a:cubicBezTo>
-                    <a:pt x="0" y="90976"/>
-                    <a:pt x="90976" y="0"/>
-                    <a:pt x="203200" y="0"/>
-                  </a:cubicBezTo>
-                  <a:close/>
-                </a:path>
-              </a:pathLst>
-            </a:custGeom>
-            <a:solidFill>
-              <a:srgbClr val="737373"/>
-            </a:solidFill>
-          </p:spPr>
-        </p:sp>
-        <p:sp>
-          <p:nvSpPr>
-            <p:cNvPr name="TextBox 13" id="13"/>
-            <p:cNvSpPr txBox="true"/>
-            <p:nvPr/>
-          </p:nvSpPr>
-          <p:spPr>
-            <a:xfrm>
-              <a:off x="0" y="-38100"/>
-              <a:ext cx="812800" cy="444500"/>
-            </a:xfrm>
-            <a:prstGeom prst="rect">
-              <a:avLst/>
-            </a:prstGeom>
-          </p:spPr>
-          <p:txBody>
-            <a:bodyPr anchor="ctr" rtlCol="false" tIns="50800" lIns="50800" bIns="50800" rIns="50800"/>
-            <a:lstStyle/>
-            <a:p>
-              <a:pPr algn="ctr">
-                <a:lnSpc>
-                  <a:spcPts val="2659"/>
-                </a:lnSpc>
-                <a:spcBef>
-                  <a:spcPct val="0"/>
-                </a:spcBef>
-              </a:pPr>
-            </a:p>
-          </p:txBody>
-        </p:sp>
-      </p:grpSp>
-      <p:grpSp>
-        <p:nvGrpSpPr>
-          <p:cNvPr name="Group 14" id="14"/>
-          <p:cNvGrpSpPr/>
-          <p:nvPr/>
-        </p:nvGrpSpPr>
-        <p:grpSpPr>
-          <a:xfrm rot="-2562626">
-            <a:off x="13101516" y="9777072"/>
-            <a:ext cx="3710089" cy="1855044"/>
-            <a:chOff x="0" y="0"/>
-            <a:chExt cx="812800" cy="406400"/>
-          </a:xfrm>
-        </p:grpSpPr>
-        <p:sp>
-          <p:nvSpPr>
-            <p:cNvPr name="Freeform 15" id="15"/>
-            <p:cNvSpPr/>
-            <p:nvPr/>
-          </p:nvSpPr>
-          <p:spPr>
-            <a:xfrm flipH="false" flipV="false" rot="0">
-              <a:off x="0" y="0"/>
-              <a:ext cx="812800" cy="406400"/>
-            </a:xfrm>
-            <a:custGeom>
-              <a:avLst/>
-              <a:gdLst/>
-              <a:ahLst/>
-              <a:cxnLst/>
-              <a:rect r="r" b="b" t="t" l="l"/>
-              <a:pathLst>
-                <a:path h="406400" w="812800">
-                  <a:moveTo>
-                    <a:pt x="609600" y="0"/>
-                  </a:moveTo>
-                  <a:cubicBezTo>
-                    <a:pt x="721824" y="0"/>
-                    <a:pt x="812800" y="90976"/>
-                    <a:pt x="812800" y="203200"/>
-                  </a:cubicBezTo>
-                  <a:cubicBezTo>
-                    <a:pt x="812800" y="315424"/>
-                    <a:pt x="721824" y="406400"/>
-                    <a:pt x="609600" y="406400"/>
-                  </a:cubicBezTo>
-                  <a:lnTo>
-                    <a:pt x="203200" y="406400"/>
-                  </a:lnTo>
-                  <a:cubicBezTo>
-                    <a:pt x="90976" y="406400"/>
-                    <a:pt x="0" y="315424"/>
-                    <a:pt x="0" y="203200"/>
-                  </a:cubicBezTo>
-                  <a:cubicBezTo>
-                    <a:pt x="0" y="90976"/>
-                    <a:pt x="90976" y="0"/>
-                    <a:pt x="203200" y="0"/>
-                  </a:cubicBezTo>
-                  <a:close/>
-                </a:path>
-              </a:pathLst>
-            </a:custGeom>
-            <a:solidFill>
-              <a:srgbClr val="000000">
-                <a:alpha val="0"/>
-              </a:srgbClr>
-            </a:solidFill>
-            <a:ln w="57150" cap="sq">
-              <a:solidFill>
-                <a:srgbClr val="545454"/>
-              </a:solidFill>
-              <a:prstDash val="solid"/>
-              <a:miter/>
-            </a:ln>
-          </p:spPr>
-        </p:sp>
-        <p:sp>
-          <p:nvSpPr>
-            <p:cNvPr name="TextBox 16" id="16"/>
-            <p:cNvSpPr txBox="true"/>
-            <p:nvPr/>
-          </p:nvSpPr>
-          <p:spPr>
-            <a:xfrm>
-              <a:off x="0" y="-38100"/>
-              <a:ext cx="812800" cy="444500"/>
-            </a:xfrm>
-            <a:prstGeom prst="rect">
-              <a:avLst/>
-            </a:prstGeom>
-          </p:spPr>
-          <p:txBody>
-            <a:bodyPr anchor="ctr" rtlCol="false" tIns="50800" lIns="50800" bIns="50800" rIns="50800"/>
-            <a:lstStyle/>
-            <a:p>
-              <a:pPr algn="ctr">
-                <a:lnSpc>
-                  <a:spcPts val="2659"/>
-                </a:lnSpc>
-                <a:spcBef>
-                  <a:spcPct val="0"/>
-                </a:spcBef>
-              </a:pPr>
-            </a:p>
-          </p:txBody>
-        </p:sp>
-      </p:grpSp>
-      <p:grpSp>
-        <p:nvGrpSpPr>
-          <p:cNvPr name="Group 17" id="17"/>
-          <p:cNvGrpSpPr/>
-          <p:nvPr/>
-        </p:nvGrpSpPr>
-        <p:grpSpPr>
-          <a:xfrm rot="-2562626">
-            <a:off x="1610027" y="-1189519"/>
-            <a:ext cx="3726595" cy="1863298"/>
-            <a:chOff x="0" y="0"/>
-            <a:chExt cx="812800" cy="406400"/>
-          </a:xfrm>
-        </p:grpSpPr>
-        <p:sp>
-          <p:nvSpPr>
-            <p:cNvPr name="Freeform 18" id="18"/>
-            <p:cNvSpPr/>
-            <p:nvPr/>
-          </p:nvSpPr>
-          <p:spPr>
-            <a:xfrm flipH="false" flipV="false" rot="0">
-              <a:off x="0" y="0"/>
-              <a:ext cx="812800" cy="406400"/>
-            </a:xfrm>
-            <a:custGeom>
-              <a:avLst/>
-              <a:gdLst/>
-              <a:ahLst/>
-              <a:cxnLst/>
-              <a:rect r="r" b="b" t="t" l="l"/>
-              <a:pathLst>
-                <a:path h="406400" w="812800">
-                  <a:moveTo>
-                    <a:pt x="609600" y="0"/>
-                  </a:moveTo>
-                  <a:cubicBezTo>
-                    <a:pt x="721824" y="0"/>
-                    <a:pt x="812800" y="90976"/>
-                    <a:pt x="812800" y="203200"/>
-                  </a:cubicBezTo>
-                  <a:cubicBezTo>
-                    <a:pt x="812800" y="315424"/>
-                    <a:pt x="721824" y="406400"/>
-                    <a:pt x="609600" y="406400"/>
-                  </a:cubicBezTo>
-                  <a:lnTo>
-                    <a:pt x="203200" y="406400"/>
-                  </a:lnTo>
-                  <a:cubicBezTo>
-                    <a:pt x="90976" y="406400"/>
-                    <a:pt x="0" y="315424"/>
-                    <a:pt x="0" y="203200"/>
-                  </a:cubicBezTo>
-                  <a:cubicBezTo>
-                    <a:pt x="0" y="90976"/>
-                    <a:pt x="90976" y="0"/>
-                    <a:pt x="203200" y="0"/>
-                  </a:cubicBezTo>
-                  <a:close/>
-                </a:path>
-              </a:pathLst>
-            </a:custGeom>
-            <a:solidFill>
-              <a:srgbClr val="000000">
-                <a:alpha val="0"/>
-              </a:srgbClr>
-            </a:solidFill>
-            <a:ln w="57150" cap="sq">
-              <a:solidFill>
-                <a:srgbClr val="545454"/>
-              </a:solidFill>
-              <a:prstDash val="solid"/>
-              <a:miter/>
-            </a:ln>
-          </p:spPr>
-        </p:sp>
-        <p:sp>
-          <p:nvSpPr>
-            <p:cNvPr name="TextBox 19" id="19"/>
-            <p:cNvSpPr txBox="true"/>
-            <p:nvPr/>
-          </p:nvSpPr>
-          <p:spPr>
-            <a:xfrm>
-              <a:off x="0" y="-38100"/>
-              <a:ext cx="812800" cy="444500"/>
-            </a:xfrm>
-            <a:prstGeom prst="rect">
-              <a:avLst/>
-            </a:prstGeom>
-          </p:spPr>
-          <p:txBody>
-            <a:bodyPr anchor="ctr" rtlCol="false" tIns="50800" lIns="50800" bIns="50800" rIns="50800"/>
-            <a:lstStyle/>
-            <a:p>
-              <a:pPr algn="ctr">
-                <a:lnSpc>
-                  <a:spcPts val="2659"/>
-                </a:lnSpc>
-                <a:spcBef>
-                  <a:spcPct val="0"/>
-                </a:spcBef>
-              </a:pPr>
-            </a:p>
-          </p:txBody>
-        </p:sp>
-      </p:grpSp>
-      <p:sp>
-        <p:nvSpPr>
-          <p:cNvPr name="Freeform 20" id="20"/>
-          <p:cNvSpPr/>
-          <p:nvPr/>
-        </p:nvSpPr>
-        <p:spPr>
-          <a:xfrm flipH="false" flipV="false" rot="0">
-            <a:off x="13419378" y="3919011"/>
-            <a:ext cx="4286779" cy="4277735"/>
-          </a:xfrm>
-          <a:custGeom>
-            <a:avLst/>
-            <a:gdLst/>
-            <a:ahLst/>
-            <a:cxnLst/>
-            <a:rect r="r" b="b" t="t" l="l"/>
-            <a:pathLst>
-              <a:path h="4277735" w="4286779">
-                <a:moveTo>
-                  <a:pt x="0" y="0"/>
-                </a:moveTo>
-                <a:lnTo>
-                  <a:pt x="4286779" y="0"/>
-                </a:lnTo>
-                <a:lnTo>
-                  <a:pt x="4286779" y="4277735"/>
-                </a:lnTo>
-                <a:lnTo>
-                  <a:pt x="0" y="4277735"/>
-                </a:lnTo>
-                <a:lnTo>
-                  <a:pt x="0" y="0"/>
-                </a:lnTo>
-                <a:close/>
-              </a:path>
-            </a:pathLst>
-          </a:custGeom>
-          <a:blipFill>
-            <a:blip r:embed="rId2"/>
-            <a:stretch>
-              <a:fillRect l="0" t="0" r="0" b="0"/>
-            </a:stretch>
-          </a:blipFill>
-        </p:spPr>
-      </p:sp>
-      <p:sp>
-        <p:nvSpPr>
-          <p:cNvPr name="TextBox 21" id="21"/>
-          <p:cNvSpPr txBox="true"/>
-          <p:nvPr/>
-        </p:nvSpPr>
-        <p:spPr>
-          <a:xfrm rot="0">
-            <a:off x="3873762" y="2775708"/>
-            <a:ext cx="10540477" cy="1013779"/>
-          </a:xfrm>
-          <a:prstGeom prst="rect">
-            <a:avLst/>
-          </a:prstGeom>
-        </p:spPr>
-        <p:txBody>
-          <a:bodyPr anchor="t" rtlCol="false" tIns="0" lIns="0" bIns="0" rIns="0">
-            <a:spAutoFit/>
-          </a:bodyPr>
-          <a:lstStyle/>
-          <a:p>
-            <a:pPr algn="ctr">
-              <a:lnSpc>
-                <a:spcPts val="7182"/>
-              </a:lnSpc>
-            </a:pPr>
-            <a:r>
-              <a:rPr lang="en-US" sz="8450">
-                <a:solidFill>
-                  <a:srgbClr val="545454"/>
-                </a:solidFill>
-                <a:latin typeface="Bold Ink"/>
-                <a:ea typeface="Bold Ink"/>
-                <a:cs typeface="Bold Ink"/>
-                <a:sym typeface="Bold Ink"/>
-              </a:rPr>
-              <a:t>KAS IR CIKLS?</a:t>
-            </a:r>
-          </a:p>
-        </p:txBody>
-      </p:sp>
-      <p:sp>
-        <p:nvSpPr>
-          <p:cNvPr name="TextBox 22" id="22"/>
-          <p:cNvSpPr txBox="true"/>
-          <p:nvPr/>
-        </p:nvSpPr>
-        <p:spPr>
-          <a:xfrm rot="0">
-            <a:off x="4868622" y="3785661"/>
-            <a:ext cx="8550756" cy="3426163"/>
-          </a:xfrm>
-          <a:prstGeom prst="rect">
-            <a:avLst/>
-          </a:prstGeom>
-        </p:spPr>
-        <p:txBody>
-          <a:bodyPr anchor="t" rtlCol="false" tIns="0" lIns="0" bIns="0" rIns="0">
-            <a:spAutoFit/>
-          </a:bodyPr>
-          <a:lstStyle/>
-          <a:p>
-            <a:pPr algn="ctr">
-              <a:lnSpc>
-                <a:spcPts val="4456"/>
-              </a:lnSpc>
-              <a:spcBef>
-                <a:spcPct val="0"/>
-              </a:spcBef>
-            </a:pPr>
-            <a:r>
-              <a:rPr lang="en-US" sz="3182">
-                <a:solidFill>
-                  <a:srgbClr val="61654D"/>
-                </a:solidFill>
-                <a:latin typeface="Akzidenz-Grotesk"/>
-                <a:ea typeface="Akzidenz-Grotesk"/>
-                <a:cs typeface="Akzidenz-Grotesk"/>
-                <a:sym typeface="Akzidenz-Grotesk"/>
-              </a:rPr>
-              <a:t>Ja kāda komanda vai komandu grupa programmā jāizpilda atkārtoti, tad izdevīgi ir veidot ciklu, izmantojot kādu no cikla konstrukcijām. Procesu, kad kāda darbība tiek veikta vairākkārtīgi, sauc par ciklu, bet lielumus, kuru vērtības mainās ciklā – par cikla mainīgajiem. </a:t>
-            </a:r>
           </a:p>
         </p:txBody>
       </p:sp>

--- a/Cikls ar skaitītāju programmēšanas valodā Python.pptx
+++ b/Cikls ar skaitītāju programmēšanas valodā Python.pptx
@@ -14039,7 +14039,7 @@
         </p:nvSpPr>
         <p:spPr>
           <a:xfrm rot="0">
-            <a:off x="3873762" y="2775708"/>
+            <a:off x="3822808" y="1295400"/>
             <a:ext cx="10540477" cy="1013779"/>
           </a:xfrm>
           <a:prstGeom prst="rect">
@@ -14080,7 +14080,7 @@
         </p:nvSpPr>
         <p:spPr>
           <a:xfrm rot="0">
-            <a:off x="3669290" y="3860330"/>
+            <a:off x="3618337" y="2380023"/>
             <a:ext cx="11051327" cy="5737157"/>
           </a:xfrm>
           <a:prstGeom prst="rect">
@@ -14203,6 +14203,31 @@
                 <a:spcPct val="0"/>
               </a:spcBef>
             </a:pPr>
+            <a:r>
+              <a:rPr lang="en-US" sz="2502">
+                <a:solidFill>
+                  <a:srgbClr val="61654D"/>
+                </a:solidFill>
+                <a:latin typeface="Akzidenz-Grotesk"/>
+                <a:ea typeface="Akzidenz-Grotesk"/>
+                <a:cs typeface="Akzidenz-Grotesk"/>
+                <a:sym typeface="Akzidenz-Grotesk"/>
+              </a:rPr>
+              <a:t>Skypro - </a:t>
+            </a:r>
+            <a:r>
+              <a:rPr lang="en-US" sz="2502">
+                <a:solidFill>
+                  <a:srgbClr val="61654D"/>
+                </a:solidFill>
+                <a:latin typeface="Akzidenz-Grotesk"/>
+                <a:ea typeface="Akzidenz-Grotesk"/>
+                <a:cs typeface="Akzidenz-Grotesk"/>
+                <a:sym typeface="Akzidenz-Grotesk"/>
+                <a:hlinkClick r:id="rId5" tooltip="https://sky.pro/media/tsikl-for-v-python/"/>
+              </a:rPr>
+              <a:t>https://sky.pro/media/tsikl-for-v-python/</a:t>
+            </a:r>
           </a:p>
         </p:txBody>
       </p:sp>

--- a/Cikls ar skaitītāju programmēšanas valodā Python.pptx
+++ b/Cikls ar skaitītāju programmēšanas valodā Python.pptx
@@ -5580,7 +5580,7 @@
         <p:spPr>
           <a:xfrm rot="0">
             <a:off x="4334318" y="8439785"/>
-            <a:ext cx="10443636" cy="1847215"/>
+            <a:ext cx="10443636" cy="1247140"/>
           </a:xfrm>
           <a:prstGeom prst="rect">
             <a:avLst/>
@@ -5609,7 +5609,7 @@
                 <a:cs typeface="Akzidenz-Grotesk"/>
                 <a:sym typeface="Akzidenz-Grotesk"/>
               </a:rPr>
-              <a:t>Tiklīdz i kļūst vienāds ar 5, cikls pabeidz darbu, un skaitļi 5-9 netiek izvadīti.amās iterācijas vairs nenotiek.</a:t>
+              <a:t>Tiklīdz i kļūst vienāds ar 5, cikls pabeidz darbu, un skaitļi 5-9 netiek izvadīti un iterācijas vairs nenotiek.</a:t>
             </a:r>
           </a:p>
         </p:txBody>
@@ -7057,60 +7057,14 @@
       </p:sp>
       <p:sp>
         <p:nvSpPr>
-          <p:cNvPr name="Freeform 18" id="18"/>
-          <p:cNvSpPr/>
-          <p:nvPr/>
-        </p:nvSpPr>
-        <p:spPr>
-          <a:xfrm flipH="false" flipV="false" rot="0">
-            <a:off x="7216508" y="6621105"/>
-            <a:ext cx="497197" cy="1875790"/>
-          </a:xfrm>
-          <a:custGeom>
-            <a:avLst/>
-            <a:gdLst/>
-            <a:ahLst/>
-            <a:cxnLst/>
-            <a:rect r="r" b="b" t="t" l="l"/>
-            <a:pathLst>
-              <a:path h="1875790" w="497197">
-                <a:moveTo>
-                  <a:pt x="0" y="0"/>
-                </a:moveTo>
-                <a:lnTo>
-                  <a:pt x="497198" y="0"/>
-                </a:lnTo>
-                <a:lnTo>
-                  <a:pt x="497198" y="1875790"/>
-                </a:lnTo>
-                <a:lnTo>
-                  <a:pt x="0" y="1875790"/>
-                </a:lnTo>
-                <a:lnTo>
-                  <a:pt x="0" y="0"/>
-                </a:lnTo>
-                <a:close/>
-              </a:path>
-            </a:pathLst>
-          </a:custGeom>
-          <a:blipFill>
-            <a:blip r:embed="rId3"/>
-            <a:stretch>
-              <a:fillRect l="0" t="0" r="0" b="0"/>
-            </a:stretch>
-          </a:blipFill>
-        </p:spPr>
-      </p:sp>
-      <p:sp>
-        <p:nvSpPr>
-          <p:cNvPr name="TextBox 19" id="19"/>
+          <p:cNvPr name="TextBox 18" id="18"/>
           <p:cNvSpPr txBox="true"/>
           <p:nvPr/>
         </p:nvSpPr>
         <p:spPr>
           <a:xfrm rot="0">
             <a:off x="2798765" y="597882"/>
-            <a:ext cx="12690469" cy="1918654"/>
+            <a:ext cx="12690469" cy="1013779"/>
           </a:xfrm>
           <a:prstGeom prst="rect">
             <a:avLst/>
@@ -7137,14 +7091,14 @@
                 <a:cs typeface="Bold Ink"/>
                 <a:sym typeface="Bold Ink"/>
               </a:rPr>
-              <a:t>CIKLS FOR AR BREAK CONTINUE UN ELSE</a:t>
+              <a:t>CIKLS FOR ELSE</a:t>
             </a:r>
           </a:p>
         </p:txBody>
       </p:sp>
       <p:sp>
         <p:nvSpPr>
-          <p:cNvPr name="TextBox 20" id="20"/>
+          <p:cNvPr name="TextBox 19" id="19"/>
           <p:cNvSpPr txBox="true"/>
           <p:nvPr/>
         </p:nvSpPr>
@@ -7187,7 +7141,7 @@
       </p:sp>
       <p:sp>
         <p:nvSpPr>
-          <p:cNvPr name="TextBox 21" id="21"/>
+          <p:cNvPr name="TextBox 20" id="20"/>
           <p:cNvSpPr txBox="true"/>
           <p:nvPr/>
         </p:nvSpPr>
@@ -7230,7 +7184,7 @@
       </p:sp>
       <p:sp>
         <p:nvSpPr>
-          <p:cNvPr name="TextBox 22" id="22"/>
+          <p:cNvPr name="TextBox 21" id="21"/>
           <p:cNvSpPr txBox="true"/>
           <p:nvPr/>
         </p:nvSpPr>
@@ -7273,7 +7227,7 @@
       </p:sp>
       <p:sp>
         <p:nvSpPr>
-          <p:cNvPr name="TextBox 23" id="23"/>
+          <p:cNvPr name="TextBox 22" id="22"/>
           <p:cNvSpPr txBox="true"/>
           <p:nvPr/>
         </p:nvSpPr>
@@ -7334,6 +7288,52 @@
             </a:r>
           </a:p>
         </p:txBody>
+      </p:sp>
+      <p:sp>
+        <p:nvSpPr>
+          <p:cNvPr name="Freeform 23" id="23"/>
+          <p:cNvSpPr/>
+          <p:nvPr/>
+        </p:nvSpPr>
+        <p:spPr>
+          <a:xfrm flipH="false" flipV="false" rot="0">
+            <a:off x="6975884" y="6558928"/>
+            <a:ext cx="3342992" cy="1875790"/>
+          </a:xfrm>
+          <a:custGeom>
+            <a:avLst/>
+            <a:gdLst/>
+            <a:ahLst/>
+            <a:cxnLst/>
+            <a:rect r="r" b="b" t="t" l="l"/>
+            <a:pathLst>
+              <a:path h="1875790" w="3342992">
+                <a:moveTo>
+                  <a:pt x="0" y="0"/>
+                </a:moveTo>
+                <a:lnTo>
+                  <a:pt x="3342992" y="0"/>
+                </a:lnTo>
+                <a:lnTo>
+                  <a:pt x="3342992" y="1875790"/>
+                </a:lnTo>
+                <a:lnTo>
+                  <a:pt x="0" y="1875790"/>
+                </a:lnTo>
+                <a:lnTo>
+                  <a:pt x="0" y="0"/>
+                </a:lnTo>
+                <a:close/>
+              </a:path>
+            </a:pathLst>
+          </a:custGeom>
+          <a:blipFill>
+            <a:blip r:embed="rId3"/>
+            <a:stretch>
+              <a:fillRect l="0" t="0" r="0" b="0"/>
+            </a:stretch>
+          </a:blipFill>
+        </p:spPr>
       </p:sp>
     </p:spTree>
   </p:cSld>

--- a/Cikls ar skaitītāju programmēšanas valodā Python.pptx
+++ b/Cikls ar skaitītāju programmēšanas valodā Python.pptx
@@ -7091,7 +7091,7 @@
                 <a:cs typeface="Bold Ink"/>
                 <a:sym typeface="Bold Ink"/>
               </a:rPr>
-              <a:t>CIKLS FOR ELSE</a:t>
+              <a:t>CIKLS FOR AR ELSE</a:t>
             </a:r>
           </a:p>
         </p:txBody>
